--- a/Networking Advanced - Chapter5 - NAT.pptx
+++ b/Networking Advanced - Chapter5 - NAT.pptx
@@ -6,60 +6,59 @@
     <p:sldMasterId id="2147483945" r:id="rId2"/>
   </p:sldMasterIdLst>
   <p:notesMasterIdLst>
-    <p:notesMasterId r:id="rId51"/>
+    <p:notesMasterId r:id="rId50"/>
   </p:notesMasterIdLst>
   <p:handoutMasterIdLst>
-    <p:handoutMasterId r:id="rId52"/>
+    <p:handoutMasterId r:id="rId51"/>
   </p:handoutMasterIdLst>
   <p:sldIdLst>
     <p:sldId id="500" r:id="rId3"/>
     <p:sldId id="541" r:id="rId4"/>
-    <p:sldId id="782" r:id="rId5"/>
-    <p:sldId id="826" r:id="rId6"/>
-    <p:sldId id="785" r:id="rId7"/>
-    <p:sldId id="787" r:id="rId8"/>
-    <p:sldId id="786" r:id="rId9"/>
-    <p:sldId id="788" r:id="rId10"/>
-    <p:sldId id="789" r:id="rId11"/>
-    <p:sldId id="791" r:id="rId12"/>
-    <p:sldId id="792" r:id="rId13"/>
-    <p:sldId id="793" r:id="rId14"/>
-    <p:sldId id="794" r:id="rId15"/>
-    <p:sldId id="795" r:id="rId16"/>
-    <p:sldId id="796" r:id="rId17"/>
-    <p:sldId id="797" r:id="rId18"/>
-    <p:sldId id="798" r:id="rId19"/>
-    <p:sldId id="799" r:id="rId20"/>
-    <p:sldId id="827" r:id="rId21"/>
-    <p:sldId id="800" r:id="rId22"/>
-    <p:sldId id="801" r:id="rId23"/>
-    <p:sldId id="802" r:id="rId24"/>
-    <p:sldId id="803" r:id="rId25"/>
-    <p:sldId id="804" r:id="rId26"/>
-    <p:sldId id="805" r:id="rId27"/>
-    <p:sldId id="806" r:id="rId28"/>
-    <p:sldId id="807" r:id="rId29"/>
-    <p:sldId id="808" r:id="rId30"/>
-    <p:sldId id="809" r:id="rId31"/>
-    <p:sldId id="810" r:id="rId32"/>
-    <p:sldId id="811" r:id="rId33"/>
-    <p:sldId id="812" r:id="rId34"/>
-    <p:sldId id="813" r:id="rId35"/>
-    <p:sldId id="814" r:id="rId36"/>
-    <p:sldId id="815" r:id="rId37"/>
-    <p:sldId id="816" r:id="rId38"/>
-    <p:sldId id="817" r:id="rId39"/>
-    <p:sldId id="818" r:id="rId40"/>
-    <p:sldId id="819" r:id="rId41"/>
-    <p:sldId id="820" r:id="rId42"/>
-    <p:sldId id="822" r:id="rId43"/>
-    <p:sldId id="821" r:id="rId44"/>
-    <p:sldId id="828" r:id="rId45"/>
-    <p:sldId id="823" r:id="rId46"/>
-    <p:sldId id="824" r:id="rId47"/>
-    <p:sldId id="783" r:id="rId48"/>
-    <p:sldId id="825" r:id="rId49"/>
-    <p:sldId id="681" r:id="rId50"/>
+    <p:sldId id="826" r:id="rId5"/>
+    <p:sldId id="785" r:id="rId6"/>
+    <p:sldId id="787" r:id="rId7"/>
+    <p:sldId id="786" r:id="rId8"/>
+    <p:sldId id="788" r:id="rId9"/>
+    <p:sldId id="789" r:id="rId10"/>
+    <p:sldId id="791" r:id="rId11"/>
+    <p:sldId id="792" r:id="rId12"/>
+    <p:sldId id="793" r:id="rId13"/>
+    <p:sldId id="794" r:id="rId14"/>
+    <p:sldId id="795" r:id="rId15"/>
+    <p:sldId id="796" r:id="rId16"/>
+    <p:sldId id="797" r:id="rId17"/>
+    <p:sldId id="798" r:id="rId18"/>
+    <p:sldId id="799" r:id="rId19"/>
+    <p:sldId id="827" r:id="rId20"/>
+    <p:sldId id="800" r:id="rId21"/>
+    <p:sldId id="801" r:id="rId22"/>
+    <p:sldId id="802" r:id="rId23"/>
+    <p:sldId id="803" r:id="rId24"/>
+    <p:sldId id="804" r:id="rId25"/>
+    <p:sldId id="805" r:id="rId26"/>
+    <p:sldId id="806" r:id="rId27"/>
+    <p:sldId id="807" r:id="rId28"/>
+    <p:sldId id="808" r:id="rId29"/>
+    <p:sldId id="809" r:id="rId30"/>
+    <p:sldId id="810" r:id="rId31"/>
+    <p:sldId id="811" r:id="rId32"/>
+    <p:sldId id="812" r:id="rId33"/>
+    <p:sldId id="813" r:id="rId34"/>
+    <p:sldId id="814" r:id="rId35"/>
+    <p:sldId id="815" r:id="rId36"/>
+    <p:sldId id="816" r:id="rId37"/>
+    <p:sldId id="817" r:id="rId38"/>
+    <p:sldId id="818" r:id="rId39"/>
+    <p:sldId id="819" r:id="rId40"/>
+    <p:sldId id="820" r:id="rId41"/>
+    <p:sldId id="822" r:id="rId42"/>
+    <p:sldId id="821" r:id="rId43"/>
+    <p:sldId id="828" r:id="rId44"/>
+    <p:sldId id="823" r:id="rId45"/>
+    <p:sldId id="824" r:id="rId46"/>
+    <p:sldId id="783" r:id="rId47"/>
+    <p:sldId id="825" r:id="rId48"/>
+    <p:sldId id="681" r:id="rId49"/>
   </p:sldIdLst>
   <p:sldSz cx="9144000" cy="6858000" type="screen4x3"/>
   <p:notesSz cx="7010400" cy="9296400"/>
@@ -203,6 +202,25 @@
       </a:defRPr>
     </a:lvl9pPr>
   </p:defaultTextStyle>
+  <p:extLst>
+    <p:ext uri="{EFAFB233-063F-42B5-8137-9DF3F51BA10A}">
+      <p15:sldGuideLst xmlns:p15="http://schemas.microsoft.com/office/powerpoint/2012/main">
+        <p15:guide id="1" orient="horz" pos="2160">
+          <p15:clr>
+            <a:srgbClr val="A4A3A4"/>
+          </p15:clr>
+        </p15:guide>
+        <p15:guide id="2" pos="2880">
+          <p15:clr>
+            <a:srgbClr val="A4A3A4"/>
+          </p15:clr>
+        </p15:guide>
+      </p15:sldGuideLst>
+    </p:ext>
+    <p:ext uri="{2D200454-40CA-4A62-9FC3-DE9A4176ACB9}">
+      <p15:notesGuideLst xmlns:p15="http://schemas.microsoft.com/office/powerpoint/2012/main"/>
+    </p:ext>
+  </p:extLst>
 </p:presentation>
 </file>
 
@@ -210,7 +228,28 @@
 <p:cmAuthorLst xmlns:a="http://schemas.openxmlformats.org/drawingml/2006/main" xmlns:r="http://schemas.openxmlformats.org/officeDocument/2006/relationships" xmlns:p="http://schemas.openxmlformats.org/presentationml/2006/main">
   <p:cmAuthor id="0" name="vittoria deloulay" initials="vd" lastIdx="9" clrIdx="0"/>
   <p:cmAuthor id="1" name="carykell" initials="c" lastIdx="3" clrIdx="1"/>
+  <p:cmAuthor id="2" name="ruben bracke" initials="rb" lastIdx="1" clrIdx="2">
+    <p:extLst>
+      <p:ext uri="{19B8F6BF-5375-455C-9EA6-DF929625EA0E}">
+        <p15:presenceInfo xmlns:p15="http://schemas.microsoft.com/office/powerpoint/2012/main" userId="137407bfca75f8ae" providerId="Windows Live"/>
+      </p:ext>
+    </p:extLst>
+  </p:cmAuthor>
 </p:cmAuthorLst>
+</file>
+
+<file path=ppt/comments/comment1.xml><?xml version="1.0" encoding="utf-8"?>
+<p:cmLst xmlns:a="http://schemas.openxmlformats.org/drawingml/2006/main" xmlns:r="http://schemas.openxmlformats.org/officeDocument/2006/relationships" xmlns:p="http://schemas.openxmlformats.org/presentationml/2006/main">
+  <p:cm authorId="2" dt="2017-04-23T22:51:26.563" idx="1">
+    <p:pos x="10" y="10"/>
+    <p:text/>
+    <p:extLst>
+      <p:ext uri="{C676402C-5697-4E1C-873F-D02D1690AC5C}">
+        <p15:threadingInfo xmlns:p15="http://schemas.microsoft.com/office/powerpoint/2012/main" timeZoneBias="-120"/>
+      </p:ext>
+    </p:extLst>
+  </p:cm>
+</p:cmLst>
 </file>
 
 <file path=ppt/handoutMasters/handoutMaster1.xml><?xml version="1.0" encoding="utf-8"?>
@@ -714,35 +753,35 @@
           <a:p>
             <a:pPr lvl="0"/>
             <a:r>
-              <a:rPr lang="en-US" noProof="0" smtClean="0"/>
+              <a:rPr lang="en-US" noProof="0"/>
               <a:t>Body Text</a:t>
             </a:r>
           </a:p>
           <a:p>
             <a:pPr lvl="1"/>
             <a:r>
-              <a:rPr lang="en-US" noProof="0" smtClean="0"/>
+              <a:rPr lang="en-US" noProof="0"/>
               <a:t>Second Level</a:t>
             </a:r>
           </a:p>
           <a:p>
             <a:pPr lvl="2"/>
             <a:r>
-              <a:rPr lang="en-US" noProof="0" smtClean="0"/>
+              <a:rPr lang="en-US" noProof="0"/>
               <a:t>Third Level</a:t>
             </a:r>
           </a:p>
           <a:p>
             <a:pPr lvl="3"/>
             <a:r>
-              <a:rPr lang="en-US" noProof="0" smtClean="0"/>
+              <a:rPr lang="en-US" noProof="0"/>
               <a:t>Fourth Level</a:t>
             </a:r>
           </a:p>
           <a:p>
             <a:pPr lvl="4"/>
             <a:r>
-              <a:rPr lang="en-US" noProof="0" smtClean="0"/>
+              <a:rPr lang="en-US" noProof="0"/>
               <a:t>Fifth Level</a:t>
             </a:r>
           </a:p>
@@ -945,7 +984,7 @@
               <a:pPr/>
               <a:t>1</a:t>
             </a:fld>
-            <a:endParaRPr lang="en-US" dirty="0" smtClean="0"/>
+            <a:endParaRPr lang="en-US" dirty="0"/>
           </a:p>
         </p:txBody>
       </p:sp>
@@ -990,7 +1029,7 @@
               <a:buNone/>
             </a:pPr>
             <a:r>
-              <a:rPr lang="en-US" b="1" dirty="0" smtClean="0"/>
+              <a:rPr lang="en-US" b="1" dirty="0"/>
               <a:t>Cisco Networking Academy program</a:t>
             </a:r>
           </a:p>
@@ -1000,7 +1039,7 @@
               <a:buNone/>
             </a:pPr>
             <a:r>
-              <a:rPr lang="en-US" b="1" dirty="0" smtClean="0"/>
+              <a:rPr lang="en-US" b="1" dirty="0"/>
               <a:t>Connecting Networks</a:t>
             </a:r>
           </a:p>
@@ -1010,14 +1049,14 @@
               <a:buNone/>
             </a:pPr>
             <a:r>
-              <a:rPr lang="en-US" sz="1300" b="1" dirty="0" smtClean="0"/>
+              <a:rPr lang="en-US" sz="1300" b="1" dirty="0"/>
               <a:t>Chapter 5: </a:t>
             </a:r>
             <a:r>
-              <a:rPr lang="en-US" sz="1400" b="1" dirty="0" smtClean="0"/>
+              <a:rPr lang="en-US" sz="1400" b="1" dirty="0"/>
               <a:t>Network Address Translation for IPv4</a:t>
             </a:r>
-            <a:endParaRPr lang="en-GB" b="1" dirty="0" smtClean="0"/>
+            <a:endParaRPr lang="en-GB" b="1" dirty="0"/>
           </a:p>
         </p:txBody>
       </p:sp>
@@ -1068,7 +1107,7 @@
               <a:pPr/>
               <a:t>10</a:t>
             </a:fld>
-            <a:endParaRPr lang="en-US" dirty="0" smtClean="0"/>
+            <a:endParaRPr lang="en-US" dirty="0"/>
           </a:p>
         </p:txBody>
       </p:sp>
@@ -1109,29 +1148,23 @@
               <a:buNone/>
             </a:pPr>
             <a:r>
-              <a:rPr lang="en-US" b="1" dirty="0" smtClean="0"/>
-              <a:t>5.1.1.4 </a:t>
-            </a:r>
-            <a:r>
-              <a:rPr lang="en-US" b="1" dirty="0" smtClean="0">
+              <a:rPr lang="en-US" b="1" dirty="0"/>
+              <a:t>5.1.2.1 </a:t>
+            </a:r>
+            <a:r>
+              <a:rPr lang="en-US" b="1" dirty="0">
                 <a:ea typeface="ＭＳ Ｐゴシック" pitchFamily="34" charset="-128"/>
               </a:rPr>
-              <a:t>NAT</a:t>
-            </a:r>
-            <a:r>
-              <a:rPr lang="en-US" b="1" baseline="0" dirty="0" smtClean="0">
-                <a:ea typeface="ＭＳ Ｐゴシック" pitchFamily="34" charset="-128"/>
-              </a:rPr>
-              <a:t> Terminology (cont.)</a:t>
-            </a:r>
-            <a:endParaRPr lang="en-US" b="1" dirty="0" smtClean="0"/>
+              <a:t>Static NAT</a:t>
+            </a:r>
+            <a:endParaRPr lang="en-US" b="1" dirty="0"/>
           </a:p>
           <a:p>
             <a:pPr>
               <a:buFontTx/>
               <a:buNone/>
             </a:pPr>
-            <a:endParaRPr lang="en-US" b="1" dirty="0" smtClean="0"/>
+            <a:endParaRPr lang="en-US" b="1" dirty="0"/>
           </a:p>
         </p:txBody>
       </p:sp>
@@ -1182,7 +1215,7 @@
               <a:pPr/>
               <a:t>11</a:t>
             </a:fld>
-            <a:endParaRPr lang="en-US" dirty="0" smtClean="0"/>
+            <a:endParaRPr lang="en-US" dirty="0"/>
           </a:p>
         </p:txBody>
       </p:sp>
@@ -1223,23 +1256,23 @@
               <a:buNone/>
             </a:pPr>
             <a:r>
-              <a:rPr lang="en-US" b="1" dirty="0" smtClean="0"/>
+              <a:rPr lang="en-US" b="1" dirty="0"/>
               <a:t>5.1.2.1 </a:t>
             </a:r>
             <a:r>
-              <a:rPr lang="en-US" b="1" dirty="0" smtClean="0">
+              <a:rPr lang="en-US" b="1" dirty="0">
                 <a:ea typeface="ＭＳ Ｐゴシック" pitchFamily="34" charset="-128"/>
               </a:rPr>
-              <a:t>Static NAT</a:t>
-            </a:r>
-            <a:endParaRPr lang="en-US" b="1" dirty="0" smtClean="0"/>
+              <a:t>Static NAT (cont.)</a:t>
+            </a:r>
+            <a:endParaRPr lang="en-US" b="1" dirty="0"/>
           </a:p>
           <a:p>
             <a:pPr>
               <a:buFontTx/>
               <a:buNone/>
             </a:pPr>
-            <a:endParaRPr lang="en-US" b="1" dirty="0" smtClean="0"/>
+            <a:endParaRPr lang="en-US" b="1" dirty="0"/>
           </a:p>
         </p:txBody>
       </p:sp>
@@ -1290,7 +1323,7 @@
               <a:pPr/>
               <a:t>12</a:t>
             </a:fld>
-            <a:endParaRPr lang="en-US" dirty="0" smtClean="0"/>
+            <a:endParaRPr lang="en-US" dirty="0"/>
           </a:p>
         </p:txBody>
       </p:sp>
@@ -1331,23 +1364,23 @@
               <a:buNone/>
             </a:pPr>
             <a:r>
-              <a:rPr lang="en-US" b="1" dirty="0" smtClean="0"/>
-              <a:t>5.1.2.1 </a:t>
-            </a:r>
-            <a:r>
-              <a:rPr lang="en-US" b="1" dirty="0" smtClean="0">
+              <a:rPr lang="en-US" b="1" dirty="0"/>
+              <a:t>5.1.2.2 </a:t>
+            </a:r>
+            <a:r>
+              <a:rPr lang="en-US" b="1" dirty="0">
                 <a:ea typeface="ＭＳ Ｐゴシック" pitchFamily="34" charset="-128"/>
               </a:rPr>
-              <a:t>Static NAT (cont.)</a:t>
-            </a:r>
-            <a:endParaRPr lang="en-US" b="1" dirty="0" smtClean="0"/>
+              <a:t>Dynamic NAT</a:t>
+            </a:r>
+            <a:endParaRPr lang="en-US" b="1" dirty="0"/>
           </a:p>
           <a:p>
             <a:pPr>
               <a:buFontTx/>
               <a:buNone/>
             </a:pPr>
-            <a:endParaRPr lang="en-US" b="1" dirty="0" smtClean="0"/>
+            <a:endParaRPr lang="en-US" b="1" dirty="0"/>
           </a:p>
         </p:txBody>
       </p:sp>
@@ -1398,7 +1431,7 @@
               <a:pPr/>
               <a:t>13</a:t>
             </a:fld>
-            <a:endParaRPr lang="en-US" dirty="0" smtClean="0"/>
+            <a:endParaRPr lang="en-US" dirty="0"/>
           </a:p>
         </p:txBody>
       </p:sp>
@@ -1439,23 +1472,23 @@
               <a:buNone/>
             </a:pPr>
             <a:r>
-              <a:rPr lang="en-US" b="1" dirty="0" smtClean="0"/>
+              <a:rPr lang="en-US" b="1" dirty="0"/>
               <a:t>5.1.2.2 </a:t>
             </a:r>
             <a:r>
-              <a:rPr lang="en-US" b="1" dirty="0" smtClean="0">
+              <a:rPr lang="en-US" b="1" dirty="0">
                 <a:ea typeface="ＭＳ Ｐゴシック" pitchFamily="34" charset="-128"/>
               </a:rPr>
-              <a:t>Dynamic NAT</a:t>
-            </a:r>
-            <a:endParaRPr lang="en-US" b="1" dirty="0" smtClean="0"/>
+              <a:t>Dynamic NAT (cont.)</a:t>
+            </a:r>
+            <a:endParaRPr lang="en-US" b="1" dirty="0"/>
           </a:p>
           <a:p>
             <a:pPr>
               <a:buFontTx/>
               <a:buNone/>
             </a:pPr>
-            <a:endParaRPr lang="en-US" b="1" dirty="0" smtClean="0"/>
+            <a:endParaRPr lang="en-US" b="1" dirty="0"/>
           </a:p>
         </p:txBody>
       </p:sp>
@@ -1506,7 +1539,7 @@
               <a:pPr/>
               <a:t>14</a:t>
             </a:fld>
-            <a:endParaRPr lang="en-US" dirty="0" smtClean="0"/>
+            <a:endParaRPr lang="en-US" dirty="0"/>
           </a:p>
         </p:txBody>
       </p:sp>
@@ -1547,23 +1580,16 @@
               <a:buNone/>
             </a:pPr>
             <a:r>
-              <a:rPr lang="en-US" b="1" dirty="0" smtClean="0"/>
-              <a:t>5.1.2.2 </a:t>
-            </a:r>
-            <a:r>
-              <a:rPr lang="en-US" b="1" dirty="0" smtClean="0">
+              <a:rPr lang="en-US" b="1" dirty="0"/>
+              <a:t>5.1.2.3 </a:t>
+            </a:r>
+            <a:r>
+              <a:rPr lang="en-US" b="1" dirty="0">
                 <a:ea typeface="ＭＳ Ｐゴシック" pitchFamily="34" charset="-128"/>
               </a:rPr>
-              <a:t>Dynamic NAT (cont.)</a:t>
-            </a:r>
-            <a:endParaRPr lang="en-US" b="1" dirty="0" smtClean="0"/>
-          </a:p>
-          <a:p>
-            <a:pPr>
-              <a:buFontTx/>
-              <a:buNone/>
-            </a:pPr>
-            <a:endParaRPr lang="en-US" b="1" dirty="0" smtClean="0"/>
+              <a:t>Port Address Translation NAT</a:t>
+            </a:r>
+            <a:endParaRPr lang="en-US" b="1" dirty="0"/>
           </a:p>
         </p:txBody>
       </p:sp>
@@ -1614,7 +1640,7 @@
               <a:pPr/>
               <a:t>15</a:t>
             </a:fld>
-            <a:endParaRPr lang="en-US" dirty="0" smtClean="0"/>
+            <a:endParaRPr lang="en-US" dirty="0"/>
           </a:p>
         </p:txBody>
       </p:sp>
@@ -1655,16 +1681,23 @@
               <a:buNone/>
             </a:pPr>
             <a:r>
-              <a:rPr lang="en-US" b="1" dirty="0" smtClean="0"/>
-              <a:t>5.1.2.3 </a:t>
-            </a:r>
-            <a:r>
-              <a:rPr lang="en-US" b="1" dirty="0" smtClean="0">
+              <a:rPr lang="en-US" b="1" dirty="0"/>
+              <a:t>5.1.2.5 </a:t>
+            </a:r>
+            <a:r>
+              <a:rPr lang="en-US" b="1" dirty="0">
                 <a:ea typeface="ＭＳ Ｐゴシック" pitchFamily="34" charset="-128"/>
               </a:rPr>
-              <a:t>Port Address Translation NAT</a:t>
-            </a:r>
-            <a:endParaRPr lang="en-US" b="1" dirty="0" smtClean="0"/>
+              <a:t>Comparing NAT and PAT</a:t>
+            </a:r>
+            <a:endParaRPr lang="en-US" b="1" dirty="0"/>
+          </a:p>
+          <a:p>
+            <a:pPr>
+              <a:buFontTx/>
+              <a:buNone/>
+            </a:pPr>
+            <a:endParaRPr lang="en-US" b="1" dirty="0"/>
           </a:p>
         </p:txBody>
       </p:sp>
@@ -1715,7 +1748,7 @@
               <a:pPr/>
               <a:t>16</a:t>
             </a:fld>
-            <a:endParaRPr lang="en-US" dirty="0" smtClean="0"/>
+            <a:endParaRPr lang="en-US" dirty="0"/>
           </a:p>
         </p:txBody>
       </p:sp>
@@ -1756,23 +1789,23 @@
               <a:buNone/>
             </a:pPr>
             <a:r>
-              <a:rPr lang="en-US" b="1" dirty="0" smtClean="0"/>
-              <a:t>5.1.2.5 </a:t>
-            </a:r>
-            <a:r>
-              <a:rPr lang="en-US" b="1" dirty="0" smtClean="0">
+              <a:rPr lang="en-US" b="1" dirty="0"/>
+              <a:t>5.1.3.1 </a:t>
+            </a:r>
+            <a:r>
+              <a:rPr lang="en-US" sz="1200" b="1" dirty="0">
                 <a:ea typeface="ＭＳ Ｐゴシック" pitchFamily="34" charset="-128"/>
               </a:rPr>
-              <a:t>Comparing NAT and PAT</a:t>
-            </a:r>
-            <a:endParaRPr lang="en-US" b="1" dirty="0" smtClean="0"/>
+              <a:t>Benefits of NAT</a:t>
+            </a:r>
+            <a:endParaRPr lang="en-US" b="1" dirty="0"/>
           </a:p>
           <a:p>
             <a:pPr>
               <a:buFontTx/>
               <a:buNone/>
             </a:pPr>
-            <a:endParaRPr lang="en-US" b="1" dirty="0" smtClean="0"/>
+            <a:endParaRPr lang="en-US" b="1" dirty="0"/>
           </a:p>
         </p:txBody>
       </p:sp>
@@ -1823,7 +1856,7 @@
               <a:pPr/>
               <a:t>17</a:t>
             </a:fld>
-            <a:endParaRPr lang="en-US" dirty="0" smtClean="0"/>
+            <a:endParaRPr lang="en-US" dirty="0"/>
           </a:p>
         </p:txBody>
       </p:sp>
@@ -1864,23 +1897,23 @@
               <a:buNone/>
             </a:pPr>
             <a:r>
-              <a:rPr lang="en-US" b="1" dirty="0" smtClean="0"/>
-              <a:t>5.1.3.1 </a:t>
-            </a:r>
-            <a:r>
-              <a:rPr lang="en-US" sz="1200" b="1" dirty="0" smtClean="0">
+              <a:rPr lang="en-US" b="1" dirty="0"/>
+              <a:t>5.1.3.2 </a:t>
+            </a:r>
+            <a:r>
+              <a:rPr lang="en-US" b="1" dirty="0">
                 <a:ea typeface="ＭＳ Ｐゴシック" pitchFamily="34" charset="-128"/>
               </a:rPr>
-              <a:t>Benefits of NAT</a:t>
-            </a:r>
-            <a:endParaRPr lang="en-US" b="1" dirty="0" smtClean="0"/>
+              <a:t>Disadvantages of NAT</a:t>
+            </a:r>
+            <a:endParaRPr lang="en-US" b="1" dirty="0"/>
           </a:p>
           <a:p>
             <a:pPr>
               <a:buFontTx/>
               <a:buNone/>
             </a:pPr>
-            <a:endParaRPr lang="en-US" b="1" dirty="0" smtClean="0"/>
+            <a:endParaRPr lang="en-US" b="1" dirty="0"/>
           </a:p>
         </p:txBody>
       </p:sp>
@@ -1911,7 +1944,7 @@
       </p:grpSpPr>
       <p:sp>
         <p:nvSpPr>
-          <p:cNvPr id="34818" name="Rectangle 11"/>
+          <p:cNvPr id="31746" name="Rectangle 11"/>
           <p:cNvSpPr>
             <a:spLocks noGrp="1" noChangeArrowheads="1"/>
           </p:cNvSpPr>
@@ -1926,18 +1959,18 @@
           <a:bodyPr/>
           <a:lstStyle/>
           <a:p>
-            <a:fld id="{E2906053-E8A2-4DAD-B57C-C8945C1AD1DD}" type="slidenum">
+            <a:fld id="{F602A389-8690-465F-BB28-DC61C90E42E7}" type="slidenum">
               <a:rPr lang="en-US" smtClean="0"/>
               <a:pPr/>
               <a:t>18</a:t>
             </a:fld>
-            <a:endParaRPr lang="en-US" dirty="0" smtClean="0"/>
-          </a:p>
-        </p:txBody>
-      </p:sp>
-      <p:sp>
-        <p:nvSpPr>
-          <p:cNvPr id="34819" name="Rectangle 2"/>
+            <a:endParaRPr lang="en-US" dirty="0"/>
+          </a:p>
+        </p:txBody>
+      </p:sp>
+      <p:sp>
+        <p:nvSpPr>
+          <p:cNvPr id="31747" name="Rectangle 2"/>
           <p:cNvSpPr>
             <a:spLocks noGrp="1" noRot="1" noChangeAspect="1" noChangeArrowheads="1" noTextEdit="1"/>
           </p:cNvSpPr>
@@ -1951,7 +1984,7 @@
       </p:sp>
       <p:sp>
         <p:nvSpPr>
-          <p:cNvPr id="34820" name="Rectangle 3"/>
+          <p:cNvPr id="31748" name="Rectangle 3"/>
           <p:cNvSpPr>
             <a:spLocks noGrp="1" noChangeArrowheads="1"/>
           </p:cNvSpPr>
@@ -1960,6 +1993,10 @@
           </p:nvPr>
         </p:nvSpPr>
         <p:spPr>
+          <a:xfrm>
+            <a:off x="404813" y="4378325"/>
+            <a:ext cx="6121400" cy="4252913"/>
+          </a:xfrm>
           <a:noFill/>
           <a:ln/>
         </p:spPr>
@@ -1972,23 +2009,10 @@
               <a:buNone/>
             </a:pPr>
             <a:r>
-              <a:rPr lang="en-US" b="1" dirty="0" smtClean="0"/>
-              <a:t>5.1.3.2 </a:t>
-            </a:r>
-            <a:r>
-              <a:rPr lang="en-US" b="1" dirty="0" smtClean="0">
-                <a:ea typeface="ＭＳ Ｐゴシック" pitchFamily="34" charset="-128"/>
-              </a:rPr>
-              <a:t>Disadvantages of NAT</a:t>
-            </a:r>
-            <a:endParaRPr lang="en-US" b="1" dirty="0" smtClean="0"/>
-          </a:p>
-          <a:p>
-            <a:pPr>
-              <a:buFontTx/>
-              <a:buNone/>
-            </a:pPr>
-            <a:endParaRPr lang="en-US" b="1" dirty="0" smtClean="0"/>
+              <a:rPr lang="en-US" b="1" dirty="0"/>
+              <a:t>5.2 Configuring NAT</a:t>
+            </a:r>
+            <a:endParaRPr lang="en-GB" b="1" dirty="0"/>
           </a:p>
         </p:txBody>
       </p:sp>
@@ -2019,7 +2043,7 @@
       </p:grpSpPr>
       <p:sp>
         <p:nvSpPr>
-          <p:cNvPr id="31746" name="Rectangle 11"/>
+          <p:cNvPr id="34818" name="Rectangle 11"/>
           <p:cNvSpPr>
             <a:spLocks noGrp="1" noChangeArrowheads="1"/>
           </p:cNvSpPr>
@@ -2034,18 +2058,18 @@
           <a:bodyPr/>
           <a:lstStyle/>
           <a:p>
-            <a:fld id="{F602A389-8690-465F-BB28-DC61C90E42E7}" type="slidenum">
+            <a:fld id="{E2906053-E8A2-4DAD-B57C-C8945C1AD1DD}" type="slidenum">
               <a:rPr lang="en-US" smtClean="0"/>
               <a:pPr/>
               <a:t>19</a:t>
             </a:fld>
-            <a:endParaRPr lang="en-US" dirty="0" smtClean="0"/>
-          </a:p>
-        </p:txBody>
-      </p:sp>
-      <p:sp>
-        <p:nvSpPr>
-          <p:cNvPr id="31747" name="Rectangle 2"/>
+            <a:endParaRPr lang="en-US" dirty="0"/>
+          </a:p>
+        </p:txBody>
+      </p:sp>
+      <p:sp>
+        <p:nvSpPr>
+          <p:cNvPr id="34819" name="Rectangle 2"/>
           <p:cNvSpPr>
             <a:spLocks noGrp="1" noRot="1" noChangeAspect="1" noChangeArrowheads="1" noTextEdit="1"/>
           </p:cNvSpPr>
@@ -2059,7 +2083,7 @@
       </p:sp>
       <p:sp>
         <p:nvSpPr>
-          <p:cNvPr id="31748" name="Rectangle 3"/>
+          <p:cNvPr id="34820" name="Rectangle 3"/>
           <p:cNvSpPr>
             <a:spLocks noGrp="1" noChangeArrowheads="1"/>
           </p:cNvSpPr>
@@ -2068,10 +2092,6 @@
           </p:nvPr>
         </p:nvSpPr>
         <p:spPr>
-          <a:xfrm>
-            <a:off x="404813" y="4378325"/>
-            <a:ext cx="6121400" cy="4252913"/>
-          </a:xfrm>
           <a:noFill/>
           <a:ln/>
         </p:spPr>
@@ -2084,10 +2104,23 @@
               <a:buNone/>
             </a:pPr>
             <a:r>
-              <a:rPr lang="en-US" b="1" dirty="0" smtClean="0"/>
-              <a:t>5.2 Configuring NAT</a:t>
-            </a:r>
-            <a:endParaRPr lang="en-GB" b="1" dirty="0" smtClean="0"/>
+              <a:rPr lang="en-US" b="1" dirty="0"/>
+              <a:t>5.2.1.1 </a:t>
+            </a:r>
+            <a:r>
+              <a:rPr lang="en-US" b="1" dirty="0">
+                <a:ea typeface="ＭＳ Ｐゴシック" pitchFamily="34" charset="-128"/>
+              </a:rPr>
+              <a:t>Configuring Static NAT</a:t>
+            </a:r>
+            <a:endParaRPr lang="en-US" b="1" dirty="0"/>
+          </a:p>
+          <a:p>
+            <a:pPr>
+              <a:buFontTx/>
+              <a:buNone/>
+            </a:pPr>
+            <a:endParaRPr lang="en-US" b="1" dirty="0"/>
           </a:p>
         </p:txBody>
       </p:sp>
@@ -2138,7 +2171,7 @@
               <a:pPr/>
               <a:t>2</a:t>
             </a:fld>
-            <a:endParaRPr lang="en-US" dirty="0" smtClean="0"/>
+            <a:endParaRPr lang="en-US" dirty="0"/>
           </a:p>
         </p:txBody>
       </p:sp>
@@ -2179,7 +2212,7 @@
               <a:buNone/>
             </a:pPr>
             <a:r>
-              <a:rPr lang="en-US" b="1" dirty="0" smtClean="0"/>
+              <a:rPr lang="en-US" b="1" dirty="0"/>
               <a:t>Chapter 5</a:t>
             </a:r>
           </a:p>
@@ -2232,7 +2265,7 @@
               <a:pPr/>
               <a:t>20</a:t>
             </a:fld>
-            <a:endParaRPr lang="en-US" dirty="0" smtClean="0"/>
+            <a:endParaRPr lang="en-US" dirty="0"/>
           </a:p>
         </p:txBody>
       </p:sp>
@@ -2273,23 +2306,23 @@
               <a:buNone/>
             </a:pPr>
             <a:r>
-              <a:rPr lang="en-US" b="1" dirty="0" smtClean="0"/>
+              <a:rPr lang="en-US" b="1" dirty="0"/>
               <a:t>5.2.1.1 </a:t>
             </a:r>
             <a:r>
-              <a:rPr lang="en-US" b="1" dirty="0" smtClean="0">
+              <a:rPr lang="en-US" b="1" dirty="0">
                 <a:ea typeface="ＭＳ Ｐゴシック" pitchFamily="34" charset="-128"/>
               </a:rPr>
               <a:t>Configuring Static NAT</a:t>
             </a:r>
-            <a:endParaRPr lang="en-US" b="1" dirty="0" smtClean="0"/>
+            <a:endParaRPr lang="en-US" b="1" dirty="0"/>
           </a:p>
           <a:p>
             <a:pPr>
               <a:buFontTx/>
               <a:buNone/>
             </a:pPr>
-            <a:endParaRPr lang="en-US" b="1" dirty="0" smtClean="0"/>
+            <a:endParaRPr lang="en-US" b="1" dirty="0"/>
           </a:p>
         </p:txBody>
       </p:sp>
@@ -2340,7 +2373,7 @@
               <a:pPr/>
               <a:t>21</a:t>
             </a:fld>
-            <a:endParaRPr lang="en-US" dirty="0" smtClean="0"/>
+            <a:endParaRPr lang="en-US" dirty="0"/>
           </a:p>
         </p:txBody>
       </p:sp>
@@ -2381,23 +2414,23 @@
               <a:buNone/>
             </a:pPr>
             <a:r>
-              <a:rPr lang="en-US" b="1" dirty="0" smtClean="0"/>
-              <a:t>5.2.1.1 </a:t>
-            </a:r>
-            <a:r>
-              <a:rPr lang="en-US" b="1" dirty="0" smtClean="0">
+              <a:rPr lang="en-US" b="1" dirty="0"/>
+              <a:t>5.2.1.2 </a:t>
+            </a:r>
+            <a:r>
+              <a:rPr lang="en-US" b="1" dirty="0">
                 <a:ea typeface="ＭＳ Ｐゴシック" pitchFamily="34" charset="-128"/>
               </a:rPr>
-              <a:t>Configuring Static NAT</a:t>
-            </a:r>
-            <a:endParaRPr lang="en-US" b="1" dirty="0" smtClean="0"/>
+              <a:t>Analyzing Static NAT</a:t>
+            </a:r>
+            <a:endParaRPr lang="en-US" b="1" dirty="0"/>
           </a:p>
           <a:p>
             <a:pPr>
               <a:buFontTx/>
               <a:buNone/>
             </a:pPr>
-            <a:endParaRPr lang="en-US" b="1" dirty="0" smtClean="0"/>
+            <a:endParaRPr lang="en-US" b="1" dirty="0"/>
           </a:p>
         </p:txBody>
       </p:sp>
@@ -2448,7 +2481,7 @@
               <a:pPr/>
               <a:t>22</a:t>
             </a:fld>
-            <a:endParaRPr lang="en-US" dirty="0" smtClean="0"/>
+            <a:endParaRPr lang="en-US" dirty="0"/>
           </a:p>
         </p:txBody>
       </p:sp>
@@ -2489,23 +2522,23 @@
               <a:buNone/>
             </a:pPr>
             <a:r>
-              <a:rPr lang="en-US" b="1" dirty="0" smtClean="0"/>
+              <a:rPr lang="en-US" b="1" dirty="0"/>
               <a:t>5.2.1.2 </a:t>
             </a:r>
             <a:r>
-              <a:rPr lang="en-US" b="1" dirty="0" smtClean="0">
+              <a:rPr lang="en-US" b="1" dirty="0">
                 <a:ea typeface="ＭＳ Ｐゴシック" pitchFamily="34" charset="-128"/>
               </a:rPr>
-              <a:t>Analyzing Static NAT</a:t>
-            </a:r>
-            <a:endParaRPr lang="en-US" b="1" dirty="0" smtClean="0"/>
+              <a:t>Verifying Static NAT</a:t>
+            </a:r>
+            <a:endParaRPr lang="en-US" b="1" dirty="0"/>
           </a:p>
           <a:p>
             <a:pPr>
               <a:buFontTx/>
               <a:buNone/>
             </a:pPr>
-            <a:endParaRPr lang="en-US" b="1" dirty="0" smtClean="0"/>
+            <a:endParaRPr lang="en-US" b="1" dirty="0"/>
           </a:p>
         </p:txBody>
       </p:sp>
@@ -2556,7 +2589,7 @@
               <a:pPr/>
               <a:t>23</a:t>
             </a:fld>
-            <a:endParaRPr lang="en-US" dirty="0" smtClean="0"/>
+            <a:endParaRPr lang="en-US" dirty="0"/>
           </a:p>
         </p:txBody>
       </p:sp>
@@ -2597,23 +2630,16 @@
               <a:buNone/>
             </a:pPr>
             <a:r>
-              <a:rPr lang="en-US" b="1" dirty="0" smtClean="0"/>
+              <a:rPr lang="en-US" b="1" dirty="0"/>
               <a:t>5.2.1.2 </a:t>
             </a:r>
             <a:r>
-              <a:rPr lang="en-US" b="1" dirty="0" smtClean="0">
+              <a:rPr lang="en-US" b="1" dirty="0">
                 <a:ea typeface="ＭＳ Ｐゴシック" pitchFamily="34" charset="-128"/>
               </a:rPr>
               <a:t>Verifying Static NAT</a:t>
             </a:r>
-            <a:endParaRPr lang="en-US" b="1" dirty="0" smtClean="0"/>
-          </a:p>
-          <a:p>
-            <a:pPr>
-              <a:buFontTx/>
-              <a:buNone/>
-            </a:pPr>
-            <a:endParaRPr lang="en-US" b="1" dirty="0" smtClean="0"/>
+            <a:endParaRPr lang="en-US" b="1" dirty="0"/>
           </a:p>
         </p:txBody>
       </p:sp>
@@ -2664,7 +2690,7 @@
               <a:pPr/>
               <a:t>24</a:t>
             </a:fld>
-            <a:endParaRPr lang="en-US" dirty="0" smtClean="0"/>
+            <a:endParaRPr lang="en-US" dirty="0"/>
           </a:p>
         </p:txBody>
       </p:sp>
@@ -2705,16 +2731,16 @@
               <a:buNone/>
             </a:pPr>
             <a:r>
-              <a:rPr lang="en-US" b="1" dirty="0" smtClean="0"/>
-              <a:t>5.2.1.2 </a:t>
-            </a:r>
-            <a:r>
-              <a:rPr lang="en-US" b="1" dirty="0" smtClean="0">
+              <a:rPr lang="en-US" b="1" dirty="0"/>
+              <a:t>5.2.2.1 </a:t>
+            </a:r>
+            <a:r>
+              <a:rPr lang="en-US" b="1" dirty="0">
                 <a:ea typeface="ＭＳ Ｐゴシック" pitchFamily="34" charset="-128"/>
               </a:rPr>
-              <a:t>Verifying Static NAT</a:t>
-            </a:r>
-            <a:endParaRPr lang="en-US" b="1" dirty="0" smtClean="0"/>
+              <a:t>Dynamic NAT Operation</a:t>
+            </a:r>
+            <a:endParaRPr lang="en-US" b="1" dirty="0"/>
           </a:p>
         </p:txBody>
       </p:sp>
@@ -2765,7 +2791,7 @@
               <a:pPr/>
               <a:t>25</a:t>
             </a:fld>
-            <a:endParaRPr lang="en-US" dirty="0" smtClean="0"/>
+            <a:endParaRPr lang="en-US" dirty="0"/>
           </a:p>
         </p:txBody>
       </p:sp>
@@ -2806,16 +2832,16 @@
               <a:buNone/>
             </a:pPr>
             <a:r>
-              <a:rPr lang="en-US" b="1" dirty="0" smtClean="0"/>
-              <a:t>5.2.2.1 </a:t>
-            </a:r>
-            <a:r>
-              <a:rPr lang="en-US" b="1" dirty="0" smtClean="0">
+              <a:rPr lang="en-US" b="1" dirty="0"/>
+              <a:t>5.2.2.2 </a:t>
+            </a:r>
+            <a:r>
+              <a:rPr lang="en-US" b="1" dirty="0">
                 <a:ea typeface="ＭＳ Ｐゴシック" pitchFamily="34" charset="-128"/>
               </a:rPr>
-              <a:t>Dynamic NAT Operation</a:t>
-            </a:r>
-            <a:endParaRPr lang="en-US" b="1" dirty="0" smtClean="0"/>
+              <a:t>Configuring Dynamic NAT</a:t>
+            </a:r>
+            <a:endParaRPr lang="en-US" b="1" dirty="0"/>
           </a:p>
         </p:txBody>
       </p:sp>
@@ -2866,7 +2892,7 @@
               <a:pPr/>
               <a:t>26</a:t>
             </a:fld>
-            <a:endParaRPr lang="en-US" dirty="0" smtClean="0"/>
+            <a:endParaRPr lang="en-US" dirty="0"/>
           </a:p>
         </p:txBody>
       </p:sp>
@@ -2907,16 +2933,16 @@
               <a:buNone/>
             </a:pPr>
             <a:r>
-              <a:rPr lang="en-US" b="1" dirty="0" smtClean="0"/>
-              <a:t>5.2.2.2 </a:t>
-            </a:r>
-            <a:r>
-              <a:rPr lang="en-US" b="1" dirty="0" smtClean="0">
+              <a:rPr lang="en-US" b="1" dirty="0"/>
+              <a:t>5.2.2.3 </a:t>
+            </a:r>
+            <a:r>
+              <a:rPr lang="en-US" b="1" dirty="0">
                 <a:ea typeface="ＭＳ Ｐゴシック" pitchFamily="34" charset="-128"/>
               </a:rPr>
-              <a:t>Configuring Dynamic NAT</a:t>
-            </a:r>
-            <a:endParaRPr lang="en-US" b="1" dirty="0" smtClean="0"/>
+              <a:t>Analyzing Dynamic NAT</a:t>
+            </a:r>
+            <a:endParaRPr lang="en-US" b="1" dirty="0"/>
           </a:p>
         </p:txBody>
       </p:sp>
@@ -2967,7 +2993,7 @@
               <a:pPr/>
               <a:t>27</a:t>
             </a:fld>
-            <a:endParaRPr lang="en-US" dirty="0" smtClean="0"/>
+            <a:endParaRPr lang="en-US" dirty="0"/>
           </a:p>
         </p:txBody>
       </p:sp>
@@ -3008,16 +3034,16 @@
               <a:buNone/>
             </a:pPr>
             <a:r>
-              <a:rPr lang="en-US" b="1" dirty="0" smtClean="0"/>
+              <a:rPr lang="en-US" b="1" dirty="0"/>
               <a:t>5.2.2.3 </a:t>
             </a:r>
             <a:r>
-              <a:rPr lang="en-US" b="1" dirty="0" smtClean="0">
+              <a:rPr lang="en-US" b="1" dirty="0">
                 <a:ea typeface="ＭＳ Ｐゴシック" pitchFamily="34" charset="-128"/>
               </a:rPr>
               <a:t>Analyzing Dynamic NAT</a:t>
             </a:r>
-            <a:endParaRPr lang="en-US" b="1" dirty="0" smtClean="0"/>
+            <a:endParaRPr lang="en-US" b="1" dirty="0"/>
           </a:p>
         </p:txBody>
       </p:sp>
@@ -3068,7 +3094,7 @@
               <a:pPr/>
               <a:t>28</a:t>
             </a:fld>
-            <a:endParaRPr lang="en-US" dirty="0" smtClean="0"/>
+            <a:endParaRPr lang="en-US" dirty="0"/>
           </a:p>
         </p:txBody>
       </p:sp>
@@ -3109,16 +3135,16 @@
               <a:buNone/>
             </a:pPr>
             <a:r>
-              <a:rPr lang="en-US" b="1" dirty="0" smtClean="0"/>
-              <a:t>5.2.2.3 </a:t>
-            </a:r>
-            <a:r>
-              <a:rPr lang="en-US" b="1" dirty="0" smtClean="0">
+              <a:rPr lang="en-US" b="1" dirty="0"/>
+              <a:t>5.2.2.4 </a:t>
+            </a:r>
+            <a:r>
+              <a:rPr lang="en-US" b="1" dirty="0">
                 <a:ea typeface="ＭＳ Ｐゴシック" pitchFamily="34" charset="-128"/>
               </a:rPr>
-              <a:t>Analyzing Dynamic NAT</a:t>
-            </a:r>
-            <a:endParaRPr lang="en-US" b="1" dirty="0" smtClean="0"/>
+              <a:t>Verifying Dynamic NAT</a:t>
+            </a:r>
+            <a:endParaRPr lang="en-US" b="1" dirty="0"/>
           </a:p>
         </p:txBody>
       </p:sp>
@@ -3169,7 +3195,7 @@
               <a:pPr/>
               <a:t>29</a:t>
             </a:fld>
-            <a:endParaRPr lang="en-US" dirty="0" smtClean="0"/>
+            <a:endParaRPr lang="en-US" dirty="0"/>
           </a:p>
         </p:txBody>
       </p:sp>
@@ -3210,16 +3236,16 @@
               <a:buNone/>
             </a:pPr>
             <a:r>
-              <a:rPr lang="en-US" b="1" dirty="0" smtClean="0"/>
+              <a:rPr lang="en-US" b="1" dirty="0"/>
               <a:t>5.2.2.4 </a:t>
             </a:r>
             <a:r>
-              <a:rPr lang="en-US" b="1" dirty="0" smtClean="0">
+              <a:rPr lang="en-US" b="1" dirty="0">
                 <a:ea typeface="ＭＳ Ｐゴシック" pitchFamily="34" charset="-128"/>
               </a:rPr>
               <a:t>Verifying Dynamic NAT</a:t>
             </a:r>
-            <a:endParaRPr lang="en-US" b="1" dirty="0" smtClean="0"/>
+            <a:endParaRPr lang="en-US" b="1" dirty="0"/>
           </a:p>
         </p:txBody>
       </p:sp>
@@ -3250,7 +3276,7 @@
       </p:grpSpPr>
       <p:sp>
         <p:nvSpPr>
-          <p:cNvPr id="34818" name="Rectangle 11"/>
+          <p:cNvPr id="31746" name="Rectangle 11"/>
           <p:cNvSpPr>
             <a:spLocks noGrp="1" noChangeArrowheads="1"/>
           </p:cNvSpPr>
@@ -3265,18 +3291,18 @@
           <a:bodyPr/>
           <a:lstStyle/>
           <a:p>
-            <a:fld id="{E2906053-E8A2-4DAD-B57C-C8945C1AD1DD}" type="slidenum">
+            <a:fld id="{F602A389-8690-465F-BB28-DC61C90E42E7}" type="slidenum">
               <a:rPr lang="en-US" smtClean="0"/>
               <a:pPr/>
               <a:t>3</a:t>
             </a:fld>
-            <a:endParaRPr lang="en-US" dirty="0" smtClean="0"/>
-          </a:p>
-        </p:txBody>
-      </p:sp>
-      <p:sp>
-        <p:nvSpPr>
-          <p:cNvPr id="34819" name="Rectangle 2"/>
+            <a:endParaRPr lang="en-US" dirty="0"/>
+          </a:p>
+        </p:txBody>
+      </p:sp>
+      <p:sp>
+        <p:nvSpPr>
+          <p:cNvPr id="31747" name="Rectangle 2"/>
           <p:cNvSpPr>
             <a:spLocks noGrp="1" noRot="1" noChangeAspect="1" noChangeArrowheads="1" noTextEdit="1"/>
           </p:cNvSpPr>
@@ -3290,7 +3316,7 @@
       </p:sp>
       <p:sp>
         <p:nvSpPr>
-          <p:cNvPr id="34820" name="Rectangle 3"/>
+          <p:cNvPr id="31748" name="Rectangle 3"/>
           <p:cNvSpPr>
             <a:spLocks noGrp="1" noChangeArrowheads="1"/>
           </p:cNvSpPr>
@@ -3299,6 +3325,10 @@
           </p:nvPr>
         </p:nvSpPr>
         <p:spPr>
+          <a:xfrm>
+            <a:off x="404813" y="4378325"/>
+            <a:ext cx="6121400" cy="4252913"/>
+          </a:xfrm>
           <a:noFill/>
           <a:ln/>
         </p:spPr>
@@ -3311,14 +3341,14 @@
               <a:buNone/>
             </a:pPr>
             <a:r>
-              <a:rPr lang="en-US" b="1" dirty="0" smtClean="0"/>
-              <a:t>Chapter</a:t>
-            </a:r>
-            <a:r>
-              <a:rPr lang="en-US" b="1" baseline="0" dirty="0" smtClean="0"/>
-              <a:t> 5 Objectives</a:t>
-            </a:r>
-            <a:endParaRPr lang="en-US" b="1" dirty="0" smtClean="0"/>
+              <a:rPr lang="en-US" b="1" dirty="0"/>
+              <a:t>5.1</a:t>
+            </a:r>
+            <a:r>
+              <a:rPr lang="en-US" b="1" baseline="0" dirty="0"/>
+              <a:t> NAT Operation</a:t>
+            </a:r>
+            <a:endParaRPr lang="en-GB" b="1" dirty="0"/>
           </a:p>
         </p:txBody>
       </p:sp>
@@ -3369,7 +3399,7 @@
               <a:pPr/>
               <a:t>30</a:t>
             </a:fld>
-            <a:endParaRPr lang="en-US" dirty="0" smtClean="0"/>
+            <a:endParaRPr lang="en-US" dirty="0"/>
           </a:p>
         </p:txBody>
       </p:sp>
@@ -3405,21 +3435,21 @@
           <a:bodyPr/>
           <a:lstStyle/>
           <a:p>
-            <a:pPr>
-              <a:buFontTx/>
+            <a:pPr marL="0" indent="0" eaLnBrk="1" hangingPunct="1">
+              <a:buFont typeface="Wingdings" pitchFamily="2" charset="2"/>
               <a:buNone/>
             </a:pPr>
             <a:r>
-              <a:rPr lang="en-US" b="1" dirty="0" smtClean="0"/>
-              <a:t>5.2.2.4 </a:t>
-            </a:r>
-            <a:r>
-              <a:rPr lang="en-US" b="1" dirty="0" smtClean="0">
+              <a:rPr lang="en-US" b="1" dirty="0"/>
+              <a:t>5.2.3.1 </a:t>
+            </a:r>
+            <a:r>
+              <a:rPr lang="en-US" b="1" dirty="0">
                 <a:ea typeface="ＭＳ Ｐゴシック" pitchFamily="34" charset="-128"/>
               </a:rPr>
-              <a:t>Verifying Dynamic NAT</a:t>
-            </a:r>
-            <a:endParaRPr lang="en-US" b="1" dirty="0" smtClean="0"/>
+              <a:t>Configuring PAT: Address Pool</a:t>
+            </a:r>
+            <a:endParaRPr lang="en-US" b="1" dirty="0"/>
           </a:p>
         </p:txBody>
       </p:sp>
@@ -3470,7 +3500,7 @@
               <a:pPr/>
               <a:t>31</a:t>
             </a:fld>
-            <a:endParaRPr lang="en-US" dirty="0" smtClean="0"/>
+            <a:endParaRPr lang="en-US" dirty="0"/>
           </a:p>
         </p:txBody>
       </p:sp>
@@ -3511,16 +3541,16 @@
               <a:buNone/>
             </a:pPr>
             <a:r>
-              <a:rPr lang="en-US" b="1" dirty="0" smtClean="0"/>
-              <a:t>5.2.3.1 </a:t>
-            </a:r>
-            <a:r>
-              <a:rPr lang="en-US" b="1" dirty="0" smtClean="0">
+              <a:rPr lang="en-US" b="1" dirty="0"/>
+              <a:t>5.2.3.2 </a:t>
+            </a:r>
+            <a:r>
+              <a:rPr lang="en-US" b="1" dirty="0">
                 <a:ea typeface="ＭＳ Ｐゴシック" pitchFamily="34" charset="-128"/>
               </a:rPr>
-              <a:t>Configuring PAT: Address Pool</a:t>
-            </a:r>
-            <a:endParaRPr lang="en-US" b="1" dirty="0" smtClean="0"/>
+              <a:t>Configuring PAT: Single Address</a:t>
+            </a:r>
+            <a:endParaRPr lang="en-US" b="1" dirty="0"/>
           </a:p>
         </p:txBody>
       </p:sp>
@@ -3571,7 +3601,7 @@
               <a:pPr/>
               <a:t>32</a:t>
             </a:fld>
-            <a:endParaRPr lang="en-US" dirty="0" smtClean="0"/>
+            <a:endParaRPr lang="en-US" dirty="0"/>
           </a:p>
         </p:txBody>
       </p:sp>
@@ -3612,16 +3642,16 @@
               <a:buNone/>
             </a:pPr>
             <a:r>
-              <a:rPr lang="en-US" b="1" dirty="0" smtClean="0"/>
-              <a:t>5.2.3.2 </a:t>
-            </a:r>
-            <a:r>
-              <a:rPr lang="en-US" b="1" dirty="0" smtClean="0">
+              <a:rPr lang="en-US" b="1" dirty="0"/>
+              <a:t>5.2.3.3 </a:t>
+            </a:r>
+            <a:r>
+              <a:rPr lang="en-US" b="1" dirty="0">
                 <a:ea typeface="ＭＳ Ｐゴシック" pitchFamily="34" charset="-128"/>
               </a:rPr>
-              <a:t>Configuring PAT: Single Address</a:t>
-            </a:r>
-            <a:endParaRPr lang="en-US" b="1" dirty="0" smtClean="0"/>
+              <a:t>Analyzing PAT</a:t>
+            </a:r>
+            <a:endParaRPr lang="en-US" b="1" dirty="0"/>
           </a:p>
         </p:txBody>
       </p:sp>
@@ -3672,7 +3702,7 @@
               <a:pPr/>
               <a:t>33</a:t>
             </a:fld>
-            <a:endParaRPr lang="en-US" dirty="0" smtClean="0"/>
+            <a:endParaRPr lang="en-US" dirty="0"/>
           </a:p>
         </p:txBody>
       </p:sp>
@@ -3713,16 +3743,16 @@
               <a:buNone/>
             </a:pPr>
             <a:r>
-              <a:rPr lang="en-US" b="1" dirty="0" smtClean="0"/>
+              <a:rPr lang="en-US" b="1" dirty="0"/>
               <a:t>5.2.3.3 </a:t>
             </a:r>
             <a:r>
-              <a:rPr lang="en-US" b="1" dirty="0" smtClean="0">
+              <a:rPr lang="en-US" b="1" dirty="0">
                 <a:ea typeface="ＭＳ Ｐゴシック" pitchFamily="34" charset="-128"/>
               </a:rPr>
               <a:t>Analyzing PAT</a:t>
             </a:r>
-            <a:endParaRPr lang="en-US" b="1" dirty="0" smtClean="0"/>
+            <a:endParaRPr lang="en-US" b="1" dirty="0"/>
           </a:p>
         </p:txBody>
       </p:sp>
@@ -3773,7 +3803,7 @@
               <a:pPr/>
               <a:t>34</a:t>
             </a:fld>
-            <a:endParaRPr lang="en-US" dirty="0" smtClean="0"/>
+            <a:endParaRPr lang="en-US" dirty="0"/>
           </a:p>
         </p:txBody>
       </p:sp>
@@ -3814,16 +3844,16 @@
               <a:buNone/>
             </a:pPr>
             <a:r>
-              <a:rPr lang="en-US" b="1" dirty="0" smtClean="0"/>
-              <a:t>5.2.3.3 </a:t>
-            </a:r>
-            <a:r>
-              <a:rPr lang="en-US" b="1" dirty="0" smtClean="0">
+              <a:rPr lang="en-US" b="1" dirty="0"/>
+              <a:t>5.2.3.4 </a:t>
+            </a:r>
+            <a:r>
+              <a:rPr lang="en-US" b="1" dirty="0">
                 <a:ea typeface="ＭＳ Ｐゴシック" pitchFamily="34" charset="-128"/>
               </a:rPr>
-              <a:t>Analyzing PAT</a:t>
-            </a:r>
-            <a:endParaRPr lang="en-US" b="1" dirty="0" smtClean="0"/>
+              <a:t>Verifying PAT</a:t>
+            </a:r>
+            <a:endParaRPr lang="en-US" b="1" dirty="0"/>
           </a:p>
         </p:txBody>
       </p:sp>
@@ -3874,7 +3904,7 @@
               <a:pPr/>
               <a:t>35</a:t>
             </a:fld>
-            <a:endParaRPr lang="en-US" dirty="0" smtClean="0"/>
+            <a:endParaRPr lang="en-US" dirty="0"/>
           </a:p>
         </p:txBody>
       </p:sp>
@@ -3915,16 +3945,16 @@
               <a:buNone/>
             </a:pPr>
             <a:r>
-              <a:rPr lang="en-US" b="1" dirty="0" smtClean="0"/>
-              <a:t>5.2.3.4 </a:t>
-            </a:r>
-            <a:r>
-              <a:rPr lang="en-US" b="1" dirty="0" smtClean="0">
+              <a:rPr lang="en-US" b="1" dirty="0"/>
+              <a:t>5.2.4.1 </a:t>
+            </a:r>
+            <a:r>
+              <a:rPr lang="en-US" b="1" dirty="0">
                 <a:ea typeface="ＭＳ Ｐゴシック" pitchFamily="34" charset="-128"/>
               </a:rPr>
-              <a:t>Verifying PAT</a:t>
-            </a:r>
-            <a:endParaRPr lang="en-US" b="1" dirty="0" smtClean="0"/>
+              <a:t>Port Forwarding</a:t>
+            </a:r>
+            <a:endParaRPr lang="en-US" b="1" dirty="0"/>
           </a:p>
         </p:txBody>
       </p:sp>
@@ -3975,7 +4005,7 @@
               <a:pPr/>
               <a:t>36</a:t>
             </a:fld>
-            <a:endParaRPr lang="en-US" dirty="0" smtClean="0"/>
+            <a:endParaRPr lang="en-US" dirty="0"/>
           </a:p>
         </p:txBody>
       </p:sp>
@@ -4016,16 +4046,20 @@
               <a:buNone/>
             </a:pPr>
             <a:r>
-              <a:rPr lang="en-US" b="1" dirty="0" smtClean="0"/>
-              <a:t>5.2.4.1 </a:t>
-            </a:r>
-            <a:r>
-              <a:rPr lang="en-US" b="1" dirty="0" smtClean="0">
+              <a:rPr lang="en-US" b="1" dirty="0"/>
+              <a:t>5.2.4.2</a:t>
+            </a:r>
+            <a:r>
+              <a:rPr lang="en-US" b="1" baseline="0" dirty="0"/>
+              <a:t> </a:t>
+            </a:r>
+            <a:r>
+              <a:rPr lang="en-US" b="1" dirty="0">
                 <a:ea typeface="ＭＳ Ｐゴシック" pitchFamily="34" charset="-128"/>
               </a:rPr>
-              <a:t>Port Forwarding</a:t>
-            </a:r>
-            <a:endParaRPr lang="en-US" b="1" dirty="0" smtClean="0"/>
+              <a:t>SOHO Example</a:t>
+            </a:r>
+            <a:endParaRPr lang="en-US" b="1" dirty="0"/>
           </a:p>
         </p:txBody>
       </p:sp>
@@ -4076,7 +4110,7 @@
               <a:pPr/>
               <a:t>37</a:t>
             </a:fld>
-            <a:endParaRPr lang="en-US" dirty="0" smtClean="0"/>
+            <a:endParaRPr lang="en-US" dirty="0"/>
           </a:p>
         </p:txBody>
       </p:sp>
@@ -4117,20 +4151,16 @@
               <a:buNone/>
             </a:pPr>
             <a:r>
-              <a:rPr lang="en-US" b="1" dirty="0" smtClean="0"/>
-              <a:t>5.2.4.2</a:t>
-            </a:r>
-            <a:r>
-              <a:rPr lang="en-US" b="1" baseline="0" dirty="0" smtClean="0"/>
-              <a:t> </a:t>
-            </a:r>
-            <a:r>
-              <a:rPr lang="en-US" b="1" dirty="0" smtClean="0">
+              <a:rPr lang="en-US" b="1" dirty="0"/>
+              <a:t>5.2.4.3 </a:t>
+            </a:r>
+            <a:r>
+              <a:rPr lang="en-US" b="1" dirty="0">
                 <a:ea typeface="ＭＳ Ｐゴシック" pitchFamily="34" charset="-128"/>
               </a:rPr>
-              <a:t>SOHO Example</a:t>
-            </a:r>
-            <a:endParaRPr lang="en-US" b="1" dirty="0" smtClean="0"/>
+              <a:t>Configuring Port Forwarding with IOS</a:t>
+            </a:r>
+            <a:endParaRPr lang="en-US" b="1" dirty="0"/>
           </a:p>
         </p:txBody>
       </p:sp>
@@ -4181,7 +4211,7 @@
               <a:pPr/>
               <a:t>38</a:t>
             </a:fld>
-            <a:endParaRPr lang="en-US" dirty="0" smtClean="0"/>
+            <a:endParaRPr lang="en-US" dirty="0"/>
           </a:p>
         </p:txBody>
       </p:sp>
@@ -4222,16 +4252,16 @@
               <a:buNone/>
             </a:pPr>
             <a:r>
-              <a:rPr lang="en-US" b="1" dirty="0" smtClean="0"/>
-              <a:t>5.2.4.3 </a:t>
-            </a:r>
-            <a:r>
-              <a:rPr lang="en-US" b="1" dirty="0" smtClean="0">
+              <a:rPr lang="en-US" b="1" dirty="0"/>
+              <a:t>5.2.5.1 </a:t>
+            </a:r>
+            <a:r>
+              <a:rPr lang="en-US" b="1" dirty="0">
                 <a:ea typeface="ＭＳ Ｐゴシック" pitchFamily="34" charset="-128"/>
               </a:rPr>
-              <a:t>Configuring Port Forwarding with IOS</a:t>
-            </a:r>
-            <a:endParaRPr lang="en-US" b="1" dirty="0" smtClean="0"/>
+              <a:t>NAT for IPv6?</a:t>
+            </a:r>
+            <a:endParaRPr lang="en-US" b="1" dirty="0"/>
           </a:p>
         </p:txBody>
       </p:sp>
@@ -4282,7 +4312,7 @@
               <a:pPr/>
               <a:t>39</a:t>
             </a:fld>
-            <a:endParaRPr lang="en-US" dirty="0" smtClean="0"/>
+            <a:endParaRPr lang="en-US" dirty="0"/>
           </a:p>
         </p:txBody>
       </p:sp>
@@ -4323,16 +4353,16 @@
               <a:buNone/>
             </a:pPr>
             <a:r>
-              <a:rPr lang="en-US" b="1" dirty="0" smtClean="0"/>
-              <a:t>5.2.5.1 </a:t>
-            </a:r>
-            <a:r>
-              <a:rPr lang="en-US" b="1" dirty="0" smtClean="0">
+              <a:rPr lang="en-US" b="1" dirty="0"/>
+              <a:t>5.2.5.2 </a:t>
+            </a:r>
+            <a:r>
+              <a:rPr lang="en-US" b="1" dirty="0">
                 <a:ea typeface="ＭＳ Ｐゴシック" pitchFamily="34" charset="-128"/>
               </a:rPr>
-              <a:t>NAT for IPv6?</a:t>
-            </a:r>
-            <a:endParaRPr lang="en-US" b="1" dirty="0" smtClean="0"/>
+              <a:t>IPv6 Unique Local Addresses</a:t>
+            </a:r>
+            <a:endParaRPr lang="en-US" b="1" dirty="0"/>
           </a:p>
         </p:txBody>
       </p:sp>
@@ -4363,7 +4393,7 @@
       </p:grpSpPr>
       <p:sp>
         <p:nvSpPr>
-          <p:cNvPr id="31746" name="Rectangle 11"/>
+          <p:cNvPr id="34818" name="Rectangle 11"/>
           <p:cNvSpPr>
             <a:spLocks noGrp="1" noChangeArrowheads="1"/>
           </p:cNvSpPr>
@@ -4378,18 +4408,18 @@
           <a:bodyPr/>
           <a:lstStyle/>
           <a:p>
-            <a:fld id="{F602A389-8690-465F-BB28-DC61C90E42E7}" type="slidenum">
+            <a:fld id="{E2906053-E8A2-4DAD-B57C-C8945C1AD1DD}" type="slidenum">
               <a:rPr lang="en-US" smtClean="0"/>
               <a:pPr/>
               <a:t>4</a:t>
             </a:fld>
-            <a:endParaRPr lang="en-US" dirty="0" smtClean="0"/>
-          </a:p>
-        </p:txBody>
-      </p:sp>
-      <p:sp>
-        <p:nvSpPr>
-          <p:cNvPr id="31747" name="Rectangle 2"/>
+            <a:endParaRPr lang="en-US" dirty="0"/>
+          </a:p>
+        </p:txBody>
+      </p:sp>
+      <p:sp>
+        <p:nvSpPr>
+          <p:cNvPr id="34819" name="Rectangle 2"/>
           <p:cNvSpPr>
             <a:spLocks noGrp="1" noRot="1" noChangeAspect="1" noChangeArrowheads="1" noTextEdit="1"/>
           </p:cNvSpPr>
@@ -4403,7 +4433,7 @@
       </p:sp>
       <p:sp>
         <p:nvSpPr>
-          <p:cNvPr id="31748" name="Rectangle 3"/>
+          <p:cNvPr id="34820" name="Rectangle 3"/>
           <p:cNvSpPr>
             <a:spLocks noGrp="1" noChangeArrowheads="1"/>
           </p:cNvSpPr>
@@ -4412,10 +4442,6 @@
           </p:nvPr>
         </p:nvSpPr>
         <p:spPr>
-          <a:xfrm>
-            <a:off x="404813" y="4378325"/>
-            <a:ext cx="6121400" cy="4252913"/>
-          </a:xfrm>
           <a:noFill/>
           <a:ln/>
         </p:spPr>
@@ -4428,14 +4454,21 @@
               <a:buNone/>
             </a:pPr>
             <a:r>
-              <a:rPr lang="en-US" b="1" dirty="0" smtClean="0"/>
-              <a:t>5.1</a:t>
-            </a:r>
-            <a:r>
-              <a:rPr lang="en-US" b="1" baseline="0" dirty="0" smtClean="0"/>
-              <a:t> NAT Operation</a:t>
-            </a:r>
-            <a:endParaRPr lang="en-GB" b="1" dirty="0" smtClean="0"/>
+              <a:rPr lang="en-US" b="1" dirty="0"/>
+              <a:t>5.1.1.1 IPv4</a:t>
+            </a:r>
+            <a:r>
+              <a:rPr lang="en-US" b="1" baseline="0" dirty="0"/>
+              <a:t> Private Address Space</a:t>
+            </a:r>
+            <a:endParaRPr lang="en-US" b="1" dirty="0"/>
+          </a:p>
+          <a:p>
+            <a:pPr>
+              <a:buFontTx/>
+              <a:buNone/>
+            </a:pPr>
+            <a:endParaRPr lang="en-US" b="1" dirty="0"/>
           </a:p>
         </p:txBody>
       </p:sp>
@@ -4486,7 +4519,7 @@
               <a:pPr/>
               <a:t>40</a:t>
             </a:fld>
-            <a:endParaRPr lang="en-US" dirty="0" smtClean="0"/>
+            <a:endParaRPr lang="en-US" dirty="0"/>
           </a:p>
         </p:txBody>
       </p:sp>
@@ -4527,16 +4560,16 @@
               <a:buNone/>
             </a:pPr>
             <a:r>
-              <a:rPr lang="en-US" b="1" dirty="0" smtClean="0"/>
-              <a:t>5.2.5.2 </a:t>
-            </a:r>
-            <a:r>
-              <a:rPr lang="en-US" b="1" dirty="0" smtClean="0">
-                <a:ea typeface="ＭＳ Ｐゴシック" pitchFamily="34" charset="-128"/>
-              </a:rPr>
-              <a:t>IPv6 Unique Local Addresses</a:t>
-            </a:r>
-            <a:endParaRPr lang="en-US" b="1" dirty="0" smtClean="0"/>
+              <a:rPr lang="en-US" b="1" dirty="0"/>
+              <a:t>5.2.5.3 NAT for IPv6</a:t>
+            </a:r>
+          </a:p>
+          <a:p>
+            <a:pPr marL="0" indent="0" eaLnBrk="1" hangingPunct="1">
+              <a:buFont typeface="Wingdings" pitchFamily="2" charset="2"/>
+              <a:buNone/>
+            </a:pPr>
+            <a:endParaRPr lang="en-US" b="1" dirty="0"/>
           </a:p>
         </p:txBody>
       </p:sp>
@@ -4587,7 +4620,7 @@
               <a:pPr/>
               <a:t>41</a:t>
             </a:fld>
-            <a:endParaRPr lang="en-US" dirty="0" smtClean="0"/>
+            <a:endParaRPr lang="en-US" dirty="0"/>
           </a:p>
         </p:txBody>
       </p:sp>
@@ -4628,7 +4661,7 @@
               <a:buNone/>
             </a:pPr>
             <a:r>
-              <a:rPr lang="en-US" b="1" dirty="0" smtClean="0"/>
+              <a:rPr lang="en-US" b="1" dirty="0"/>
               <a:t>5.2.5.3 NAT for IPv6</a:t>
             </a:r>
           </a:p>
@@ -4637,7 +4670,7 @@
               <a:buFont typeface="Wingdings" pitchFamily="2" charset="2"/>
               <a:buNone/>
             </a:pPr>
-            <a:endParaRPr lang="en-US" b="1" dirty="0" smtClean="0"/>
+            <a:endParaRPr lang="en-US" b="1" dirty="0"/>
           </a:p>
         </p:txBody>
       </p:sp>
@@ -4668,7 +4701,7 @@
       </p:grpSpPr>
       <p:sp>
         <p:nvSpPr>
-          <p:cNvPr id="34818" name="Rectangle 11"/>
+          <p:cNvPr id="31746" name="Rectangle 11"/>
           <p:cNvSpPr>
             <a:spLocks noGrp="1" noChangeArrowheads="1"/>
           </p:cNvSpPr>
@@ -4683,18 +4716,18 @@
           <a:bodyPr/>
           <a:lstStyle/>
           <a:p>
-            <a:fld id="{E2906053-E8A2-4DAD-B57C-C8945C1AD1DD}" type="slidenum">
+            <a:fld id="{F602A389-8690-465F-BB28-DC61C90E42E7}" type="slidenum">
               <a:rPr lang="en-US" smtClean="0"/>
               <a:pPr/>
               <a:t>42</a:t>
             </a:fld>
-            <a:endParaRPr lang="en-US" dirty="0" smtClean="0"/>
-          </a:p>
-        </p:txBody>
-      </p:sp>
-      <p:sp>
-        <p:nvSpPr>
-          <p:cNvPr id="34819" name="Rectangle 2"/>
+            <a:endParaRPr lang="en-US" dirty="0"/>
+          </a:p>
+        </p:txBody>
+      </p:sp>
+      <p:sp>
+        <p:nvSpPr>
+          <p:cNvPr id="31747" name="Rectangle 2"/>
           <p:cNvSpPr>
             <a:spLocks noGrp="1" noRot="1" noChangeAspect="1" noChangeArrowheads="1" noTextEdit="1"/>
           </p:cNvSpPr>
@@ -4708,7 +4741,7 @@
       </p:sp>
       <p:sp>
         <p:nvSpPr>
-          <p:cNvPr id="34820" name="Rectangle 3"/>
+          <p:cNvPr id="31748" name="Rectangle 3"/>
           <p:cNvSpPr>
             <a:spLocks noGrp="1" noChangeArrowheads="1"/>
           </p:cNvSpPr>
@@ -4717,6 +4750,10 @@
           </p:nvPr>
         </p:nvSpPr>
         <p:spPr>
+          <a:xfrm>
+            <a:off x="404813" y="4378325"/>
+            <a:ext cx="6121400" cy="4252913"/>
+          </a:xfrm>
           <a:noFill/>
           <a:ln/>
         </p:spPr>
@@ -4724,21 +4761,19 @@
           <a:bodyPr/>
           <a:lstStyle/>
           <a:p>
-            <a:pPr marL="0" indent="0" eaLnBrk="1" hangingPunct="1">
-              <a:buFont typeface="Wingdings" pitchFamily="2" charset="2"/>
+            <a:pPr>
+              <a:buFontTx/>
               <a:buNone/>
             </a:pPr>
             <a:r>
-              <a:rPr lang="en-US" b="1" dirty="0" smtClean="0"/>
-              <a:t>5.2.5.3 NAT for IPv6</a:t>
-            </a:r>
-          </a:p>
-          <a:p>
-            <a:pPr marL="0" indent="0" eaLnBrk="1" hangingPunct="1">
-              <a:buFont typeface="Wingdings" pitchFamily="2" charset="2"/>
-              <a:buNone/>
-            </a:pPr>
-            <a:endParaRPr lang="en-US" b="1" dirty="0" smtClean="0"/>
+              <a:rPr lang="en-US" b="1" dirty="0"/>
+              <a:t>5.3 Troubleshooting</a:t>
+            </a:r>
+            <a:r>
+              <a:rPr lang="en-US" b="1" baseline="0" dirty="0"/>
+              <a:t> NAT</a:t>
+            </a:r>
+            <a:endParaRPr lang="en-GB" b="1" dirty="0"/>
           </a:p>
         </p:txBody>
       </p:sp>
@@ -4769,7 +4804,7 @@
       </p:grpSpPr>
       <p:sp>
         <p:nvSpPr>
-          <p:cNvPr id="31746" name="Rectangle 11"/>
+          <p:cNvPr id="34818" name="Rectangle 11"/>
           <p:cNvSpPr>
             <a:spLocks noGrp="1" noChangeArrowheads="1"/>
           </p:cNvSpPr>
@@ -4784,18 +4819,18 @@
           <a:bodyPr/>
           <a:lstStyle/>
           <a:p>
-            <a:fld id="{F602A389-8690-465F-BB28-DC61C90E42E7}" type="slidenum">
+            <a:fld id="{E2906053-E8A2-4DAD-B57C-C8945C1AD1DD}" type="slidenum">
               <a:rPr lang="en-US" smtClean="0"/>
               <a:pPr/>
               <a:t>43</a:t>
             </a:fld>
-            <a:endParaRPr lang="en-US" dirty="0" smtClean="0"/>
-          </a:p>
-        </p:txBody>
-      </p:sp>
-      <p:sp>
-        <p:nvSpPr>
-          <p:cNvPr id="31747" name="Rectangle 2"/>
+            <a:endParaRPr lang="en-US" dirty="0"/>
+          </a:p>
+        </p:txBody>
+      </p:sp>
+      <p:sp>
+        <p:nvSpPr>
+          <p:cNvPr id="34819" name="Rectangle 2"/>
           <p:cNvSpPr>
             <a:spLocks noGrp="1" noRot="1" noChangeAspect="1" noChangeArrowheads="1" noTextEdit="1"/>
           </p:cNvSpPr>
@@ -4809,7 +4844,7 @@
       </p:sp>
       <p:sp>
         <p:nvSpPr>
-          <p:cNvPr id="31748" name="Rectangle 3"/>
+          <p:cNvPr id="34820" name="Rectangle 3"/>
           <p:cNvSpPr>
             <a:spLocks noGrp="1" noChangeArrowheads="1"/>
           </p:cNvSpPr>
@@ -4818,10 +4853,6 @@
           </p:nvPr>
         </p:nvSpPr>
         <p:spPr>
-          <a:xfrm>
-            <a:off x="404813" y="4378325"/>
-            <a:ext cx="6121400" cy="4252913"/>
-          </a:xfrm>
           <a:noFill/>
           <a:ln/>
         </p:spPr>
@@ -4829,19 +4860,29 @@
           <a:bodyPr/>
           <a:lstStyle/>
           <a:p>
-            <a:pPr>
-              <a:buFontTx/>
+            <a:pPr marL="0" indent="0" eaLnBrk="1" hangingPunct="1">
+              <a:buFont typeface="Wingdings" pitchFamily="2" charset="2"/>
               <a:buNone/>
             </a:pPr>
             <a:r>
-              <a:rPr lang="en-US" b="1" dirty="0" smtClean="0"/>
-              <a:t>5.3 Troubleshooting</a:t>
-            </a:r>
-            <a:r>
-              <a:rPr lang="en-US" b="1" baseline="0" dirty="0" smtClean="0"/>
-              <a:t> NAT</a:t>
-            </a:r>
-            <a:endParaRPr lang="en-GB" b="1" dirty="0" smtClean="0"/>
+              <a:rPr lang="en-US" b="1" dirty="0"/>
+              <a:t>5.3.1.1</a:t>
+            </a:r>
+            <a:r>
+              <a:rPr lang="en-US" b="1" baseline="0" dirty="0"/>
+              <a:t> </a:t>
+            </a:r>
+            <a:r>
+              <a:rPr lang="en-US" b="1" dirty="0"/>
+              <a:t>Troubleshooting NAT: show commands</a:t>
+            </a:r>
+          </a:p>
+          <a:p>
+            <a:pPr marL="0" indent="0" eaLnBrk="1" hangingPunct="1">
+              <a:buFont typeface="Wingdings" pitchFamily="2" charset="2"/>
+              <a:buNone/>
+            </a:pPr>
+            <a:endParaRPr lang="en-US" b="1" dirty="0"/>
           </a:p>
         </p:txBody>
       </p:sp>
@@ -4892,7 +4933,7 @@
               <a:pPr/>
               <a:t>44</a:t>
             </a:fld>
-            <a:endParaRPr lang="en-US" dirty="0" smtClean="0"/>
+            <a:endParaRPr lang="en-US" dirty="0"/>
           </a:p>
         </p:txBody>
       </p:sp>
@@ -4933,16 +4974,8 @@
               <a:buNone/>
             </a:pPr>
             <a:r>
-              <a:rPr lang="en-US" b="1" dirty="0" smtClean="0"/>
-              <a:t>5.3.1.1</a:t>
-            </a:r>
-            <a:r>
-              <a:rPr lang="en-US" b="1" baseline="0" dirty="0" smtClean="0"/>
-              <a:t> </a:t>
-            </a:r>
-            <a:r>
-              <a:rPr lang="en-US" b="1" dirty="0" smtClean="0"/>
-              <a:t>Troubleshooting NAT: show commands</a:t>
+              <a:rPr lang="en-US" b="1" dirty="0"/>
+              <a:t>5.3.1.2 Troubleshooting NAT: debug command</a:t>
             </a:r>
           </a:p>
           <a:p>
@@ -4950,7 +4983,7 @@
               <a:buFont typeface="Wingdings" pitchFamily="2" charset="2"/>
               <a:buNone/>
             </a:pPr>
-            <a:endParaRPr lang="en-US" b="1" dirty="0" smtClean="0"/>
+            <a:endParaRPr lang="en-US" b="1" dirty="0"/>
           </a:p>
         </p:txBody>
       </p:sp>
@@ -4981,7 +5014,7 @@
       </p:grpSpPr>
       <p:sp>
         <p:nvSpPr>
-          <p:cNvPr id="34818" name="Rectangle 11"/>
+          <p:cNvPr id="57346" name="Rectangle 11"/>
           <p:cNvSpPr>
             <a:spLocks noGrp="1" noChangeArrowheads="1"/>
           </p:cNvSpPr>
@@ -4996,18 +5029,18 @@
           <a:bodyPr/>
           <a:lstStyle/>
           <a:p>
-            <a:fld id="{E2906053-E8A2-4DAD-B57C-C8945C1AD1DD}" type="slidenum">
+            <a:fld id="{3D5F77EF-9F5D-4805-BD17-79024BE7C85C}" type="slidenum">
               <a:rPr lang="en-US" smtClean="0"/>
               <a:pPr/>
               <a:t>45</a:t>
             </a:fld>
-            <a:endParaRPr lang="en-US" dirty="0" smtClean="0"/>
-          </a:p>
-        </p:txBody>
-      </p:sp>
-      <p:sp>
-        <p:nvSpPr>
-          <p:cNvPr id="34819" name="Rectangle 2"/>
+            <a:endParaRPr lang="en-US" dirty="0"/>
+          </a:p>
+        </p:txBody>
+      </p:sp>
+      <p:sp>
+        <p:nvSpPr>
+          <p:cNvPr id="57347" name="Rectangle 2"/>
           <p:cNvSpPr>
             <a:spLocks noGrp="1" noRot="1" noChangeAspect="1" noChangeArrowheads="1" noTextEdit="1"/>
           </p:cNvSpPr>
@@ -5021,7 +5054,7 @@
       </p:sp>
       <p:sp>
         <p:nvSpPr>
-          <p:cNvPr id="34820" name="Rectangle 3"/>
+          <p:cNvPr id="57348" name="Rectangle 3"/>
           <p:cNvSpPr>
             <a:spLocks noGrp="1" noChangeArrowheads="1"/>
           </p:cNvSpPr>
@@ -5037,21 +5070,14 @@
           <a:bodyPr/>
           <a:lstStyle/>
           <a:p>
-            <a:pPr marL="0" indent="0" eaLnBrk="1" hangingPunct="1">
-              <a:buFont typeface="Wingdings" pitchFamily="2" charset="2"/>
+            <a:pPr>
+              <a:buFontTx/>
               <a:buNone/>
             </a:pPr>
             <a:r>
-              <a:rPr lang="en-US" b="1" dirty="0" smtClean="0"/>
-              <a:t>5.3.1.2 Troubleshooting NAT: debug command</a:t>
-            </a:r>
-          </a:p>
-          <a:p>
-            <a:pPr marL="0" indent="0" eaLnBrk="1" hangingPunct="1">
-              <a:buFont typeface="Wingdings" pitchFamily="2" charset="2"/>
-              <a:buNone/>
-            </a:pPr>
-            <a:endParaRPr lang="en-US" b="1" dirty="0" smtClean="0"/>
+              <a:rPr lang="en-US" b="1" dirty="0"/>
+              <a:t>Chapter 5 Summary</a:t>
+            </a:r>
           </a:p>
         </p:txBody>
       </p:sp>
@@ -5102,7 +5128,7 @@
               <a:pPr/>
               <a:t>46</a:t>
             </a:fld>
-            <a:endParaRPr lang="en-US" dirty="0" smtClean="0"/>
+            <a:endParaRPr lang="en-US" dirty="0"/>
           </a:p>
         </p:txBody>
       </p:sp>
@@ -5143,101 +5169,7 @@
               <a:buNone/>
             </a:pPr>
             <a:r>
-              <a:rPr lang="en-US" b="1" dirty="0" smtClean="0"/>
-              <a:t>Chapter 5 Summary</a:t>
-            </a:r>
-          </a:p>
-        </p:txBody>
-      </p:sp>
-    </p:spTree>
-  </p:cSld>
-  <p:clrMapOvr>
-    <a:masterClrMapping/>
-  </p:clrMapOvr>
-</p:notes>
-</file>
-
-<file path=ppt/notesSlides/notesSlide47.xml><?xml version="1.0" encoding="utf-8"?>
-<p:notes xmlns:a="http://schemas.openxmlformats.org/drawingml/2006/main" xmlns:r="http://schemas.openxmlformats.org/officeDocument/2006/relationships" xmlns:p="http://schemas.openxmlformats.org/presentationml/2006/main">
-  <p:cSld>
-    <p:spTree>
-      <p:nvGrpSpPr>
-        <p:cNvPr id="1" name=""/>
-        <p:cNvGrpSpPr/>
-        <p:nvPr/>
-      </p:nvGrpSpPr>
-      <p:grpSpPr>
-        <a:xfrm>
-          <a:off x="0" y="0"/>
-          <a:ext cx="0" cy="0"/>
-          <a:chOff x="0" y="0"/>
-          <a:chExt cx="0" cy="0"/>
-        </a:xfrm>
-      </p:grpSpPr>
-      <p:sp>
-        <p:nvSpPr>
-          <p:cNvPr id="57346" name="Rectangle 11"/>
-          <p:cNvSpPr>
-            <a:spLocks noGrp="1" noChangeArrowheads="1"/>
-          </p:cNvSpPr>
-          <p:nvPr>
-            <p:ph type="sldNum" sz="quarter" idx="5"/>
-          </p:nvPr>
-        </p:nvSpPr>
-        <p:spPr>
-          <a:noFill/>
-        </p:spPr>
-        <p:txBody>
-          <a:bodyPr/>
-          <a:lstStyle/>
-          <a:p>
-            <a:fld id="{3D5F77EF-9F5D-4805-BD17-79024BE7C85C}" type="slidenum">
-              <a:rPr lang="en-US" smtClean="0"/>
-              <a:pPr/>
-              <a:t>47</a:t>
-            </a:fld>
-            <a:endParaRPr lang="en-US" dirty="0" smtClean="0"/>
-          </a:p>
-        </p:txBody>
-      </p:sp>
-      <p:sp>
-        <p:nvSpPr>
-          <p:cNvPr id="57347" name="Rectangle 2"/>
-          <p:cNvSpPr>
-            <a:spLocks noGrp="1" noRot="1" noChangeAspect="1" noChangeArrowheads="1" noTextEdit="1"/>
-          </p:cNvSpPr>
-          <p:nvPr>
-            <p:ph type="sldImg"/>
-          </p:nvPr>
-        </p:nvSpPr>
-        <p:spPr>
-          <a:ln/>
-        </p:spPr>
-      </p:sp>
-      <p:sp>
-        <p:nvSpPr>
-          <p:cNvPr id="57348" name="Rectangle 3"/>
-          <p:cNvSpPr>
-            <a:spLocks noGrp="1" noChangeArrowheads="1"/>
-          </p:cNvSpPr>
-          <p:nvPr>
-            <p:ph type="body" idx="1"/>
-          </p:nvPr>
-        </p:nvSpPr>
-        <p:spPr>
-          <a:noFill/>
-          <a:ln/>
-        </p:spPr>
-        <p:txBody>
-          <a:bodyPr/>
-          <a:lstStyle/>
-          <a:p>
-            <a:pPr>
-              <a:buFontTx/>
-              <a:buNone/>
-            </a:pPr>
-            <a:r>
-              <a:rPr lang="en-US" b="1" dirty="0" smtClean="0"/>
+              <a:rPr lang="en-US" b="1" dirty="0"/>
               <a:t>Chapter 5 Summary</a:t>
             </a:r>
           </a:p>
@@ -5290,7 +5222,7 @@
               <a:pPr/>
               <a:t>5</a:t>
             </a:fld>
-            <a:endParaRPr lang="en-US" dirty="0" smtClean="0"/>
+            <a:endParaRPr lang="en-US" dirty="0"/>
           </a:p>
         </p:txBody>
       </p:sp>
@@ -5331,21 +5263,29 @@
               <a:buNone/>
             </a:pPr>
             <a:r>
-              <a:rPr lang="en-US" b="1" dirty="0" smtClean="0"/>
+              <a:rPr lang="en-US" b="1" dirty="0"/>
               <a:t>5.1.1.1 IPv4</a:t>
             </a:r>
             <a:r>
-              <a:rPr lang="en-US" b="1" baseline="0" dirty="0" smtClean="0"/>
+              <a:rPr lang="en-US" b="1" baseline="0" dirty="0"/>
               <a:t> Private Address Space</a:t>
             </a:r>
-            <a:endParaRPr lang="en-US" b="1" dirty="0" smtClean="0"/>
+            <a:endParaRPr lang="en-US" b="1" dirty="0"/>
           </a:p>
           <a:p>
             <a:pPr>
               <a:buFontTx/>
               <a:buNone/>
             </a:pPr>
-            <a:endParaRPr lang="en-US" b="1" dirty="0" smtClean="0"/>
+            <a:r>
+              <a:rPr lang="en-US" b="1" dirty="0"/>
+              <a:t>Prefix </a:t>
+            </a:r>
+            <a:r>
+              <a:rPr lang="en-US" b="1" dirty="0" err="1"/>
+              <a:t>opzoeken</a:t>
+            </a:r>
+            <a:endParaRPr lang="en-US" b="1" dirty="0"/>
           </a:p>
         </p:txBody>
       </p:sp>
@@ -5396,7 +5336,7 @@
               <a:pPr/>
               <a:t>6</a:t>
             </a:fld>
-            <a:endParaRPr lang="en-US" dirty="0" smtClean="0"/>
+            <a:endParaRPr lang="en-US" dirty="0"/>
           </a:p>
         </p:txBody>
       </p:sp>
@@ -5437,21 +5377,27 @@
               <a:buNone/>
             </a:pPr>
             <a:r>
-              <a:rPr lang="en-US" b="1" dirty="0" smtClean="0"/>
-              <a:t>5.1.1.1 IPv4</a:t>
-            </a:r>
-            <a:r>
-              <a:rPr lang="en-US" b="1" baseline="0" dirty="0" smtClean="0"/>
-              <a:t> Private Address Space</a:t>
-            </a:r>
-            <a:endParaRPr lang="en-US" b="1" dirty="0" smtClean="0"/>
+              <a:rPr lang="en-US" b="1" dirty="0"/>
+              <a:t>5.1.1.2</a:t>
+            </a:r>
+            <a:r>
+              <a:rPr lang="en-US" b="1" baseline="0" dirty="0"/>
+              <a:t> </a:t>
+            </a:r>
+            <a:r>
+              <a:rPr lang="en-US" b="1" dirty="0">
+                <a:ea typeface="ＭＳ Ｐゴシック" pitchFamily="34" charset="-128"/>
+              </a:rPr>
+              <a:t>What is NAT?</a:t>
+            </a:r>
+            <a:endParaRPr lang="en-US" b="1" dirty="0"/>
           </a:p>
           <a:p>
             <a:pPr>
               <a:buFontTx/>
               <a:buNone/>
             </a:pPr>
-            <a:endParaRPr lang="en-US" b="1" dirty="0" smtClean="0"/>
+            <a:endParaRPr lang="en-US" b="1" dirty="0"/>
           </a:p>
         </p:txBody>
       </p:sp>
@@ -5502,7 +5448,7 @@
               <a:pPr/>
               <a:t>7</a:t>
             </a:fld>
-            <a:endParaRPr lang="en-US" dirty="0" smtClean="0"/>
+            <a:endParaRPr lang="en-US" dirty="0"/>
           </a:p>
         </p:txBody>
       </p:sp>
@@ -5543,27 +5489,33 @@
               <a:buNone/>
             </a:pPr>
             <a:r>
-              <a:rPr lang="en-US" b="1" dirty="0" smtClean="0"/>
+              <a:rPr lang="en-US" b="1" dirty="0"/>
               <a:t>5.1.1.2</a:t>
             </a:r>
             <a:r>
-              <a:rPr lang="en-US" b="1" baseline="0" dirty="0" smtClean="0"/>
+              <a:rPr lang="en-US" b="1" baseline="0" dirty="0"/>
               <a:t> </a:t>
             </a:r>
             <a:r>
-              <a:rPr lang="en-US" b="1" dirty="0" smtClean="0">
+              <a:rPr lang="en-US" b="1" dirty="0">
                 <a:ea typeface="ＭＳ Ｐゴシック" pitchFamily="34" charset="-128"/>
               </a:rPr>
-              <a:t>What is NAT?</a:t>
-            </a:r>
-            <a:endParaRPr lang="en-US" b="1" dirty="0" smtClean="0"/>
+              <a:t>What is</a:t>
+            </a:r>
+            <a:r>
+              <a:rPr lang="en-US" b="1" baseline="0" dirty="0">
+                <a:ea typeface="ＭＳ Ｐゴシック" pitchFamily="34" charset="-128"/>
+              </a:rPr>
+              <a:t> NAT? (cont.)</a:t>
+            </a:r>
+            <a:endParaRPr lang="en-US" b="1" dirty="0"/>
           </a:p>
           <a:p>
             <a:pPr>
               <a:buFontTx/>
               <a:buNone/>
             </a:pPr>
-            <a:endParaRPr lang="en-US" b="1" dirty="0" smtClean="0"/>
+            <a:endParaRPr lang="en-US" b="1" dirty="0"/>
           </a:p>
         </p:txBody>
       </p:sp>
@@ -5614,7 +5566,7 @@
               <a:pPr/>
               <a:t>8</a:t>
             </a:fld>
-            <a:endParaRPr lang="en-US" dirty="0" smtClean="0"/>
+            <a:endParaRPr lang="en-US" dirty="0"/>
           </a:p>
         </p:txBody>
       </p:sp>
@@ -5655,33 +5607,31 @@
               <a:buNone/>
             </a:pPr>
             <a:r>
-              <a:rPr lang="en-US" b="1" dirty="0" smtClean="0"/>
-              <a:t>5.1.1.2</a:t>
-            </a:r>
-            <a:r>
-              <a:rPr lang="en-US" b="1" baseline="0" dirty="0" smtClean="0"/>
-              <a:t> </a:t>
-            </a:r>
-            <a:r>
-              <a:rPr lang="en-US" b="1" dirty="0" smtClean="0">
+              <a:rPr lang="en-US" b="1" dirty="0"/>
+              <a:t>5.1.1.3 </a:t>
+            </a:r>
+            <a:r>
+              <a:rPr lang="en-US" b="1" dirty="0">
                 <a:ea typeface="ＭＳ Ｐゴシック" pitchFamily="34" charset="-128"/>
               </a:rPr>
-              <a:t>What is</a:t>
-            </a:r>
-            <a:r>
-              <a:rPr lang="en-US" b="1" baseline="0" dirty="0" smtClean="0">
-                <a:ea typeface="ＭＳ Ｐゴシック" pitchFamily="34" charset="-128"/>
-              </a:rPr>
-              <a:t> NAT? (cont.)</a:t>
-            </a:r>
-            <a:endParaRPr lang="en-US" b="1" dirty="0" smtClean="0"/>
+              <a:t>NAT Terminology</a:t>
+            </a:r>
+            <a:endParaRPr lang="en-US" b="1" dirty="0"/>
           </a:p>
           <a:p>
             <a:pPr>
               <a:buFontTx/>
               <a:buNone/>
             </a:pPr>
-            <a:endParaRPr lang="en-US" b="1" dirty="0" smtClean="0"/>
+            <a:r>
+              <a:rPr lang="en-US" b="1" dirty="0"/>
+              <a:t>Sa da </a:t>
+            </a:r>
+            <a:r>
+              <a:rPr lang="en-US" b="1" dirty="0" err="1"/>
+              <a:t>opzoeken</a:t>
+            </a:r>
+            <a:endParaRPr lang="en-US" b="1" dirty="0"/>
           </a:p>
         </p:txBody>
       </p:sp>
@@ -5732,7 +5682,7 @@
               <a:pPr/>
               <a:t>9</a:t>
             </a:fld>
-            <a:endParaRPr lang="en-US" dirty="0" smtClean="0"/>
+            <a:endParaRPr lang="en-US" dirty="0"/>
           </a:p>
         </p:txBody>
       </p:sp>
@@ -5773,23 +5723,29 @@
               <a:buNone/>
             </a:pPr>
             <a:r>
-              <a:rPr lang="en-US" b="1" dirty="0" smtClean="0"/>
-              <a:t>5.1.1.3 </a:t>
-            </a:r>
-            <a:r>
-              <a:rPr lang="en-US" b="1" dirty="0" smtClean="0">
+              <a:rPr lang="en-US" b="1" dirty="0"/>
+              <a:t>5.1.1.4 </a:t>
+            </a:r>
+            <a:r>
+              <a:rPr lang="en-US" b="1" dirty="0">
                 <a:ea typeface="ＭＳ Ｐゴシック" pitchFamily="34" charset="-128"/>
               </a:rPr>
-              <a:t>NAT Terminology</a:t>
-            </a:r>
-            <a:endParaRPr lang="en-US" b="1" dirty="0" smtClean="0"/>
+              <a:t>NAT</a:t>
+            </a:r>
+            <a:r>
+              <a:rPr lang="en-US" b="1" baseline="0" dirty="0">
+                <a:ea typeface="ＭＳ Ｐゴシック" pitchFamily="34" charset="-128"/>
+              </a:rPr>
+              <a:t> Terminology (cont.)</a:t>
+            </a:r>
+            <a:endParaRPr lang="en-US" b="1" dirty="0"/>
           </a:p>
           <a:p>
             <a:pPr>
               <a:buFontTx/>
               <a:buNone/>
             </a:pPr>
-            <a:endParaRPr lang="en-US" b="1" dirty="0" smtClean="0"/>
+            <a:endParaRPr lang="en-US" b="1" dirty="0"/>
           </a:p>
         </p:txBody>
       </p:sp>
@@ -5997,18 +5953,13 @@
               <a:defRPr/>
             </a:pPr>
             <a:r>
-              <a:rPr lang="en-US" sz="700" dirty="0" smtClean="0">
+              <a:rPr lang="en-US" sz="700" dirty="0">
                 <a:solidFill>
                   <a:srgbClr val="D3D3D3"/>
                 </a:solidFill>
               </a:rPr>
               <a:t>Chapter 4</a:t>
             </a:r>
-            <a:endParaRPr lang="en-US" sz="700" dirty="0">
-              <a:solidFill>
-                <a:srgbClr val="D3D3D3"/>
-              </a:solidFill>
-            </a:endParaRPr>
           </a:p>
         </p:txBody>
       </p:sp>
@@ -6252,10 +6203,9 @@
           <a:lstStyle/>
           <a:p>
             <a:r>
-              <a:rPr lang="en-US" smtClean="0"/>
+              <a:rPr lang="en-US"/>
               <a:t>Click to edit Master title style</a:t>
             </a:r>
-            <a:endParaRPr lang="en-US"/>
           </a:p>
         </p:txBody>
       </p:sp>
@@ -6276,38 +6226,37 @@
           <a:p>
             <a:pPr lvl="0"/>
             <a:r>
-              <a:rPr lang="en-US" smtClean="0"/>
+              <a:rPr lang="en-US"/>
               <a:t>Click to edit Master text styles</a:t>
             </a:r>
           </a:p>
           <a:p>
             <a:pPr lvl="1"/>
             <a:r>
-              <a:rPr lang="en-US" smtClean="0"/>
+              <a:rPr lang="en-US"/>
               <a:t>Second level</a:t>
             </a:r>
           </a:p>
           <a:p>
             <a:pPr lvl="2"/>
             <a:r>
-              <a:rPr lang="en-US" smtClean="0"/>
+              <a:rPr lang="en-US"/>
               <a:t>Third level</a:t>
             </a:r>
           </a:p>
           <a:p>
             <a:pPr lvl="3"/>
             <a:r>
-              <a:rPr lang="en-US" smtClean="0"/>
+              <a:rPr lang="en-US"/>
               <a:t>Fourth level</a:t>
             </a:r>
           </a:p>
           <a:p>
             <a:pPr lvl="4"/>
             <a:r>
-              <a:rPr lang="en-US" smtClean="0"/>
+              <a:rPr lang="en-US"/>
               <a:t>Fifth level</a:t>
             </a:r>
-            <a:endParaRPr lang="en-US"/>
           </a:p>
         </p:txBody>
       </p:sp>
@@ -6357,10 +6306,9 @@
           <a:lstStyle/>
           <a:p>
             <a:r>
-              <a:rPr lang="en-US" smtClean="0"/>
+              <a:rPr lang="en-US"/>
               <a:t>Click to edit Master title style</a:t>
             </a:r>
-            <a:endParaRPr lang="en-US"/>
           </a:p>
         </p:txBody>
       </p:sp>
@@ -6386,38 +6334,37 @@
           <a:p>
             <a:pPr lvl="0"/>
             <a:r>
-              <a:rPr lang="en-US" smtClean="0"/>
+              <a:rPr lang="en-US"/>
               <a:t>Click to edit Master text styles</a:t>
             </a:r>
           </a:p>
           <a:p>
             <a:pPr lvl="1"/>
             <a:r>
-              <a:rPr lang="en-US" smtClean="0"/>
+              <a:rPr lang="en-US"/>
               <a:t>Second level</a:t>
             </a:r>
           </a:p>
           <a:p>
             <a:pPr lvl="2"/>
             <a:r>
-              <a:rPr lang="en-US" smtClean="0"/>
+              <a:rPr lang="en-US"/>
               <a:t>Third level</a:t>
             </a:r>
           </a:p>
           <a:p>
             <a:pPr lvl="3"/>
             <a:r>
-              <a:rPr lang="en-US" smtClean="0"/>
+              <a:rPr lang="en-US"/>
               <a:t>Fourth level</a:t>
             </a:r>
           </a:p>
           <a:p>
             <a:pPr lvl="4"/>
             <a:r>
-              <a:rPr lang="en-US" smtClean="0"/>
+              <a:rPr lang="en-US"/>
               <a:t>Fifth level</a:t>
             </a:r>
-            <a:endParaRPr lang="en-US"/>
           </a:p>
         </p:txBody>
       </p:sp>
@@ -6467,10 +6414,9 @@
           <a:lstStyle/>
           <a:p>
             <a:r>
-              <a:rPr lang="en-US" smtClean="0"/>
+              <a:rPr lang="en-US"/>
               <a:t>Click to edit Master title style</a:t>
             </a:r>
-            <a:endParaRPr lang="en-US"/>
           </a:p>
         </p:txBody>
       </p:sp>
@@ -6495,7 +6441,7 @@
           <a:lstStyle/>
           <a:p>
             <a:pPr lvl="0"/>
-            <a:endParaRPr lang="en-US" noProof="0" dirty="0" smtClean="0"/>
+            <a:endParaRPr lang="en-US" noProof="0" dirty="0"/>
           </a:p>
         </p:txBody>
       </p:sp>
@@ -6849,10 +6795,9 @@
           </a:lstStyle>
           <a:p>
             <a:r>
-              <a:rPr lang="en-US" smtClean="0"/>
+              <a:rPr lang="en-US"/>
               <a:t>Click to edit Master title style</a:t>
             </a:r>
-            <a:endParaRPr lang="en-US"/>
           </a:p>
         </p:txBody>
       </p:sp>
@@ -6891,10 +6836,9 @@
           </a:lstStyle>
           <a:p>
             <a:r>
-              <a:rPr lang="en-US" smtClean="0"/>
+              <a:rPr lang="en-US"/>
               <a:t>Click to edit Master subtitle style</a:t>
             </a:r>
-            <a:endParaRPr lang="en-US"/>
           </a:p>
         </p:txBody>
       </p:sp>
@@ -6939,10 +6883,9 @@
           <a:lstStyle/>
           <a:p>
             <a:r>
-              <a:rPr lang="en-US" smtClean="0"/>
+              <a:rPr lang="en-US"/>
               <a:t>Click to edit Master title style</a:t>
             </a:r>
-            <a:endParaRPr lang="en-US"/>
           </a:p>
         </p:txBody>
       </p:sp>
@@ -6972,42 +6915,41 @@
           <a:p>
             <a:pPr lvl="0"/>
             <a:r>
-              <a:rPr lang="en-US" dirty="0" smtClean="0"/>
+              <a:rPr lang="en-US" dirty="0"/>
               <a:t>Click to edit Master text styles</a:t>
             </a:r>
           </a:p>
           <a:p>
             <a:pPr lvl="1"/>
-            <a:endParaRPr lang="en-US" dirty="0" smtClean="0"/>
+            <a:endParaRPr lang="en-US" dirty="0"/>
           </a:p>
           <a:p>
             <a:pPr lvl="1"/>
             <a:r>
-              <a:rPr lang="en-US" dirty="0" smtClean="0"/>
+              <a:rPr lang="en-US" dirty="0"/>
               <a:t>Second level</a:t>
             </a:r>
           </a:p>
           <a:p>
             <a:pPr lvl="2"/>
             <a:r>
-              <a:rPr lang="en-US" dirty="0" smtClean="0"/>
+              <a:rPr lang="en-US" dirty="0"/>
               <a:t>Third level</a:t>
             </a:r>
           </a:p>
           <a:p>
             <a:pPr lvl="3"/>
             <a:r>
-              <a:rPr lang="en-US" dirty="0" smtClean="0"/>
+              <a:rPr lang="en-US" dirty="0"/>
               <a:t>Fourth level</a:t>
             </a:r>
           </a:p>
           <a:p>
             <a:pPr lvl="4"/>
             <a:r>
-              <a:rPr lang="en-US" dirty="0" smtClean="0"/>
+              <a:rPr lang="en-US" dirty="0"/>
               <a:t>Fifth level</a:t>
             </a:r>
-            <a:endParaRPr lang="en-US" dirty="0"/>
           </a:p>
         </p:txBody>
       </p:sp>
@@ -7061,10 +7003,9 @@
           </a:lstStyle>
           <a:p>
             <a:r>
-              <a:rPr lang="en-US" smtClean="0"/>
+              <a:rPr lang="en-US"/>
               <a:t>Click to edit Master title style</a:t>
             </a:r>
-            <a:endParaRPr lang="en-US"/>
           </a:p>
         </p:txBody>
       </p:sp>
@@ -7127,7 +7068,7 @@
           <a:p>
             <a:pPr lvl="0"/>
             <a:r>
-              <a:rPr lang="en-US" smtClean="0"/>
+              <a:rPr lang="en-US"/>
               <a:t>Click to edit Master text styles</a:t>
             </a:r>
           </a:p>
@@ -7174,10 +7115,9 @@
           <a:lstStyle/>
           <a:p>
             <a:r>
-              <a:rPr lang="en-US" smtClean="0"/>
+              <a:rPr lang="en-US"/>
               <a:t>Click to edit Master title style</a:t>
             </a:r>
-            <a:endParaRPr lang="en-US"/>
           </a:p>
         </p:txBody>
       </p:sp>
@@ -7231,38 +7171,37 @@
           <a:p>
             <a:pPr lvl="0"/>
             <a:r>
-              <a:rPr lang="en-US" smtClean="0"/>
+              <a:rPr lang="en-US"/>
               <a:t>Click to edit Master text styles</a:t>
             </a:r>
           </a:p>
           <a:p>
             <a:pPr lvl="1"/>
             <a:r>
-              <a:rPr lang="en-US" smtClean="0"/>
+              <a:rPr lang="en-US"/>
               <a:t>Second level</a:t>
             </a:r>
           </a:p>
           <a:p>
             <a:pPr lvl="2"/>
             <a:r>
-              <a:rPr lang="en-US" smtClean="0"/>
+              <a:rPr lang="en-US"/>
               <a:t>Third level</a:t>
             </a:r>
           </a:p>
           <a:p>
             <a:pPr lvl="3"/>
             <a:r>
-              <a:rPr lang="en-US" smtClean="0"/>
+              <a:rPr lang="en-US"/>
               <a:t>Fourth level</a:t>
             </a:r>
           </a:p>
           <a:p>
             <a:pPr lvl="4"/>
             <a:r>
-              <a:rPr lang="en-US" smtClean="0"/>
+              <a:rPr lang="en-US"/>
               <a:t>Fifth level</a:t>
             </a:r>
-            <a:endParaRPr lang="en-US"/>
           </a:p>
         </p:txBody>
       </p:sp>
@@ -7316,38 +7255,37 @@
           <a:p>
             <a:pPr lvl="0"/>
             <a:r>
-              <a:rPr lang="en-US" smtClean="0"/>
+              <a:rPr lang="en-US"/>
               <a:t>Click to edit Master text styles</a:t>
             </a:r>
           </a:p>
           <a:p>
             <a:pPr lvl="1"/>
             <a:r>
-              <a:rPr lang="en-US" smtClean="0"/>
+              <a:rPr lang="en-US"/>
               <a:t>Second level</a:t>
             </a:r>
           </a:p>
           <a:p>
             <a:pPr lvl="2"/>
             <a:r>
-              <a:rPr lang="en-US" smtClean="0"/>
+              <a:rPr lang="en-US"/>
               <a:t>Third level</a:t>
             </a:r>
           </a:p>
           <a:p>
             <a:pPr lvl="3"/>
             <a:r>
-              <a:rPr lang="en-US" smtClean="0"/>
+              <a:rPr lang="en-US"/>
               <a:t>Fourth level</a:t>
             </a:r>
           </a:p>
           <a:p>
             <a:pPr lvl="4"/>
             <a:r>
-              <a:rPr lang="en-US" smtClean="0"/>
+              <a:rPr lang="en-US"/>
               <a:t>Fifth level</a:t>
             </a:r>
-            <a:endParaRPr lang="en-US"/>
           </a:p>
         </p:txBody>
       </p:sp>
@@ -7401,10 +7339,9 @@
           </a:lstStyle>
           <a:p>
             <a:r>
-              <a:rPr lang="en-US" smtClean="0"/>
+              <a:rPr lang="en-US"/>
               <a:t>Click to edit Master title style</a:t>
             </a:r>
-            <a:endParaRPr lang="en-US"/>
           </a:p>
         </p:txBody>
       </p:sp>
@@ -7467,7 +7404,7 @@
           <a:p>
             <a:pPr lvl="0"/>
             <a:r>
-              <a:rPr lang="en-US" smtClean="0"/>
+              <a:rPr lang="en-US"/>
               <a:t>Click to edit Master text styles</a:t>
             </a:r>
           </a:p>
@@ -7523,38 +7460,37 @@
           <a:p>
             <a:pPr lvl="0"/>
             <a:r>
-              <a:rPr lang="en-US" smtClean="0"/>
+              <a:rPr lang="en-US"/>
               <a:t>Click to edit Master text styles</a:t>
             </a:r>
           </a:p>
           <a:p>
             <a:pPr lvl="1"/>
             <a:r>
-              <a:rPr lang="en-US" smtClean="0"/>
+              <a:rPr lang="en-US"/>
               <a:t>Second level</a:t>
             </a:r>
           </a:p>
           <a:p>
             <a:pPr lvl="2"/>
             <a:r>
-              <a:rPr lang="en-US" smtClean="0"/>
+              <a:rPr lang="en-US"/>
               <a:t>Third level</a:t>
             </a:r>
           </a:p>
           <a:p>
             <a:pPr lvl="3"/>
             <a:r>
-              <a:rPr lang="en-US" smtClean="0"/>
+              <a:rPr lang="en-US"/>
               <a:t>Fourth level</a:t>
             </a:r>
           </a:p>
           <a:p>
             <a:pPr lvl="4"/>
             <a:r>
-              <a:rPr lang="en-US" smtClean="0"/>
+              <a:rPr lang="en-US"/>
               <a:t>Fifth level</a:t>
             </a:r>
-            <a:endParaRPr lang="en-US"/>
           </a:p>
         </p:txBody>
       </p:sp>
@@ -7617,7 +7553,7 @@
           <a:p>
             <a:pPr lvl="0"/>
             <a:r>
-              <a:rPr lang="en-US" smtClean="0"/>
+              <a:rPr lang="en-US"/>
               <a:t>Click to edit Master text styles</a:t>
             </a:r>
           </a:p>
@@ -7673,38 +7609,37 @@
           <a:p>
             <a:pPr lvl="0"/>
             <a:r>
-              <a:rPr lang="en-US" smtClean="0"/>
+              <a:rPr lang="en-US"/>
               <a:t>Click to edit Master text styles</a:t>
             </a:r>
           </a:p>
           <a:p>
             <a:pPr lvl="1"/>
             <a:r>
-              <a:rPr lang="en-US" smtClean="0"/>
+              <a:rPr lang="en-US"/>
               <a:t>Second level</a:t>
             </a:r>
           </a:p>
           <a:p>
             <a:pPr lvl="2"/>
             <a:r>
-              <a:rPr lang="en-US" smtClean="0"/>
+              <a:rPr lang="en-US"/>
               <a:t>Third level</a:t>
             </a:r>
           </a:p>
           <a:p>
             <a:pPr lvl="3"/>
             <a:r>
-              <a:rPr lang="en-US" smtClean="0"/>
+              <a:rPr lang="en-US"/>
               <a:t>Fourth level</a:t>
             </a:r>
           </a:p>
           <a:p>
             <a:pPr lvl="4"/>
             <a:r>
-              <a:rPr lang="en-US" smtClean="0"/>
+              <a:rPr lang="en-US"/>
               <a:t>Fifth level</a:t>
             </a:r>
-            <a:endParaRPr lang="en-US"/>
           </a:p>
         </p:txBody>
       </p:sp>
@@ -7749,10 +7684,9 @@
           <a:lstStyle/>
           <a:p>
             <a:r>
-              <a:rPr lang="en-US" smtClean="0"/>
+              <a:rPr lang="en-US"/>
               <a:t>Click to edit Master title style</a:t>
             </a:r>
-            <a:endParaRPr lang="en-US"/>
           </a:p>
         </p:txBody>
       </p:sp>
@@ -7822,10 +7756,9 @@
           <a:lstStyle/>
           <a:p>
             <a:r>
-              <a:rPr lang="en-US" smtClean="0"/>
+              <a:rPr lang="en-US"/>
               <a:t>Click to edit Master title style</a:t>
             </a:r>
-            <a:endParaRPr lang="en-US"/>
           </a:p>
         </p:txBody>
       </p:sp>
@@ -7846,38 +7779,37 @@
           <a:p>
             <a:pPr lvl="0"/>
             <a:r>
-              <a:rPr lang="en-US" smtClean="0"/>
+              <a:rPr lang="en-US"/>
               <a:t>Click to edit Master text styles</a:t>
             </a:r>
           </a:p>
           <a:p>
             <a:pPr lvl="1"/>
             <a:r>
-              <a:rPr lang="en-US" smtClean="0"/>
+              <a:rPr lang="en-US"/>
               <a:t>Second level</a:t>
             </a:r>
           </a:p>
           <a:p>
             <a:pPr lvl="2"/>
             <a:r>
-              <a:rPr lang="en-US" smtClean="0"/>
+              <a:rPr lang="en-US"/>
               <a:t>Third level</a:t>
             </a:r>
           </a:p>
           <a:p>
             <a:pPr lvl="3"/>
             <a:r>
-              <a:rPr lang="en-US" smtClean="0"/>
+              <a:rPr lang="en-US"/>
               <a:t>Fourth level</a:t>
             </a:r>
           </a:p>
           <a:p>
             <a:pPr lvl="4"/>
             <a:r>
-              <a:rPr lang="en-US" smtClean="0"/>
+              <a:rPr lang="en-US"/>
               <a:t>Fifth level</a:t>
             </a:r>
-            <a:endParaRPr lang="en-US"/>
           </a:p>
         </p:txBody>
       </p:sp>
@@ -7931,10 +7863,9 @@
           </a:lstStyle>
           <a:p>
             <a:r>
-              <a:rPr lang="en-US" smtClean="0"/>
+              <a:rPr lang="en-US"/>
               <a:t>Click to edit Master title style</a:t>
             </a:r>
-            <a:endParaRPr lang="en-US"/>
           </a:p>
         </p:txBody>
       </p:sp>
@@ -7988,38 +7919,37 @@
           <a:p>
             <a:pPr lvl="0"/>
             <a:r>
-              <a:rPr lang="en-US" smtClean="0"/>
+              <a:rPr lang="en-US"/>
               <a:t>Click to edit Master text styles</a:t>
             </a:r>
           </a:p>
           <a:p>
             <a:pPr lvl="1"/>
             <a:r>
-              <a:rPr lang="en-US" smtClean="0"/>
+              <a:rPr lang="en-US"/>
               <a:t>Second level</a:t>
             </a:r>
           </a:p>
           <a:p>
             <a:pPr lvl="2"/>
             <a:r>
-              <a:rPr lang="en-US" smtClean="0"/>
+              <a:rPr lang="en-US"/>
               <a:t>Third level</a:t>
             </a:r>
           </a:p>
           <a:p>
             <a:pPr lvl="3"/>
             <a:r>
-              <a:rPr lang="en-US" smtClean="0"/>
+              <a:rPr lang="en-US"/>
               <a:t>Fourth level</a:t>
             </a:r>
           </a:p>
           <a:p>
             <a:pPr lvl="4"/>
             <a:r>
-              <a:rPr lang="en-US" smtClean="0"/>
+              <a:rPr lang="en-US"/>
               <a:t>Fifth level</a:t>
             </a:r>
-            <a:endParaRPr lang="en-US"/>
           </a:p>
         </p:txBody>
       </p:sp>
@@ -8082,7 +8012,7 @@
           <a:p>
             <a:pPr lvl="0"/>
             <a:r>
-              <a:rPr lang="en-US" smtClean="0"/>
+              <a:rPr lang="en-US"/>
               <a:t>Click to edit Master text styles</a:t>
             </a:r>
           </a:p>
@@ -8138,10 +8068,9 @@
           </a:lstStyle>
           <a:p>
             <a:r>
-              <a:rPr lang="en-US" smtClean="0"/>
+              <a:rPr lang="en-US"/>
               <a:t>Click to edit Master title style</a:t>
             </a:r>
-            <a:endParaRPr lang="en-US"/>
           </a:p>
         </p:txBody>
       </p:sp>
@@ -8204,7 +8133,7 @@
           <a:p>
             <a:pPr lvl="0"/>
             <a:r>
-              <a:rPr lang="en-US" noProof="0" dirty="0" smtClean="0"/>
+              <a:rPr lang="en-US" noProof="0" dirty="0"/>
               <a:t>Click icon to add picture</a:t>
             </a:r>
           </a:p>
@@ -8269,7 +8198,7 @@
           <a:p>
             <a:pPr lvl="0"/>
             <a:r>
-              <a:rPr lang="en-US" smtClean="0"/>
+              <a:rPr lang="en-US"/>
               <a:t>Click to edit Master text styles</a:t>
             </a:r>
           </a:p>
@@ -8316,10 +8245,9 @@
           <a:lstStyle/>
           <a:p>
             <a:r>
-              <a:rPr lang="en-US" smtClean="0"/>
+              <a:rPr lang="en-US"/>
               <a:t>Click to edit Master title style</a:t>
             </a:r>
-            <a:endParaRPr lang="en-US"/>
           </a:p>
         </p:txBody>
       </p:sp>
@@ -8340,38 +8268,37 @@
           <a:p>
             <a:pPr lvl="0"/>
             <a:r>
-              <a:rPr lang="en-US" smtClean="0"/>
+              <a:rPr lang="en-US"/>
               <a:t>Click to edit Master text styles</a:t>
             </a:r>
           </a:p>
           <a:p>
             <a:pPr lvl="1"/>
             <a:r>
-              <a:rPr lang="en-US" smtClean="0"/>
+              <a:rPr lang="en-US"/>
               <a:t>Second level</a:t>
             </a:r>
           </a:p>
           <a:p>
             <a:pPr lvl="2"/>
             <a:r>
-              <a:rPr lang="en-US" smtClean="0"/>
+              <a:rPr lang="en-US"/>
               <a:t>Third level</a:t>
             </a:r>
           </a:p>
           <a:p>
             <a:pPr lvl="3"/>
             <a:r>
-              <a:rPr lang="en-US" smtClean="0"/>
+              <a:rPr lang="en-US"/>
               <a:t>Fourth level</a:t>
             </a:r>
           </a:p>
           <a:p>
             <a:pPr lvl="4"/>
             <a:r>
-              <a:rPr lang="en-US" smtClean="0"/>
+              <a:rPr lang="en-US"/>
               <a:t>Fifth level</a:t>
             </a:r>
-            <a:endParaRPr lang="en-US"/>
           </a:p>
         </p:txBody>
       </p:sp>
@@ -8421,10 +8348,9 @@
           <a:lstStyle/>
           <a:p>
             <a:r>
-              <a:rPr lang="en-US" smtClean="0"/>
+              <a:rPr lang="en-US"/>
               <a:t>Click to edit Master title style</a:t>
             </a:r>
-            <a:endParaRPr lang="en-US"/>
           </a:p>
         </p:txBody>
       </p:sp>
@@ -8450,38 +8376,37 @@
           <a:p>
             <a:pPr lvl="0"/>
             <a:r>
-              <a:rPr lang="en-US" smtClean="0"/>
+              <a:rPr lang="en-US"/>
               <a:t>Click to edit Master text styles</a:t>
             </a:r>
           </a:p>
           <a:p>
             <a:pPr lvl="1"/>
             <a:r>
-              <a:rPr lang="en-US" smtClean="0"/>
+              <a:rPr lang="en-US"/>
               <a:t>Second level</a:t>
             </a:r>
           </a:p>
           <a:p>
             <a:pPr lvl="2"/>
             <a:r>
-              <a:rPr lang="en-US" smtClean="0"/>
+              <a:rPr lang="en-US"/>
               <a:t>Third level</a:t>
             </a:r>
           </a:p>
           <a:p>
             <a:pPr lvl="3"/>
             <a:r>
-              <a:rPr lang="en-US" smtClean="0"/>
+              <a:rPr lang="en-US"/>
               <a:t>Fourth level</a:t>
             </a:r>
           </a:p>
           <a:p>
             <a:pPr lvl="4"/>
             <a:r>
-              <a:rPr lang="en-US" smtClean="0"/>
+              <a:rPr lang="en-US"/>
               <a:t>Fifth level</a:t>
             </a:r>
-            <a:endParaRPr lang="en-US"/>
           </a:p>
         </p:txBody>
       </p:sp>
@@ -8535,10 +8460,9 @@
           </a:lstStyle>
           <a:p>
             <a:r>
-              <a:rPr lang="en-US" smtClean="0"/>
+              <a:rPr lang="en-US"/>
               <a:t>Click to edit Master title style</a:t>
             </a:r>
-            <a:endParaRPr lang="en-US"/>
           </a:p>
         </p:txBody>
       </p:sp>
@@ -8601,7 +8525,7 @@
           <a:p>
             <a:pPr lvl="0"/>
             <a:r>
-              <a:rPr lang="en-US" smtClean="0"/>
+              <a:rPr lang="en-US"/>
               <a:t>Click to edit Master text styles</a:t>
             </a:r>
           </a:p>
@@ -8648,10 +8572,9 @@
           <a:lstStyle/>
           <a:p>
             <a:r>
-              <a:rPr lang="en-US" smtClean="0"/>
+              <a:rPr lang="en-US"/>
               <a:t>Click to edit Master title style</a:t>
             </a:r>
-            <a:endParaRPr lang="en-US"/>
           </a:p>
         </p:txBody>
       </p:sp>
@@ -8705,38 +8628,37 @@
           <a:p>
             <a:pPr lvl="0"/>
             <a:r>
-              <a:rPr lang="en-US" smtClean="0"/>
+              <a:rPr lang="en-US"/>
               <a:t>Click to edit Master text styles</a:t>
             </a:r>
           </a:p>
           <a:p>
             <a:pPr lvl="1"/>
             <a:r>
-              <a:rPr lang="en-US" smtClean="0"/>
+              <a:rPr lang="en-US"/>
               <a:t>Second level</a:t>
             </a:r>
           </a:p>
           <a:p>
             <a:pPr lvl="2"/>
             <a:r>
-              <a:rPr lang="en-US" smtClean="0"/>
+              <a:rPr lang="en-US"/>
               <a:t>Third level</a:t>
             </a:r>
           </a:p>
           <a:p>
             <a:pPr lvl="3"/>
             <a:r>
-              <a:rPr lang="en-US" smtClean="0"/>
+              <a:rPr lang="en-US"/>
               <a:t>Fourth level</a:t>
             </a:r>
           </a:p>
           <a:p>
             <a:pPr lvl="4"/>
             <a:r>
-              <a:rPr lang="en-US" smtClean="0"/>
+              <a:rPr lang="en-US"/>
               <a:t>Fifth level</a:t>
             </a:r>
-            <a:endParaRPr lang="en-US"/>
           </a:p>
         </p:txBody>
       </p:sp>
@@ -8790,38 +8712,37 @@
           <a:p>
             <a:pPr lvl="0"/>
             <a:r>
-              <a:rPr lang="en-US" smtClean="0"/>
+              <a:rPr lang="en-US"/>
               <a:t>Click to edit Master text styles</a:t>
             </a:r>
           </a:p>
           <a:p>
             <a:pPr lvl="1"/>
             <a:r>
-              <a:rPr lang="en-US" smtClean="0"/>
+              <a:rPr lang="en-US"/>
               <a:t>Second level</a:t>
             </a:r>
           </a:p>
           <a:p>
             <a:pPr lvl="2"/>
             <a:r>
-              <a:rPr lang="en-US" smtClean="0"/>
+              <a:rPr lang="en-US"/>
               <a:t>Third level</a:t>
             </a:r>
           </a:p>
           <a:p>
             <a:pPr lvl="3"/>
             <a:r>
-              <a:rPr lang="en-US" smtClean="0"/>
+              <a:rPr lang="en-US"/>
               <a:t>Fourth level</a:t>
             </a:r>
           </a:p>
           <a:p>
             <a:pPr lvl="4"/>
             <a:r>
-              <a:rPr lang="en-US" smtClean="0"/>
+              <a:rPr lang="en-US"/>
               <a:t>Fifth level</a:t>
             </a:r>
-            <a:endParaRPr lang="en-US"/>
           </a:p>
         </p:txBody>
       </p:sp>
@@ -8875,10 +8796,9 @@
           </a:lstStyle>
           <a:p>
             <a:r>
-              <a:rPr lang="en-US" smtClean="0"/>
+              <a:rPr lang="en-US"/>
               <a:t>Click to edit Master title style</a:t>
             </a:r>
-            <a:endParaRPr lang="en-US"/>
           </a:p>
         </p:txBody>
       </p:sp>
@@ -8941,7 +8861,7 @@
           <a:p>
             <a:pPr lvl="0"/>
             <a:r>
-              <a:rPr lang="en-US" smtClean="0"/>
+              <a:rPr lang="en-US"/>
               <a:t>Click to edit Master text styles</a:t>
             </a:r>
           </a:p>
@@ -8997,38 +8917,37 @@
           <a:p>
             <a:pPr lvl="0"/>
             <a:r>
-              <a:rPr lang="en-US" smtClean="0"/>
+              <a:rPr lang="en-US"/>
               <a:t>Click to edit Master text styles</a:t>
             </a:r>
           </a:p>
           <a:p>
             <a:pPr lvl="1"/>
             <a:r>
-              <a:rPr lang="en-US" smtClean="0"/>
+              <a:rPr lang="en-US"/>
               <a:t>Second level</a:t>
             </a:r>
           </a:p>
           <a:p>
             <a:pPr lvl="2"/>
             <a:r>
-              <a:rPr lang="en-US" smtClean="0"/>
+              <a:rPr lang="en-US"/>
               <a:t>Third level</a:t>
             </a:r>
           </a:p>
           <a:p>
             <a:pPr lvl="3"/>
             <a:r>
-              <a:rPr lang="en-US" smtClean="0"/>
+              <a:rPr lang="en-US"/>
               <a:t>Fourth level</a:t>
             </a:r>
           </a:p>
           <a:p>
             <a:pPr lvl="4"/>
             <a:r>
-              <a:rPr lang="en-US" smtClean="0"/>
+              <a:rPr lang="en-US"/>
               <a:t>Fifth level</a:t>
             </a:r>
-            <a:endParaRPr lang="en-US"/>
           </a:p>
         </p:txBody>
       </p:sp>
@@ -9091,7 +9010,7 @@
           <a:p>
             <a:pPr lvl="0"/>
             <a:r>
-              <a:rPr lang="en-US" smtClean="0"/>
+              <a:rPr lang="en-US"/>
               <a:t>Click to edit Master text styles</a:t>
             </a:r>
           </a:p>
@@ -9147,38 +9066,37 @@
           <a:p>
             <a:pPr lvl="0"/>
             <a:r>
-              <a:rPr lang="en-US" smtClean="0"/>
+              <a:rPr lang="en-US"/>
               <a:t>Click to edit Master text styles</a:t>
             </a:r>
           </a:p>
           <a:p>
             <a:pPr lvl="1"/>
             <a:r>
-              <a:rPr lang="en-US" smtClean="0"/>
+              <a:rPr lang="en-US"/>
               <a:t>Second level</a:t>
             </a:r>
           </a:p>
           <a:p>
             <a:pPr lvl="2"/>
             <a:r>
-              <a:rPr lang="en-US" smtClean="0"/>
+              <a:rPr lang="en-US"/>
               <a:t>Third level</a:t>
             </a:r>
           </a:p>
           <a:p>
             <a:pPr lvl="3"/>
             <a:r>
-              <a:rPr lang="en-US" smtClean="0"/>
+              <a:rPr lang="en-US"/>
               <a:t>Fourth level</a:t>
             </a:r>
           </a:p>
           <a:p>
             <a:pPr lvl="4"/>
             <a:r>
-              <a:rPr lang="en-US" smtClean="0"/>
+              <a:rPr lang="en-US"/>
               <a:t>Fifth level</a:t>
             </a:r>
-            <a:endParaRPr lang="en-US"/>
           </a:p>
         </p:txBody>
       </p:sp>
@@ -9223,10 +9141,9 @@
           <a:lstStyle/>
           <a:p>
             <a:r>
-              <a:rPr lang="en-US" smtClean="0"/>
+              <a:rPr lang="en-US"/>
               <a:t>Click to edit Master title style</a:t>
             </a:r>
-            <a:endParaRPr lang="en-US"/>
           </a:p>
         </p:txBody>
       </p:sp>
@@ -9305,10 +9222,9 @@
           </a:lstStyle>
           <a:p>
             <a:r>
-              <a:rPr lang="en-US" smtClean="0"/>
+              <a:rPr lang="en-US"/>
               <a:t>Click to edit Master title style</a:t>
             </a:r>
-            <a:endParaRPr lang="en-US"/>
           </a:p>
         </p:txBody>
       </p:sp>
@@ -9362,38 +9278,37 @@
           <a:p>
             <a:pPr lvl="0"/>
             <a:r>
-              <a:rPr lang="en-US" smtClean="0"/>
+              <a:rPr lang="en-US"/>
               <a:t>Click to edit Master text styles</a:t>
             </a:r>
           </a:p>
           <a:p>
             <a:pPr lvl="1"/>
             <a:r>
-              <a:rPr lang="en-US" smtClean="0"/>
+              <a:rPr lang="en-US"/>
               <a:t>Second level</a:t>
             </a:r>
           </a:p>
           <a:p>
             <a:pPr lvl="2"/>
             <a:r>
-              <a:rPr lang="en-US" smtClean="0"/>
+              <a:rPr lang="en-US"/>
               <a:t>Third level</a:t>
             </a:r>
           </a:p>
           <a:p>
             <a:pPr lvl="3"/>
             <a:r>
-              <a:rPr lang="en-US" smtClean="0"/>
+              <a:rPr lang="en-US"/>
               <a:t>Fourth level</a:t>
             </a:r>
           </a:p>
           <a:p>
             <a:pPr lvl="4"/>
             <a:r>
-              <a:rPr lang="en-US" smtClean="0"/>
+              <a:rPr lang="en-US"/>
               <a:t>Fifth level</a:t>
             </a:r>
-            <a:endParaRPr lang="en-US"/>
           </a:p>
         </p:txBody>
       </p:sp>
@@ -9456,7 +9371,7 @@
           <a:p>
             <a:pPr lvl="0"/>
             <a:r>
-              <a:rPr lang="en-US" smtClean="0"/>
+              <a:rPr lang="en-US"/>
               <a:t>Click to edit Master text styles</a:t>
             </a:r>
           </a:p>
@@ -9512,10 +9427,9 @@
           </a:lstStyle>
           <a:p>
             <a:r>
-              <a:rPr lang="en-US" smtClean="0"/>
+              <a:rPr lang="en-US"/>
               <a:t>Click to edit Master title style</a:t>
             </a:r>
-            <a:endParaRPr lang="en-US"/>
           </a:p>
         </p:txBody>
       </p:sp>
@@ -9577,7 +9491,7 @@
           </a:lstStyle>
           <a:p>
             <a:pPr lvl="0"/>
-            <a:endParaRPr lang="en-US" noProof="0" dirty="0" smtClean="0"/>
+            <a:endParaRPr lang="en-US" noProof="0" dirty="0"/>
           </a:p>
         </p:txBody>
       </p:sp>
@@ -9640,7 +9554,7 @@
           <a:p>
             <a:pPr lvl="0"/>
             <a:r>
-              <a:rPr lang="en-US" smtClean="0"/>
+              <a:rPr lang="en-US"/>
               <a:t>Click to edit Master text styles</a:t>
             </a:r>
           </a:p>
@@ -9715,7 +9629,7 @@
           <a:p>
             <a:pPr lvl="0"/>
             <a:r>
-              <a:rPr lang="en-US" smtClean="0"/>
+              <a:rPr lang="en-US"/>
               <a:t>Slide Title</a:t>
             </a:r>
           </a:p>
@@ -9774,18 +9688,13 @@
               <a:defRPr/>
             </a:pPr>
             <a:r>
-              <a:rPr lang="en-US" sz="700" dirty="0" smtClean="0">
+              <a:rPr lang="en-US" sz="700" dirty="0">
                 <a:solidFill>
                   <a:srgbClr val="D3D3D3"/>
                 </a:solidFill>
               </a:rPr>
               <a:t>Chapter 4</a:t>
             </a:r>
-            <a:endParaRPr lang="en-US" sz="700" dirty="0">
-              <a:solidFill>
-                <a:srgbClr val="D3D3D3"/>
-              </a:solidFill>
-            </a:endParaRPr>
           </a:p>
         </p:txBody>
       </p:sp>
@@ -9883,35 +9792,35 @@
           <a:p>
             <a:pPr lvl="0"/>
             <a:r>
-              <a:rPr lang="en-US" smtClean="0"/>
+              <a:rPr lang="en-US"/>
               <a:t>Body Text</a:t>
             </a:r>
           </a:p>
           <a:p>
             <a:pPr lvl="1"/>
             <a:r>
-              <a:rPr lang="en-US" smtClean="0"/>
+              <a:rPr lang="en-US"/>
               <a:t>Second Level</a:t>
             </a:r>
           </a:p>
           <a:p>
             <a:pPr lvl="2"/>
             <a:r>
-              <a:rPr lang="en-US" smtClean="0"/>
+              <a:rPr lang="en-US"/>
               <a:t>Third Level</a:t>
             </a:r>
           </a:p>
           <a:p>
             <a:pPr lvl="3"/>
             <a:r>
-              <a:rPr lang="en-US" smtClean="0"/>
+              <a:rPr lang="en-US"/>
               <a:t>Fourth Level</a:t>
             </a:r>
           </a:p>
           <a:p>
             <a:pPr lvl="4"/>
             <a:r>
-              <a:rPr lang="en-US" smtClean="0"/>
+              <a:rPr lang="en-US"/>
               <a:t>Fifth Level</a:t>
             </a:r>
           </a:p>
@@ -10060,13 +9969,6 @@
     <p:sldLayoutId id="2147484443" r:id="rId11"/>
     <p:sldLayoutId id="2147484444" r:id="rId12"/>
   </p:sldLayoutIdLst>
-  <p:timing>
-    <p:tnLst>
-      <p:par>
-        <p:cTn id="1" dur="indefinite" restart="never" nodeType="tmRoot"/>
-      </p:par>
-    </p:tnLst>
-  </p:timing>
   <p:txStyles>
     <p:titleStyle>
       <a:lvl1pPr algn="l" defTabSz="814388" rtl="0" eaLnBrk="0" fontAlgn="base" hangingPunct="0">
@@ -10571,7 +10473,7 @@
           <a:p>
             <a:pPr lvl="0"/>
             <a:r>
-              <a:rPr lang="en-US" smtClean="0"/>
+              <a:rPr lang="en-US"/>
               <a:t>Slide Title</a:t>
             </a:r>
           </a:p>
@@ -10718,35 +10620,35 @@
           <a:p>
             <a:pPr lvl="0"/>
             <a:r>
-              <a:rPr lang="en-US" smtClean="0"/>
+              <a:rPr lang="en-US"/>
               <a:t>Body Text</a:t>
             </a:r>
           </a:p>
           <a:p>
             <a:pPr lvl="1"/>
             <a:r>
-              <a:rPr lang="en-US" smtClean="0"/>
+              <a:rPr lang="en-US"/>
               <a:t>Second Level</a:t>
             </a:r>
           </a:p>
           <a:p>
             <a:pPr lvl="2"/>
             <a:r>
-              <a:rPr lang="en-US" smtClean="0"/>
+              <a:rPr lang="en-US"/>
               <a:t>Third Level</a:t>
             </a:r>
           </a:p>
           <a:p>
             <a:pPr lvl="3"/>
             <a:r>
-              <a:rPr lang="en-US" smtClean="0"/>
+              <a:rPr lang="en-US"/>
               <a:t>Fourth Level</a:t>
             </a:r>
           </a:p>
           <a:p>
             <a:pPr lvl="4"/>
             <a:r>
-              <a:rPr lang="en-US" smtClean="0"/>
+              <a:rPr lang="en-US"/>
               <a:t>Fifth Level</a:t>
             </a:r>
           </a:p>
@@ -10894,13 +10796,6 @@
     <p:sldLayoutId id="2147484453" r:id="rId10"/>
     <p:sldLayoutId id="2147484454" r:id="rId11"/>
   </p:sldLayoutIdLst>
-  <p:timing>
-    <p:tnLst>
-      <p:par>
-        <p:cTn id="1" dur="indefinite" restart="never" nodeType="tmRoot"/>
-      </p:par>
-    </p:tnLst>
-  </p:timing>
   <p:txStyles>
     <p:titleStyle>
       <a:lvl1pPr algn="l" defTabSz="814388" rtl="0" eaLnBrk="0" fontAlgn="base" hangingPunct="0">
@@ -11383,18 +11278,10 @@
           <a:p>
             <a:pPr eaLnBrk="1" hangingPunct="1"/>
             <a:r>
-              <a:rPr lang="en-US" sz="2800" dirty="0" smtClean="0"/>
-              <a:t>Chapter </a:t>
-            </a:r>
-            <a:r>
               <a:rPr lang="en-US" sz="2800" dirty="0"/>
-              <a:t>5</a:t>
-            </a:r>
-            <a:r>
-              <a:rPr lang="en-US" sz="2800" dirty="0" smtClean="0"/>
-              <a:t>: Network Address Translation for IPv4</a:t>
-            </a:r>
-            <a:endParaRPr lang="en-US" sz="2800" dirty="0" smtClean="0">
+              <a:t>Chapter 5: Network Address Translation for IPv4</a:t>
+            </a:r>
+            <a:endParaRPr lang="en-US" sz="2800" dirty="0">
               <a:solidFill>
                 <a:schemeClr val="folHlink"/>
               </a:solidFill>
@@ -11424,7 +11311,7 @@
           <a:p>
             <a:pPr eaLnBrk="1" hangingPunct="1"/>
             <a:r>
-              <a:rPr lang="en-US" sz="2400" dirty="0" smtClean="0"/>
+              <a:rPr lang="en-US" sz="2400" dirty="0"/>
               <a:t>Connecting Networks</a:t>
             </a:r>
           </a:p>
@@ -11438,13 +11325,6 @@
   <p:transition>
     <p:wipe dir="r"/>
   </p:transition>
-  <p:timing>
-    <p:tnLst>
-      <p:par>
-        <p:cTn id="1" dur="indefinite" restart="never" nodeType="tmRoot"/>
-      </p:par>
-    </p:tnLst>
-  </p:timing>
 </p:sld>
 </file>
 
@@ -11477,7 +11357,7 @@
         </p:nvSpPr>
         <p:spPr>
           <a:xfrm>
-            <a:off x="412183" y="427206"/>
+            <a:off x="384686" y="468150"/>
             <a:ext cx="8145462" cy="838200"/>
           </a:xfrm>
         </p:spPr>
@@ -11487,101 +11367,81 @@
           <a:p>
             <a:pPr eaLnBrk="1" hangingPunct="1"/>
             <a:r>
-              <a:rPr lang="en-US" sz="1800" dirty="0" smtClean="0">
+              <a:rPr lang="en-US" sz="1800" dirty="0">
                 <a:ea typeface="ＭＳ Ｐゴシック" pitchFamily="34" charset="-128"/>
               </a:rPr>
-              <a:t>NAT Characteristics</a:t>
+              <a:t>Types of NAT</a:t>
             </a:r>
             <a:br>
-              <a:rPr lang="en-US" sz="1800" dirty="0" smtClean="0">
+              <a:rPr lang="en-US" sz="1800" dirty="0">
                 <a:ea typeface="ＭＳ Ｐゴシック" pitchFamily="34" charset="-128"/>
               </a:rPr>
             </a:br>
             <a:r>
-              <a:rPr lang="en-US" dirty="0" smtClean="0">
+              <a:rPr lang="en-US" dirty="0">
                 <a:ea typeface="ＭＳ Ｐゴシック" pitchFamily="34" charset="-128"/>
               </a:rPr>
-              <a:t>NAT Terminology (cont.)</a:t>
-            </a:r>
-          </a:p>
-        </p:txBody>
-      </p:sp>
-      <p:pic>
-        <p:nvPicPr>
-          <p:cNvPr id="5123" name="Picture 3"/>
-          <p:cNvPicPr>
-            <a:picLocks noChangeAspect="1" noChangeArrowheads="1"/>
-          </p:cNvPicPr>
-          <p:nvPr/>
-        </p:nvPicPr>
-        <p:blipFill>
-          <a:blip r:embed="rId3">
-            <a:extLst>
-              <a:ext uri="{28A0092B-C50C-407E-A947-70E740481C1C}">
-                <a14:useLocalDpi xmlns:a14="http://schemas.microsoft.com/office/drawing/2010/main" val="0"/>
-              </a:ext>
-            </a:extLst>
-          </a:blip>
-          <a:srcRect/>
-          <a:stretch>
-            <a:fillRect/>
-          </a:stretch>
-        </p:blipFill>
-        <p:spPr bwMode="auto">
+              <a:t>Static NAT</a:t>
+            </a:r>
+          </a:p>
+        </p:txBody>
+      </p:sp>
+      <p:sp>
+        <p:nvSpPr>
+          <p:cNvPr id="5" name="Content Placeholder 1"/>
+          <p:cNvSpPr>
+            <a:spLocks noGrp="1"/>
+          </p:cNvSpPr>
+          <p:nvPr>
+            <p:ph idx="1"/>
+          </p:nvPr>
+        </p:nvSpPr>
+        <p:spPr>
           <a:xfrm>
-            <a:off x="1060677" y="1479992"/>
-            <a:ext cx="6848475" cy="4819650"/>
+            <a:off x="423409" y="1458667"/>
+            <a:ext cx="8227105" cy="4487862"/>
           </a:xfrm>
-          <a:prstGeom prst="rect">
-            <a:avLst/>
-          </a:prstGeom>
-          <a:noFill/>
-          <a:ln w="9525">
-            <a:solidFill>
-              <a:schemeClr val="tx1"/>
-            </a:solidFill>
-            <a:bevel/>
-            <a:headEnd/>
-            <a:tailEnd/>
-          </a:ln>
-          <a:effectLst/>
-          <a:extLst>
-            <a:ext uri="{909E8E84-426E-40DD-AFC4-6F175D3DCCD1}">
-              <a14:hiddenFill xmlns:a14="http://schemas.microsoft.com/office/drawing/2010/main">
-                <a:solidFill>
-                  <a:schemeClr val="accent1"/>
-                </a:solidFill>
-              </a14:hiddenFill>
-            </a:ext>
-            <a:ext uri="{AF507438-7753-43E0-B8FC-AC1667EBCBE1}">
-              <a14:hiddenEffects xmlns:a14="http://schemas.microsoft.com/office/drawing/2010/main">
-                <a:effectLst>
-                  <a:outerShdw dist="35921" dir="2700000" algn="ctr" rotWithShape="0">
-                    <a:schemeClr val="bg2"/>
-                  </a:outerShdw>
-                </a:effectLst>
-              </a14:hiddenEffects>
-            </a:ext>
-          </a:extLst>
-        </p:spPr>
-      </p:pic>
+        </p:spPr>
+        <p:txBody>
+          <a:bodyPr/>
+          <a:lstStyle/>
+          <a:p>
+            <a:r>
+              <a:rPr lang="nl-BE" sz="2000" dirty="0"/>
+              <a:t>Static NAT maakt gebruik van een één-op-één mapping van lokale en globale adressen.</a:t>
+            </a:r>
+          </a:p>
+          <a:p>
+            <a:r>
+              <a:rPr lang="nl-BE" sz="2000" dirty="0"/>
+              <a:t>Deze mappings worden geconfigureerd door de netwerkbeheerder en blijven constant.</a:t>
+            </a:r>
+          </a:p>
+          <a:p>
+            <a:r>
+              <a:rPr lang="nl-BE" sz="2000" dirty="0"/>
+              <a:t>Static NAT is bijzonder handig wanneer servers die in het interne netwerk worden gehost, toegankelijk zijn van het buitennetwerk.</a:t>
+            </a:r>
+          </a:p>
+          <a:p>
+            <a:r>
+              <a:rPr lang="nl-BE" sz="2000" dirty="0"/>
+              <a:t>Een netwerkbeheerder kan SSH’en naar een server in het lokale netwerkt door de SSH-client naar het juiste inside global address te verwijzen.</a:t>
+            </a:r>
+            <a:endParaRPr lang="en-US" sz="2000" dirty="0"/>
+          </a:p>
+        </p:txBody>
+      </p:sp>
     </p:spTree>
     <p:extLst>
       <p:ext uri="{BB962C8B-B14F-4D97-AF65-F5344CB8AC3E}">
-        <p14:creationId xmlns:p14="http://schemas.microsoft.com/office/powerpoint/2010/main" val="4047225431"/>
+        <p14:creationId xmlns:p14="http://schemas.microsoft.com/office/powerpoint/2010/main" val="3810112307"/>
       </p:ext>
     </p:extLst>
   </p:cSld>
   <p:clrMapOvr>
     <a:masterClrMapping/>
   </p:clrMapOvr>
-  <p:timing>
-    <p:tnLst>
-      <p:par>
-        <p:cTn id="1" dur="indefinite" restart="never" nodeType="tmRoot"/>
-      </p:par>
-    </p:tnLst>
-  </p:timing>
 </p:sld>
 </file>
 
@@ -11614,169 +11474,6 @@
         </p:nvSpPr>
         <p:spPr>
           <a:xfrm>
-            <a:off x="384686" y="468150"/>
-            <a:ext cx="8145462" cy="838200"/>
-          </a:xfrm>
-        </p:spPr>
-        <p:txBody>
-          <a:bodyPr/>
-          <a:lstStyle/>
-          <a:p>
-            <a:pPr eaLnBrk="1" hangingPunct="1"/>
-            <a:r>
-              <a:rPr lang="en-US" sz="1800" dirty="0" smtClean="0">
-                <a:ea typeface="ＭＳ Ｐゴシック" pitchFamily="34" charset="-128"/>
-              </a:rPr>
-              <a:t>Types of NAT</a:t>
-            </a:r>
-            <a:br>
-              <a:rPr lang="en-US" sz="1800" dirty="0" smtClean="0">
-                <a:ea typeface="ＭＳ Ｐゴシック" pitchFamily="34" charset="-128"/>
-              </a:rPr>
-            </a:br>
-            <a:r>
-              <a:rPr lang="en-US" dirty="0" smtClean="0">
-                <a:ea typeface="ＭＳ Ｐゴシック" pitchFamily="34" charset="-128"/>
-              </a:rPr>
-              <a:t>Static NAT</a:t>
-            </a:r>
-          </a:p>
-        </p:txBody>
-      </p:sp>
-      <p:sp>
-        <p:nvSpPr>
-          <p:cNvPr id="5" name="Content Placeholder 1"/>
-          <p:cNvSpPr>
-            <a:spLocks noGrp="1"/>
-          </p:cNvSpPr>
-          <p:nvPr>
-            <p:ph idx="1"/>
-          </p:nvPr>
-        </p:nvSpPr>
-        <p:spPr>
-          <a:xfrm>
-            <a:off x="423409" y="1458667"/>
-            <a:ext cx="8227105" cy="4487862"/>
-          </a:xfrm>
-        </p:spPr>
-        <p:txBody>
-          <a:bodyPr/>
-          <a:lstStyle/>
-          <a:p>
-            <a:r>
-              <a:rPr lang="en-US" sz="2000" dirty="0"/>
-              <a:t>Static NAT uses a one-to-one mapping of local and global </a:t>
-            </a:r>
-            <a:r>
-              <a:rPr lang="en-US" sz="2000" dirty="0" smtClean="0"/>
-              <a:t>addresses.</a:t>
-            </a:r>
-          </a:p>
-          <a:p>
-            <a:r>
-              <a:rPr lang="en-US" sz="2000" dirty="0" smtClean="0"/>
-              <a:t>These </a:t>
-            </a:r>
-            <a:r>
-              <a:rPr lang="en-US" sz="2000" dirty="0"/>
-              <a:t>mappings are configured by the network administrator and remain </a:t>
-            </a:r>
-            <a:r>
-              <a:rPr lang="en-US" sz="2000" dirty="0" smtClean="0"/>
-              <a:t>constant.</a:t>
-            </a:r>
-          </a:p>
-          <a:p>
-            <a:r>
-              <a:rPr lang="en-US" sz="2000" dirty="0"/>
-              <a:t>Static NAT is particularly useful </a:t>
-            </a:r>
-            <a:r>
-              <a:rPr lang="en-US" sz="2000" dirty="0" smtClean="0"/>
-              <a:t>when servers hosted in the inside network </a:t>
-            </a:r>
-            <a:r>
-              <a:rPr lang="en-US" sz="2000" dirty="0"/>
-              <a:t>must be accessible </a:t>
-            </a:r>
-            <a:r>
-              <a:rPr lang="en-US" sz="2000" dirty="0" smtClean="0"/>
-              <a:t>from the outside network.</a:t>
-            </a:r>
-          </a:p>
-          <a:p>
-            <a:r>
-              <a:rPr lang="en-US" sz="2000" dirty="0" smtClean="0"/>
-              <a:t>A </a:t>
-            </a:r>
-            <a:r>
-              <a:rPr lang="en-US" sz="2000" dirty="0"/>
-              <a:t>network administrator </a:t>
-            </a:r>
-            <a:r>
-              <a:rPr lang="en-US" sz="2000" dirty="0" smtClean="0"/>
-              <a:t>can </a:t>
-            </a:r>
-            <a:r>
-              <a:rPr lang="en-US" sz="2000" dirty="0"/>
-              <a:t>SSH to </a:t>
-            </a:r>
-            <a:r>
-              <a:rPr lang="en-US" sz="2000" dirty="0" smtClean="0"/>
-              <a:t>a server in the inside network by pointing the SSH client to the proper inside global address.</a:t>
-            </a:r>
-          </a:p>
-        </p:txBody>
-      </p:sp>
-    </p:spTree>
-    <p:extLst>
-      <p:ext uri="{BB962C8B-B14F-4D97-AF65-F5344CB8AC3E}">
-        <p14:creationId xmlns:p14="http://schemas.microsoft.com/office/powerpoint/2010/main" val="3810112307"/>
-      </p:ext>
-    </p:extLst>
-  </p:cSld>
-  <p:clrMapOvr>
-    <a:masterClrMapping/>
-  </p:clrMapOvr>
-  <p:timing>
-    <p:tnLst>
-      <p:par>
-        <p:cTn id="1" dur="indefinite" restart="never" nodeType="tmRoot"/>
-      </p:par>
-    </p:tnLst>
-  </p:timing>
-</p:sld>
-</file>
-
-<file path=ppt/slides/slide12.xml><?xml version="1.0" encoding="utf-8"?>
-<p:sld xmlns:a="http://schemas.openxmlformats.org/drawingml/2006/main" xmlns:r="http://schemas.openxmlformats.org/officeDocument/2006/relationships" xmlns:p="http://schemas.openxmlformats.org/presentationml/2006/main">
-  <p:cSld>
-    <p:spTree>
-      <p:nvGrpSpPr>
-        <p:cNvPr id="1" name=""/>
-        <p:cNvGrpSpPr/>
-        <p:nvPr/>
-      </p:nvGrpSpPr>
-      <p:grpSpPr>
-        <a:xfrm>
-          <a:off x="0" y="0"/>
-          <a:ext cx="0" cy="0"/>
-          <a:chOff x="0" y="0"/>
-          <a:chExt cx="0" cy="0"/>
-        </a:xfrm>
-      </p:grpSpPr>
-      <p:sp>
-        <p:nvSpPr>
-          <p:cNvPr id="7170" name="Rectangle 2"/>
-          <p:cNvSpPr>
-            <a:spLocks noGrp="1" noChangeArrowheads="1"/>
-          </p:cNvSpPr>
-          <p:nvPr>
-            <p:ph type="title"/>
-          </p:nvPr>
-        </p:nvSpPr>
-        <p:spPr>
-          <a:xfrm>
             <a:off x="499269" y="454963"/>
             <a:ext cx="8145462" cy="838200"/>
           </a:xfrm>
@@ -11787,21 +11484,33 @@
           <a:p>
             <a:pPr eaLnBrk="1" hangingPunct="1"/>
             <a:r>
-              <a:rPr lang="en-US" sz="1800" dirty="0" smtClean="0">
+              <a:rPr lang="en-US" sz="1800" dirty="0">
                 <a:ea typeface="ＭＳ Ｐゴシック" pitchFamily="34" charset="-128"/>
               </a:rPr>
               <a:t>Types of NAT</a:t>
             </a:r>
             <a:br>
-              <a:rPr lang="en-US" sz="1800" dirty="0" smtClean="0">
+              <a:rPr lang="en-US" sz="1800" dirty="0">
                 <a:ea typeface="ＭＳ Ｐゴシック" pitchFamily="34" charset="-128"/>
               </a:rPr>
             </a:br>
             <a:r>
-              <a:rPr lang="en-US" dirty="0" smtClean="0">
+              <a:rPr lang="en-US" dirty="0">
                 <a:ea typeface="ＭＳ Ｐゴシック" pitchFamily="34" charset="-128"/>
               </a:rPr>
-              <a:t>Static NAT (cont.)</a:t>
+              <a:t>Static NAT (</a:t>
+            </a:r>
+            <a:r>
+              <a:rPr lang="en-US" dirty="0" err="1">
+                <a:ea typeface="ＭＳ Ｐゴシック" pitchFamily="34" charset="-128"/>
+              </a:rPr>
+              <a:t>vervolg</a:t>
+            </a:r>
+            <a:r>
+              <a:rPr lang="en-US" dirty="0">
+                <a:ea typeface="ＭＳ Ｐゴシック" pitchFamily="34" charset="-128"/>
+              </a:rPr>
+              <a:t>)</a:t>
             </a:r>
           </a:p>
         </p:txBody>
@@ -11875,17 +11584,10 @@
   <p:clrMapOvr>
     <a:masterClrMapping/>
   </p:clrMapOvr>
-  <p:timing>
-    <p:tnLst>
-      <p:par>
-        <p:cTn id="1" dur="indefinite" restart="never" nodeType="tmRoot"/>
-      </p:par>
-    </p:tnLst>
-  </p:timing>
 </p:sld>
 </file>
 
-<file path=ppt/slides/slide13.xml><?xml version="1.0" encoding="utf-8"?>
+<file path=ppt/slides/slide12.xml><?xml version="1.0" encoding="utf-8"?>
 <p:sld xmlns:a="http://schemas.openxmlformats.org/drawingml/2006/main" xmlns:r="http://schemas.openxmlformats.org/officeDocument/2006/relationships" xmlns:p="http://schemas.openxmlformats.org/presentationml/2006/main">
   <p:cSld>
     <p:spTree>
@@ -11924,18 +11626,18 @@
           <a:p>
             <a:pPr eaLnBrk="1" hangingPunct="1"/>
             <a:r>
-              <a:rPr lang="en-US" sz="1800" dirty="0" smtClean="0">
+              <a:rPr lang="en-US" sz="1800" dirty="0">
                 <a:ea typeface="ＭＳ Ｐゴシック" pitchFamily="34" charset="-128"/>
               </a:rPr>
               <a:t>Types of NAT</a:t>
             </a:r>
             <a:br>
-              <a:rPr lang="en-US" sz="1800" dirty="0" smtClean="0">
+              <a:rPr lang="en-US" sz="1800" dirty="0">
                 <a:ea typeface="ＭＳ Ｐゴシック" pitchFamily="34" charset="-128"/>
               </a:rPr>
             </a:br>
             <a:r>
-              <a:rPr lang="en-US" dirty="0" smtClean="0">
+              <a:rPr lang="en-US" dirty="0">
                 <a:ea typeface="ＭＳ Ｐゴシック" pitchFamily="34" charset="-128"/>
               </a:rPr>
               <a:t>Dynamic NAT</a:t>
@@ -11964,40 +11666,20 @@
           <a:lstStyle/>
           <a:p>
             <a:r>
-              <a:rPr lang="en-US" sz="2000" dirty="0"/>
-              <a:t>Dynamic NAT uses a pool of public addresses and assigns them on a first-come, </a:t>
-            </a:r>
-            <a:r>
-              <a:rPr lang="en-US" sz="2000" dirty="0" smtClean="0"/>
-              <a:t>first-served basis.</a:t>
-            </a:r>
-          </a:p>
-          <a:p>
-            <a:r>
-              <a:rPr lang="en-US" sz="2000" dirty="0" smtClean="0"/>
-              <a:t>When </a:t>
-            </a:r>
-            <a:r>
-              <a:rPr lang="en-US" sz="2000" dirty="0"/>
-              <a:t>an inside device requests access to an outside network, dynamic NAT assigns an available public IPv4 address from the </a:t>
-            </a:r>
-            <a:r>
-              <a:rPr lang="en-US" sz="2000" dirty="0" smtClean="0"/>
-              <a:t>pool.</a:t>
-            </a:r>
-          </a:p>
-          <a:p>
-            <a:r>
-              <a:rPr lang="en-US" sz="2000" dirty="0" smtClean="0"/>
-              <a:t>Dynamic </a:t>
-            </a:r>
-            <a:r>
-              <a:rPr lang="en-US" sz="2000" dirty="0"/>
-              <a:t>NAT requires that enough public addresses are available to satisfy the total number of simultaneous user </a:t>
-            </a:r>
-            <a:r>
-              <a:rPr lang="en-US" sz="2000" dirty="0" smtClean="0"/>
-              <a:t>sessions.</a:t>
+              <a:rPr lang="nl-BE" sz="2000" dirty="0"/>
+              <a:t>Dynamic NAT maakt gebruik van een pool van public addresses en verwijst ze op een eerstvolgende, eerstgenoemde basis.</a:t>
+            </a:r>
+          </a:p>
+          <a:p>
+            <a:r>
+              <a:rPr lang="nl-BE" sz="2000" dirty="0"/>
+              <a:t>Wanneer een inside device toegang vraagt naar een extern netwerk, geeft Dynamic NAT een beschikbaar openbaar IPv4-adres van de pool.</a:t>
+            </a:r>
+          </a:p>
+          <a:p>
+            <a:r>
+              <a:rPr lang="nl-BE" sz="2000" dirty="0"/>
+              <a:t>Dynamic NAT vereist dat er voldoende publieke adressen beschikbaar zijn om het totale aantal gelijktijdige gebruikersessies te kunnen verwerken.</a:t>
             </a:r>
             <a:endParaRPr lang="en-US" sz="2000" dirty="0"/>
           </a:p>
@@ -12013,17 +11695,10 @@
   <p:clrMapOvr>
     <a:masterClrMapping/>
   </p:clrMapOvr>
-  <p:timing>
-    <p:tnLst>
-      <p:par>
-        <p:cTn id="1" dur="indefinite" restart="never" nodeType="tmRoot"/>
-      </p:par>
-    </p:tnLst>
-  </p:timing>
 </p:sld>
 </file>
 
-<file path=ppt/slides/slide14.xml><?xml version="1.0" encoding="utf-8"?>
+<file path=ppt/slides/slide13.xml><?xml version="1.0" encoding="utf-8"?>
 <p:sld xmlns:a="http://schemas.openxmlformats.org/drawingml/2006/main" xmlns:r="http://schemas.openxmlformats.org/officeDocument/2006/relationships" xmlns:p="http://schemas.openxmlformats.org/presentationml/2006/main">
   <p:cSld>
     <p:spTree>
@@ -12121,21 +11796,33 @@
           <a:p>
             <a:pPr eaLnBrk="1" hangingPunct="1"/>
             <a:r>
-              <a:rPr lang="en-US" sz="1800" dirty="0" smtClean="0">
+              <a:rPr lang="en-US" sz="1800" dirty="0">
                 <a:ea typeface="ＭＳ Ｐゴシック" pitchFamily="34" charset="-128"/>
               </a:rPr>
               <a:t>Types of NAT</a:t>
             </a:r>
             <a:br>
-              <a:rPr lang="en-US" sz="1800" dirty="0" smtClean="0">
+              <a:rPr lang="en-US" sz="1800" dirty="0">
                 <a:ea typeface="ＭＳ Ｐゴシック" pitchFamily="34" charset="-128"/>
               </a:rPr>
             </a:br>
             <a:r>
-              <a:rPr lang="en-US" dirty="0" smtClean="0">
+              <a:rPr lang="en-US" dirty="0">
                 <a:ea typeface="ＭＳ Ｐゴシック" pitchFamily="34" charset="-128"/>
               </a:rPr>
-              <a:t>Dynamic NAT (cont.)</a:t>
+              <a:t>Dynamic NAT (</a:t>
+            </a:r>
+            <a:r>
+              <a:rPr lang="en-US" dirty="0" err="1">
+                <a:ea typeface="ＭＳ Ｐゴシック" pitchFamily="34" charset="-128"/>
+              </a:rPr>
+              <a:t>vervolg</a:t>
+            </a:r>
+            <a:r>
+              <a:rPr lang="en-US" dirty="0">
+                <a:ea typeface="ＭＳ Ｐゴシック" pitchFamily="34" charset="-128"/>
+              </a:rPr>
+              <a:t>)</a:t>
             </a:r>
           </a:p>
         </p:txBody>
@@ -12150,13 +11837,129 @@
   <p:clrMapOvr>
     <a:masterClrMapping/>
   </p:clrMapOvr>
-  <p:timing>
-    <p:tnLst>
-      <p:par>
-        <p:cTn id="1" dur="indefinite" restart="never" nodeType="tmRoot"/>
-      </p:par>
-    </p:tnLst>
-  </p:timing>
+</p:sld>
+</file>
+
+<file path=ppt/slides/slide14.xml><?xml version="1.0" encoding="utf-8"?>
+<p:sld xmlns:a="http://schemas.openxmlformats.org/drawingml/2006/main" xmlns:r="http://schemas.openxmlformats.org/officeDocument/2006/relationships" xmlns:p="http://schemas.openxmlformats.org/presentationml/2006/main">
+  <p:cSld>
+    <p:spTree>
+      <p:nvGrpSpPr>
+        <p:cNvPr id="1" name=""/>
+        <p:cNvGrpSpPr/>
+        <p:nvPr/>
+      </p:nvGrpSpPr>
+      <p:grpSpPr>
+        <a:xfrm>
+          <a:off x="0" y="0"/>
+          <a:ext cx="0" cy="0"/>
+          <a:chOff x="0" y="0"/>
+          <a:chExt cx="0" cy="0"/>
+        </a:xfrm>
+      </p:grpSpPr>
+      <p:sp>
+        <p:nvSpPr>
+          <p:cNvPr id="7170" name="Rectangle 2"/>
+          <p:cNvSpPr>
+            <a:spLocks noGrp="1" noChangeArrowheads="1"/>
+          </p:cNvSpPr>
+          <p:nvPr>
+            <p:ph type="title"/>
+          </p:nvPr>
+        </p:nvSpPr>
+        <p:spPr>
+          <a:xfrm>
+            <a:off x="507516" y="481798"/>
+            <a:ext cx="8145462" cy="838200"/>
+          </a:xfrm>
+        </p:spPr>
+        <p:txBody>
+          <a:bodyPr/>
+          <a:lstStyle/>
+          <a:p>
+            <a:pPr eaLnBrk="1" hangingPunct="1"/>
+            <a:r>
+              <a:rPr lang="en-US" sz="1800" dirty="0">
+                <a:ea typeface="ＭＳ Ｐゴシック" pitchFamily="34" charset="-128"/>
+              </a:rPr>
+              <a:t>Types of NAT</a:t>
+            </a:r>
+            <a:br>
+              <a:rPr lang="en-US" sz="1800" dirty="0">
+                <a:ea typeface="ＭＳ Ｐゴシック" pitchFamily="34" charset="-128"/>
+              </a:rPr>
+            </a:br>
+            <a:r>
+              <a:rPr lang="en-US" dirty="0">
+                <a:ea typeface="ＭＳ Ｐゴシック" pitchFamily="34" charset="-128"/>
+              </a:rPr>
+              <a:t>Port Address Translation</a:t>
+            </a:r>
+          </a:p>
+        </p:txBody>
+      </p:sp>
+      <p:sp>
+        <p:nvSpPr>
+          <p:cNvPr id="4" name="Content Placeholder 1"/>
+          <p:cNvSpPr>
+            <a:spLocks noGrp="1"/>
+          </p:cNvSpPr>
+          <p:nvPr>
+            <p:ph idx="1"/>
+          </p:nvPr>
+        </p:nvSpPr>
+        <p:spPr>
+          <a:xfrm>
+            <a:off x="518945" y="1390427"/>
+            <a:ext cx="8161032" cy="4487862"/>
+          </a:xfrm>
+        </p:spPr>
+        <p:txBody>
+          <a:bodyPr/>
+          <a:lstStyle/>
+          <a:p>
+            <a:r>
+              <a:rPr lang="nl-BE" sz="2000" dirty="0"/>
+              <a:t>Port Address Translation (PAT) koppelt meerdere private IPv4-adresses naar één enkel public IPv4-adres of een paar adressen.</a:t>
+            </a:r>
+          </a:p>
+          <a:p>
+            <a:r>
+              <a:rPr lang="nl-BE" sz="2000" dirty="0"/>
+              <a:t>PAT maakt gebruik van de pair source port en het source IP address om bij te houden welk verkeer bij welke interne client behoort.</a:t>
+            </a:r>
+          </a:p>
+          <a:p>
+            <a:r>
+              <a:rPr lang="nl-BE" sz="2000" dirty="0"/>
+              <a:t>PAT staat ook bekend als NAT overload.</a:t>
+            </a:r>
+          </a:p>
+          <a:p>
+            <a:r>
+              <a:rPr lang="nl-BE" sz="2000" dirty="0"/>
+              <a:t>Door ook het poortnummer te gebruiken, stuurt PAT de responspakketten naar het juiste interne apparaat.</a:t>
+            </a:r>
+          </a:p>
+          <a:p>
+            <a:r>
+              <a:rPr lang="nl-BE" sz="2000" dirty="0"/>
+              <a:t>Het PAT-proces bevestigt ook dat de inkomende pakketten werden aangevraagd, waardoor een zekere mate van beveiliging aan de sessie word toegevoegd.</a:t>
+            </a:r>
+            <a:endParaRPr lang="en-US" sz="2000" dirty="0"/>
+          </a:p>
+        </p:txBody>
+      </p:sp>
+    </p:spTree>
+    <p:extLst>
+      <p:ext uri="{BB962C8B-B14F-4D97-AF65-F5344CB8AC3E}">
+        <p14:creationId xmlns:p14="http://schemas.microsoft.com/office/powerpoint/2010/main" val="3189901173"/>
+      </p:ext>
+    </p:extLst>
+  </p:cSld>
+  <p:clrMapOvr>
+    <a:masterClrMapping/>
+  </p:clrMapOvr>
 </p:sld>
 </file>
 
@@ -12189,7 +11992,7 @@
         </p:nvSpPr>
         <p:spPr>
           <a:xfrm>
-            <a:off x="507516" y="481798"/>
+            <a:off x="425629" y="468150"/>
             <a:ext cx="8145462" cy="838200"/>
           </a:xfrm>
         </p:spPr>
@@ -12199,21 +12002,39 @@
           <a:p>
             <a:pPr eaLnBrk="1" hangingPunct="1"/>
             <a:r>
-              <a:rPr lang="en-US" sz="1800" dirty="0" smtClean="0">
+              <a:rPr lang="en-US" sz="1800" dirty="0">
                 <a:ea typeface="ＭＳ Ｐゴシック" pitchFamily="34" charset="-128"/>
               </a:rPr>
               <a:t>Types of NAT</a:t>
             </a:r>
             <a:br>
-              <a:rPr lang="en-US" sz="1800" dirty="0" smtClean="0">
+              <a:rPr lang="en-US" sz="1800" dirty="0">
                 <a:ea typeface="ＭＳ Ｐゴシック" pitchFamily="34" charset="-128"/>
               </a:rPr>
             </a:br>
             <a:r>
-              <a:rPr lang="en-US" dirty="0" smtClean="0">
+              <a:rPr lang="en-US" dirty="0" err="1">
                 <a:ea typeface="ＭＳ Ｐゴシック" pitchFamily="34" charset="-128"/>
               </a:rPr>
-              <a:t>Port Address Translation</a:t>
+              <a:t>Vergelijking</a:t>
+            </a:r>
+            <a:r>
+              <a:rPr lang="en-US" dirty="0">
+                <a:ea typeface="ＭＳ Ｐゴシック" pitchFamily="34" charset="-128"/>
+              </a:rPr>
+              <a:t> NAT </a:t>
+            </a:r>
+            <a:r>
+              <a:rPr lang="en-US" dirty="0" err="1">
+                <a:ea typeface="ＭＳ Ｐゴシック" pitchFamily="34" charset="-128"/>
+              </a:rPr>
+              <a:t>en</a:t>
+            </a:r>
+            <a:r>
+              <a:rPr lang="en-US" dirty="0">
+                <a:ea typeface="ＭＳ Ｐゴシック" pitchFamily="34" charset="-128"/>
+              </a:rPr>
+              <a:t> PAT</a:t>
             </a:r>
           </a:p>
         </p:txBody>
@@ -12230,8 +12051,8 @@
         </p:nvSpPr>
         <p:spPr>
           <a:xfrm>
-            <a:off x="518945" y="1390427"/>
-            <a:ext cx="8161032" cy="4487862"/>
+            <a:off x="478000" y="1472313"/>
+            <a:ext cx="8227105" cy="4487862"/>
           </a:xfrm>
         </p:spPr>
         <p:txBody>
@@ -12239,48 +12060,32 @@
           <a:lstStyle/>
           <a:p>
             <a:r>
-              <a:rPr lang="en-US" sz="2000" dirty="0" smtClean="0"/>
-              <a:t>Port Address Translation (PAT) maps </a:t>
-            </a:r>
-            <a:r>
-              <a:rPr lang="en-US" sz="2000" dirty="0"/>
-              <a:t>multiple private IPv4 addresses to a single public IPv4 address or a few </a:t>
-            </a:r>
-            <a:r>
-              <a:rPr lang="en-US" sz="2000" dirty="0" smtClean="0"/>
-              <a:t>addresses.</a:t>
-            </a:r>
-          </a:p>
-          <a:p>
-            <a:r>
-              <a:rPr lang="en-US" sz="2000" dirty="0" smtClean="0"/>
-              <a:t>PAT uses the pair source port and source IP address to keep track of what traffic belongs to what internal client.</a:t>
-            </a:r>
-          </a:p>
-          <a:p>
-            <a:r>
-              <a:rPr lang="en-US" sz="2000" dirty="0" smtClean="0"/>
-              <a:t>PAT is also known as NAT overload.</a:t>
-            </a:r>
-          </a:p>
-          <a:p>
-            <a:r>
-              <a:rPr lang="en-US" sz="2000" dirty="0" smtClean="0"/>
-              <a:t>By also using the port number, PAT forwards the response packets to the correct internal device.</a:t>
-            </a:r>
-          </a:p>
-          <a:p>
-            <a:r>
-              <a:rPr lang="en-US" sz="2000" dirty="0" smtClean="0"/>
-              <a:t>The PAT </a:t>
-            </a:r>
-            <a:r>
-              <a:rPr lang="en-US" sz="2000" dirty="0"/>
-              <a:t>process also validates that the incoming packets were requested, thus adding a degree of security to the </a:t>
-            </a:r>
-            <a:r>
-              <a:rPr lang="en-US" sz="2000" dirty="0" smtClean="0"/>
-              <a:t>session.</a:t>
+              <a:rPr lang="nl-BE" sz="2000" dirty="0"/>
+              <a:t>NAT vertaalt IPv4 adressen op een 1: 1 basis tussen privé IPv4 adressen en openbare IPv4 adressen.</a:t>
+            </a:r>
+          </a:p>
+          <a:p>
+            <a:r>
+              <a:rPr lang="nl-BE" sz="2000" dirty="0"/>
+              <a:t>PAT wijzigt zowel het adres als het poortnummer.</a:t>
+            </a:r>
+          </a:p>
+          <a:p>
+            <a:r>
+              <a:rPr lang="nl-BE" sz="2000" dirty="0"/>
+              <a:t>NAT forwards binnenkomende pakketten naar hun inside destination door te verwijzen naar het incoming source IPv4 address dat door de host op het public network gegeven wordt.</a:t>
+            </a:r>
+          </a:p>
+          <a:p>
+            <a:r>
+              <a:rPr lang="nl-BE" sz="2000" dirty="0"/>
+              <a:t>Bij PAT is er over het algemeen slechts één of een zeer weinig publiek blootgestelde IPv4-adressen.</a:t>
+            </a:r>
+          </a:p>
+          <a:p>
+            <a:r>
+              <a:rPr lang="nl-BE" sz="2000" dirty="0"/>
+              <a:t>PAT kan protocollen vertalen die geen poortnummers gebruiken, zoals ICMP; Elk van deze protocollen wordt anders door PAT ondersteund.</a:t>
             </a:r>
             <a:endParaRPr lang="en-US" sz="2000" dirty="0"/>
           </a:p>
@@ -12289,20 +12094,13 @@
     </p:spTree>
     <p:extLst>
       <p:ext uri="{BB962C8B-B14F-4D97-AF65-F5344CB8AC3E}">
-        <p14:creationId xmlns:p14="http://schemas.microsoft.com/office/powerpoint/2010/main" val="3189901173"/>
+        <p14:creationId xmlns:p14="http://schemas.microsoft.com/office/powerpoint/2010/main" val="3620524987"/>
       </p:ext>
     </p:extLst>
   </p:cSld>
   <p:clrMapOvr>
     <a:masterClrMapping/>
   </p:clrMapOvr>
-  <p:timing>
-    <p:tnLst>
-      <p:par>
-        <p:cTn id="1" dur="indefinite" restart="never" nodeType="tmRoot"/>
-      </p:par>
-    </p:tnLst>
-  </p:timing>
 </p:sld>
 </file>
 
@@ -12335,7 +12133,7 @@
         </p:nvSpPr>
         <p:spPr>
           <a:xfrm>
-            <a:off x="425629" y="468150"/>
+            <a:off x="425629" y="454502"/>
             <a:ext cx="8145462" cy="838200"/>
           </a:xfrm>
         </p:spPr>
@@ -12345,28 +12143,40 @@
           <a:p>
             <a:pPr eaLnBrk="1" hangingPunct="1"/>
             <a:r>
-              <a:rPr lang="en-US" sz="1800" dirty="0" smtClean="0">
+              <a:rPr lang="en-US" sz="1800" dirty="0" err="1">
                 <a:ea typeface="ＭＳ Ｐゴシック" pitchFamily="34" charset="-128"/>
               </a:rPr>
-              <a:t>Types of NAT</a:t>
+              <a:t>Voordelen</a:t>
+            </a:r>
+            <a:r>
+              <a:rPr lang="en-US" sz="1800" dirty="0">
+                <a:ea typeface="ＭＳ Ｐゴシック" pitchFamily="34" charset="-128"/>
+              </a:rPr>
+              <a:t> van NAT</a:t>
             </a:r>
             <a:br>
-              <a:rPr lang="en-US" sz="1800" dirty="0" smtClean="0">
+              <a:rPr lang="en-US" sz="1800" dirty="0">
                 <a:ea typeface="ＭＳ Ｐゴシック" pitchFamily="34" charset="-128"/>
               </a:rPr>
             </a:br>
             <a:r>
-              <a:rPr lang="en-US" dirty="0" smtClean="0">
+              <a:rPr lang="en-US" dirty="0" err="1">
                 <a:ea typeface="ＭＳ Ｐゴシック" pitchFamily="34" charset="-128"/>
               </a:rPr>
-              <a:t>Comparing NAT and PAT</a:t>
-            </a:r>
-          </a:p>
-        </p:txBody>
-      </p:sp>
-      <p:sp>
-        <p:nvSpPr>
-          <p:cNvPr id="4" name="Content Placeholder 1"/>
+              <a:t>Voordelen</a:t>
+            </a:r>
+            <a:r>
+              <a:rPr lang="en-US" dirty="0">
+                <a:ea typeface="ＭＳ Ｐゴシック" pitchFamily="34" charset="-128"/>
+              </a:rPr>
+              <a:t> van NAT</a:t>
+            </a:r>
+          </a:p>
+        </p:txBody>
+      </p:sp>
+      <p:sp>
+        <p:nvSpPr>
+          <p:cNvPr id="5" name="Content Placeholder 1"/>
           <p:cNvSpPr>
             <a:spLocks noGrp="1"/>
           </p:cNvSpPr>
@@ -12376,7 +12186,7 @@
         </p:nvSpPr>
         <p:spPr>
           <a:xfrm>
-            <a:off x="478000" y="1472313"/>
+            <a:off x="437056" y="1510985"/>
             <a:ext cx="8227105" cy="4487862"/>
           </a:xfrm>
         </p:spPr>
@@ -12385,64 +12195,26 @@
           <a:lstStyle/>
           <a:p>
             <a:r>
-              <a:rPr lang="en-US" sz="2000" dirty="0"/>
-              <a:t>NAT translates IPv4 addresses on a 1:1 basis between private IPv4 addresses and public IPv4 </a:t>
-            </a:r>
-            <a:r>
-              <a:rPr lang="en-US" sz="2000" dirty="0" smtClean="0"/>
-              <a:t>addresses.</a:t>
-            </a:r>
-          </a:p>
-          <a:p>
-            <a:r>
-              <a:rPr lang="en-US" sz="2000" dirty="0" smtClean="0"/>
-              <a:t>PAT </a:t>
-            </a:r>
-            <a:r>
-              <a:rPr lang="en-US" sz="2000" dirty="0"/>
-              <a:t>modifies both the address and the port </a:t>
-            </a:r>
-            <a:r>
-              <a:rPr lang="en-US" sz="2000" dirty="0" smtClean="0"/>
-              <a:t>number.</a:t>
-            </a:r>
-          </a:p>
-          <a:p>
-            <a:r>
-              <a:rPr lang="en-US" sz="2000" dirty="0"/>
-              <a:t>NAT forwards incoming packets to their inside destination by referring to the incoming source IPv4 address </a:t>
-            </a:r>
-            <a:r>
-              <a:rPr lang="en-US" sz="2000" dirty="0" smtClean="0"/>
-              <a:t>provided by </a:t>
-            </a:r>
-            <a:r>
-              <a:rPr lang="en-US" sz="2000" dirty="0"/>
-              <a:t>the host on the public </a:t>
-            </a:r>
-            <a:r>
-              <a:rPr lang="en-US" sz="2000" dirty="0" smtClean="0"/>
-              <a:t>network.</a:t>
-            </a:r>
-          </a:p>
-          <a:p>
-            <a:r>
-              <a:rPr lang="en-US" sz="2000" dirty="0" smtClean="0"/>
-              <a:t>With </a:t>
-            </a:r>
-            <a:r>
-              <a:rPr lang="en-US" sz="2000" dirty="0"/>
-              <a:t>PAT, there is generally only one or a very few publicly exposed IPv4 </a:t>
-            </a:r>
-            <a:r>
-              <a:rPr lang="en-US" sz="2000" dirty="0" smtClean="0"/>
-              <a:t>addresses.</a:t>
-            </a:r>
-          </a:p>
-          <a:p>
-            <a:r>
-              <a:rPr lang="en-US" sz="2000" dirty="0" smtClean="0"/>
-              <a:t>PAT is able to translate protocols that do not use port numbers, such as ICMP; each one of these protocols is supported differently by PAT.</a:t>
+              <a:rPr lang="nl-BE" sz="2000" dirty="0"/>
+              <a:t>Behoudt de legally registered addressing scheme</a:t>
+            </a:r>
+          </a:p>
+          <a:p>
+            <a:r>
+              <a:rPr lang="nl-BE" sz="2000" dirty="0"/>
+              <a:t>Verhoogt de flexibiliteit van verbindingen met het public network</a:t>
+            </a:r>
+          </a:p>
+          <a:p>
+            <a:r>
+              <a:rPr lang="nl-BE" sz="2000" dirty="0"/>
+              <a:t>Biedt consistentie voor internal network addressing schemes</a:t>
+            </a:r>
+          </a:p>
+          <a:p>
+            <a:r>
+              <a:rPr lang="nl-BE" sz="2000" dirty="0"/>
+              <a:t>Biedt netwerkbeveiliging</a:t>
             </a:r>
             <a:endParaRPr lang="en-US" sz="2000" dirty="0"/>
           </a:p>
@@ -12451,20 +12223,13 @@
     </p:spTree>
     <p:extLst>
       <p:ext uri="{BB962C8B-B14F-4D97-AF65-F5344CB8AC3E}">
-        <p14:creationId xmlns:p14="http://schemas.microsoft.com/office/powerpoint/2010/main" val="3620524987"/>
+        <p14:creationId xmlns:p14="http://schemas.microsoft.com/office/powerpoint/2010/main" val="1708515474"/>
       </p:ext>
     </p:extLst>
   </p:cSld>
   <p:clrMapOvr>
     <a:masterClrMapping/>
   </p:clrMapOvr>
-  <p:timing>
-    <p:tnLst>
-      <p:par>
-        <p:cTn id="1" dur="indefinite" restart="never" nodeType="tmRoot"/>
-      </p:par>
-    </p:tnLst>
-  </p:timing>
 </p:sld>
 </file>
 
@@ -12497,7 +12262,7 @@
         </p:nvSpPr>
         <p:spPr>
           <a:xfrm>
-            <a:off x="425629" y="454502"/>
+            <a:off x="398335" y="495445"/>
             <a:ext cx="8145462" cy="838200"/>
           </a:xfrm>
         </p:spPr>
@@ -12507,28 +12272,40 @@
           <a:p>
             <a:pPr eaLnBrk="1" hangingPunct="1"/>
             <a:r>
-              <a:rPr lang="en-US" sz="1800" dirty="0" smtClean="0">
+              <a:rPr lang="en-US" sz="1800" dirty="0" err="1">
                 <a:ea typeface="ＭＳ Ｐゴシック" pitchFamily="34" charset="-128"/>
               </a:rPr>
-              <a:t>Benefits of NAT</a:t>
+              <a:t>Nadelen</a:t>
+            </a:r>
+            <a:r>
+              <a:rPr lang="en-US" sz="1800" dirty="0">
+                <a:ea typeface="ＭＳ Ｐゴシック" pitchFamily="34" charset="-128"/>
+              </a:rPr>
+              <a:t> van NAT</a:t>
             </a:r>
             <a:br>
-              <a:rPr lang="en-US" sz="1800" dirty="0" smtClean="0">
+              <a:rPr lang="en-US" sz="1800" dirty="0">
                 <a:ea typeface="ＭＳ Ｐゴシック" pitchFamily="34" charset="-128"/>
               </a:rPr>
             </a:br>
             <a:r>
-              <a:rPr lang="en-US" dirty="0" smtClean="0">
+              <a:rPr lang="en-US" dirty="0" err="1">
                 <a:ea typeface="ＭＳ Ｐゴシック" pitchFamily="34" charset="-128"/>
               </a:rPr>
-              <a:t>Benefits of NAT</a:t>
-            </a:r>
-          </a:p>
-        </p:txBody>
-      </p:sp>
-      <p:sp>
-        <p:nvSpPr>
-          <p:cNvPr id="5" name="Content Placeholder 1"/>
+              <a:t>Nadelen</a:t>
+            </a:r>
+            <a:r>
+              <a:rPr lang="en-US" dirty="0">
+                <a:ea typeface="ＭＳ Ｐゴシック" pitchFamily="34" charset="-128"/>
+              </a:rPr>
+              <a:t> van NAT</a:t>
+            </a:r>
+          </a:p>
+        </p:txBody>
+      </p:sp>
+      <p:sp>
+        <p:nvSpPr>
+          <p:cNvPr id="4" name="Content Placeholder 1"/>
           <p:cNvSpPr>
             <a:spLocks noGrp="1"/>
           </p:cNvSpPr>
@@ -12538,7 +12315,7 @@
         </p:nvSpPr>
         <p:spPr>
           <a:xfrm>
-            <a:off x="437056" y="1510985"/>
+            <a:off x="382465" y="1551929"/>
             <a:ext cx="8227105" cy="4487862"/>
           </a:xfrm>
         </p:spPr>
@@ -12547,48 +12324,46 @@
           <a:lstStyle/>
           <a:p>
             <a:r>
-              <a:rPr lang="en-US" sz="2000" dirty="0" smtClean="0"/>
-              <a:t>Conserves the legally registered addressing scheme</a:t>
-            </a:r>
-          </a:p>
-          <a:p>
-            <a:r>
-              <a:rPr lang="pt-BR" sz="2000" dirty="0" smtClean="0"/>
-              <a:t>Increases the flexibility of connections to the public network</a:t>
-            </a:r>
-          </a:p>
-          <a:p>
-            <a:r>
-              <a:rPr lang="pt-BR" sz="2000" dirty="0" smtClean="0"/>
-              <a:t>Provides consistency for internal network addressing schemes</a:t>
-            </a:r>
-          </a:p>
-          <a:p>
-            <a:r>
-              <a:rPr lang="pt-BR" sz="2000" dirty="0" smtClean="0"/>
-              <a:t>Provides network security</a:t>
-            </a:r>
-            <a:endParaRPr lang="en-US" sz="2000" dirty="0"/>
+              <a:rPr lang="en-US" sz="2000" dirty="0"/>
+              <a:t>Performance is degraded</a:t>
+            </a:r>
+          </a:p>
+          <a:p>
+            <a:r>
+              <a:rPr lang="pt-BR" sz="2000" dirty="0"/>
+              <a:t>End-to-end functionality is degraded</a:t>
+            </a:r>
+          </a:p>
+          <a:p>
+            <a:r>
+              <a:rPr lang="pt-BR" sz="2000" dirty="0"/>
+              <a:t>End-to-end IP traceability is lost</a:t>
+            </a:r>
+          </a:p>
+          <a:p>
+            <a:r>
+              <a:rPr lang="pt-BR" sz="2000" dirty="0"/>
+              <a:t>Tunneling is more complicated</a:t>
+            </a:r>
+          </a:p>
+          <a:p>
+            <a:r>
+              <a:rPr lang="pt-BR" sz="2000" dirty="0"/>
+              <a:t>Initiating TCP connections can be disrupted</a:t>
+            </a:r>
           </a:p>
         </p:txBody>
       </p:sp>
     </p:spTree>
     <p:extLst>
       <p:ext uri="{BB962C8B-B14F-4D97-AF65-F5344CB8AC3E}">
-        <p14:creationId xmlns:p14="http://schemas.microsoft.com/office/powerpoint/2010/main" val="1708515474"/>
+        <p14:creationId xmlns:p14="http://schemas.microsoft.com/office/powerpoint/2010/main" val="1530526012"/>
       </p:ext>
     </p:extLst>
   </p:cSld>
   <p:clrMapOvr>
     <a:masterClrMapping/>
   </p:clrMapOvr>
-  <p:timing>
-    <p:tnLst>
-      <p:par>
-        <p:cTn id="1" dur="indefinite" restart="never" nodeType="tmRoot"/>
-      </p:par>
-    </p:tnLst>
-  </p:timing>
 </p:sld>
 </file>
 
@@ -12611,18 +12386,18 @@
       </p:grpSpPr>
       <p:sp>
         <p:nvSpPr>
-          <p:cNvPr id="7170" name="Rectangle 2"/>
+          <p:cNvPr id="5122" name="Rectangle 2"/>
           <p:cNvSpPr>
             <a:spLocks noGrp="1" noChangeArrowheads="1"/>
           </p:cNvSpPr>
           <p:nvPr>
-            <p:ph type="title"/>
+            <p:ph type="ctrTitle"/>
           </p:nvPr>
         </p:nvSpPr>
         <p:spPr>
           <a:xfrm>
-            <a:off x="398335" y="495445"/>
-            <a:ext cx="8145462" cy="838200"/>
+            <a:off x="311150" y="2263775"/>
+            <a:ext cx="3854450" cy="1481138"/>
           </a:xfrm>
         </p:spPr>
         <p:txBody>
@@ -12631,93 +12406,30 @@
           <a:p>
             <a:pPr eaLnBrk="1" hangingPunct="1"/>
             <a:r>
-              <a:rPr lang="en-US" sz="1800" dirty="0" smtClean="0">
-                <a:ea typeface="ＭＳ Ｐゴシック" pitchFamily="34" charset="-128"/>
-              </a:rPr>
-              <a:t>Benefits of NAT</a:t>
-            </a:r>
-            <a:br>
-              <a:rPr lang="en-US" sz="1800" dirty="0" smtClean="0">
-                <a:ea typeface="ＭＳ Ｐゴシック" pitchFamily="34" charset="-128"/>
-              </a:rPr>
-            </a:br>
-            <a:r>
-              <a:rPr lang="en-US" dirty="0" smtClean="0">
-                <a:ea typeface="ＭＳ Ｐゴシック" pitchFamily="34" charset="-128"/>
-              </a:rPr>
-              <a:t>Disadvantages of NAT</a:t>
-            </a:r>
-          </a:p>
-        </p:txBody>
-      </p:sp>
-      <p:sp>
-        <p:nvSpPr>
-          <p:cNvPr id="4" name="Content Placeholder 1"/>
-          <p:cNvSpPr>
-            <a:spLocks noGrp="1"/>
-          </p:cNvSpPr>
-          <p:nvPr>
-            <p:ph idx="1"/>
-          </p:nvPr>
-        </p:nvSpPr>
-        <p:spPr>
-          <a:xfrm>
-            <a:off x="382465" y="1551929"/>
-            <a:ext cx="8227105" cy="4487862"/>
-          </a:xfrm>
-        </p:spPr>
-        <p:txBody>
-          <a:bodyPr/>
-          <a:lstStyle/>
-          <a:p>
-            <a:r>
-              <a:rPr lang="en-US" sz="2000" dirty="0" smtClean="0"/>
-              <a:t>Performance is degraded</a:t>
-            </a:r>
-          </a:p>
-          <a:p>
-            <a:r>
-              <a:rPr lang="pt-BR" sz="2000" dirty="0" smtClean="0"/>
-              <a:t>End-to-end functionality is degraded</a:t>
-            </a:r>
-          </a:p>
-          <a:p>
-            <a:r>
-              <a:rPr lang="pt-BR" sz="2000" dirty="0" smtClean="0"/>
-              <a:t>End-to-end IP traceability is lost</a:t>
-            </a:r>
-          </a:p>
-          <a:p>
-            <a:r>
-              <a:rPr lang="pt-BR" sz="2000" dirty="0" smtClean="0"/>
-              <a:t>Tunneling is more complicated</a:t>
-            </a:r>
-          </a:p>
-          <a:p>
-            <a:r>
-              <a:rPr lang="pt-BR" sz="2000" dirty="0" smtClean="0"/>
-              <a:t>Initiating TCP connections can be disrupted</a:t>
-            </a:r>
+              <a:rPr lang="en-US" sz="2400" dirty="0"/>
+              <a:t>5.2 Configuring NAT</a:t>
+            </a:r>
+            <a:endParaRPr lang="en-US" sz="2400" dirty="0">
+              <a:solidFill>
+                <a:schemeClr val="folHlink"/>
+              </a:solidFill>
+            </a:endParaRPr>
           </a:p>
         </p:txBody>
       </p:sp>
     </p:spTree>
     <p:extLst>
       <p:ext uri="{BB962C8B-B14F-4D97-AF65-F5344CB8AC3E}">
-        <p14:creationId xmlns:p14="http://schemas.microsoft.com/office/powerpoint/2010/main" val="1530526012"/>
+        <p14:creationId xmlns:p14="http://schemas.microsoft.com/office/powerpoint/2010/main" val="1915260488"/>
       </p:ext>
     </p:extLst>
   </p:cSld>
   <p:clrMapOvr>
     <a:masterClrMapping/>
   </p:clrMapOvr>
-  <p:timing>
-    <p:tnLst>
-      <p:par>
-        <p:cTn id="1" dur="indefinite" restart="never" nodeType="tmRoot"/>
-      </p:par>
-    </p:tnLst>
-  </p:timing>
+  <p:transition>
+    <p:wipe dir="r"/>
+  </p:transition>
 </p:sld>
 </file>
 
@@ -12740,18 +12452,18 @@
       </p:grpSpPr>
       <p:sp>
         <p:nvSpPr>
-          <p:cNvPr id="5122" name="Rectangle 2"/>
+          <p:cNvPr id="7170" name="Rectangle 2"/>
           <p:cNvSpPr>
             <a:spLocks noGrp="1" noChangeArrowheads="1"/>
           </p:cNvSpPr>
           <p:nvPr>
-            <p:ph type="ctrTitle"/>
+            <p:ph type="title"/>
           </p:nvPr>
         </p:nvSpPr>
         <p:spPr>
           <a:xfrm>
-            <a:off x="311150" y="2263775"/>
-            <a:ext cx="3854450" cy="1481138"/>
+            <a:off x="398334" y="481798"/>
+            <a:ext cx="8145462" cy="838200"/>
           </a:xfrm>
         </p:spPr>
         <p:txBody>
@@ -12760,37 +12472,93 @@
           <a:p>
             <a:pPr eaLnBrk="1" hangingPunct="1"/>
             <a:r>
-              <a:rPr lang="en-US" sz="2400" dirty="0" smtClean="0"/>
-              <a:t>5.2 Configuring NAT</a:t>
-            </a:r>
-            <a:endParaRPr lang="en-US" sz="2400" dirty="0" smtClean="0">
-              <a:solidFill>
-                <a:schemeClr val="folHlink"/>
-              </a:solidFill>
-            </a:endParaRPr>
+              <a:rPr lang="en-US" sz="1800" dirty="0">
+                <a:ea typeface="ＭＳ Ｐゴシック" pitchFamily="34" charset="-128"/>
+              </a:rPr>
+              <a:t>Configuring Static NAT</a:t>
+            </a:r>
+            <a:br>
+              <a:rPr lang="en-US" sz="1800" dirty="0">
+                <a:ea typeface="ＭＳ Ｐゴシック" pitchFamily="34" charset="-128"/>
+              </a:rPr>
+            </a:br>
+            <a:r>
+              <a:rPr lang="en-US" dirty="0">
+                <a:ea typeface="ＭＳ Ｐゴシック" pitchFamily="34" charset="-128"/>
+              </a:rPr>
+              <a:t>Configuring Static NAT</a:t>
+            </a:r>
+          </a:p>
+        </p:txBody>
+      </p:sp>
+      <p:sp>
+        <p:nvSpPr>
+          <p:cNvPr id="4" name="Content Placeholder 1"/>
+          <p:cNvSpPr>
+            <a:spLocks noGrp="1"/>
+          </p:cNvSpPr>
+          <p:nvPr>
+            <p:ph idx="1"/>
+          </p:nvPr>
+        </p:nvSpPr>
+        <p:spPr>
+          <a:xfrm>
+            <a:off x="370113" y="1567542"/>
+            <a:ext cx="7917543" cy="3897089"/>
+          </a:xfrm>
+        </p:spPr>
+        <p:txBody>
+          <a:bodyPr/>
+          <a:lstStyle/>
+          <a:p>
+            <a:pPr marL="0" indent="0">
+              <a:buNone/>
+            </a:pPr>
+            <a:r>
+              <a:rPr lang="nl-BE" dirty="0"/>
+              <a:t>Er zijn twee basistaken die moeten worden uitgevoerd bij het configureren van static NAT translations</a:t>
+            </a:r>
+            <a:r>
+              <a:rPr lang="en-US" dirty="0"/>
+              <a:t>:</a:t>
+            </a:r>
+          </a:p>
+          <a:p>
+            <a:r>
+              <a:rPr lang="nl-BE" dirty="0"/>
+              <a:t>Maak de mapping tussen de inside local en outside local addresses</a:t>
+            </a:r>
+            <a:r>
+              <a:rPr lang="en-US" dirty="0"/>
+              <a:t>.</a:t>
+            </a:r>
+          </a:p>
+          <a:p>
+            <a:r>
+              <a:rPr lang="nl-BE" dirty="0"/>
+              <a:t>Definieer welke interfaces tot het interne netwerk en tot het externe nerwerk behoren</a:t>
+            </a:r>
+            <a:r>
+              <a:rPr lang="en-US" dirty="0"/>
+              <a:t>.</a:t>
+            </a:r>
+          </a:p>
+          <a:p>
+            <a:pPr marL="119063" indent="0"/>
+            <a:endParaRPr lang="en-US" dirty="0"/>
           </a:p>
         </p:txBody>
       </p:sp>
     </p:spTree>
     <p:extLst>
       <p:ext uri="{BB962C8B-B14F-4D97-AF65-F5344CB8AC3E}">
-        <p14:creationId xmlns:p14="http://schemas.microsoft.com/office/powerpoint/2010/main" val="1915260488"/>
+        <p14:creationId xmlns:p14="http://schemas.microsoft.com/office/powerpoint/2010/main" val="690504303"/>
       </p:ext>
     </p:extLst>
   </p:cSld>
   <p:clrMapOvr>
     <a:masterClrMapping/>
   </p:clrMapOvr>
-  <p:transition>
-    <p:wipe dir="r"/>
-  </p:transition>
-  <p:timing>
-    <p:tnLst>
-      <p:par>
-        <p:cTn id="1" dur="indefinite" restart="never" nodeType="tmRoot"/>
-      </p:par>
-    </p:tnLst>
-  </p:timing>
 </p:sld>
 </file>
 
@@ -12833,7 +12601,7 @@
           <a:p>
             <a:pPr eaLnBrk="1" hangingPunct="1"/>
             <a:r>
-              <a:rPr lang="en-US" dirty="0" smtClean="0">
+              <a:rPr lang="en-US" dirty="0">
                 <a:ea typeface="ＭＳ Ｐゴシック" pitchFamily="34" charset="-128"/>
               </a:rPr>
               <a:t>Chapter 5</a:t>
@@ -12862,23 +12630,21 @@
           <a:lstStyle/>
           <a:p>
             <a:pPr marL="0" indent="0" eaLnBrk="1" hangingPunct="1">
-              <a:buFont typeface="Wingdings" pitchFamily="2" charset="2"/>
               <a:buNone/>
             </a:pPr>
             <a:r>
-              <a:rPr lang="en-US" sz="2000" dirty="0" smtClean="0">
+              <a:rPr lang="en-US" sz="2000" dirty="0">
                 <a:cs typeface="Arial" charset="0"/>
               </a:rPr>
-              <a:t>5.1 NAT Operation</a:t>
+              <a:t>5.1 Wat is NAT?</a:t>
             </a:r>
           </a:p>
           <a:p>
             <a:pPr marL="0" indent="0" eaLnBrk="1" hangingPunct="1">
-              <a:buFont typeface="Wingdings" pitchFamily="2" charset="2"/>
               <a:buNone/>
             </a:pPr>
             <a:r>
-              <a:rPr lang="en-US" sz="2000" dirty="0" smtClean="0">
+              <a:rPr lang="en-US" sz="2000" dirty="0">
                 <a:cs typeface="Arial" charset="0"/>
               </a:rPr>
               <a:t>5.2 Configuring NAT</a:t>
@@ -12886,11 +12652,10 @@
           </a:p>
           <a:p>
             <a:pPr marL="0" indent="0" eaLnBrk="1" hangingPunct="1">
-              <a:buFont typeface="Wingdings" pitchFamily="2" charset="2"/>
               <a:buNone/>
             </a:pPr>
             <a:r>
-              <a:rPr lang="en-US" sz="2000" dirty="0" smtClean="0">
+              <a:rPr lang="en-US" sz="2000" dirty="0">
                 <a:cs typeface="Arial" charset="0"/>
               </a:rPr>
               <a:t>5.3 Troubleshooting NAT</a:t>
@@ -12898,21 +12663,23 @@
           </a:p>
           <a:p>
             <a:pPr marL="0" indent="0" eaLnBrk="1" hangingPunct="1">
-              <a:buFont typeface="Wingdings" pitchFamily="2" charset="2"/>
               <a:buNone/>
             </a:pPr>
             <a:r>
               <a:rPr lang="en-US" sz="2000" dirty="0">
                 <a:cs typeface="Arial" charset="0"/>
               </a:rPr>
-              <a:t>5</a:t>
-            </a:r>
-            <a:r>
-              <a:rPr lang="en-US" sz="2000" dirty="0" smtClean="0">
+              <a:t>5.4 </a:t>
+            </a:r>
+            <a:r>
+              <a:rPr lang="en-US" sz="2000" dirty="0" err="1">
                 <a:cs typeface="Arial" charset="0"/>
               </a:rPr>
-              <a:t>.4 Summary</a:t>
-            </a:r>
+              <a:t>Samenvatting</a:t>
+            </a:r>
+            <a:endParaRPr lang="en-US" sz="2000" dirty="0">
+              <a:cs typeface="Arial" charset="0"/>
+            </a:endParaRPr>
           </a:p>
         </p:txBody>
       </p:sp>
@@ -12921,13 +12688,6 @@
   <p:clrMapOvr>
     <a:masterClrMapping/>
   </p:clrMapOvr>
-  <p:timing>
-    <p:tnLst>
-      <p:par>
-        <p:cTn id="1" dur="indefinite" restart="never" nodeType="tmRoot"/>
-      </p:par>
-    </p:tnLst>
-  </p:timing>
 </p:sld>
 </file>
 
@@ -12960,160 +12720,6 @@
         </p:nvSpPr>
         <p:spPr>
           <a:xfrm>
-            <a:off x="398334" y="481798"/>
-            <a:ext cx="8145462" cy="838200"/>
-          </a:xfrm>
-        </p:spPr>
-        <p:txBody>
-          <a:bodyPr/>
-          <a:lstStyle/>
-          <a:p>
-            <a:pPr eaLnBrk="1" hangingPunct="1"/>
-            <a:r>
-              <a:rPr lang="en-US" sz="1800" dirty="0" smtClean="0">
-                <a:ea typeface="ＭＳ Ｐゴシック" pitchFamily="34" charset="-128"/>
-              </a:rPr>
-              <a:t>Configuring Static NAT</a:t>
-            </a:r>
-            <a:br>
-              <a:rPr lang="en-US" sz="1800" dirty="0" smtClean="0">
-                <a:ea typeface="ＭＳ Ｐゴシック" pitchFamily="34" charset="-128"/>
-              </a:rPr>
-            </a:br>
-            <a:r>
-              <a:rPr lang="en-US" dirty="0" smtClean="0">
-                <a:ea typeface="ＭＳ Ｐゴシック" pitchFamily="34" charset="-128"/>
-              </a:rPr>
-              <a:t>Configuring Static NAT</a:t>
-            </a:r>
-          </a:p>
-        </p:txBody>
-      </p:sp>
-      <p:sp>
-        <p:nvSpPr>
-          <p:cNvPr id="4" name="Content Placeholder 1"/>
-          <p:cNvSpPr>
-            <a:spLocks noGrp="1"/>
-          </p:cNvSpPr>
-          <p:nvPr>
-            <p:ph idx="1"/>
-          </p:nvPr>
-        </p:nvSpPr>
-        <p:spPr>
-          <a:xfrm>
-            <a:off x="370113" y="1567542"/>
-            <a:ext cx="7917543" cy="3897089"/>
-          </a:xfrm>
-        </p:spPr>
-        <p:txBody>
-          <a:bodyPr/>
-          <a:lstStyle/>
-          <a:p>
-            <a:pPr marL="0" indent="0">
-              <a:buNone/>
-            </a:pPr>
-            <a:r>
-              <a:rPr lang="en-US" dirty="0"/>
-              <a:t>There are two basic tasks </a:t>
-            </a:r>
-            <a:r>
-              <a:rPr lang="en-US" dirty="0" smtClean="0"/>
-              <a:t>to perform when </a:t>
-            </a:r>
-            <a:r>
-              <a:rPr lang="en-US" dirty="0"/>
-              <a:t>configuring static NAT </a:t>
-            </a:r>
-            <a:r>
-              <a:rPr lang="en-US" dirty="0" smtClean="0"/>
-              <a:t>translations:</a:t>
-            </a:r>
-          </a:p>
-          <a:p>
-            <a:r>
-              <a:rPr lang="en-US" dirty="0"/>
-              <a:t>Create the mapping between the inside local and outside local </a:t>
-            </a:r>
-            <a:r>
-              <a:rPr lang="en-US" dirty="0" smtClean="0"/>
-              <a:t>addresses.</a:t>
-            </a:r>
-            <a:endParaRPr lang="en-US" dirty="0"/>
-          </a:p>
-          <a:p>
-            <a:r>
-              <a:rPr lang="en-US" dirty="0"/>
-              <a:t>Define which </a:t>
-            </a:r>
-            <a:r>
-              <a:rPr lang="en-US" dirty="0" smtClean="0"/>
-              <a:t>interfaces </a:t>
-            </a:r>
-            <a:r>
-              <a:rPr lang="en-US" dirty="0"/>
-              <a:t>belong to the inside network and which belong to the outside </a:t>
-            </a:r>
-            <a:r>
-              <a:rPr lang="en-US" dirty="0" smtClean="0"/>
-              <a:t>network.</a:t>
-            </a:r>
-            <a:endParaRPr lang="en-US" dirty="0"/>
-          </a:p>
-          <a:p>
-            <a:pPr marL="119063" indent="0"/>
-            <a:endParaRPr lang="en-US" dirty="0"/>
-          </a:p>
-        </p:txBody>
-      </p:sp>
-    </p:spTree>
-    <p:extLst>
-      <p:ext uri="{BB962C8B-B14F-4D97-AF65-F5344CB8AC3E}">
-        <p14:creationId xmlns:p14="http://schemas.microsoft.com/office/powerpoint/2010/main" val="690504303"/>
-      </p:ext>
-    </p:extLst>
-  </p:cSld>
-  <p:clrMapOvr>
-    <a:masterClrMapping/>
-  </p:clrMapOvr>
-  <p:timing>
-    <p:tnLst>
-      <p:par>
-        <p:cTn id="1" dur="indefinite" restart="never" nodeType="tmRoot"/>
-      </p:par>
-    </p:tnLst>
-  </p:timing>
-</p:sld>
-</file>
-
-<file path=ppt/slides/slide21.xml><?xml version="1.0" encoding="utf-8"?>
-<p:sld xmlns:a="http://schemas.openxmlformats.org/drawingml/2006/main" xmlns:r="http://schemas.openxmlformats.org/officeDocument/2006/relationships" xmlns:p="http://schemas.openxmlformats.org/presentationml/2006/main">
-  <p:cSld>
-    <p:spTree>
-      <p:nvGrpSpPr>
-        <p:cNvPr id="1" name=""/>
-        <p:cNvGrpSpPr/>
-        <p:nvPr/>
-      </p:nvGrpSpPr>
-      <p:grpSpPr>
-        <a:xfrm>
-          <a:off x="0" y="0"/>
-          <a:ext cx="0" cy="0"/>
-          <a:chOff x="0" y="0"/>
-          <a:chExt cx="0" cy="0"/>
-        </a:xfrm>
-      </p:grpSpPr>
-      <p:sp>
-        <p:nvSpPr>
-          <p:cNvPr id="7170" name="Rectangle 2"/>
-          <p:cNvSpPr>
-            <a:spLocks noGrp="1" noChangeArrowheads="1"/>
-          </p:cNvSpPr>
-          <p:nvPr>
-            <p:ph type="title"/>
-          </p:nvPr>
-        </p:nvSpPr>
-        <p:spPr>
-          <a:xfrm>
             <a:off x="411982" y="513019"/>
             <a:ext cx="8145462" cy="838200"/>
           </a:xfrm>
@@ -13135,7 +12741,7 @@
               </a:rPr>
             </a:br>
             <a:r>
-              <a:rPr lang="en-US" dirty="0" smtClean="0">
+              <a:rPr lang="en-US" dirty="0">
                 <a:ea typeface="ＭＳ Ｐゴシック" pitchFamily="34" charset="-128"/>
               </a:rPr>
               <a:t>Configuring Static NAT</a:t>
@@ -13212,17 +12818,10 @@
   <p:clrMapOvr>
     <a:masterClrMapping/>
   </p:clrMapOvr>
-  <p:timing>
-    <p:tnLst>
-      <p:par>
-        <p:cTn id="1" dur="indefinite" restart="never" nodeType="tmRoot"/>
-      </p:par>
-    </p:tnLst>
-  </p:timing>
 </p:sld>
 </file>
 
-<file path=ppt/slides/slide22.xml><?xml version="1.0" encoding="utf-8"?>
+<file path=ppt/slides/slide21.xml><?xml version="1.0" encoding="utf-8"?>
 <p:sld xmlns:a="http://schemas.openxmlformats.org/drawingml/2006/main" xmlns:r="http://schemas.openxmlformats.org/officeDocument/2006/relationships" xmlns:p="http://schemas.openxmlformats.org/presentationml/2006/main">
   <p:cSld>
     <p:spTree>
@@ -13272,7 +12871,7 @@
               </a:rPr>
             </a:br>
             <a:r>
-              <a:rPr lang="en-US" dirty="0" smtClean="0">
+              <a:rPr lang="en-US" dirty="0">
                 <a:ea typeface="ＭＳ Ｐゴシック" pitchFamily="34" charset="-128"/>
               </a:rPr>
               <a:t>Analyzing Static NAT</a:t>
@@ -13349,17 +12948,10 @@
   <p:clrMapOvr>
     <a:masterClrMapping/>
   </p:clrMapOvr>
-  <p:timing>
-    <p:tnLst>
-      <p:par>
-        <p:cTn id="1" dur="indefinite" restart="never" nodeType="tmRoot"/>
-      </p:par>
-    </p:tnLst>
-  </p:timing>
 </p:sld>
 </file>
 
-<file path=ppt/slides/slide23.xml><?xml version="1.0" encoding="utf-8"?>
+<file path=ppt/slides/slide22.xml><?xml version="1.0" encoding="utf-8"?>
 <p:sld xmlns:a="http://schemas.openxmlformats.org/drawingml/2006/main" xmlns:r="http://schemas.openxmlformats.org/officeDocument/2006/relationships" xmlns:p="http://schemas.openxmlformats.org/presentationml/2006/main">
   <p:cSld>
     <p:spTree>
@@ -13398,18 +12990,18 @@
           <a:p>
             <a:pPr eaLnBrk="1" hangingPunct="1"/>
             <a:r>
-              <a:rPr lang="en-US" sz="1800" dirty="0" smtClean="0">
+              <a:rPr lang="en-US" sz="1800" dirty="0">
                 <a:ea typeface="ＭＳ Ｐゴシック" pitchFamily="34" charset="-128"/>
               </a:rPr>
               <a:t>Configuring Static NAT</a:t>
             </a:r>
             <a:br>
-              <a:rPr lang="en-US" sz="1800" dirty="0" smtClean="0">
+              <a:rPr lang="en-US" sz="1800" dirty="0">
                 <a:ea typeface="ＭＳ Ｐゴシック" pitchFamily="34" charset="-128"/>
               </a:rPr>
             </a:br>
             <a:r>
-              <a:rPr lang="en-US" dirty="0" smtClean="0">
+              <a:rPr lang="en-US" dirty="0">
                 <a:ea typeface="ＭＳ Ｐゴシック" pitchFamily="34" charset="-128"/>
               </a:rPr>
               <a:t>Verifying Static NAT</a:t>
@@ -13491,17 +13083,10 @@
   <p:clrMapOvr>
     <a:masterClrMapping/>
   </p:clrMapOvr>
-  <p:timing>
-    <p:tnLst>
-      <p:par>
-        <p:cTn id="1" dur="indefinite" restart="never" nodeType="tmRoot"/>
-      </p:par>
-    </p:tnLst>
-  </p:timing>
 </p:sld>
 </file>
 
-<file path=ppt/slides/slide24.xml><?xml version="1.0" encoding="utf-8"?>
+<file path=ppt/slides/slide23.xml><?xml version="1.0" encoding="utf-8"?>
 <p:sld xmlns:a="http://schemas.openxmlformats.org/drawingml/2006/main" xmlns:r="http://schemas.openxmlformats.org/officeDocument/2006/relationships" xmlns:p="http://schemas.openxmlformats.org/presentationml/2006/main">
   <p:cSld>
     <p:spTree>
@@ -13604,18 +13189,18 @@
           <a:p>
             <a:pPr eaLnBrk="1" hangingPunct="1"/>
             <a:r>
-              <a:rPr lang="en-US" sz="1800" dirty="0" smtClean="0">
+              <a:rPr lang="en-US" sz="1800" dirty="0">
                 <a:ea typeface="ＭＳ Ｐゴシック" pitchFamily="34" charset="-128"/>
               </a:rPr>
               <a:t>Configuring Static NAT</a:t>
             </a:r>
             <a:br>
-              <a:rPr lang="en-US" sz="1800" dirty="0" smtClean="0">
+              <a:rPr lang="en-US" sz="1800" dirty="0">
                 <a:ea typeface="ＭＳ Ｐゴシック" pitchFamily="34" charset="-128"/>
               </a:rPr>
             </a:br>
             <a:r>
-              <a:rPr lang="en-US" dirty="0" smtClean="0">
+              <a:rPr lang="en-US" dirty="0">
                 <a:ea typeface="ＭＳ Ｐゴシック" pitchFamily="34" charset="-128"/>
               </a:rPr>
               <a:t>Verifying Static NAT (cont.)</a:t>
@@ -13633,13 +13218,127 @@
   <p:clrMapOvr>
     <a:masterClrMapping/>
   </p:clrMapOvr>
-  <p:timing>
-    <p:tnLst>
-      <p:par>
-        <p:cTn id="1" dur="indefinite" restart="never" nodeType="tmRoot"/>
-      </p:par>
-    </p:tnLst>
-  </p:timing>
+</p:sld>
+</file>
+
+<file path=ppt/slides/slide24.xml><?xml version="1.0" encoding="utf-8"?>
+<p:sld xmlns:a="http://schemas.openxmlformats.org/drawingml/2006/main" xmlns:r="http://schemas.openxmlformats.org/officeDocument/2006/relationships" xmlns:p="http://schemas.openxmlformats.org/presentationml/2006/main">
+  <p:cSld>
+    <p:spTree>
+      <p:nvGrpSpPr>
+        <p:cNvPr id="1" name=""/>
+        <p:cNvGrpSpPr/>
+        <p:nvPr/>
+      </p:nvGrpSpPr>
+      <p:grpSpPr>
+        <a:xfrm>
+          <a:off x="0" y="0"/>
+          <a:ext cx="0" cy="0"/>
+          <a:chOff x="0" y="0"/>
+          <a:chExt cx="0" cy="0"/>
+        </a:xfrm>
+      </p:grpSpPr>
+      <p:sp>
+        <p:nvSpPr>
+          <p:cNvPr id="7170" name="Rectangle 2"/>
+          <p:cNvSpPr>
+            <a:spLocks noGrp="1" noChangeArrowheads="1"/>
+          </p:cNvSpPr>
+          <p:nvPr>
+            <p:ph type="title"/>
+          </p:nvPr>
+        </p:nvSpPr>
+        <p:spPr>
+          <a:xfrm>
+            <a:off x="384686" y="481798"/>
+            <a:ext cx="8145462" cy="838200"/>
+          </a:xfrm>
+        </p:spPr>
+        <p:txBody>
+          <a:bodyPr/>
+          <a:lstStyle/>
+          <a:p>
+            <a:pPr eaLnBrk="1" hangingPunct="1"/>
+            <a:r>
+              <a:rPr lang="en-US" sz="1800" dirty="0">
+                <a:ea typeface="ＭＳ Ｐゴシック" pitchFamily="34" charset="-128"/>
+              </a:rPr>
+              <a:t>Configuring Dynamic NAT</a:t>
+            </a:r>
+            <a:br>
+              <a:rPr lang="en-US" sz="1800" dirty="0">
+                <a:ea typeface="ＭＳ Ｐゴシック" pitchFamily="34" charset="-128"/>
+              </a:rPr>
+            </a:br>
+            <a:r>
+              <a:rPr lang="en-US" dirty="0">
+                <a:ea typeface="ＭＳ Ｐゴシック" pitchFamily="34" charset="-128"/>
+              </a:rPr>
+              <a:t>Dynamic NAT Operation</a:t>
+            </a:r>
+          </a:p>
+        </p:txBody>
+      </p:sp>
+      <p:sp>
+        <p:nvSpPr>
+          <p:cNvPr id="4" name="Content Placeholder 1"/>
+          <p:cNvSpPr>
+            <a:spLocks noGrp="1"/>
+          </p:cNvSpPr>
+          <p:nvPr>
+            <p:ph idx="1"/>
+          </p:nvPr>
+        </p:nvSpPr>
+        <p:spPr>
+          <a:xfrm>
+            <a:off x="423411" y="1390427"/>
+            <a:ext cx="7951332" cy="4487862"/>
+          </a:xfrm>
+        </p:spPr>
+        <p:txBody>
+          <a:bodyPr/>
+          <a:lstStyle/>
+          <a:p>
+            <a:r>
+              <a:rPr lang="en-US" sz="2000" dirty="0"/>
+              <a:t>De pool van public IPv4 addresses </a:t>
+            </a:r>
+            <a:r>
+              <a:rPr lang="nl-BE" sz="2000" dirty="0"/>
+              <a:t>(binnen de global address pool) is beschikbaar voor elk apparaat op het lokale netwerk op basis van de wie eerst komt, wordt eerst bedient.</a:t>
+            </a:r>
+          </a:p>
+          <a:p>
+            <a:r>
+              <a:rPr lang="nl-BE" sz="2000" dirty="0"/>
+              <a:t>Met dynamic NAT wordt een enkel inside address vertaald naar een enkel outside address.</a:t>
+            </a:r>
+          </a:p>
+          <a:p>
+            <a:r>
+              <a:rPr lang="nl-BE" sz="2000" dirty="0"/>
+              <a:t>De pool moet groot genoeg zijn om alle inside devices te kunnen opslaan.</a:t>
+            </a:r>
+          </a:p>
+          <a:p>
+            <a:r>
+              <a:rPr lang="nl-BE" sz="2000" dirty="0"/>
+              <a:t>Een apparaat kan niet communiceren met externe netwerken wanneer er geen adressen in de pool beschikbaar zijn.</a:t>
+            </a:r>
+            <a:endParaRPr lang="en-US" sz="2000" dirty="0"/>
+          </a:p>
+        </p:txBody>
+      </p:sp>
+    </p:spTree>
+    <p:extLst>
+      <p:ext uri="{BB962C8B-B14F-4D97-AF65-F5344CB8AC3E}">
+        <p14:creationId xmlns:p14="http://schemas.microsoft.com/office/powerpoint/2010/main" val="699984294"/>
+      </p:ext>
+    </p:extLst>
+  </p:cSld>
+  <p:clrMapOvr>
+    <a:masterClrMapping/>
+  </p:clrMapOvr>
 </p:sld>
 </file>
 
@@ -13672,7 +13371,7 @@
         </p:nvSpPr>
         <p:spPr>
           <a:xfrm>
-            <a:off x="384686" y="481798"/>
+            <a:off x="343743" y="440854"/>
             <a:ext cx="8145462" cy="838200"/>
           </a:xfrm>
         </p:spPr>
@@ -13685,19 +13384,7 @@
               <a:rPr lang="en-US" sz="1800" dirty="0">
                 <a:ea typeface="ＭＳ Ｐゴシック" pitchFamily="34" charset="-128"/>
               </a:rPr>
-              <a:t>Configuring </a:t>
-            </a:r>
-            <a:r>
-              <a:rPr lang="en-US" sz="1800" dirty="0" smtClean="0">
-                <a:ea typeface="ＭＳ Ｐゴシック" pitchFamily="34" charset="-128"/>
-              </a:rPr>
-              <a:t>Dynamic NAT</a:t>
-            </a:r>
-            <a:r>
-              <a:rPr lang="en-US" sz="1800" dirty="0">
-                <a:ea typeface="ＭＳ Ｐゴシック" pitchFamily="34" charset="-128"/>
-              </a:rPr>
-              <a:t/>
+              <a:t>Configuring Dynamic NAT</a:t>
             </a:r>
             <a:br>
               <a:rPr lang="en-US" sz="1800" dirty="0">
@@ -13705,163 +13392,7 @@
               </a:rPr>
             </a:br>
             <a:r>
-              <a:rPr lang="en-US" dirty="0" smtClean="0">
-                <a:ea typeface="ＭＳ Ｐゴシック" pitchFamily="34" charset="-128"/>
-              </a:rPr>
-              <a:t>Dynamic NAT Operation</a:t>
-            </a:r>
-          </a:p>
-        </p:txBody>
-      </p:sp>
-      <p:sp>
-        <p:nvSpPr>
-          <p:cNvPr id="4" name="Content Placeholder 1"/>
-          <p:cNvSpPr>
-            <a:spLocks noGrp="1"/>
-          </p:cNvSpPr>
-          <p:nvPr>
-            <p:ph idx="1"/>
-          </p:nvPr>
-        </p:nvSpPr>
-        <p:spPr>
-          <a:xfrm>
-            <a:off x="423411" y="1390427"/>
-            <a:ext cx="7951332" cy="4487862"/>
-          </a:xfrm>
-        </p:spPr>
-        <p:txBody>
-          <a:bodyPr/>
-          <a:lstStyle/>
-          <a:p>
-            <a:r>
-              <a:rPr lang="en-US" sz="2000" dirty="0"/>
-              <a:t>The pool of public IPv4 addresses (inside global address pool) is available to any device on the inside network on a </a:t>
-            </a:r>
-            <a:r>
-              <a:rPr lang="en-US" sz="2000" dirty="0" smtClean="0"/>
-              <a:t>first-come, </a:t>
-            </a:r>
-            <a:r>
-              <a:rPr lang="en-US" sz="2000" dirty="0"/>
-              <a:t>first-served </a:t>
-            </a:r>
-            <a:r>
-              <a:rPr lang="en-US" sz="2000" dirty="0" smtClean="0"/>
-              <a:t>basis.</a:t>
-            </a:r>
-          </a:p>
-          <a:p>
-            <a:r>
-              <a:rPr lang="en-US" sz="2000" dirty="0" smtClean="0"/>
-              <a:t>With </a:t>
-            </a:r>
-            <a:r>
-              <a:rPr lang="en-US" sz="2000" dirty="0"/>
-              <a:t>dynamic NAT, a single inside address is translated to a single outside </a:t>
-            </a:r>
-            <a:r>
-              <a:rPr lang="en-US" sz="2000" dirty="0" smtClean="0"/>
-              <a:t>address.</a:t>
-            </a:r>
-          </a:p>
-          <a:p>
-            <a:r>
-              <a:rPr lang="en-US" sz="2000" dirty="0" smtClean="0"/>
-              <a:t>The pool must be large enough to accommodate all inside devices.</a:t>
-            </a:r>
-          </a:p>
-          <a:p>
-            <a:r>
-              <a:rPr lang="en-US" sz="2000" dirty="0" smtClean="0"/>
-              <a:t>A device is unable to communicate to any external networks if no addresses are available in the pool.</a:t>
-            </a:r>
-            <a:endParaRPr lang="en-US" sz="2000" dirty="0"/>
-          </a:p>
-        </p:txBody>
-      </p:sp>
-    </p:spTree>
-    <p:extLst>
-      <p:ext uri="{BB962C8B-B14F-4D97-AF65-F5344CB8AC3E}">
-        <p14:creationId xmlns:p14="http://schemas.microsoft.com/office/powerpoint/2010/main" val="699984294"/>
-      </p:ext>
-    </p:extLst>
-  </p:cSld>
-  <p:clrMapOvr>
-    <a:masterClrMapping/>
-  </p:clrMapOvr>
-  <p:timing>
-    <p:tnLst>
-      <p:par>
-        <p:cTn id="1" dur="indefinite" restart="never" nodeType="tmRoot"/>
-      </p:par>
-    </p:tnLst>
-  </p:timing>
-</p:sld>
-</file>
-
-<file path=ppt/slides/slide26.xml><?xml version="1.0" encoding="utf-8"?>
-<p:sld xmlns:a="http://schemas.openxmlformats.org/drawingml/2006/main" xmlns:r="http://schemas.openxmlformats.org/officeDocument/2006/relationships" xmlns:p="http://schemas.openxmlformats.org/presentationml/2006/main">
-  <p:cSld>
-    <p:spTree>
-      <p:nvGrpSpPr>
-        <p:cNvPr id="1" name=""/>
-        <p:cNvGrpSpPr/>
-        <p:nvPr/>
-      </p:nvGrpSpPr>
-      <p:grpSpPr>
-        <a:xfrm>
-          <a:off x="0" y="0"/>
-          <a:ext cx="0" cy="0"/>
-          <a:chOff x="0" y="0"/>
-          <a:chExt cx="0" cy="0"/>
-        </a:xfrm>
-      </p:grpSpPr>
-      <p:sp>
-        <p:nvSpPr>
-          <p:cNvPr id="7170" name="Rectangle 2"/>
-          <p:cNvSpPr>
-            <a:spLocks noGrp="1" noChangeArrowheads="1"/>
-          </p:cNvSpPr>
-          <p:nvPr>
-            <p:ph type="title"/>
-          </p:nvPr>
-        </p:nvSpPr>
-        <p:spPr>
-          <a:xfrm>
-            <a:off x="343743" y="440854"/>
-            <a:ext cx="8145462" cy="838200"/>
-          </a:xfrm>
-        </p:spPr>
-        <p:txBody>
-          <a:bodyPr/>
-          <a:lstStyle/>
-          <a:p>
-            <a:pPr eaLnBrk="1" hangingPunct="1"/>
-            <a:r>
-              <a:rPr lang="en-US" sz="1800" dirty="0">
-                <a:ea typeface="ＭＳ Ｐゴシック" pitchFamily="34" charset="-128"/>
-              </a:rPr>
-              <a:t>Configuring </a:t>
-            </a:r>
-            <a:r>
-              <a:rPr lang="en-US" sz="1800" dirty="0" smtClean="0">
-                <a:ea typeface="ＭＳ Ｐゴシック" pitchFamily="34" charset="-128"/>
-              </a:rPr>
-              <a:t>Dynamic NAT</a:t>
-            </a:r>
-            <a:r>
-              <a:rPr lang="en-US" sz="1800" dirty="0">
-                <a:ea typeface="ＭＳ Ｐゴシック" pitchFamily="34" charset="-128"/>
-              </a:rPr>
-              <a:t/>
-            </a:r>
-            <a:br>
-              <a:rPr lang="en-US" sz="1800" dirty="0">
-                <a:ea typeface="ＭＳ Ｐゴシック" pitchFamily="34" charset="-128"/>
-              </a:rPr>
-            </a:br>
-            <a:r>
-              <a:rPr lang="en-US" dirty="0" smtClean="0">
+              <a:rPr lang="en-US" dirty="0">
                 <a:ea typeface="ＭＳ Ｐゴシック" pitchFamily="34" charset="-128"/>
               </a:rPr>
               <a:t>Configuring Dynamic NAT</a:t>
@@ -13933,17 +13464,10 @@
   <p:clrMapOvr>
     <a:masterClrMapping/>
   </p:clrMapOvr>
-  <p:timing>
-    <p:tnLst>
-      <p:par>
-        <p:cTn id="1" dur="indefinite" restart="never" nodeType="tmRoot"/>
-      </p:par>
-    </p:tnLst>
-  </p:timing>
 </p:sld>
 </file>
 
-<file path=ppt/slides/slide27.xml><?xml version="1.0" encoding="utf-8"?>
+<file path=ppt/slides/slide26.xml><?xml version="1.0" encoding="utf-8"?>
 <p:sld xmlns:a="http://schemas.openxmlformats.org/drawingml/2006/main" xmlns:r="http://schemas.openxmlformats.org/officeDocument/2006/relationships" xmlns:p="http://schemas.openxmlformats.org/presentationml/2006/main">
   <p:cSld>
     <p:spTree>
@@ -13985,19 +13509,7 @@
               <a:rPr lang="en-US" sz="1800" dirty="0">
                 <a:ea typeface="ＭＳ Ｐゴシック" pitchFamily="34" charset="-128"/>
               </a:rPr>
-              <a:t>Configuring </a:t>
-            </a:r>
-            <a:r>
-              <a:rPr lang="en-US" sz="1800" dirty="0" smtClean="0">
-                <a:ea typeface="ＭＳ Ｐゴシック" pitchFamily="34" charset="-128"/>
-              </a:rPr>
-              <a:t>Dynamic NAT</a:t>
-            </a:r>
-            <a:r>
-              <a:rPr lang="en-US" sz="1800" dirty="0">
-                <a:ea typeface="ＭＳ Ｐゴシック" pitchFamily="34" charset="-128"/>
-              </a:rPr>
-              <a:t/>
+              <a:t>Configuring Dynamic NAT</a:t>
             </a:r>
             <a:br>
               <a:rPr lang="en-US" sz="1800" dirty="0">
@@ -14005,7 +13517,7 @@
               </a:rPr>
             </a:br>
             <a:r>
-              <a:rPr lang="en-US" dirty="0" smtClean="0">
+              <a:rPr lang="en-US" dirty="0">
                 <a:ea typeface="ＭＳ Ｐゴシック" pitchFamily="34" charset="-128"/>
               </a:rPr>
               <a:t>Analyzing Dynamic NAT</a:t>
@@ -14077,17 +13589,10 @@
   <p:clrMapOvr>
     <a:masterClrMapping/>
   </p:clrMapOvr>
-  <p:timing>
-    <p:tnLst>
-      <p:par>
-        <p:cTn id="1" dur="indefinite" restart="never" nodeType="tmRoot"/>
-      </p:par>
-    </p:tnLst>
-  </p:timing>
 </p:sld>
 </file>
 
-<file path=ppt/slides/slide28.xml><?xml version="1.0" encoding="utf-8"?>
+<file path=ppt/slides/slide27.xml><?xml version="1.0" encoding="utf-8"?>
 <p:sld xmlns:a="http://schemas.openxmlformats.org/drawingml/2006/main" xmlns:r="http://schemas.openxmlformats.org/officeDocument/2006/relationships" xmlns:p="http://schemas.openxmlformats.org/presentationml/2006/main">
   <p:cSld>
     <p:spTree>
@@ -14129,19 +13634,7 @@
               <a:rPr lang="en-US" sz="1800" dirty="0">
                 <a:ea typeface="ＭＳ Ｐゴシック" pitchFamily="34" charset="-128"/>
               </a:rPr>
-              <a:t>Configuring </a:t>
-            </a:r>
-            <a:r>
-              <a:rPr lang="en-US" sz="1800" dirty="0" smtClean="0">
-                <a:ea typeface="ＭＳ Ｐゴシック" pitchFamily="34" charset="-128"/>
-              </a:rPr>
-              <a:t>Dynamic NAT</a:t>
-            </a:r>
-            <a:r>
-              <a:rPr lang="en-US" sz="1800" dirty="0">
-                <a:ea typeface="ＭＳ Ｐゴシック" pitchFamily="34" charset="-128"/>
-              </a:rPr>
-              <a:t/>
+              <a:t>Configuring Dynamic NAT</a:t>
             </a:r>
             <a:br>
               <a:rPr lang="en-US" sz="1800" dirty="0">
@@ -14149,7 +13642,7 @@
               </a:rPr>
             </a:br>
             <a:r>
-              <a:rPr lang="en-US" dirty="0" smtClean="0">
+              <a:rPr lang="en-US" dirty="0">
                 <a:ea typeface="ＭＳ Ｐゴシック" pitchFamily="34" charset="-128"/>
               </a:rPr>
               <a:t>Analyzing Dynamic NAT</a:t>
@@ -14221,17 +13714,10 @@
   <p:clrMapOvr>
     <a:masterClrMapping/>
   </p:clrMapOvr>
-  <p:timing>
-    <p:tnLst>
-      <p:par>
-        <p:cTn id="1" dur="indefinite" restart="never" nodeType="tmRoot"/>
-      </p:par>
-    </p:tnLst>
-  </p:timing>
 </p:sld>
 </file>
 
-<file path=ppt/slides/slide29.xml><?xml version="1.0" encoding="utf-8"?>
+<file path=ppt/slides/slide28.xml><?xml version="1.0" encoding="utf-8"?>
 <p:sld xmlns:a="http://schemas.openxmlformats.org/drawingml/2006/main" xmlns:r="http://schemas.openxmlformats.org/officeDocument/2006/relationships" xmlns:p="http://schemas.openxmlformats.org/presentationml/2006/main">
   <p:cSld>
     <p:spTree>
@@ -14273,19 +13759,7 @@
               <a:rPr lang="en-US" sz="1800" dirty="0">
                 <a:ea typeface="ＭＳ Ｐゴシック" pitchFamily="34" charset="-128"/>
               </a:rPr>
-              <a:t>Configuring </a:t>
-            </a:r>
-            <a:r>
-              <a:rPr lang="en-US" sz="1800" dirty="0" smtClean="0">
-                <a:ea typeface="ＭＳ Ｐゴシック" pitchFamily="34" charset="-128"/>
-              </a:rPr>
-              <a:t>Dynamic NAT</a:t>
-            </a:r>
-            <a:r>
-              <a:rPr lang="en-US" sz="1800" dirty="0">
-                <a:ea typeface="ＭＳ Ｐゴシック" pitchFamily="34" charset="-128"/>
-              </a:rPr>
-              <a:t/>
+              <a:t>Configuring Dynamic NAT</a:t>
             </a:r>
             <a:br>
               <a:rPr lang="en-US" sz="1800" dirty="0">
@@ -14293,7 +13767,7 @@
               </a:rPr>
             </a:br>
             <a:r>
-              <a:rPr lang="en-US" dirty="0" smtClean="0">
+              <a:rPr lang="en-US" dirty="0">
                 <a:ea typeface="ＭＳ Ｐゴシック" pitchFamily="34" charset="-128"/>
               </a:rPr>
               <a:t>Verifying Dynamic NAT</a:t>
@@ -14375,17 +13849,10 @@
   <p:clrMapOvr>
     <a:masterClrMapping/>
   </p:clrMapOvr>
-  <p:timing>
-    <p:tnLst>
-      <p:par>
-        <p:cTn id="1" dur="indefinite" restart="never" nodeType="tmRoot"/>
-      </p:par>
-    </p:tnLst>
-  </p:timing>
 </p:sld>
 </file>
 
-<file path=ppt/slides/slide3.xml><?xml version="1.0" encoding="utf-8"?>
+<file path=ppt/slides/slide29.xml><?xml version="1.0" encoding="utf-8"?>
 <p:sld xmlns:a="http://schemas.openxmlformats.org/drawingml/2006/main" xmlns:r="http://schemas.openxmlformats.org/officeDocument/2006/relationships" xmlns:p="http://schemas.openxmlformats.org/presentationml/2006/main">
   <p:cSld>
     <p:spTree>
@@ -14414,180 +13881,6 @@
         </p:nvSpPr>
         <p:spPr>
           <a:xfrm>
-            <a:off x="370172" y="411826"/>
-            <a:ext cx="8145462" cy="838200"/>
-          </a:xfrm>
-        </p:spPr>
-        <p:txBody>
-          <a:bodyPr/>
-          <a:lstStyle/>
-          <a:p>
-            <a:pPr eaLnBrk="1" hangingPunct="1"/>
-            <a:r>
-              <a:rPr lang="en-US" dirty="0" smtClean="0">
-                <a:ea typeface="ＭＳ Ｐゴシック" pitchFamily="34" charset="-128"/>
-              </a:rPr>
-              <a:t>Chapter 5: Objectives</a:t>
-            </a:r>
-          </a:p>
-        </p:txBody>
-      </p:sp>
-      <p:sp>
-        <p:nvSpPr>
-          <p:cNvPr id="6147" name="Rectangle 3"/>
-          <p:cNvSpPr>
-            <a:spLocks noGrp="1" noChangeArrowheads="1"/>
-          </p:cNvSpPr>
-          <p:nvPr>
-            <p:ph idx="1"/>
-          </p:nvPr>
-        </p:nvSpPr>
-        <p:spPr>
-          <a:xfrm>
-            <a:off x="395786" y="1405719"/>
-            <a:ext cx="8195220" cy="4462012"/>
-          </a:xfrm>
-        </p:spPr>
-        <p:txBody>
-          <a:bodyPr/>
-          <a:lstStyle/>
-          <a:p>
-            <a:r>
-              <a:rPr lang="en-US" sz="2000" dirty="0" smtClean="0"/>
-              <a:t>Describe NAT characteristics.</a:t>
-            </a:r>
-          </a:p>
-          <a:p>
-            <a:r>
-              <a:rPr lang="en-US" sz="2000" dirty="0" smtClean="0"/>
-              <a:t>Describe the benefits and drawbacks of NAT.</a:t>
-            </a:r>
-          </a:p>
-          <a:p>
-            <a:r>
-              <a:rPr lang="en-US" sz="2000" dirty="0" smtClean="0"/>
-              <a:t>Configure static NAT using the CLI.</a:t>
-            </a:r>
-          </a:p>
-          <a:p>
-            <a:r>
-              <a:rPr lang="en-US" sz="2000" dirty="0" smtClean="0"/>
-              <a:t>Configure dynamic NAT using the CLI.</a:t>
-            </a:r>
-          </a:p>
-          <a:p>
-            <a:r>
-              <a:rPr lang="en-US" sz="2000" dirty="0" smtClean="0"/>
-              <a:t>Configure PAT </a:t>
-            </a:r>
-            <a:r>
-              <a:rPr lang="en-US" sz="2000" dirty="0"/>
-              <a:t>using the </a:t>
-            </a:r>
-            <a:r>
-              <a:rPr lang="en-US" sz="2000" dirty="0" smtClean="0"/>
-              <a:t>CLI.</a:t>
-            </a:r>
-          </a:p>
-          <a:p>
-            <a:r>
-              <a:rPr lang="en-US" sz="2000" dirty="0" smtClean="0"/>
-              <a:t>Configure </a:t>
-            </a:r>
-            <a:r>
-              <a:rPr lang="en-US" sz="2000" dirty="0"/>
-              <a:t>port forwarding </a:t>
-            </a:r>
-            <a:r>
-              <a:rPr lang="en-US" sz="2000" dirty="0" smtClean="0"/>
-              <a:t>using </a:t>
-            </a:r>
-            <a:r>
-              <a:rPr lang="en-US" sz="2000" dirty="0"/>
-              <a:t>the </a:t>
-            </a:r>
-            <a:r>
-              <a:rPr lang="en-US" sz="2000" dirty="0" smtClean="0"/>
-              <a:t>CLI.</a:t>
-            </a:r>
-          </a:p>
-          <a:p>
-            <a:r>
-              <a:rPr lang="en-US" sz="2000" dirty="0" smtClean="0"/>
-              <a:t>Configure NAT64.</a:t>
-            </a:r>
-          </a:p>
-          <a:p>
-            <a:r>
-              <a:rPr lang="en-US" sz="2000" dirty="0" smtClean="0"/>
-              <a:t>Use </a:t>
-            </a:r>
-            <a:r>
-              <a:rPr lang="en-US" sz="2000" b="1" dirty="0" smtClean="0">
-                <a:latin typeface="Courier New" pitchFamily="49" charset="0"/>
-                <a:cs typeface="Courier New" pitchFamily="49" charset="0"/>
-              </a:rPr>
-              <a:t>show</a:t>
-            </a:r>
-            <a:r>
-              <a:rPr lang="en-US" sz="2000" dirty="0" smtClean="0"/>
-              <a:t> commands to verify NAT</a:t>
-            </a:r>
-            <a:r>
-              <a:rPr lang="en-US" sz="2000" dirty="0"/>
-              <a:t> </a:t>
-            </a:r>
-            <a:r>
-              <a:rPr lang="en-US" sz="2000" dirty="0" smtClean="0"/>
-              <a:t>operation.</a:t>
-            </a:r>
-          </a:p>
-        </p:txBody>
-      </p:sp>
-    </p:spTree>
-  </p:cSld>
-  <p:clrMapOvr>
-    <a:masterClrMapping/>
-  </p:clrMapOvr>
-  <p:timing>
-    <p:tnLst>
-      <p:par>
-        <p:cTn id="1" dur="indefinite" restart="never" nodeType="tmRoot"/>
-      </p:par>
-    </p:tnLst>
-  </p:timing>
-</p:sld>
-</file>
-
-<file path=ppt/slides/slide30.xml><?xml version="1.0" encoding="utf-8"?>
-<p:sld xmlns:a="http://schemas.openxmlformats.org/drawingml/2006/main" xmlns:r="http://schemas.openxmlformats.org/officeDocument/2006/relationships" xmlns:p="http://schemas.openxmlformats.org/presentationml/2006/main">
-  <p:cSld>
-    <p:spTree>
-      <p:nvGrpSpPr>
-        <p:cNvPr id="1" name=""/>
-        <p:cNvGrpSpPr/>
-        <p:nvPr/>
-      </p:nvGrpSpPr>
-      <p:grpSpPr>
-        <a:xfrm>
-          <a:off x="0" y="0"/>
-          <a:ext cx="0" cy="0"/>
-          <a:chOff x="0" y="0"/>
-          <a:chExt cx="0" cy="0"/>
-        </a:xfrm>
-      </p:grpSpPr>
-      <p:sp>
-        <p:nvSpPr>
-          <p:cNvPr id="7170" name="Rectangle 2"/>
-          <p:cNvSpPr>
-            <a:spLocks noGrp="1" noChangeArrowheads="1"/>
-          </p:cNvSpPr>
-          <p:nvPr>
-            <p:ph type="title"/>
-          </p:nvPr>
-        </p:nvSpPr>
-        <p:spPr>
-          <a:xfrm>
             <a:off x="439277" y="574674"/>
             <a:ext cx="8145462" cy="838200"/>
           </a:xfrm>
@@ -14601,19 +13894,7 @@
               <a:rPr lang="en-US" sz="1800" dirty="0">
                 <a:ea typeface="ＭＳ Ｐゴシック" pitchFamily="34" charset="-128"/>
               </a:rPr>
-              <a:t>Configuring </a:t>
-            </a:r>
-            <a:r>
-              <a:rPr lang="en-US" sz="1800" dirty="0" smtClean="0">
-                <a:ea typeface="ＭＳ Ｐゴシック" pitchFamily="34" charset="-128"/>
-              </a:rPr>
-              <a:t>Dynamic NAT</a:t>
-            </a:r>
-            <a:r>
-              <a:rPr lang="en-US" sz="1800" dirty="0">
-                <a:ea typeface="ＭＳ Ｐゴシック" pitchFamily="34" charset="-128"/>
-              </a:rPr>
-              <a:t/>
+              <a:t>Configuring Dynamic NAT</a:t>
             </a:r>
             <a:br>
               <a:rPr lang="en-US" sz="1800" dirty="0">
@@ -14621,7 +13902,7 @@
               </a:rPr>
             </a:br>
             <a:r>
-              <a:rPr lang="en-US" dirty="0" smtClean="0">
+              <a:rPr lang="en-US" dirty="0">
                 <a:ea typeface="ＭＳ Ｐゴシック" pitchFamily="34" charset="-128"/>
               </a:rPr>
               <a:t>Verifying Dynamic NAT</a:t>
@@ -14703,17 +13984,82 @@
   <p:clrMapOvr>
     <a:masterClrMapping/>
   </p:clrMapOvr>
-  <p:timing>
-    <p:tnLst>
-      <p:par>
-        <p:cTn id="1" dur="indefinite" restart="never" nodeType="tmRoot"/>
-      </p:par>
-    </p:tnLst>
-  </p:timing>
 </p:sld>
 </file>
 
-<file path=ppt/slides/slide31.xml><?xml version="1.0" encoding="utf-8"?>
+<file path=ppt/slides/slide3.xml><?xml version="1.0" encoding="utf-8"?>
+<p:sld xmlns:a="http://schemas.openxmlformats.org/drawingml/2006/main" xmlns:r="http://schemas.openxmlformats.org/officeDocument/2006/relationships" xmlns:p="http://schemas.openxmlformats.org/presentationml/2006/main">
+  <p:cSld>
+    <p:spTree>
+      <p:nvGrpSpPr>
+        <p:cNvPr id="1" name=""/>
+        <p:cNvGrpSpPr/>
+        <p:nvPr/>
+      </p:nvGrpSpPr>
+      <p:grpSpPr>
+        <a:xfrm>
+          <a:off x="0" y="0"/>
+          <a:ext cx="0" cy="0"/>
+          <a:chOff x="0" y="0"/>
+          <a:chExt cx="0" cy="0"/>
+        </a:xfrm>
+      </p:grpSpPr>
+      <p:sp>
+        <p:nvSpPr>
+          <p:cNvPr id="5122" name="Rectangle 2"/>
+          <p:cNvSpPr>
+            <a:spLocks noGrp="1" noChangeArrowheads="1"/>
+          </p:cNvSpPr>
+          <p:nvPr>
+            <p:ph type="ctrTitle"/>
+          </p:nvPr>
+        </p:nvSpPr>
+        <p:spPr>
+          <a:xfrm>
+            <a:off x="311150" y="2263775"/>
+            <a:ext cx="3854450" cy="1481138"/>
+          </a:xfrm>
+        </p:spPr>
+        <p:txBody>
+          <a:bodyPr/>
+          <a:lstStyle/>
+          <a:p>
+            <a:pPr eaLnBrk="1" hangingPunct="1"/>
+            <a:r>
+              <a:rPr lang="en-US" sz="2400" dirty="0"/>
+              <a:t>5.1 </a:t>
+            </a:r>
+            <a:r>
+              <a:rPr lang="en-US" sz="2400" dirty="0">
+                <a:ea typeface="ＭＳ Ｐゴシック" pitchFamily="34" charset="-128"/>
+              </a:rPr>
+              <a:t>Wat is NAT?</a:t>
+            </a:r>
+            <a:endParaRPr lang="en-US" sz="2400" dirty="0">
+              <a:solidFill>
+                <a:schemeClr val="folHlink"/>
+              </a:solidFill>
+            </a:endParaRPr>
+          </a:p>
+        </p:txBody>
+      </p:sp>
+    </p:spTree>
+    <p:extLst>
+      <p:ext uri="{BB962C8B-B14F-4D97-AF65-F5344CB8AC3E}">
+        <p14:creationId xmlns:p14="http://schemas.microsoft.com/office/powerpoint/2010/main" val="1915260488"/>
+      </p:ext>
+    </p:extLst>
+  </p:cSld>
+  <p:clrMapOvr>
+    <a:masterClrMapping/>
+  </p:clrMapOvr>
+  <p:transition>
+    <p:wipe dir="r"/>
+  </p:transition>
+</p:sld>
+</file>
+
+<file path=ppt/slides/slide30.xml><?xml version="1.0" encoding="utf-8"?>
 <p:sld xmlns:a="http://schemas.openxmlformats.org/drawingml/2006/main" xmlns:r="http://schemas.openxmlformats.org/officeDocument/2006/relationships" xmlns:p="http://schemas.openxmlformats.org/presentationml/2006/main">
   <p:cSld>
     <p:spTree>
@@ -14814,19 +14160,7 @@
               <a:rPr lang="en-US" sz="1800" dirty="0">
                 <a:ea typeface="ＭＳ Ｐゴシック" pitchFamily="34" charset="-128"/>
               </a:rPr>
-              <a:t>Configuring </a:t>
-            </a:r>
-            <a:r>
-              <a:rPr lang="en-US" sz="1800" dirty="0" smtClean="0">
-                <a:ea typeface="ＭＳ Ｐゴシック" pitchFamily="34" charset="-128"/>
-              </a:rPr>
-              <a:t>PAT</a:t>
-            </a:r>
-            <a:r>
-              <a:rPr lang="en-US" sz="1800" dirty="0">
-                <a:ea typeface="ＭＳ Ｐゴシック" pitchFamily="34" charset="-128"/>
-              </a:rPr>
-              <a:t/>
+              <a:t>Configuring PAT</a:t>
             </a:r>
             <a:br>
               <a:rPr lang="en-US" sz="1800" dirty="0">
@@ -14834,7 +14168,7 @@
               </a:rPr>
             </a:br>
             <a:r>
-              <a:rPr lang="en-US" dirty="0" smtClean="0">
+              <a:rPr lang="en-US" dirty="0">
                 <a:ea typeface="ＭＳ Ｐゴシック" pitchFamily="34" charset="-128"/>
               </a:rPr>
               <a:t>Configuring PAT: Address Pool</a:t>
@@ -14852,17 +14186,10 @@
   <p:clrMapOvr>
     <a:masterClrMapping/>
   </p:clrMapOvr>
-  <p:timing>
-    <p:tnLst>
-      <p:par>
-        <p:cTn id="1" dur="indefinite" restart="never" nodeType="tmRoot"/>
-      </p:par>
-    </p:tnLst>
-  </p:timing>
 </p:sld>
 </file>
 
-<file path=ppt/slides/slide32.xml><?xml version="1.0" encoding="utf-8"?>
+<file path=ppt/slides/slide31.xml><?xml version="1.0" encoding="utf-8"?>
 <p:sld xmlns:a="http://schemas.openxmlformats.org/drawingml/2006/main" xmlns:r="http://schemas.openxmlformats.org/officeDocument/2006/relationships" xmlns:p="http://schemas.openxmlformats.org/presentationml/2006/main">
   <p:cSld>
     <p:spTree>
@@ -14904,19 +14231,7 @@
               <a:rPr lang="en-US" sz="1800" dirty="0">
                 <a:ea typeface="ＭＳ Ｐゴシック" pitchFamily="34" charset="-128"/>
               </a:rPr>
-              <a:t>Configuring </a:t>
-            </a:r>
-            <a:r>
-              <a:rPr lang="en-US" sz="1800" dirty="0" smtClean="0">
-                <a:ea typeface="ＭＳ Ｐゴシック" pitchFamily="34" charset="-128"/>
-              </a:rPr>
-              <a:t>PAT</a:t>
-            </a:r>
-            <a:r>
-              <a:rPr lang="en-US" sz="1800" dirty="0">
-                <a:ea typeface="ＭＳ Ｐゴシック" pitchFamily="34" charset="-128"/>
-              </a:rPr>
-              <a:t/>
+              <a:t>Configuring PAT</a:t>
             </a:r>
             <a:br>
               <a:rPr lang="en-US" sz="1800" dirty="0">
@@ -14924,7 +14239,7 @@
               </a:rPr>
             </a:br>
             <a:r>
-              <a:rPr lang="en-US" dirty="0" smtClean="0">
+              <a:rPr lang="en-US" dirty="0">
                 <a:ea typeface="ＭＳ Ｐゴシック" pitchFamily="34" charset="-128"/>
               </a:rPr>
               <a:t>Configuring PAT: Single Address</a:t>
@@ -14996,17 +14311,10 @@
   <p:clrMapOvr>
     <a:masterClrMapping/>
   </p:clrMapOvr>
-  <p:timing>
-    <p:tnLst>
-      <p:par>
-        <p:cTn id="1" dur="indefinite" restart="never" nodeType="tmRoot"/>
-      </p:par>
-    </p:tnLst>
-  </p:timing>
 </p:sld>
 </file>
 
-<file path=ppt/slides/slide33.xml><?xml version="1.0" encoding="utf-8"?>
+<file path=ppt/slides/slide32.xml><?xml version="1.0" encoding="utf-8"?>
 <p:sld xmlns:a="http://schemas.openxmlformats.org/drawingml/2006/main" xmlns:r="http://schemas.openxmlformats.org/officeDocument/2006/relationships" xmlns:p="http://schemas.openxmlformats.org/presentationml/2006/main">
   <p:cSld>
     <p:spTree>
@@ -15048,19 +14356,7 @@
               <a:rPr lang="en-US" sz="1800" dirty="0">
                 <a:ea typeface="ＭＳ Ｐゴシック" pitchFamily="34" charset="-128"/>
               </a:rPr>
-              <a:t>Configuring </a:t>
-            </a:r>
-            <a:r>
-              <a:rPr lang="en-US" sz="1800" dirty="0" smtClean="0">
-                <a:ea typeface="ＭＳ Ｐゴシック" pitchFamily="34" charset="-128"/>
-              </a:rPr>
-              <a:t>PAT</a:t>
-            </a:r>
-            <a:r>
-              <a:rPr lang="en-US" sz="1800" dirty="0">
-                <a:ea typeface="ＭＳ Ｐゴシック" pitchFamily="34" charset="-128"/>
-              </a:rPr>
-              <a:t/>
+              <a:t>Configuring PAT</a:t>
             </a:r>
             <a:br>
               <a:rPr lang="en-US" sz="1800" dirty="0">
@@ -15068,7 +14364,7 @@
               </a:rPr>
             </a:br>
             <a:r>
-              <a:rPr lang="en-US" dirty="0" smtClean="0">
+              <a:rPr lang="en-US" dirty="0">
                 <a:ea typeface="ＭＳ Ｐゴシック" pitchFamily="34" charset="-128"/>
               </a:rPr>
               <a:t>Analyzing PAT</a:t>
@@ -15145,17 +14441,10 @@
   <p:clrMapOvr>
     <a:masterClrMapping/>
   </p:clrMapOvr>
-  <p:timing>
-    <p:tnLst>
-      <p:par>
-        <p:cTn id="1" dur="indefinite" restart="never" nodeType="tmRoot"/>
-      </p:par>
-    </p:tnLst>
-  </p:timing>
 </p:sld>
 </file>
 
-<file path=ppt/slides/slide34.xml><?xml version="1.0" encoding="utf-8"?>
+<file path=ppt/slides/slide33.xml><?xml version="1.0" encoding="utf-8"?>
 <p:sld xmlns:a="http://schemas.openxmlformats.org/drawingml/2006/main" xmlns:r="http://schemas.openxmlformats.org/officeDocument/2006/relationships" xmlns:p="http://schemas.openxmlformats.org/presentationml/2006/main">
   <p:cSld>
     <p:spTree>
@@ -15256,19 +14545,7 @@
               <a:rPr lang="en-US" sz="1800" dirty="0">
                 <a:ea typeface="ＭＳ Ｐゴシック" pitchFamily="34" charset="-128"/>
               </a:rPr>
-              <a:t>Configuring </a:t>
-            </a:r>
-            <a:r>
-              <a:rPr lang="en-US" sz="1800" dirty="0" smtClean="0">
-                <a:ea typeface="ＭＳ Ｐゴシック" pitchFamily="34" charset="-128"/>
-              </a:rPr>
-              <a:t>PAT</a:t>
-            </a:r>
-            <a:r>
-              <a:rPr lang="en-US" sz="1800" dirty="0">
-                <a:ea typeface="ＭＳ Ｐゴシック" pitchFamily="34" charset="-128"/>
-              </a:rPr>
-              <a:t/>
+              <a:t>Configuring PAT</a:t>
             </a:r>
             <a:br>
               <a:rPr lang="en-US" sz="1800" dirty="0">
@@ -15276,7 +14553,7 @@
               </a:rPr>
             </a:br>
             <a:r>
-              <a:rPr lang="en-US" dirty="0" smtClean="0">
+              <a:rPr lang="en-US" dirty="0">
                 <a:ea typeface="ＭＳ Ｐゴシック" pitchFamily="34" charset="-128"/>
               </a:rPr>
               <a:t>Analyzing PAT</a:t>
@@ -15294,17 +14571,10 @@
   <p:clrMapOvr>
     <a:masterClrMapping/>
   </p:clrMapOvr>
-  <p:timing>
-    <p:tnLst>
-      <p:par>
-        <p:cTn id="1" dur="indefinite" restart="never" nodeType="tmRoot"/>
-      </p:par>
-    </p:tnLst>
-  </p:timing>
 </p:sld>
 </file>
 
-<file path=ppt/slides/slide35.xml><?xml version="1.0" encoding="utf-8"?>
+<file path=ppt/slides/slide34.xml><?xml version="1.0" encoding="utf-8"?>
 <p:sld xmlns:a="http://schemas.openxmlformats.org/drawingml/2006/main" xmlns:r="http://schemas.openxmlformats.org/officeDocument/2006/relationships" xmlns:p="http://schemas.openxmlformats.org/presentationml/2006/main">
   <p:cSld>
     <p:spTree>
@@ -15343,18 +14613,18 @@
           <a:p>
             <a:pPr eaLnBrk="1" hangingPunct="1"/>
             <a:r>
-              <a:rPr lang="en-US" sz="1800" dirty="0" smtClean="0">
+              <a:rPr lang="en-US" sz="1800" dirty="0">
                 <a:ea typeface="ＭＳ Ｐゴシック" pitchFamily="34" charset="-128"/>
               </a:rPr>
               <a:t>Configuring PAT</a:t>
             </a:r>
             <a:br>
-              <a:rPr lang="en-US" sz="1800" dirty="0" smtClean="0">
+              <a:rPr lang="en-US" sz="1800" dirty="0">
                 <a:ea typeface="ＭＳ Ｐゴシック" pitchFamily="34" charset="-128"/>
               </a:rPr>
             </a:br>
             <a:r>
-              <a:rPr lang="en-US" dirty="0" smtClean="0">
+              <a:rPr lang="en-US" dirty="0">
                 <a:ea typeface="ＭＳ Ｐゴシック" pitchFamily="34" charset="-128"/>
               </a:rPr>
               <a:t>Verifying PAT Translations</a:t>
@@ -15436,17 +14706,10 @@
   <p:clrMapOvr>
     <a:masterClrMapping/>
   </p:clrMapOvr>
-  <p:timing>
-    <p:tnLst>
-      <p:par>
-        <p:cTn id="1" dur="indefinite" restart="never" nodeType="tmRoot"/>
-      </p:par>
-    </p:tnLst>
-  </p:timing>
 </p:sld>
 </file>
 
-<file path=ppt/slides/slide36.xml><?xml version="1.0" encoding="utf-8"?>
+<file path=ppt/slides/slide35.xml><?xml version="1.0" encoding="utf-8"?>
 <p:sld xmlns:a="http://schemas.openxmlformats.org/drawingml/2006/main" xmlns:r="http://schemas.openxmlformats.org/officeDocument/2006/relationships" xmlns:p="http://schemas.openxmlformats.org/presentationml/2006/main">
   <p:cSld>
     <p:spTree>
@@ -15486,7 +14749,7 @@
         </p:blipFill>
         <p:spPr bwMode="auto">
           <a:xfrm>
-            <a:off x="1486270" y="3673303"/>
+            <a:off x="1486270" y="4149396"/>
             <a:ext cx="5844886" cy="2450523"/>
           </a:xfrm>
           <a:prstGeom prst="rect">
@@ -15544,18 +14807,18 @@
           <a:p>
             <a:pPr eaLnBrk="1" hangingPunct="1"/>
             <a:r>
-              <a:rPr lang="en-US" sz="1800" dirty="0" smtClean="0">
+              <a:rPr lang="en-US" sz="1800" dirty="0">
                 <a:ea typeface="ＭＳ Ｐゴシック" pitchFamily="34" charset="-128"/>
               </a:rPr>
               <a:t>Port Forwarding</a:t>
             </a:r>
             <a:br>
-              <a:rPr lang="en-US" sz="1800" dirty="0" smtClean="0">
+              <a:rPr lang="en-US" sz="1800" dirty="0">
                 <a:ea typeface="ＭＳ Ｐゴシック" pitchFamily="34" charset="-128"/>
               </a:rPr>
             </a:br>
             <a:r>
-              <a:rPr lang="en-US" dirty="0" smtClean="0">
+              <a:rPr lang="en-US" dirty="0">
                 <a:ea typeface="ＭＳ Ｐゴシック" pitchFamily="34" charset="-128"/>
               </a:rPr>
               <a:t>Port Forwarding</a:t>
@@ -15584,36 +14847,22 @@
           <a:lstStyle/>
           <a:p>
             <a:r>
-              <a:rPr lang="en-US" sz="2000" dirty="0"/>
-              <a:t>Port forwarding </a:t>
-            </a:r>
-            <a:r>
-              <a:rPr lang="en-US" sz="2000" dirty="0" smtClean="0"/>
-              <a:t>is </a:t>
-            </a:r>
-            <a:r>
-              <a:rPr lang="en-US" sz="2000" dirty="0"/>
-              <a:t>the act of forwarding a network port from one network node to </a:t>
-            </a:r>
-            <a:r>
-              <a:rPr lang="en-US" sz="2000" dirty="0" smtClean="0"/>
-              <a:t>another.</a:t>
-            </a:r>
-          </a:p>
-          <a:p>
-            <a:r>
-              <a:rPr lang="en-US" sz="2000" dirty="0" smtClean="0"/>
-              <a:t>A packet sent to the public IP address and port of a router can be forwarded to a private IP address and port in inside network.</a:t>
-            </a:r>
-          </a:p>
-          <a:p>
-            <a:r>
-              <a:rPr lang="en-US" sz="2000" dirty="0" smtClean="0"/>
-              <a:t>Port forwarding is helpful in situations where servers have private addresses, not reachable from the outside networks.</a:t>
-            </a:r>
-          </a:p>
-          <a:p>
-            <a:endParaRPr lang="en-US" dirty="0" smtClean="0"/>
+              <a:rPr lang="nl-BE" sz="2000" dirty="0"/>
+              <a:t>Port forwarding betekend het forwarden van een netwerkpoort van een network node naar een andere.</a:t>
+            </a:r>
+          </a:p>
+          <a:p>
+            <a:r>
+              <a:rPr lang="nl-BE" sz="2000" dirty="0"/>
+              <a:t>Een pakket dat naar het public IP address en de poort van een router wordt gestuurd, kan geforward worden naar een private IP address en poort in het lokale netwerk.</a:t>
+            </a:r>
+          </a:p>
+          <a:p>
+            <a:r>
+              <a:rPr lang="nl-BE" sz="2000" dirty="0"/>
+              <a:t>Port forwarding is handig in situaties waarbij servers private addresses hebben, die niet bereikbaar zijn vanaf de externe netwerken.</a:t>
+            </a:r>
+            <a:endParaRPr lang="en-US" dirty="0"/>
           </a:p>
         </p:txBody>
       </p:sp>
@@ -15627,17 +14876,10 @@
   <p:clrMapOvr>
     <a:masterClrMapping/>
   </p:clrMapOvr>
-  <p:timing>
-    <p:tnLst>
-      <p:par>
-        <p:cTn id="1" dur="indefinite" restart="never" nodeType="tmRoot"/>
-      </p:par>
-    </p:tnLst>
-  </p:timing>
 </p:sld>
 </file>
 
-<file path=ppt/slides/slide37.xml><?xml version="1.0" encoding="utf-8"?>
+<file path=ppt/slides/slide36.xml><?xml version="1.0" encoding="utf-8"?>
 <p:sld xmlns:a="http://schemas.openxmlformats.org/drawingml/2006/main" xmlns:r="http://schemas.openxmlformats.org/officeDocument/2006/relationships" xmlns:p="http://schemas.openxmlformats.org/presentationml/2006/main">
   <p:cSld>
     <p:spTree>
@@ -15676,18 +14918,18 @@
           <a:p>
             <a:pPr eaLnBrk="1" hangingPunct="1"/>
             <a:r>
-              <a:rPr lang="en-US" sz="1800" dirty="0" smtClean="0">
+              <a:rPr lang="en-US" sz="1800" dirty="0">
                 <a:ea typeface="ＭＳ Ｐゴシック" pitchFamily="34" charset="-128"/>
               </a:rPr>
               <a:t>Port Forwarding</a:t>
             </a:r>
             <a:br>
-              <a:rPr lang="en-US" sz="1800" dirty="0" smtClean="0">
+              <a:rPr lang="en-US" sz="1800" dirty="0">
                 <a:ea typeface="ＭＳ Ｐゴシック" pitchFamily="34" charset="-128"/>
               </a:rPr>
             </a:br>
             <a:r>
-              <a:rPr lang="en-US" dirty="0" smtClean="0">
+              <a:rPr lang="en-US" dirty="0">
                 <a:ea typeface="ＭＳ Ｐゴシック" pitchFamily="34" charset="-128"/>
               </a:rPr>
               <a:t>SOHO Example</a:t>
@@ -15759,17 +15001,10 @@
   <p:clrMapOvr>
     <a:masterClrMapping/>
   </p:clrMapOvr>
-  <p:timing>
-    <p:tnLst>
-      <p:par>
-        <p:cTn id="1" dur="indefinite" restart="never" nodeType="tmRoot"/>
-      </p:par>
-    </p:tnLst>
-  </p:timing>
 </p:sld>
 </file>
 
-<file path=ppt/slides/slide38.xml><?xml version="1.0" encoding="utf-8"?>
+<file path=ppt/slides/slide37.xml><?xml version="1.0" encoding="utf-8"?>
 <p:sld xmlns:a="http://schemas.openxmlformats.org/drawingml/2006/main" xmlns:r="http://schemas.openxmlformats.org/officeDocument/2006/relationships" xmlns:p="http://schemas.openxmlformats.org/presentationml/2006/main">
   <p:cSld>
     <p:spTree>
@@ -15808,18 +15043,18 @@
           <a:p>
             <a:pPr eaLnBrk="1" hangingPunct="1"/>
             <a:r>
-              <a:rPr lang="en-US" sz="1800" dirty="0" smtClean="0">
+              <a:rPr lang="en-US" sz="1800" dirty="0">
                 <a:ea typeface="ＭＳ Ｐゴシック" pitchFamily="34" charset="-128"/>
               </a:rPr>
               <a:t>Port Forwarding</a:t>
             </a:r>
             <a:br>
-              <a:rPr lang="en-US" sz="1800" dirty="0" smtClean="0">
+              <a:rPr lang="en-US" sz="1800" dirty="0">
                 <a:ea typeface="ＭＳ Ｐゴシック" pitchFamily="34" charset="-128"/>
               </a:rPr>
             </a:br>
             <a:r>
-              <a:rPr lang="en-US" dirty="0" smtClean="0">
+              <a:rPr lang="en-US" dirty="0">
                 <a:ea typeface="ＭＳ Ｐゴシック" pitchFamily="34" charset="-128"/>
               </a:rPr>
               <a:t>Configuring Port Forwarding with IOS</a:t>
@@ -15851,28 +15086,12 @@
               <a:buNone/>
             </a:pPr>
             <a:r>
-              <a:rPr lang="en-US" sz="2000" dirty="0" smtClean="0"/>
-              <a:t>In IOS, Port </a:t>
-            </a:r>
-            <a:r>
               <a:rPr lang="en-US" sz="2000" dirty="0"/>
-              <a:t>forwarding is </a:t>
-            </a:r>
-            <a:r>
-              <a:rPr lang="en-US" sz="2000" dirty="0" smtClean="0"/>
-              <a:t>essentially </a:t>
-            </a:r>
-            <a:r>
-              <a:rPr lang="en-US" sz="2000" dirty="0"/>
-              <a:t>a static NAT translation with a specified TCP or UDP port </a:t>
-            </a:r>
-            <a:r>
-              <a:rPr lang="en-US" sz="2000" dirty="0" smtClean="0"/>
-              <a:t>number.</a:t>
-            </a:r>
-          </a:p>
-          <a:p>
-            <a:endParaRPr lang="en-US" sz="2000" dirty="0" smtClean="0"/>
+              <a:t>In IOS, Port forwarding is essentially a static NAT translation with a specified TCP or UDP port number.</a:t>
+            </a:r>
+          </a:p>
+          <a:p>
+            <a:endParaRPr lang="en-US" sz="2000" dirty="0"/>
           </a:p>
         </p:txBody>
       </p:sp>
@@ -15945,13 +15164,135 @@
   <p:clrMapOvr>
     <a:masterClrMapping/>
   </p:clrMapOvr>
-  <p:timing>
-    <p:tnLst>
-      <p:par>
-        <p:cTn id="1" dur="indefinite" restart="never" nodeType="tmRoot"/>
-      </p:par>
-    </p:tnLst>
-  </p:timing>
+</p:sld>
+</file>
+
+<file path=ppt/slides/slide38.xml><?xml version="1.0" encoding="utf-8"?>
+<p:sld xmlns:a="http://schemas.openxmlformats.org/drawingml/2006/main" xmlns:r="http://schemas.openxmlformats.org/officeDocument/2006/relationships" xmlns:p="http://schemas.openxmlformats.org/presentationml/2006/main">
+  <p:cSld>
+    <p:spTree>
+      <p:nvGrpSpPr>
+        <p:cNvPr id="1" name=""/>
+        <p:cNvGrpSpPr/>
+        <p:nvPr/>
+      </p:nvGrpSpPr>
+      <p:grpSpPr>
+        <a:xfrm>
+          <a:off x="0" y="0"/>
+          <a:ext cx="0" cy="0"/>
+          <a:chOff x="0" y="0"/>
+          <a:chExt cx="0" cy="0"/>
+        </a:xfrm>
+      </p:grpSpPr>
+      <p:sp>
+        <p:nvSpPr>
+          <p:cNvPr id="7170" name="Rectangle 2"/>
+          <p:cNvSpPr>
+            <a:spLocks noGrp="1" noChangeArrowheads="1"/>
+          </p:cNvSpPr>
+          <p:nvPr>
+            <p:ph type="title"/>
+          </p:nvPr>
+        </p:nvSpPr>
+        <p:spPr>
+          <a:xfrm>
+            <a:off x="411982" y="481798"/>
+            <a:ext cx="8145462" cy="838200"/>
+          </a:xfrm>
+        </p:spPr>
+        <p:txBody>
+          <a:bodyPr/>
+          <a:lstStyle/>
+          <a:p>
+            <a:pPr eaLnBrk="1" hangingPunct="1"/>
+            <a:r>
+              <a:rPr lang="en-US" sz="1800" dirty="0">
+                <a:ea typeface="ＭＳ Ｐゴシック" pitchFamily="34" charset="-128"/>
+              </a:rPr>
+              <a:t>Configuring NAT and IPv6</a:t>
+            </a:r>
+            <a:br>
+              <a:rPr lang="en-US" sz="1800" dirty="0">
+                <a:ea typeface="ＭＳ Ｐゴシック" pitchFamily="34" charset="-128"/>
+              </a:rPr>
+            </a:br>
+            <a:r>
+              <a:rPr lang="en-US" dirty="0">
+                <a:ea typeface="ＭＳ Ｐゴシック" pitchFamily="34" charset="-128"/>
+              </a:rPr>
+              <a:t>NAT for </a:t>
+            </a:r>
+            <a:r>
+              <a:rPr lang="en-US" dirty="0" err="1">
+                <a:ea typeface="ＭＳ Ｐゴシック" pitchFamily="34" charset="-128"/>
+              </a:rPr>
+              <a:t>IPv6</a:t>
+            </a:r>
+            <a:r>
+              <a:rPr lang="en-US" dirty="0">
+                <a:ea typeface="ＭＳ Ｐゴシック" pitchFamily="34" charset="-128"/>
+              </a:rPr>
+              <a:t>?</a:t>
+            </a:r>
+          </a:p>
+        </p:txBody>
+      </p:sp>
+      <p:sp>
+        <p:nvSpPr>
+          <p:cNvPr id="4" name="Content Placeholder 1"/>
+          <p:cNvSpPr>
+            <a:spLocks noGrp="1"/>
+          </p:cNvSpPr>
+          <p:nvPr>
+            <p:ph idx="1"/>
+          </p:nvPr>
+        </p:nvSpPr>
+        <p:spPr>
+          <a:xfrm>
+            <a:off x="426255" y="1580927"/>
+            <a:ext cx="7951332" cy="4487862"/>
+          </a:xfrm>
+        </p:spPr>
+        <p:txBody>
+          <a:bodyPr/>
+          <a:lstStyle/>
+          <a:p>
+            <a:r>
+              <a:rPr lang="nl-BE" sz="2000" dirty="0"/>
+              <a:t>NAT is een oplossing voor de kleine IPv4-adresruimte.</a:t>
+            </a:r>
+          </a:p>
+          <a:p>
+            <a:r>
+              <a:rPr lang="nl-BE" sz="2000" dirty="0"/>
+              <a:t>IPv6 met een 128-bits adres biedt 340 undecillion adressen.</a:t>
+            </a:r>
+          </a:p>
+          <a:p>
+            <a:r>
+              <a:rPr lang="nl-BE" sz="2000" dirty="0"/>
+              <a:t>Adresruimte is geen probleem voor IPv6.</a:t>
+            </a:r>
+          </a:p>
+          <a:p>
+            <a:r>
+              <a:rPr lang="nl-BE" sz="2000" dirty="0"/>
+              <a:t>IPv6 maakt IPv4 public-private NAT onnodig door het ontwerp; IPv6 implementeert echter een vorm van private addressing, en wordt anders geïmplementeerd dan IPv4.</a:t>
+            </a:r>
+            <a:endParaRPr lang="en-US" dirty="0"/>
+          </a:p>
+        </p:txBody>
+      </p:sp>
+    </p:spTree>
+    <p:extLst>
+      <p:ext uri="{BB962C8B-B14F-4D97-AF65-F5344CB8AC3E}">
+        <p14:creationId xmlns:p14="http://schemas.microsoft.com/office/powerpoint/2010/main" val="3068418812"/>
+      </p:ext>
+    </p:extLst>
+  </p:cSld>
+  <p:clrMapOvr>
+    <a:masterClrMapping/>
+  </p:clrMapOvr>
 </p:sld>
 </file>
 
@@ -15984,247 +15325,6 @@
         </p:nvSpPr>
         <p:spPr>
           <a:xfrm>
-            <a:off x="411982" y="481798"/>
-            <a:ext cx="8145462" cy="838200"/>
-          </a:xfrm>
-        </p:spPr>
-        <p:txBody>
-          <a:bodyPr/>
-          <a:lstStyle/>
-          <a:p>
-            <a:pPr eaLnBrk="1" hangingPunct="1"/>
-            <a:r>
-              <a:rPr lang="en-US" sz="1800" dirty="0" smtClean="0">
-                <a:ea typeface="ＭＳ Ｐゴシック" pitchFamily="34" charset="-128"/>
-              </a:rPr>
-              <a:t>Configuring NAT and IPv6</a:t>
-            </a:r>
-            <a:br>
-              <a:rPr lang="en-US" sz="1800" dirty="0" smtClean="0">
-                <a:ea typeface="ＭＳ Ｐゴシック" pitchFamily="34" charset="-128"/>
-              </a:rPr>
-            </a:br>
-            <a:r>
-              <a:rPr lang="en-US" dirty="0" smtClean="0">
-                <a:ea typeface="ＭＳ Ｐゴシック" pitchFamily="34" charset="-128"/>
-              </a:rPr>
-              <a:t>NAT for </a:t>
-            </a:r>
-            <a:r>
-              <a:rPr lang="en-US" dirty="0" err="1" smtClean="0">
-                <a:ea typeface="ＭＳ Ｐゴシック" pitchFamily="34" charset="-128"/>
-              </a:rPr>
-              <a:t>IPv6</a:t>
-            </a:r>
-            <a:r>
-              <a:rPr lang="en-US" dirty="0" smtClean="0">
-                <a:ea typeface="ＭＳ Ｐゴシック" pitchFamily="34" charset="-128"/>
-              </a:rPr>
-              <a:t>?</a:t>
-            </a:r>
-          </a:p>
-        </p:txBody>
-      </p:sp>
-      <p:sp>
-        <p:nvSpPr>
-          <p:cNvPr id="4" name="Content Placeholder 1"/>
-          <p:cNvSpPr>
-            <a:spLocks noGrp="1"/>
-          </p:cNvSpPr>
-          <p:nvPr>
-            <p:ph idx="1"/>
-          </p:nvPr>
-        </p:nvSpPr>
-        <p:spPr>
-          <a:xfrm>
-            <a:off x="426255" y="1580927"/>
-            <a:ext cx="7951332" cy="4487862"/>
-          </a:xfrm>
-        </p:spPr>
-        <p:txBody>
-          <a:bodyPr/>
-          <a:lstStyle/>
-          <a:p>
-            <a:r>
-              <a:rPr lang="en-US" sz="2000" dirty="0" smtClean="0"/>
-              <a:t>NAT is a workaround for IPv4 address scarcity.</a:t>
-            </a:r>
-          </a:p>
-          <a:p>
-            <a:r>
-              <a:rPr lang="en-US" sz="2000" dirty="0"/>
-              <a:t>IPv6 with a 128-bit address provides 340 undecillion </a:t>
-            </a:r>
-            <a:r>
-              <a:rPr lang="en-US" sz="2000" dirty="0" smtClean="0"/>
-              <a:t>addresses.</a:t>
-            </a:r>
-          </a:p>
-          <a:p>
-            <a:r>
-              <a:rPr lang="en-US" sz="2000" dirty="0"/>
-              <a:t>A</a:t>
-            </a:r>
-            <a:r>
-              <a:rPr lang="en-US" sz="2000" dirty="0" smtClean="0"/>
-              <a:t>ddress </a:t>
-            </a:r>
-            <a:r>
-              <a:rPr lang="en-US" sz="2000" dirty="0"/>
-              <a:t>space is not an </a:t>
-            </a:r>
-            <a:r>
-              <a:rPr lang="en-US" sz="2000" dirty="0" smtClean="0"/>
-              <a:t>issue for IPv6.</a:t>
-            </a:r>
-          </a:p>
-          <a:p>
-            <a:r>
-              <a:rPr lang="en-US" sz="2000" dirty="0" smtClean="0"/>
-              <a:t>IPv6 makes IPv4 public-private NAT unnecessary by design; however, IPv6 </a:t>
-            </a:r>
-            <a:r>
-              <a:rPr lang="en-US" sz="2000" dirty="0"/>
-              <a:t>does implement a form of </a:t>
-            </a:r>
-            <a:r>
-              <a:rPr lang="en-US" sz="2000" dirty="0" smtClean="0"/>
-              <a:t>private addresses, and it is implemented differently than they are for IPv4.</a:t>
-            </a:r>
-          </a:p>
-          <a:p>
-            <a:endParaRPr lang="en-US" dirty="0" smtClean="0"/>
-          </a:p>
-        </p:txBody>
-      </p:sp>
-    </p:spTree>
-    <p:extLst>
-      <p:ext uri="{BB962C8B-B14F-4D97-AF65-F5344CB8AC3E}">
-        <p14:creationId xmlns:p14="http://schemas.microsoft.com/office/powerpoint/2010/main" val="3068418812"/>
-      </p:ext>
-    </p:extLst>
-  </p:cSld>
-  <p:clrMapOvr>
-    <a:masterClrMapping/>
-  </p:clrMapOvr>
-  <p:timing>
-    <p:tnLst>
-      <p:par>
-        <p:cTn id="1" dur="indefinite" restart="never" nodeType="tmRoot"/>
-      </p:par>
-    </p:tnLst>
-  </p:timing>
-</p:sld>
-</file>
-
-<file path=ppt/slides/slide4.xml><?xml version="1.0" encoding="utf-8"?>
-<p:sld xmlns:a="http://schemas.openxmlformats.org/drawingml/2006/main" xmlns:r="http://schemas.openxmlformats.org/officeDocument/2006/relationships" xmlns:p="http://schemas.openxmlformats.org/presentationml/2006/main">
-  <p:cSld>
-    <p:spTree>
-      <p:nvGrpSpPr>
-        <p:cNvPr id="1" name=""/>
-        <p:cNvGrpSpPr/>
-        <p:nvPr/>
-      </p:nvGrpSpPr>
-      <p:grpSpPr>
-        <a:xfrm>
-          <a:off x="0" y="0"/>
-          <a:ext cx="0" cy="0"/>
-          <a:chOff x="0" y="0"/>
-          <a:chExt cx="0" cy="0"/>
-        </a:xfrm>
-      </p:grpSpPr>
-      <p:sp>
-        <p:nvSpPr>
-          <p:cNvPr id="5122" name="Rectangle 2"/>
-          <p:cNvSpPr>
-            <a:spLocks noGrp="1" noChangeArrowheads="1"/>
-          </p:cNvSpPr>
-          <p:nvPr>
-            <p:ph type="ctrTitle"/>
-          </p:nvPr>
-        </p:nvSpPr>
-        <p:spPr>
-          <a:xfrm>
-            <a:off x="311150" y="2263775"/>
-            <a:ext cx="3854450" cy="1481138"/>
-          </a:xfrm>
-        </p:spPr>
-        <p:txBody>
-          <a:bodyPr/>
-          <a:lstStyle/>
-          <a:p>
-            <a:pPr eaLnBrk="1" hangingPunct="1"/>
-            <a:r>
-              <a:rPr lang="en-US" sz="2400" dirty="0" smtClean="0"/>
-              <a:t>5.1 </a:t>
-            </a:r>
-            <a:r>
-              <a:rPr lang="en-US" sz="2400" dirty="0" smtClean="0">
-                <a:ea typeface="ＭＳ Ｐゴシック" pitchFamily="34" charset="-128"/>
-              </a:rPr>
-              <a:t>NAT Operation</a:t>
-            </a:r>
-            <a:endParaRPr lang="en-US" sz="2400" dirty="0" smtClean="0">
-              <a:solidFill>
-                <a:schemeClr val="folHlink"/>
-              </a:solidFill>
-            </a:endParaRPr>
-          </a:p>
-        </p:txBody>
-      </p:sp>
-    </p:spTree>
-    <p:extLst>
-      <p:ext uri="{BB962C8B-B14F-4D97-AF65-F5344CB8AC3E}">
-        <p14:creationId xmlns:p14="http://schemas.microsoft.com/office/powerpoint/2010/main" val="1915260488"/>
-      </p:ext>
-    </p:extLst>
-  </p:cSld>
-  <p:clrMapOvr>
-    <a:masterClrMapping/>
-  </p:clrMapOvr>
-  <p:transition>
-    <p:wipe dir="r"/>
-  </p:transition>
-  <p:timing>
-    <p:tnLst>
-      <p:par>
-        <p:cTn id="1" dur="indefinite" restart="never" nodeType="tmRoot"/>
-      </p:par>
-    </p:tnLst>
-  </p:timing>
-</p:sld>
-</file>
-
-<file path=ppt/slides/slide40.xml><?xml version="1.0" encoding="utf-8"?>
-<p:sld xmlns:a="http://schemas.openxmlformats.org/drawingml/2006/main" xmlns:r="http://schemas.openxmlformats.org/officeDocument/2006/relationships" xmlns:p="http://schemas.openxmlformats.org/presentationml/2006/main">
-  <p:cSld>
-    <p:spTree>
-      <p:nvGrpSpPr>
-        <p:cNvPr id="1" name=""/>
-        <p:cNvGrpSpPr/>
-        <p:nvPr/>
-      </p:nvGrpSpPr>
-      <p:grpSpPr>
-        <a:xfrm>
-          <a:off x="0" y="0"/>
-          <a:ext cx="0" cy="0"/>
-          <a:chOff x="0" y="0"/>
-          <a:chExt cx="0" cy="0"/>
-        </a:xfrm>
-      </p:grpSpPr>
-      <p:sp>
-        <p:nvSpPr>
-          <p:cNvPr id="7170" name="Rectangle 2"/>
-          <p:cNvSpPr>
-            <a:spLocks noGrp="1" noChangeArrowheads="1"/>
-          </p:cNvSpPr>
-          <p:nvPr>
-            <p:ph type="title"/>
-          </p:nvPr>
-        </p:nvSpPr>
-        <p:spPr>
-          <a:xfrm>
             <a:off x="479680" y="454502"/>
             <a:ext cx="8145462" cy="838200"/>
           </a:xfrm>
@@ -16235,18 +15335,18 @@
           <a:p>
             <a:pPr eaLnBrk="1" hangingPunct="1"/>
             <a:r>
-              <a:rPr lang="en-US" sz="1800" dirty="0" smtClean="0">
+              <a:rPr lang="en-US" sz="1800" dirty="0">
                 <a:ea typeface="ＭＳ Ｐゴシック" pitchFamily="34" charset="-128"/>
               </a:rPr>
               <a:t>Configuring NAT and IPv6</a:t>
             </a:r>
             <a:br>
-              <a:rPr lang="en-US" sz="1800" dirty="0" smtClean="0">
+              <a:rPr lang="en-US" sz="1800" dirty="0">
                 <a:ea typeface="ＭＳ Ｐゴシック" pitchFamily="34" charset="-128"/>
               </a:rPr>
             </a:br>
             <a:r>
-              <a:rPr lang="en-US" dirty="0" smtClean="0">
+              <a:rPr lang="en-US" dirty="0">
                 <a:ea typeface="ＭＳ Ｐゴシック" pitchFamily="34" charset="-128"/>
               </a:rPr>
               <a:t>IPv6 Unique Local Addresses</a:t>
@@ -16275,71 +15375,28 @@
           <a:lstStyle/>
           <a:p>
             <a:r>
-              <a:rPr lang="en-US" sz="2000" dirty="0"/>
-              <a:t>IPv6 unique local addresses (</a:t>
-            </a:r>
-            <a:r>
-              <a:rPr lang="en-US" sz="2000" dirty="0" err="1" smtClean="0"/>
-              <a:t>ULAs</a:t>
-            </a:r>
-            <a:r>
-              <a:rPr lang="en-US" sz="2000" dirty="0" smtClean="0"/>
-              <a:t>) are designed to allow IPv6 communications within a local site.</a:t>
-            </a:r>
-          </a:p>
-          <a:p>
-            <a:r>
-              <a:rPr lang="en-US" sz="2000" dirty="0" err="1" smtClean="0"/>
-              <a:t>ULAs</a:t>
-            </a:r>
-            <a:r>
-              <a:rPr lang="en-US" sz="2000" dirty="0" smtClean="0"/>
-              <a:t> are not </a:t>
-            </a:r>
-            <a:r>
-              <a:rPr lang="en-US" sz="2000" dirty="0"/>
-              <a:t>meant to provide additional IPv6 address </a:t>
-            </a:r>
-            <a:r>
-              <a:rPr lang="en-US" sz="2000" dirty="0" smtClean="0"/>
-              <a:t>space.</a:t>
-            </a:r>
-          </a:p>
-          <a:p>
-            <a:r>
-              <a:rPr lang="en-US" sz="2000" dirty="0" err="1" smtClean="0"/>
-              <a:t>ULAs</a:t>
-            </a:r>
-            <a:r>
-              <a:rPr lang="en-US" sz="2000" dirty="0" smtClean="0"/>
-              <a:t> </a:t>
-            </a:r>
-            <a:r>
-              <a:rPr lang="en-US" sz="2000" dirty="0"/>
-              <a:t>have the prefix FC00::/7, which results in a first hextet range of FC00 to </a:t>
-            </a:r>
-            <a:r>
-              <a:rPr lang="en-US" sz="2000" dirty="0" err="1" smtClean="0"/>
-              <a:t>FDFF</a:t>
-            </a:r>
-            <a:r>
-              <a:rPr lang="en-US" sz="2000" dirty="0" smtClean="0"/>
-              <a:t>.</a:t>
-            </a:r>
-          </a:p>
-          <a:p>
-            <a:r>
-              <a:rPr lang="en-US" sz="2000" dirty="0" smtClean="0"/>
-              <a:t>ULAs are also </a:t>
-            </a:r>
-            <a:r>
-              <a:rPr lang="en-US" sz="2000" dirty="0"/>
-              <a:t>known as local IPv6 addresses (not to be confused with IPv6 link-local addresses</a:t>
-            </a:r>
-            <a:r>
-              <a:rPr lang="en-US" sz="2000" dirty="0" smtClean="0"/>
-              <a:t>).</a:t>
-            </a:r>
+              <a:rPr lang="nl-BE" sz="2000" dirty="0"/>
+              <a:t>IPv6 unique local addresses (ULA's) zijn ontworpen om IPv6-communicatie binnen een lokale netwerk mogelijk te maken.</a:t>
+            </a:r>
+          </a:p>
+          <a:p>
+            <a:r>
+              <a:rPr lang="nl-BE" sz="2000" dirty="0"/>
+              <a:t>ULA's zijn niet bedoeld om extra IPv6-adresruimte te verschaffen.</a:t>
+            </a:r>
+          </a:p>
+          <a:p>
+            <a:r>
+              <a:rPr lang="nl-BE" sz="2000" dirty="0"/>
+              <a:t>ULA's hebben het voorvoegsel FC00 :: / 7, wat resulteert in een eerste hextet bereik van FC00 tot FDFF.</a:t>
+            </a:r>
+          </a:p>
+          <a:p>
+            <a:r>
+              <a:rPr lang="nl-BE" sz="2000" dirty="0"/>
+              <a:t>ULA's staan ook bekend als local IPv6 addresses (niet te verwarren met IPv6 link-local addresses).</a:t>
+            </a:r>
+            <a:endParaRPr lang="en-US" sz="2000" dirty="0"/>
           </a:p>
         </p:txBody>
       </p:sp>
@@ -16407,13 +15464,251 @@
   <p:clrMapOvr>
     <a:masterClrMapping/>
   </p:clrMapOvr>
-  <p:timing>
-    <p:tnLst>
-      <p:par>
-        <p:cTn id="1" dur="indefinite" restart="never" nodeType="tmRoot"/>
-      </p:par>
-    </p:tnLst>
-  </p:timing>
+</p:sld>
+</file>
+
+<file path=ppt/slides/slide4.xml><?xml version="1.0" encoding="utf-8"?>
+<p:sld xmlns:a="http://schemas.openxmlformats.org/drawingml/2006/main" xmlns:r="http://schemas.openxmlformats.org/officeDocument/2006/relationships" xmlns:p="http://schemas.openxmlformats.org/presentationml/2006/main">
+  <p:cSld>
+    <p:spTree>
+      <p:nvGrpSpPr>
+        <p:cNvPr id="1" name=""/>
+        <p:cNvGrpSpPr/>
+        <p:nvPr/>
+      </p:nvGrpSpPr>
+      <p:grpSpPr>
+        <a:xfrm>
+          <a:off x="0" y="0"/>
+          <a:ext cx="0" cy="0"/>
+          <a:chOff x="0" y="0"/>
+          <a:chExt cx="0" cy="0"/>
+        </a:xfrm>
+      </p:grpSpPr>
+      <p:sp>
+        <p:nvSpPr>
+          <p:cNvPr id="7170" name="Rectangle 2"/>
+          <p:cNvSpPr>
+            <a:spLocks noGrp="1" noChangeArrowheads="1"/>
+          </p:cNvSpPr>
+          <p:nvPr>
+            <p:ph type="title"/>
+          </p:nvPr>
+        </p:nvSpPr>
+        <p:spPr>
+          <a:xfrm>
+            <a:off x="398334" y="427207"/>
+            <a:ext cx="8145462" cy="838200"/>
+          </a:xfrm>
+        </p:spPr>
+        <p:txBody>
+          <a:bodyPr/>
+          <a:lstStyle/>
+          <a:p>
+            <a:pPr eaLnBrk="1" hangingPunct="1"/>
+            <a:r>
+              <a:rPr lang="en-US" sz="1800" dirty="0">
+                <a:ea typeface="ＭＳ Ｐゴシック" pitchFamily="34" charset="-128"/>
+              </a:rPr>
+              <a:t>NAT Characteristics</a:t>
+            </a:r>
+            <a:br>
+              <a:rPr lang="en-US" sz="1800" dirty="0">
+                <a:ea typeface="ＭＳ Ｐゴシック" pitchFamily="34" charset="-128"/>
+              </a:rPr>
+            </a:br>
+            <a:r>
+              <a:rPr lang="en-US" dirty="0">
+                <a:ea typeface="ＭＳ Ｐゴシック" pitchFamily="34" charset="-128"/>
+              </a:rPr>
+              <a:t>IPv4 Private Address Space</a:t>
+            </a:r>
+          </a:p>
+        </p:txBody>
+      </p:sp>
+      <p:sp>
+        <p:nvSpPr>
+          <p:cNvPr id="2" name="Content Placeholder 1"/>
+          <p:cNvSpPr>
+            <a:spLocks noGrp="1"/>
+          </p:cNvSpPr>
+          <p:nvPr>
+            <p:ph idx="1"/>
+          </p:nvPr>
+        </p:nvSpPr>
+        <p:spPr>
+          <a:xfrm>
+            <a:off x="423409" y="1535567"/>
+            <a:ext cx="8227105" cy="4487862"/>
+          </a:xfrm>
+        </p:spPr>
+        <p:txBody>
+          <a:bodyPr/>
+          <a:lstStyle/>
+          <a:p>
+            <a:r>
+              <a:rPr lang="nl-BE" sz="2000" dirty="0"/>
+              <a:t>De IPv4-adresruimte is niet groot genoeg om alle unieke apparaten aan te sluiten die op internet moeten zijn aangesloten.</a:t>
+            </a:r>
+          </a:p>
+          <a:p>
+            <a:r>
+              <a:rPr lang="nl-BE" sz="2000" dirty="0"/>
+              <a:t>Network private addresses zijn beschreven in RFC 1918 en zijn ontworpen om alleen in een organisatie of site te worden gebruikt.</a:t>
+            </a:r>
+          </a:p>
+          <a:p>
+            <a:r>
+              <a:rPr lang="nl-BE" sz="2000" dirty="0"/>
+              <a:t>Private adressen worden niet geroute door internet routers terwijl openbare adressen dit wel worden,</a:t>
+            </a:r>
+          </a:p>
+          <a:p>
+            <a:r>
+              <a:rPr lang="nl-BE" sz="2000" dirty="0"/>
+              <a:t>Private addresses kunnen de tekortkoming aan IPv4-adresruimte verminderen, maar omdat ze niet door internetapparaten worden gerouteerd, moeten ze eerst vertaald worden.</a:t>
+            </a:r>
+          </a:p>
+          <a:p>
+            <a:r>
+              <a:rPr lang="nl-BE" sz="2000" dirty="0"/>
+              <a:t>NAT is een proces dat gebruikt wordt om dergelijke vertaling uit te voeren.</a:t>
+            </a:r>
+            <a:endParaRPr lang="en-US" sz="2000" dirty="0"/>
+          </a:p>
+        </p:txBody>
+      </p:sp>
+    </p:spTree>
+  </p:cSld>
+  <p:clrMapOvr>
+    <a:masterClrMapping/>
+  </p:clrMapOvr>
+</p:sld>
+</file>
+
+<file path=ppt/slides/slide40.xml><?xml version="1.0" encoding="utf-8"?>
+<p:sld xmlns:a="http://schemas.openxmlformats.org/drawingml/2006/main" xmlns:r="http://schemas.openxmlformats.org/officeDocument/2006/relationships" xmlns:p="http://schemas.openxmlformats.org/presentationml/2006/main">
+  <p:cSld>
+    <p:spTree>
+      <p:nvGrpSpPr>
+        <p:cNvPr id="1" name=""/>
+        <p:cNvGrpSpPr/>
+        <p:nvPr/>
+      </p:nvGrpSpPr>
+      <p:grpSpPr>
+        <a:xfrm>
+          <a:off x="0" y="0"/>
+          <a:ext cx="0" cy="0"/>
+          <a:chOff x="0" y="0"/>
+          <a:chExt cx="0" cy="0"/>
+        </a:xfrm>
+      </p:grpSpPr>
+      <p:sp>
+        <p:nvSpPr>
+          <p:cNvPr id="7170" name="Rectangle 2"/>
+          <p:cNvSpPr>
+            <a:spLocks noGrp="1" noChangeArrowheads="1"/>
+          </p:cNvSpPr>
+          <p:nvPr>
+            <p:ph type="title"/>
+          </p:nvPr>
+        </p:nvSpPr>
+        <p:spPr>
+          <a:xfrm>
+            <a:off x="452925" y="495445"/>
+            <a:ext cx="8145462" cy="838200"/>
+          </a:xfrm>
+        </p:spPr>
+        <p:txBody>
+          <a:bodyPr/>
+          <a:lstStyle/>
+          <a:p>
+            <a:pPr eaLnBrk="1" hangingPunct="1"/>
+            <a:r>
+              <a:rPr lang="en-US" sz="1800" dirty="0">
+                <a:ea typeface="ＭＳ Ｐゴシック" pitchFamily="34" charset="-128"/>
+              </a:rPr>
+              <a:t>Configuring NAT and IPv6</a:t>
+            </a:r>
+            <a:br>
+              <a:rPr lang="en-US" sz="1800" dirty="0">
+                <a:ea typeface="ＭＳ Ｐゴシック" pitchFamily="34" charset="-128"/>
+              </a:rPr>
+            </a:br>
+            <a:r>
+              <a:rPr lang="en-US" dirty="0"/>
+              <a:t>NAT for IPv6</a:t>
+            </a:r>
+            <a:endParaRPr lang="en-US" dirty="0">
+              <a:ea typeface="ＭＳ Ｐゴシック" pitchFamily="34" charset="-128"/>
+            </a:endParaRPr>
+          </a:p>
+        </p:txBody>
+      </p:sp>
+      <p:sp>
+        <p:nvSpPr>
+          <p:cNvPr id="4" name="Content Placeholder 1"/>
+          <p:cNvSpPr>
+            <a:spLocks noGrp="1"/>
+          </p:cNvSpPr>
+          <p:nvPr>
+            <p:ph idx="1"/>
+          </p:nvPr>
+        </p:nvSpPr>
+        <p:spPr>
+          <a:xfrm>
+            <a:off x="464355" y="1542827"/>
+            <a:ext cx="7951332" cy="4487862"/>
+          </a:xfrm>
+        </p:spPr>
+        <p:txBody>
+          <a:bodyPr/>
+          <a:lstStyle/>
+          <a:p>
+            <a:r>
+              <a:rPr lang="nl-BE" sz="2000" dirty="0"/>
+              <a:t>IPv6 gebruikt ook NAT, maar in een andere context.</a:t>
+            </a:r>
+          </a:p>
+          <a:p>
+            <a:r>
+              <a:rPr lang="nl-BE" sz="2000" dirty="0"/>
+              <a:t>In IPv6 wordt NAT gebruikt om transparent communication tussen IPv6 en IPv4 te verschaffen.</a:t>
+            </a:r>
+          </a:p>
+          <a:p>
+            <a:r>
+              <a:rPr lang="nl-BE" sz="2000" dirty="0"/>
+              <a:t>NAT64 is niet bedoeld om een permanente oplossing te zijn; Het is bedoeld om een overgangsmeganisme te zijn.</a:t>
+            </a:r>
+          </a:p>
+          <a:p>
+            <a:r>
+              <a:rPr lang="nl-BE" sz="2000" dirty="0"/>
+              <a:t>Network Address Translation-Protocol Translation (NAT-PT) was een ander NAT-based overgangsmechanisme voor IPv6, maar wordt nu door IETF afgeschaft.</a:t>
+            </a:r>
+          </a:p>
+          <a:p>
+            <a:r>
+              <a:rPr lang="nl-BE" sz="2000" dirty="0"/>
+              <a:t>NAT64 wordt nu aanbevolen.</a:t>
+            </a:r>
+            <a:endParaRPr lang="en-US" dirty="0"/>
+          </a:p>
+          <a:p>
+            <a:endParaRPr lang="en-US" dirty="0"/>
+          </a:p>
+        </p:txBody>
+      </p:sp>
+    </p:spTree>
+    <p:extLst>
+      <p:ext uri="{BB962C8B-B14F-4D97-AF65-F5344CB8AC3E}">
+        <p14:creationId xmlns:p14="http://schemas.microsoft.com/office/powerpoint/2010/main" val="565078973"/>
+      </p:ext>
+    </p:extLst>
+  </p:cSld>
+  <p:clrMapOvr>
+    <a:masterClrMapping/>
+  </p:clrMapOvr>
 </p:sld>
 </file>
 
@@ -16446,154 +15741,6 @@
         </p:nvSpPr>
         <p:spPr>
           <a:xfrm>
-            <a:off x="452925" y="495445"/>
-            <a:ext cx="8145462" cy="838200"/>
-          </a:xfrm>
-        </p:spPr>
-        <p:txBody>
-          <a:bodyPr/>
-          <a:lstStyle/>
-          <a:p>
-            <a:pPr eaLnBrk="1" hangingPunct="1"/>
-            <a:r>
-              <a:rPr lang="en-US" sz="1800" dirty="0" smtClean="0">
-                <a:ea typeface="ＭＳ Ｐゴシック" pitchFamily="34" charset="-128"/>
-              </a:rPr>
-              <a:t>Configuring NAT and IPv6</a:t>
-            </a:r>
-            <a:br>
-              <a:rPr lang="en-US" sz="1800" dirty="0" smtClean="0">
-                <a:ea typeface="ＭＳ Ｐゴシック" pitchFamily="34" charset="-128"/>
-              </a:rPr>
-            </a:br>
-            <a:r>
-              <a:rPr lang="en-US" dirty="0"/>
-              <a:t>NAT </a:t>
-            </a:r>
-            <a:r>
-              <a:rPr lang="en-US" dirty="0" smtClean="0"/>
-              <a:t>for </a:t>
-            </a:r>
-            <a:r>
-              <a:rPr lang="en-US" dirty="0"/>
-              <a:t>IPv6</a:t>
-            </a:r>
-            <a:endParaRPr lang="en-US" dirty="0" smtClean="0">
-              <a:ea typeface="ＭＳ Ｐゴシック" pitchFamily="34" charset="-128"/>
-            </a:endParaRPr>
-          </a:p>
-        </p:txBody>
-      </p:sp>
-      <p:sp>
-        <p:nvSpPr>
-          <p:cNvPr id="4" name="Content Placeholder 1"/>
-          <p:cNvSpPr>
-            <a:spLocks noGrp="1"/>
-          </p:cNvSpPr>
-          <p:nvPr>
-            <p:ph idx="1"/>
-          </p:nvPr>
-        </p:nvSpPr>
-        <p:spPr>
-          <a:xfrm>
-            <a:off x="464355" y="1542827"/>
-            <a:ext cx="7951332" cy="4487862"/>
-          </a:xfrm>
-        </p:spPr>
-        <p:txBody>
-          <a:bodyPr/>
-          <a:lstStyle/>
-          <a:p>
-            <a:r>
-              <a:rPr lang="en-US" sz="2000" dirty="0" smtClean="0"/>
-              <a:t>IPv6 also uses NAT, but in a much different context.</a:t>
-            </a:r>
-          </a:p>
-          <a:p>
-            <a:r>
-              <a:rPr lang="en-US" sz="2000" dirty="0" smtClean="0"/>
-              <a:t>In IPv6, NAT is used to provide transparent communication between IPv6 and IPv4.</a:t>
-            </a:r>
-          </a:p>
-          <a:p>
-            <a:r>
-              <a:rPr lang="en-US" sz="2000" dirty="0" smtClean="0"/>
-              <a:t>NAT64 is not intended to be a permanent solution; it is meant to be a transition mechanism.</a:t>
-            </a:r>
-          </a:p>
-          <a:p>
-            <a:r>
-              <a:rPr lang="en-US" sz="2000" dirty="0"/>
-              <a:t>Network Address Translation-Protocol Translation (NAT-PT</a:t>
-            </a:r>
-            <a:r>
-              <a:rPr lang="en-US" sz="2000" dirty="0" smtClean="0"/>
-              <a:t>) was another NAT-based transition mechanism for IPv6, but is now deprecated by IETF.</a:t>
-            </a:r>
-          </a:p>
-          <a:p>
-            <a:r>
-              <a:rPr lang="en-US" sz="2000" dirty="0" smtClean="0"/>
-              <a:t>NAT64 is now recommended.</a:t>
-            </a:r>
-          </a:p>
-          <a:p>
-            <a:endParaRPr lang="en-US" dirty="0" smtClean="0"/>
-          </a:p>
-          <a:p>
-            <a:endParaRPr lang="en-US" dirty="0" smtClean="0"/>
-          </a:p>
-        </p:txBody>
-      </p:sp>
-    </p:spTree>
-    <p:extLst>
-      <p:ext uri="{BB962C8B-B14F-4D97-AF65-F5344CB8AC3E}">
-        <p14:creationId xmlns:p14="http://schemas.microsoft.com/office/powerpoint/2010/main" val="565078973"/>
-      </p:ext>
-    </p:extLst>
-  </p:cSld>
-  <p:clrMapOvr>
-    <a:masterClrMapping/>
-  </p:clrMapOvr>
-  <p:timing>
-    <p:tnLst>
-      <p:par>
-        <p:cTn id="1" dur="indefinite" restart="never" nodeType="tmRoot"/>
-      </p:par>
-    </p:tnLst>
-  </p:timing>
-</p:sld>
-</file>
-
-<file path=ppt/slides/slide42.xml><?xml version="1.0" encoding="utf-8"?>
-<p:sld xmlns:a="http://schemas.openxmlformats.org/drawingml/2006/main" xmlns:r="http://schemas.openxmlformats.org/officeDocument/2006/relationships" xmlns:p="http://schemas.openxmlformats.org/presentationml/2006/main">
-  <p:cSld>
-    <p:spTree>
-      <p:nvGrpSpPr>
-        <p:cNvPr id="1" name=""/>
-        <p:cNvGrpSpPr/>
-        <p:nvPr/>
-      </p:nvGrpSpPr>
-      <p:grpSpPr>
-        <a:xfrm>
-          <a:off x="0" y="0"/>
-          <a:ext cx="0" cy="0"/>
-          <a:chOff x="0" y="0"/>
-          <a:chExt cx="0" cy="0"/>
-        </a:xfrm>
-      </p:grpSpPr>
-      <p:sp>
-        <p:nvSpPr>
-          <p:cNvPr id="7170" name="Rectangle 2"/>
-          <p:cNvSpPr>
-            <a:spLocks noGrp="1" noChangeArrowheads="1"/>
-          </p:cNvSpPr>
-          <p:nvPr>
-            <p:ph type="title"/>
-          </p:nvPr>
-        </p:nvSpPr>
-        <p:spPr>
-          <a:xfrm>
             <a:off x="412183" y="468150"/>
             <a:ext cx="8145462" cy="838200"/>
           </a:xfrm>
@@ -16604,29 +15751,21 @@
           <a:p>
             <a:pPr eaLnBrk="1" hangingPunct="1"/>
             <a:r>
-              <a:rPr lang="en-US" sz="1800" dirty="0" smtClean="0">
+              <a:rPr lang="en-US" sz="1800" dirty="0">
                 <a:ea typeface="ＭＳ Ｐゴシック" pitchFamily="34" charset="-128"/>
               </a:rPr>
               <a:t>Configuring NAT and IPv6</a:t>
             </a:r>
             <a:br>
-              <a:rPr lang="en-US" sz="1800" dirty="0" smtClean="0">
+              <a:rPr lang="en-US" sz="1800" dirty="0">
                 <a:ea typeface="ＭＳ Ｐゴシック" pitchFamily="34" charset="-128"/>
               </a:rPr>
             </a:br>
             <a:r>
               <a:rPr lang="en-US" dirty="0"/>
-              <a:t>NAT </a:t>
-            </a:r>
-            <a:r>
-              <a:rPr lang="en-US" dirty="0" smtClean="0"/>
-              <a:t>for </a:t>
-            </a:r>
-            <a:r>
-              <a:rPr lang="en-US" dirty="0"/>
-              <a:t>IPv6</a:t>
-            </a:r>
-            <a:endParaRPr lang="en-US" dirty="0" smtClean="0">
+              <a:t>NAT for IPv6</a:t>
+            </a:r>
+            <a:endParaRPr lang="en-US" dirty="0">
               <a:ea typeface="ＭＳ Ｐゴシック" pitchFamily="34" charset="-128"/>
             </a:endParaRPr>
           </a:p>
@@ -16696,13 +15835,72 @@
   <p:clrMapOvr>
     <a:masterClrMapping/>
   </p:clrMapOvr>
-  <p:timing>
-    <p:tnLst>
-      <p:par>
-        <p:cTn id="1" dur="indefinite" restart="never" nodeType="tmRoot"/>
-      </p:par>
-    </p:tnLst>
-  </p:timing>
+</p:sld>
+</file>
+
+<file path=ppt/slides/slide42.xml><?xml version="1.0" encoding="utf-8"?>
+<p:sld xmlns:a="http://schemas.openxmlformats.org/drawingml/2006/main" xmlns:r="http://schemas.openxmlformats.org/officeDocument/2006/relationships" xmlns:p="http://schemas.openxmlformats.org/presentationml/2006/main">
+  <p:cSld>
+    <p:spTree>
+      <p:nvGrpSpPr>
+        <p:cNvPr id="1" name=""/>
+        <p:cNvGrpSpPr/>
+        <p:nvPr/>
+      </p:nvGrpSpPr>
+      <p:grpSpPr>
+        <a:xfrm>
+          <a:off x="0" y="0"/>
+          <a:ext cx="0" cy="0"/>
+          <a:chOff x="0" y="0"/>
+          <a:chExt cx="0" cy="0"/>
+        </a:xfrm>
+      </p:grpSpPr>
+      <p:sp>
+        <p:nvSpPr>
+          <p:cNvPr id="5122" name="Rectangle 2"/>
+          <p:cNvSpPr>
+            <a:spLocks noGrp="1" noChangeArrowheads="1"/>
+          </p:cNvSpPr>
+          <p:nvPr>
+            <p:ph type="ctrTitle"/>
+          </p:nvPr>
+        </p:nvSpPr>
+        <p:spPr>
+          <a:xfrm>
+            <a:off x="311150" y="2263775"/>
+            <a:ext cx="3854450" cy="1481138"/>
+          </a:xfrm>
+        </p:spPr>
+        <p:txBody>
+          <a:bodyPr/>
+          <a:lstStyle/>
+          <a:p>
+            <a:pPr eaLnBrk="1" hangingPunct="1"/>
+            <a:r>
+              <a:rPr lang="en-US" sz="2400" dirty="0"/>
+              <a:t>5.3 Troubleshooting NAT</a:t>
+            </a:r>
+            <a:endParaRPr lang="en-US" sz="2400" dirty="0">
+              <a:solidFill>
+                <a:schemeClr val="folHlink"/>
+              </a:solidFill>
+            </a:endParaRPr>
+          </a:p>
+        </p:txBody>
+      </p:sp>
+    </p:spTree>
+    <p:extLst>
+      <p:ext uri="{BB962C8B-B14F-4D97-AF65-F5344CB8AC3E}">
+        <p14:creationId xmlns:p14="http://schemas.microsoft.com/office/powerpoint/2010/main" val="1915260488"/>
+      </p:ext>
+    </p:extLst>
+  </p:cSld>
+  <p:clrMapOvr>
+    <a:masterClrMapping/>
+  </p:clrMapOvr>
+  <p:transition>
+    <p:wipe dir="r"/>
+  </p:transition>
 </p:sld>
 </file>
 
@@ -16725,79 +15923,6 @@
       </p:grpSpPr>
       <p:sp>
         <p:nvSpPr>
-          <p:cNvPr id="5122" name="Rectangle 2"/>
-          <p:cNvSpPr>
-            <a:spLocks noGrp="1" noChangeArrowheads="1"/>
-          </p:cNvSpPr>
-          <p:nvPr>
-            <p:ph type="ctrTitle"/>
-          </p:nvPr>
-        </p:nvSpPr>
-        <p:spPr>
-          <a:xfrm>
-            <a:off x="311150" y="2263775"/>
-            <a:ext cx="3854450" cy="1481138"/>
-          </a:xfrm>
-        </p:spPr>
-        <p:txBody>
-          <a:bodyPr/>
-          <a:lstStyle/>
-          <a:p>
-            <a:pPr eaLnBrk="1" hangingPunct="1"/>
-            <a:r>
-              <a:rPr lang="en-US" sz="2400" dirty="0" smtClean="0"/>
-              <a:t>5.3 Troubleshooting NAT</a:t>
-            </a:r>
-            <a:endParaRPr lang="en-US" sz="2400" dirty="0" smtClean="0">
-              <a:solidFill>
-                <a:schemeClr val="folHlink"/>
-              </a:solidFill>
-            </a:endParaRPr>
-          </a:p>
-        </p:txBody>
-      </p:sp>
-    </p:spTree>
-    <p:extLst>
-      <p:ext uri="{BB962C8B-B14F-4D97-AF65-F5344CB8AC3E}">
-        <p14:creationId xmlns:p14="http://schemas.microsoft.com/office/powerpoint/2010/main" val="1915260488"/>
-      </p:ext>
-    </p:extLst>
-  </p:cSld>
-  <p:clrMapOvr>
-    <a:masterClrMapping/>
-  </p:clrMapOvr>
-  <p:transition>
-    <p:wipe dir="r"/>
-  </p:transition>
-  <p:timing>
-    <p:tnLst>
-      <p:par>
-        <p:cTn id="1" dur="indefinite" restart="never" nodeType="tmRoot"/>
-      </p:par>
-    </p:tnLst>
-  </p:timing>
-</p:sld>
-</file>
-
-<file path=ppt/slides/slide44.xml><?xml version="1.0" encoding="utf-8"?>
-<p:sld xmlns:a="http://schemas.openxmlformats.org/drawingml/2006/main" xmlns:r="http://schemas.openxmlformats.org/officeDocument/2006/relationships" xmlns:p="http://schemas.openxmlformats.org/presentationml/2006/main">
-  <p:cSld>
-    <p:spTree>
-      <p:nvGrpSpPr>
-        <p:cNvPr id="1" name=""/>
-        <p:cNvGrpSpPr/>
-        <p:nvPr/>
-      </p:nvGrpSpPr>
-      <p:grpSpPr>
-        <a:xfrm>
-          <a:off x="0" y="0"/>
-          <a:ext cx="0" cy="0"/>
-          <a:chOff x="0" y="0"/>
-          <a:chExt cx="0" cy="0"/>
-        </a:xfrm>
-      </p:grpSpPr>
-      <p:sp>
-        <p:nvSpPr>
           <p:cNvPr id="7170" name="Rectangle 2"/>
           <p:cNvSpPr>
             <a:spLocks noGrp="1" noChangeArrowheads="1"/>
@@ -16818,21 +15943,21 @@
           <a:p>
             <a:pPr eaLnBrk="1" hangingPunct="1"/>
             <a:r>
-              <a:rPr lang="en-US" sz="1800" dirty="0" smtClean="0">
+              <a:rPr lang="en-US" sz="1800" dirty="0">
                 <a:ea typeface="ＭＳ Ｐゴシック" pitchFamily="34" charset="-128"/>
               </a:rPr>
               <a:t>Configuring NAT and IPv6</a:t>
             </a:r>
             <a:br>
-              <a:rPr lang="en-US" sz="1800" dirty="0" smtClean="0">
+              <a:rPr lang="en-US" sz="1800" dirty="0">
                 <a:ea typeface="ＭＳ Ｐゴシック" pitchFamily="34" charset="-128"/>
               </a:rPr>
             </a:br>
             <a:r>
-              <a:rPr lang="en-US" dirty="0" smtClean="0"/>
+              <a:rPr lang="en-US" dirty="0"/>
               <a:t>Troubleshooting NAT: show commands</a:t>
             </a:r>
-            <a:endParaRPr lang="en-US" dirty="0" smtClean="0">
+            <a:endParaRPr lang="en-US" dirty="0">
               <a:ea typeface="ＭＳ Ｐゴシック" pitchFamily="34" charset="-128"/>
             </a:endParaRPr>
           </a:p>
@@ -16902,17 +16027,10 @@
   <p:clrMapOvr>
     <a:masterClrMapping/>
   </p:clrMapOvr>
-  <p:timing>
-    <p:tnLst>
-      <p:par>
-        <p:cTn id="1" dur="indefinite" restart="never" nodeType="tmRoot"/>
-      </p:par>
-    </p:tnLst>
-  </p:timing>
 </p:sld>
 </file>
 
-<file path=ppt/slides/slide45.xml><?xml version="1.0" encoding="utf-8"?>
+<file path=ppt/slides/slide44.xml><?xml version="1.0" encoding="utf-8"?>
 <p:sld xmlns:a="http://schemas.openxmlformats.org/drawingml/2006/main" xmlns:r="http://schemas.openxmlformats.org/officeDocument/2006/relationships" xmlns:p="http://schemas.openxmlformats.org/presentationml/2006/main">
   <p:cSld>
     <p:spTree>
@@ -16951,21 +16069,21 @@
           <a:p>
             <a:pPr eaLnBrk="1" hangingPunct="1"/>
             <a:r>
-              <a:rPr lang="en-US" sz="1800" dirty="0" smtClean="0">
+              <a:rPr lang="en-US" sz="1800" dirty="0">
                 <a:ea typeface="ＭＳ Ｐゴシック" pitchFamily="34" charset="-128"/>
               </a:rPr>
               <a:t>Configuring NAT and IPv6</a:t>
             </a:r>
             <a:br>
-              <a:rPr lang="en-US" sz="1800" dirty="0" smtClean="0">
+              <a:rPr lang="en-US" sz="1800" dirty="0">
                 <a:ea typeface="ＭＳ Ｐゴシック" pitchFamily="34" charset="-128"/>
               </a:rPr>
             </a:br>
             <a:r>
-              <a:rPr lang="en-US" dirty="0" smtClean="0"/>
+              <a:rPr lang="en-US" dirty="0"/>
               <a:t>Troubleshooting NAT: debug command</a:t>
             </a:r>
-            <a:endParaRPr lang="en-US" dirty="0" smtClean="0">
+            <a:endParaRPr lang="en-US" dirty="0">
               <a:ea typeface="ＭＳ Ｐゴシック" pitchFamily="34" charset="-128"/>
             </a:endParaRPr>
           </a:p>
@@ -17045,13 +16163,221 @@
   <p:clrMapOvr>
     <a:masterClrMapping/>
   </p:clrMapOvr>
-  <p:timing>
-    <p:tnLst>
-      <p:par>
-        <p:cTn id="1" dur="indefinite" restart="never" nodeType="tmRoot"/>
-      </p:par>
-    </p:tnLst>
-  </p:timing>
+</p:sld>
+</file>
+
+<file path=ppt/slides/slide45.xml><?xml version="1.0" encoding="utf-8"?>
+<p:sld xmlns:a="http://schemas.openxmlformats.org/drawingml/2006/main" xmlns:r="http://schemas.openxmlformats.org/officeDocument/2006/relationships" xmlns:p="http://schemas.openxmlformats.org/presentationml/2006/main">
+  <p:cSld>
+    <p:spTree>
+      <p:nvGrpSpPr>
+        <p:cNvPr id="1" name=""/>
+        <p:cNvGrpSpPr/>
+        <p:nvPr/>
+      </p:nvGrpSpPr>
+      <p:grpSpPr>
+        <a:xfrm>
+          <a:off x="0" y="0"/>
+          <a:ext cx="0" cy="0"/>
+          <a:chOff x="0" y="0"/>
+          <a:chExt cx="0" cy="0"/>
+        </a:xfrm>
+      </p:grpSpPr>
+      <p:sp>
+        <p:nvSpPr>
+          <p:cNvPr id="29698" name="Rectangle 2"/>
+          <p:cNvSpPr>
+            <a:spLocks noGrp="1" noChangeArrowheads="1"/>
+          </p:cNvSpPr>
+          <p:nvPr>
+            <p:ph type="title"/>
+          </p:nvPr>
+        </p:nvSpPr>
+        <p:spPr>
+          <a:xfrm>
+            <a:off x="424764" y="357236"/>
+            <a:ext cx="8145462" cy="838200"/>
+          </a:xfrm>
+        </p:spPr>
+        <p:txBody>
+          <a:bodyPr/>
+          <a:lstStyle/>
+          <a:p>
+            <a:pPr eaLnBrk="1" hangingPunct="1"/>
+            <a:r>
+              <a:rPr lang="en-US" dirty="0">
+                <a:ea typeface="ＭＳ Ｐゴシック" pitchFamily="34" charset="-128"/>
+              </a:rPr>
+              <a:t>Chapter 5: </a:t>
+            </a:r>
+            <a:r>
+              <a:rPr lang="en-US" dirty="0" err="1">
+                <a:ea typeface="ＭＳ Ｐゴシック" pitchFamily="34" charset="-128"/>
+              </a:rPr>
+              <a:t>Samenvatting</a:t>
+            </a:r>
+            <a:endParaRPr lang="en-US" dirty="0">
+              <a:ea typeface="ＭＳ Ｐゴシック" pitchFamily="34" charset="-128"/>
+            </a:endParaRPr>
+          </a:p>
+        </p:txBody>
+      </p:sp>
+      <p:sp>
+        <p:nvSpPr>
+          <p:cNvPr id="6147" name="Rectangle 3"/>
+          <p:cNvSpPr>
+            <a:spLocks noGrp="1" noChangeArrowheads="1"/>
+          </p:cNvSpPr>
+          <p:nvPr>
+            <p:ph idx="1"/>
+          </p:nvPr>
+        </p:nvSpPr>
+        <p:spPr>
+          <a:xfrm>
+            <a:off x="491320" y="1378424"/>
+            <a:ext cx="8147713" cy="4530251"/>
+          </a:xfrm>
+        </p:spPr>
+        <p:txBody>
+          <a:bodyPr/>
+          <a:lstStyle/>
+          <a:p>
+            <a:pPr marL="0" indent="0">
+              <a:buNone/>
+            </a:pPr>
+            <a:r>
+              <a:rPr lang="en-US" sz="2000" dirty="0" err="1"/>
+              <a:t>Dit</a:t>
+            </a:r>
+            <a:r>
+              <a:rPr lang="en-US" sz="2000" dirty="0"/>
+              <a:t> </a:t>
+            </a:r>
+            <a:r>
+              <a:rPr lang="en-US" sz="2000" dirty="0" err="1"/>
+              <a:t>hoofdstuk</a:t>
+            </a:r>
+            <a:r>
+              <a:rPr lang="en-US" sz="2000" dirty="0"/>
+              <a:t> </a:t>
+            </a:r>
+            <a:r>
+              <a:rPr lang="en-US" sz="2000" dirty="0" err="1"/>
+              <a:t>bevat</a:t>
+            </a:r>
+            <a:r>
+              <a:rPr lang="en-US" sz="2000" dirty="0"/>
+              <a:t>:</a:t>
+            </a:r>
+          </a:p>
+          <a:p>
+            <a:r>
+              <a:rPr lang="nl-BE" sz="2000" dirty="0"/>
+              <a:t>Hoe NAT wordt gebruikt zodat de IPv4-adresruimte minder snel vol geraakt</a:t>
+            </a:r>
+            <a:r>
+              <a:rPr lang="en-US" sz="2000" dirty="0"/>
+              <a:t>. </a:t>
+            </a:r>
+          </a:p>
+          <a:p>
+            <a:r>
+              <a:rPr lang="nl-BE" sz="2000" dirty="0"/>
+              <a:t>NAT behoudt de public address space en bespaart aanzienlijke administratieve kosten in het beheren van adds, moves en changes</a:t>
+            </a:r>
+            <a:r>
+              <a:rPr lang="en-US" sz="2000" dirty="0"/>
+              <a:t>. </a:t>
+            </a:r>
+          </a:p>
+          <a:p>
+            <a:r>
+              <a:rPr lang="en-US" sz="2000" dirty="0"/>
+              <a:t>NAT </a:t>
+            </a:r>
+            <a:r>
+              <a:rPr lang="en-US" sz="2000" dirty="0" err="1"/>
+              <a:t>voor</a:t>
+            </a:r>
+            <a:r>
+              <a:rPr lang="en-US" sz="2000" dirty="0"/>
+              <a:t> IPv4:</a:t>
+            </a:r>
+          </a:p>
+          <a:p>
+            <a:pPr lvl="1"/>
+            <a:r>
+              <a:rPr lang="nl-BE" dirty="0"/>
+              <a:t>NAT kenmerken, terminologie en algemene operaties</a:t>
+            </a:r>
+          </a:p>
+          <a:p>
+            <a:pPr lvl="1"/>
+            <a:r>
+              <a:rPr lang="nl-BE" dirty="0"/>
+              <a:t>Verschillende typen NAT, inclusief static NAT, dynamic NAT en NAT met </a:t>
+            </a:r>
+            <a:r>
+              <a:rPr lang="en-US" dirty="0"/>
+              <a:t>overloading</a:t>
+            </a:r>
+          </a:p>
+          <a:p>
+            <a:pPr lvl="1"/>
+            <a:r>
+              <a:rPr lang="en-US" dirty="0" err="1"/>
+              <a:t>Voordelen</a:t>
+            </a:r>
+            <a:r>
+              <a:rPr lang="en-US" dirty="0"/>
+              <a:t> </a:t>
+            </a:r>
+            <a:r>
+              <a:rPr lang="en-US" dirty="0" err="1"/>
+              <a:t>en</a:t>
+            </a:r>
+            <a:r>
+              <a:rPr lang="en-US" dirty="0"/>
+              <a:t> </a:t>
+            </a:r>
+            <a:r>
+              <a:rPr lang="en-US" dirty="0" err="1"/>
+              <a:t>nadelen</a:t>
+            </a:r>
+            <a:r>
+              <a:rPr lang="en-US" dirty="0"/>
+              <a:t> </a:t>
+            </a:r>
+            <a:r>
+              <a:rPr lang="en-US" dirty="0" err="1"/>
+              <a:t>aan</a:t>
+            </a:r>
+            <a:r>
+              <a:rPr lang="en-US" dirty="0"/>
+              <a:t> NAT</a:t>
+            </a:r>
+          </a:p>
+          <a:p>
+            <a:r>
+              <a:rPr lang="nl-BE" sz="2000" dirty="0"/>
+              <a:t>De configuratie, verificatie en analyse van static NAT, dynamic NAT en NAT met </a:t>
+            </a:r>
+            <a:r>
+              <a:rPr lang="en-US" sz="2000" dirty="0"/>
+              <a:t>overloading.</a:t>
+            </a:r>
+          </a:p>
+          <a:p>
+            <a:pPr lvl="1"/>
+            <a:endParaRPr lang="en-US" dirty="0"/>
+          </a:p>
+        </p:txBody>
+      </p:sp>
+    </p:spTree>
+  </p:cSld>
+  <p:clrMapOvr>
+    <a:masterClrMapping/>
+  </p:clrMapOvr>
 </p:sld>
 </file>
 
@@ -17084,226 +16410,6 @@
         </p:nvSpPr>
         <p:spPr>
           <a:xfrm>
-            <a:off x="424764" y="357236"/>
-            <a:ext cx="8145462" cy="838200"/>
-          </a:xfrm>
-        </p:spPr>
-        <p:txBody>
-          <a:bodyPr/>
-          <a:lstStyle/>
-          <a:p>
-            <a:pPr eaLnBrk="1" hangingPunct="1"/>
-            <a:r>
-              <a:rPr lang="en-US" dirty="0" smtClean="0">
-                <a:ea typeface="ＭＳ Ｐゴシック" pitchFamily="34" charset="-128"/>
-              </a:rPr>
-              <a:t>Chapter </a:t>
-            </a:r>
-            <a:r>
-              <a:rPr lang="en-US" dirty="0">
-                <a:ea typeface="ＭＳ Ｐゴシック" pitchFamily="34" charset="-128"/>
-              </a:rPr>
-              <a:t>5</a:t>
-            </a:r>
-            <a:r>
-              <a:rPr lang="en-US" dirty="0" smtClean="0">
-                <a:ea typeface="ＭＳ Ｐゴシック" pitchFamily="34" charset="-128"/>
-              </a:rPr>
-              <a:t>: Summary</a:t>
-            </a:r>
-          </a:p>
-        </p:txBody>
-      </p:sp>
-      <p:sp>
-        <p:nvSpPr>
-          <p:cNvPr id="6147" name="Rectangle 3"/>
-          <p:cNvSpPr>
-            <a:spLocks noGrp="1" noChangeArrowheads="1"/>
-          </p:cNvSpPr>
-          <p:nvPr>
-            <p:ph idx="1"/>
-          </p:nvPr>
-        </p:nvSpPr>
-        <p:spPr>
-          <a:xfrm>
-            <a:off x="491320" y="1378424"/>
-            <a:ext cx="8147713" cy="4530251"/>
-          </a:xfrm>
-        </p:spPr>
-        <p:txBody>
-          <a:bodyPr/>
-          <a:lstStyle/>
-          <a:p>
-            <a:pPr marL="0" indent="0">
-              <a:buNone/>
-            </a:pPr>
-            <a:r>
-              <a:rPr lang="en-US" sz="2000" dirty="0"/>
-              <a:t>This chapter has </a:t>
-            </a:r>
-            <a:r>
-              <a:rPr lang="en-US" sz="2000" dirty="0" smtClean="0"/>
-              <a:t>outlined:</a:t>
-            </a:r>
-          </a:p>
-          <a:p>
-            <a:r>
-              <a:rPr lang="en-US" sz="2000" dirty="0"/>
-              <a:t>How NAT is used to help alleviate the depletion </a:t>
-            </a:r>
-            <a:r>
-              <a:rPr lang="en-US" sz="2000" dirty="0" smtClean="0"/>
-              <a:t>of the </a:t>
-            </a:r>
-            <a:r>
-              <a:rPr lang="en-US" sz="2000" dirty="0"/>
-              <a:t>IPv4 address space. </a:t>
-            </a:r>
-          </a:p>
-          <a:p>
-            <a:r>
-              <a:rPr lang="en-US" sz="2000" dirty="0" smtClean="0"/>
-              <a:t>NAT </a:t>
-            </a:r>
-            <a:r>
-              <a:rPr lang="en-US" sz="2000" dirty="0"/>
-              <a:t>conserves public address space and saves considerable administrative overhead in managing adds, moves, and changes. </a:t>
-            </a:r>
-            <a:endParaRPr lang="en-US" sz="2000" dirty="0" smtClean="0"/>
-          </a:p>
-          <a:p>
-            <a:r>
-              <a:rPr lang="en-US" sz="2000" dirty="0" smtClean="0"/>
-              <a:t>NAT </a:t>
-            </a:r>
-            <a:r>
-              <a:rPr lang="en-US" sz="2000" dirty="0"/>
-              <a:t>for IPv4, </a:t>
-            </a:r>
-            <a:r>
-              <a:rPr lang="en-US" sz="2000" dirty="0" smtClean="0"/>
-              <a:t>including:</a:t>
-            </a:r>
-            <a:endParaRPr lang="en-US" sz="2000" dirty="0"/>
-          </a:p>
-          <a:p>
-            <a:pPr lvl="1"/>
-            <a:r>
-              <a:rPr lang="en-US" dirty="0"/>
-              <a:t>NAT characteristics, </a:t>
-            </a:r>
-            <a:r>
-              <a:rPr lang="en-US" dirty="0" smtClean="0"/>
-              <a:t>terminology, </a:t>
-            </a:r>
-            <a:r>
-              <a:rPr lang="en-US" dirty="0"/>
-              <a:t>and general operations</a:t>
-            </a:r>
-          </a:p>
-          <a:p>
-            <a:pPr lvl="1"/>
-            <a:r>
-              <a:rPr lang="en-US" dirty="0" smtClean="0"/>
-              <a:t>Different </a:t>
-            </a:r>
-            <a:r>
-              <a:rPr lang="en-US" dirty="0"/>
-              <a:t>types of </a:t>
-            </a:r>
-            <a:r>
-              <a:rPr lang="en-US" dirty="0" smtClean="0"/>
-              <a:t>NAT, </a:t>
-            </a:r>
-            <a:r>
-              <a:rPr lang="en-US" dirty="0"/>
-              <a:t>including static NAT, dynamic NAT, and NAT with overloading</a:t>
-            </a:r>
-          </a:p>
-          <a:p>
-            <a:pPr lvl="1"/>
-            <a:r>
-              <a:rPr lang="en-US" dirty="0" smtClean="0"/>
-              <a:t>Benefits </a:t>
-            </a:r>
-            <a:r>
-              <a:rPr lang="en-US" dirty="0"/>
-              <a:t>and disadvantages of </a:t>
-            </a:r>
-            <a:r>
-              <a:rPr lang="en-US" dirty="0" smtClean="0"/>
-              <a:t>NAT</a:t>
-            </a:r>
-          </a:p>
-          <a:p>
-            <a:r>
-              <a:rPr lang="en-US" sz="2000" dirty="0"/>
-              <a:t>The configuration, </a:t>
-            </a:r>
-            <a:r>
-              <a:rPr lang="en-US" sz="2000" dirty="0" smtClean="0"/>
-              <a:t>verification, </a:t>
-            </a:r>
-            <a:r>
-              <a:rPr lang="en-US" sz="2000" dirty="0"/>
-              <a:t>and analysis of static NAT, dynamic NAT, and NAT with </a:t>
-            </a:r>
-            <a:r>
-              <a:rPr lang="en-US" sz="2000" dirty="0" smtClean="0"/>
-              <a:t>overloading.</a:t>
-            </a:r>
-            <a:endParaRPr lang="en-US" sz="2000" dirty="0"/>
-          </a:p>
-          <a:p>
-            <a:pPr lvl="1"/>
-            <a:endParaRPr lang="en-US" dirty="0"/>
-          </a:p>
-        </p:txBody>
-      </p:sp>
-    </p:spTree>
-  </p:cSld>
-  <p:clrMapOvr>
-    <a:masterClrMapping/>
-  </p:clrMapOvr>
-  <p:timing>
-    <p:tnLst>
-      <p:par>
-        <p:cTn id="1" dur="indefinite" restart="never" nodeType="tmRoot"/>
-      </p:par>
-    </p:tnLst>
-  </p:timing>
-</p:sld>
-</file>
-
-<file path=ppt/slides/slide47.xml><?xml version="1.0" encoding="utf-8"?>
-<p:sld xmlns:a="http://schemas.openxmlformats.org/drawingml/2006/main" xmlns:r="http://schemas.openxmlformats.org/officeDocument/2006/relationships" xmlns:p="http://schemas.openxmlformats.org/presentationml/2006/main">
-  <p:cSld>
-    <p:spTree>
-      <p:nvGrpSpPr>
-        <p:cNvPr id="1" name=""/>
-        <p:cNvGrpSpPr/>
-        <p:nvPr/>
-      </p:nvGrpSpPr>
-      <p:grpSpPr>
-        <a:xfrm>
-          <a:off x="0" y="0"/>
-          <a:ext cx="0" cy="0"/>
-          <a:chOff x="0" y="0"/>
-          <a:chExt cx="0" cy="0"/>
-        </a:xfrm>
-      </p:grpSpPr>
-      <p:sp>
-        <p:nvSpPr>
-          <p:cNvPr id="29698" name="Rectangle 2"/>
-          <p:cNvSpPr>
-            <a:spLocks noGrp="1" noChangeArrowheads="1"/>
-          </p:cNvSpPr>
-          <p:nvPr>
-            <p:ph type="title"/>
-          </p:nvPr>
-        </p:nvSpPr>
-        <p:spPr>
-          <a:xfrm>
             <a:off x="370172" y="411826"/>
             <a:ext cx="8145462" cy="838200"/>
           </a:xfrm>
@@ -17314,22 +16420,22 @@
           <a:p>
             <a:pPr eaLnBrk="1" hangingPunct="1"/>
             <a:r>
-              <a:rPr lang="en-US" dirty="0" smtClean="0">
-                <a:ea typeface="ＭＳ Ｐゴシック" pitchFamily="34" charset="-128"/>
-              </a:rPr>
-              <a:t>Chapter </a:t>
-            </a:r>
-            <a:r>
               <a:rPr lang="en-US" dirty="0">
                 <a:ea typeface="ＭＳ Ｐゴシック" pitchFamily="34" charset="-128"/>
               </a:rPr>
-              <a:t>5</a:t>
-            </a:r>
-            <a:r>
-              <a:rPr lang="en-US" dirty="0" smtClean="0">
+              <a:t>Chapter 5: </a:t>
+            </a:r>
+            <a:r>
+              <a:rPr lang="en-US" dirty="0" err="1">
                 <a:ea typeface="ＭＳ Ｐゴシック" pitchFamily="34" charset="-128"/>
               </a:rPr>
-              <a:t>: Summary (cont.)</a:t>
+              <a:t>Samenvatting</a:t>
+            </a:r>
+            <a:r>
+              <a:rPr lang="en-US" dirty="0">
+                <a:ea typeface="ＭＳ Ｐゴシック" pitchFamily="34" charset="-128"/>
+              </a:rPr>
+              <a:t> (cont.)</a:t>
             </a:r>
           </a:p>
         </p:txBody>
@@ -17355,64 +16461,36 @@
           <a:lstStyle/>
           <a:p>
             <a:r>
-              <a:rPr lang="en-US" sz="2000" dirty="0" smtClean="0"/>
-              <a:t>How </a:t>
-            </a:r>
-            <a:r>
-              <a:rPr lang="en-US" sz="2000" dirty="0"/>
-              <a:t>port forwarding can be used to access an internal devices from the </a:t>
-            </a:r>
-            <a:r>
-              <a:rPr lang="en-US" sz="2000" dirty="0" smtClean="0"/>
-              <a:t>Internet.</a:t>
-            </a:r>
-            <a:endParaRPr lang="en-US" sz="2000" dirty="0"/>
-          </a:p>
-          <a:p>
-            <a:r>
-              <a:rPr lang="en-US" sz="2000" dirty="0"/>
-              <a:t>Troubleshooting NAT using </a:t>
-            </a:r>
-            <a:r>
-              <a:rPr lang="en-US" sz="2000" b="1" dirty="0">
-                <a:latin typeface="Courier New" pitchFamily="49" charset="0"/>
-                <a:cs typeface="Courier New" pitchFamily="49" charset="0"/>
-              </a:rPr>
+              <a:rPr lang="nl-BE" sz="2000" dirty="0"/>
+              <a:t>Hoe port forwarding kan worden gebruikt om toegang tot een intern apparaat van internet te krijgen.</a:t>
+            </a:r>
+          </a:p>
+          <a:p>
+            <a:r>
+              <a:rPr lang="nl-BE" sz="2000" dirty="0"/>
+              <a:t>Troubleshooting NAT gebruiken met </a:t>
+            </a:r>
+            <a:r>
+              <a:rPr lang="nl-BE" sz="2000" b="1" dirty="0"/>
               <a:t>show</a:t>
             </a:r>
             <a:r>
-              <a:rPr lang="en-US" sz="2000" dirty="0"/>
-              <a:t> </a:t>
-            </a:r>
-            <a:r>
-              <a:rPr lang="en-US" sz="2000" dirty="0" smtClean="0"/>
-              <a:t>and </a:t>
-            </a:r>
-            <a:r>
-              <a:rPr lang="en-US" sz="2000" b="1" dirty="0" smtClean="0">
-                <a:latin typeface="Courier New" pitchFamily="49" charset="0"/>
-                <a:cs typeface="Courier New" pitchFamily="49" charset="0"/>
-              </a:rPr>
+              <a:rPr lang="nl-BE" sz="2000" dirty="0"/>
+              <a:t> and </a:t>
+            </a:r>
+            <a:r>
+              <a:rPr lang="nl-BE" sz="2000" b="1" dirty="0"/>
               <a:t>debug</a:t>
             </a:r>
             <a:r>
-              <a:rPr lang="en-US" sz="2000" dirty="0"/>
-              <a:t> </a:t>
-            </a:r>
-            <a:r>
-              <a:rPr lang="en-US" sz="2000" dirty="0" smtClean="0"/>
-              <a:t>commands.</a:t>
-            </a:r>
-            <a:endParaRPr lang="en-US" sz="2000" dirty="0"/>
-          </a:p>
-          <a:p>
-            <a:r>
-              <a:rPr lang="en-US" sz="2000" dirty="0"/>
-              <a:t>How NAT for IPv6 is used to translate between IPv6 addresses and IPv4 </a:t>
-            </a:r>
-            <a:r>
-              <a:rPr lang="en-US" sz="2000" dirty="0" smtClean="0"/>
-              <a:t>addresses.</a:t>
+              <a:rPr lang="nl-BE" sz="2000" dirty="0"/>
+              <a:t> commands.</a:t>
+            </a:r>
+          </a:p>
+          <a:p>
+            <a:r>
+              <a:rPr lang="nl-BE" sz="2000" dirty="0"/>
+              <a:t>Hoe wordt NAT voor IPv6 gebruikt om te vertalen tussen IPv6-adressen en IPv4-adressen.</a:t>
             </a:r>
             <a:endParaRPr lang="en-US" sz="2000" dirty="0"/>
           </a:p>
@@ -17428,17 +16506,10 @@
   <p:clrMapOvr>
     <a:masterClrMapping/>
   </p:clrMapOvr>
-  <p:timing>
-    <p:tnLst>
-      <p:par>
-        <p:cTn id="1" dur="indefinite" restart="never" nodeType="tmRoot"/>
-      </p:par>
-    </p:tnLst>
-  </p:timing>
 </p:sld>
 </file>
 
-<file path=ppt/slides/slide48.xml><?xml version="1.0" encoding="utf-8"?>
+<file path=ppt/slides/slide47.xml><?xml version="1.0" encoding="utf-8"?>
 <p:sld xmlns:a="http://schemas.openxmlformats.org/drawingml/2006/main" xmlns:r="http://schemas.openxmlformats.org/officeDocument/2006/relationships" xmlns:p="http://schemas.openxmlformats.org/presentationml/2006/main">
   <p:cSld>
     <p:spTree>
@@ -17529,13 +16600,6 @@
   <p:transition spd="med">
     <p:wipe dir="r"/>
   </p:transition>
-  <p:timing>
-    <p:tnLst>
-      <p:par>
-        <p:cTn id="1" dur="indefinite" restart="never" nodeType="tmRoot"/>
-      </p:par>
-    </p:tnLst>
-  </p:timing>
 </p:sld>
 </file>
 
@@ -17568,135 +16632,6 @@
         </p:nvSpPr>
         <p:spPr>
           <a:xfrm>
-            <a:off x="398334" y="427207"/>
-            <a:ext cx="8145462" cy="838200"/>
-          </a:xfrm>
-        </p:spPr>
-        <p:txBody>
-          <a:bodyPr/>
-          <a:lstStyle/>
-          <a:p>
-            <a:pPr eaLnBrk="1" hangingPunct="1"/>
-            <a:r>
-              <a:rPr lang="en-US" sz="1800" dirty="0" smtClean="0">
-                <a:ea typeface="ＭＳ Ｐゴシック" pitchFamily="34" charset="-128"/>
-              </a:rPr>
-              <a:t>NAT Characteristics</a:t>
-            </a:r>
-            <a:br>
-              <a:rPr lang="en-US" sz="1800" dirty="0" smtClean="0">
-                <a:ea typeface="ＭＳ Ｐゴシック" pitchFamily="34" charset="-128"/>
-              </a:rPr>
-            </a:br>
-            <a:r>
-              <a:rPr lang="en-US" dirty="0" smtClean="0">
-                <a:ea typeface="ＭＳ Ｐゴシック" pitchFamily="34" charset="-128"/>
-              </a:rPr>
-              <a:t>IPv4 Private Address Space</a:t>
-            </a:r>
-          </a:p>
-        </p:txBody>
-      </p:sp>
-      <p:sp>
-        <p:nvSpPr>
-          <p:cNvPr id="2" name="Content Placeholder 1"/>
-          <p:cNvSpPr>
-            <a:spLocks noGrp="1"/>
-          </p:cNvSpPr>
-          <p:nvPr>
-            <p:ph idx="1"/>
-          </p:nvPr>
-        </p:nvSpPr>
-        <p:spPr>
-          <a:xfrm>
-            <a:off x="423409" y="1535567"/>
-            <a:ext cx="8227105" cy="4487862"/>
-          </a:xfrm>
-        </p:spPr>
-        <p:txBody>
-          <a:bodyPr/>
-          <a:lstStyle/>
-          <a:p>
-            <a:r>
-              <a:rPr lang="en-US" sz="2000" dirty="0" smtClean="0"/>
-              <a:t>IPv4 address space is not big enough to uniquely address all the devices that must be connected to the Internet.</a:t>
-            </a:r>
-          </a:p>
-          <a:p>
-            <a:r>
-              <a:rPr lang="en-US" sz="2000" dirty="0" smtClean="0"/>
-              <a:t>Network private addresses are described in RFC 1918 and are to designed to be used within an organization or site only.</a:t>
-            </a:r>
-          </a:p>
-          <a:p>
-            <a:r>
-              <a:rPr lang="en-US" sz="2000" dirty="0" smtClean="0"/>
-              <a:t>Private addresses are not routed by Internet routers while public addresses are.</a:t>
-            </a:r>
-          </a:p>
-          <a:p>
-            <a:r>
-              <a:rPr lang="en-US" sz="2000" dirty="0" smtClean="0"/>
-              <a:t>Private addresses can alleviate IPv4 scarcity, but because they aren’t routed by Internet devices, they first need to be translated.</a:t>
-            </a:r>
-          </a:p>
-          <a:p>
-            <a:r>
-              <a:rPr lang="en-US" sz="2000" dirty="0"/>
-              <a:t>NAT is process used to perform such </a:t>
-            </a:r>
-            <a:r>
-              <a:rPr lang="en-US" sz="2000" dirty="0" smtClean="0"/>
-              <a:t>translation.</a:t>
-            </a:r>
-            <a:endParaRPr lang="en-US" sz="2000" dirty="0"/>
-          </a:p>
-        </p:txBody>
-      </p:sp>
-    </p:spTree>
-  </p:cSld>
-  <p:clrMapOvr>
-    <a:masterClrMapping/>
-  </p:clrMapOvr>
-  <p:timing>
-    <p:tnLst>
-      <p:par>
-        <p:cTn id="1" dur="indefinite" restart="never" nodeType="tmRoot"/>
-      </p:par>
-    </p:tnLst>
-  </p:timing>
-</p:sld>
-</file>
-
-<file path=ppt/slides/slide6.xml><?xml version="1.0" encoding="utf-8"?>
-<p:sld xmlns:a="http://schemas.openxmlformats.org/drawingml/2006/main" xmlns:r="http://schemas.openxmlformats.org/officeDocument/2006/relationships" xmlns:p="http://schemas.openxmlformats.org/presentationml/2006/main">
-  <p:cSld>
-    <p:spTree>
-      <p:nvGrpSpPr>
-        <p:cNvPr id="1" name=""/>
-        <p:cNvGrpSpPr/>
-        <p:nvPr/>
-      </p:nvGrpSpPr>
-      <p:grpSpPr>
-        <a:xfrm>
-          <a:off x="0" y="0"/>
-          <a:ext cx="0" cy="0"/>
-          <a:chOff x="0" y="0"/>
-          <a:chExt cx="0" cy="0"/>
-        </a:xfrm>
-      </p:grpSpPr>
-      <p:sp>
-        <p:nvSpPr>
-          <p:cNvPr id="7170" name="Rectangle 2"/>
-          <p:cNvSpPr>
-            <a:spLocks noGrp="1" noChangeArrowheads="1"/>
-          </p:cNvSpPr>
-          <p:nvPr>
-            <p:ph type="title"/>
-          </p:nvPr>
-        </p:nvSpPr>
-        <p:spPr>
-          <a:xfrm>
             <a:off x="484753" y="481798"/>
             <a:ext cx="8145462" cy="838200"/>
           </a:xfrm>
@@ -17707,18 +16642,18 @@
           <a:p>
             <a:pPr eaLnBrk="1" hangingPunct="1"/>
             <a:r>
-              <a:rPr lang="en-US" sz="1800" dirty="0" smtClean="0">
+              <a:rPr lang="en-US" sz="1800" dirty="0">
                 <a:ea typeface="ＭＳ Ｐゴシック" pitchFamily="34" charset="-128"/>
               </a:rPr>
               <a:t>NAT Characteristics</a:t>
             </a:r>
             <a:br>
-              <a:rPr lang="en-US" sz="1800" dirty="0" smtClean="0">
+              <a:rPr lang="en-US" sz="1800" dirty="0">
                 <a:ea typeface="ＭＳ Ｐゴシック" pitchFamily="34" charset="-128"/>
               </a:rPr>
             </a:br>
             <a:r>
-              <a:rPr lang="en-US" dirty="0" smtClean="0">
+              <a:rPr lang="en-US" dirty="0">
                 <a:ea typeface="ＭＳ Ｐゴシック" pitchFamily="34" charset="-128"/>
               </a:rPr>
               <a:t>IPv4 Private Address Space</a:t>
@@ -17859,13 +16794,135 @@
   <p:clrMapOvr>
     <a:masterClrMapping/>
   </p:clrMapOvr>
-  <p:timing>
-    <p:tnLst>
-      <p:par>
-        <p:cTn id="1" dur="indefinite" restart="never" nodeType="tmRoot"/>
-      </p:par>
-    </p:tnLst>
-  </p:timing>
+</p:sld>
+</file>
+
+<file path=ppt/slides/slide6.xml><?xml version="1.0" encoding="utf-8"?>
+<p:sld xmlns:a="http://schemas.openxmlformats.org/drawingml/2006/main" xmlns:r="http://schemas.openxmlformats.org/officeDocument/2006/relationships" xmlns:p="http://schemas.openxmlformats.org/presentationml/2006/main">
+  <p:cSld>
+    <p:spTree>
+      <p:nvGrpSpPr>
+        <p:cNvPr id="1" name=""/>
+        <p:cNvGrpSpPr/>
+        <p:nvPr/>
+      </p:nvGrpSpPr>
+      <p:grpSpPr>
+        <a:xfrm>
+          <a:off x="0" y="0"/>
+          <a:ext cx="0" cy="0"/>
+          <a:chOff x="0" y="0"/>
+          <a:chExt cx="0" cy="0"/>
+        </a:xfrm>
+      </p:grpSpPr>
+      <p:sp>
+        <p:nvSpPr>
+          <p:cNvPr id="7170" name="Rectangle 2"/>
+          <p:cNvSpPr>
+            <a:spLocks noGrp="1" noChangeArrowheads="1"/>
+          </p:cNvSpPr>
+          <p:nvPr>
+            <p:ph type="title"/>
+          </p:nvPr>
+        </p:nvSpPr>
+        <p:spPr>
+          <a:xfrm>
+            <a:off x="439278" y="468150"/>
+            <a:ext cx="8145462" cy="838200"/>
+          </a:xfrm>
+        </p:spPr>
+        <p:txBody>
+          <a:bodyPr/>
+          <a:lstStyle/>
+          <a:p>
+            <a:pPr eaLnBrk="1" hangingPunct="1"/>
+            <a:r>
+              <a:rPr lang="en-US" sz="1800" dirty="0">
+                <a:ea typeface="ＭＳ Ｐゴシック" pitchFamily="34" charset="-128"/>
+              </a:rPr>
+              <a:t>NAT Characteristics</a:t>
+            </a:r>
+            <a:br>
+              <a:rPr lang="en-US" sz="1800" dirty="0">
+                <a:ea typeface="ＭＳ Ｐゴシック" pitchFamily="34" charset="-128"/>
+              </a:rPr>
+            </a:br>
+            <a:r>
+              <a:rPr lang="en-US" dirty="0">
+                <a:ea typeface="ＭＳ Ｐゴシック" pitchFamily="34" charset="-128"/>
+              </a:rPr>
+              <a:t>Wat is NAT?</a:t>
+            </a:r>
+          </a:p>
+        </p:txBody>
+      </p:sp>
+      <p:sp>
+        <p:nvSpPr>
+          <p:cNvPr id="2" name="Content Placeholder 1"/>
+          <p:cNvSpPr>
+            <a:spLocks noGrp="1"/>
+          </p:cNvSpPr>
+          <p:nvPr>
+            <p:ph idx="1"/>
+          </p:nvPr>
+        </p:nvSpPr>
+        <p:spPr>
+          <a:xfrm>
+            <a:off x="423409" y="1390426"/>
+            <a:ext cx="8187191" cy="5067523"/>
+          </a:xfrm>
+        </p:spPr>
+        <p:txBody>
+          <a:bodyPr/>
+          <a:lstStyle/>
+          <a:p>
+            <a:r>
+              <a:rPr lang="nl-BE" sz="2000" dirty="0"/>
+              <a:t>NAT is een proces waarmee netwerkadressen worden vertaald.</a:t>
+            </a:r>
+          </a:p>
+          <a:p>
+            <a:r>
+              <a:rPr lang="nl-BE" sz="2000" dirty="0"/>
+              <a:t>Het grootste voordeel aan NAT is het behoud van openbare IPv4-adressen.</a:t>
+            </a:r>
+          </a:p>
+          <a:p>
+            <a:r>
+              <a:rPr lang="nl-BE" sz="2000" dirty="0"/>
+              <a:t>NAT wordt meestal geïmplementeerd bij border network devices, zoals firewalls of routers.</a:t>
+            </a:r>
+          </a:p>
+          <a:p>
+            <a:r>
+              <a:rPr lang="nl-BE" sz="2000" dirty="0"/>
+              <a:t>NAT laat de netwerken toe om private addresses intern te gebruiken, alleen indien nodig naar public addresses te vertalen.</a:t>
+            </a:r>
+          </a:p>
+          <a:p>
+            <a:r>
+              <a:rPr lang="nl-BE" sz="2000" dirty="0"/>
+              <a:t>Apparaten in de organisatie kunnen private addresses worden toegewezen en werken met locally unique addresses. </a:t>
+            </a:r>
+          </a:p>
+          <a:p>
+            <a:r>
+              <a:rPr lang="nl-BE" sz="2000" dirty="0"/>
+              <a:t>Wanneer het verkeer naar of van andere organisaties of via het internet moet worden verzonden of ontvangen, vertaalt de border router de adressen naar een public and globally unique.</a:t>
+            </a:r>
+            <a:endParaRPr lang="en-US" sz="2000" dirty="0"/>
+          </a:p>
+        </p:txBody>
+      </p:sp>
+    </p:spTree>
+    <p:extLst>
+      <p:ext uri="{BB962C8B-B14F-4D97-AF65-F5344CB8AC3E}">
+        <p14:creationId xmlns:p14="http://schemas.microsoft.com/office/powerpoint/2010/main" val="3195913419"/>
+      </p:ext>
+    </p:extLst>
+  </p:cSld>
+  <p:clrMapOvr>
+    <a:masterClrMapping/>
+  </p:clrMapOvr>
 </p:sld>
 </file>
 
@@ -17898,142 +16955,6 @@
         </p:nvSpPr>
         <p:spPr>
           <a:xfrm>
-            <a:off x="439278" y="468150"/>
-            <a:ext cx="8145462" cy="838200"/>
-          </a:xfrm>
-        </p:spPr>
-        <p:txBody>
-          <a:bodyPr/>
-          <a:lstStyle/>
-          <a:p>
-            <a:pPr eaLnBrk="1" hangingPunct="1"/>
-            <a:r>
-              <a:rPr lang="en-US" sz="1800" dirty="0" smtClean="0">
-                <a:ea typeface="ＭＳ Ｐゴシック" pitchFamily="34" charset="-128"/>
-              </a:rPr>
-              <a:t>NAT Characteristics</a:t>
-            </a:r>
-            <a:br>
-              <a:rPr lang="en-US" sz="1800" dirty="0" smtClean="0">
-                <a:ea typeface="ＭＳ Ｐゴシック" pitchFamily="34" charset="-128"/>
-              </a:rPr>
-            </a:br>
-            <a:r>
-              <a:rPr lang="en-US" dirty="0" smtClean="0">
-                <a:ea typeface="ＭＳ Ｐゴシック" pitchFamily="34" charset="-128"/>
-              </a:rPr>
-              <a:t>What is NAT?</a:t>
-            </a:r>
-          </a:p>
-        </p:txBody>
-      </p:sp>
-      <p:sp>
-        <p:nvSpPr>
-          <p:cNvPr id="2" name="Content Placeholder 1"/>
-          <p:cNvSpPr>
-            <a:spLocks noGrp="1"/>
-          </p:cNvSpPr>
-          <p:nvPr>
-            <p:ph idx="1"/>
-          </p:nvPr>
-        </p:nvSpPr>
-        <p:spPr>
-          <a:xfrm>
-            <a:off x="423409" y="1390426"/>
-            <a:ext cx="8187191" cy="5067523"/>
-          </a:xfrm>
-        </p:spPr>
-        <p:txBody>
-          <a:bodyPr/>
-          <a:lstStyle/>
-          <a:p>
-            <a:r>
-              <a:rPr lang="en-US" sz="2000" dirty="0" smtClean="0"/>
-              <a:t>NAT is a process used to translate network addresses.</a:t>
-            </a:r>
-          </a:p>
-          <a:p>
-            <a:r>
-              <a:rPr lang="en-US" sz="2000" dirty="0" smtClean="0"/>
-              <a:t>NAT’s primary use is to conserve public IPv4 addresses.</a:t>
-            </a:r>
-          </a:p>
-          <a:p>
-            <a:r>
-              <a:rPr lang="en-US" sz="2000" dirty="0" smtClean="0"/>
-              <a:t>NAT is usually implemented at border network devices, such as firewalls or routers.</a:t>
-            </a:r>
-          </a:p>
-          <a:p>
-            <a:r>
-              <a:rPr lang="en-US" sz="2000" dirty="0" smtClean="0"/>
-              <a:t>NAT allows the networks to use private addresses internally, only translating to public addresses when needed.</a:t>
-            </a:r>
-          </a:p>
-          <a:p>
-            <a:r>
-              <a:rPr lang="en-US" sz="2000" dirty="0" smtClean="0"/>
-              <a:t>Devices within the organization can be assigned private addresses and operate with locally unique addresses.</a:t>
-            </a:r>
-          </a:p>
-          <a:p>
-            <a:r>
-              <a:rPr lang="en-US" sz="2000" dirty="0" smtClean="0"/>
-              <a:t>When traffic must be sent or received to or from other organizations or the Internet, the border router translates the addresses to a public and globally unique address.</a:t>
-            </a:r>
-            <a:endParaRPr lang="en-US" sz="2000" dirty="0"/>
-          </a:p>
-        </p:txBody>
-      </p:sp>
-    </p:spTree>
-    <p:extLst>
-      <p:ext uri="{BB962C8B-B14F-4D97-AF65-F5344CB8AC3E}">
-        <p14:creationId xmlns:p14="http://schemas.microsoft.com/office/powerpoint/2010/main" val="3195913419"/>
-      </p:ext>
-    </p:extLst>
-  </p:cSld>
-  <p:clrMapOvr>
-    <a:masterClrMapping/>
-  </p:clrMapOvr>
-  <p:timing>
-    <p:tnLst>
-      <p:par>
-        <p:cTn id="1" dur="indefinite" restart="never" nodeType="tmRoot"/>
-      </p:par>
-    </p:tnLst>
-  </p:timing>
-</p:sld>
-</file>
-
-<file path=ppt/slides/slide8.xml><?xml version="1.0" encoding="utf-8"?>
-<p:sld xmlns:a="http://schemas.openxmlformats.org/drawingml/2006/main" xmlns:r="http://schemas.openxmlformats.org/officeDocument/2006/relationships" xmlns:p="http://schemas.openxmlformats.org/presentationml/2006/main">
-  <p:cSld>
-    <p:spTree>
-      <p:nvGrpSpPr>
-        <p:cNvPr id="1" name=""/>
-        <p:cNvGrpSpPr/>
-        <p:nvPr/>
-      </p:nvGrpSpPr>
-      <p:grpSpPr>
-        <a:xfrm>
-          <a:off x="0" y="0"/>
-          <a:ext cx="0" cy="0"/>
-          <a:chOff x="0" y="0"/>
-          <a:chExt cx="0" cy="0"/>
-        </a:xfrm>
-      </p:grpSpPr>
-      <p:sp>
-        <p:nvSpPr>
-          <p:cNvPr id="7170" name="Rectangle 2"/>
-          <p:cNvSpPr>
-            <a:spLocks noGrp="1" noChangeArrowheads="1"/>
-          </p:cNvSpPr>
-          <p:nvPr>
-            <p:ph type="title"/>
-          </p:nvPr>
-        </p:nvSpPr>
-        <p:spPr>
-          <a:xfrm>
             <a:off x="488507" y="426395"/>
             <a:ext cx="8145462" cy="838200"/>
           </a:xfrm>
@@ -18044,21 +16965,33 @@
           <a:p>
             <a:pPr eaLnBrk="1" hangingPunct="1"/>
             <a:r>
-              <a:rPr lang="en-US" sz="1800" dirty="0" smtClean="0">
+              <a:rPr lang="en-US" sz="1800" dirty="0">
                 <a:ea typeface="ＭＳ Ｐゴシック" pitchFamily="34" charset="-128"/>
               </a:rPr>
               <a:t>NAT Characteristics</a:t>
             </a:r>
             <a:br>
-              <a:rPr lang="en-US" sz="1800" dirty="0" smtClean="0">
+              <a:rPr lang="en-US" sz="1800" dirty="0">
                 <a:ea typeface="ＭＳ Ｐゴシック" pitchFamily="34" charset="-128"/>
               </a:rPr>
             </a:br>
             <a:r>
-              <a:rPr lang="en-US" dirty="0" smtClean="0">
+              <a:rPr lang="en-US" dirty="0">
                 <a:ea typeface="ＭＳ Ｐゴシック" pitchFamily="34" charset="-128"/>
               </a:rPr>
-              <a:t>What is NAT? (cont.)</a:t>
+              <a:t>Wat is NAT? (</a:t>
+            </a:r>
+            <a:r>
+              <a:rPr lang="en-US" dirty="0" err="1">
+                <a:ea typeface="ＭＳ Ｐゴシック" pitchFamily="34" charset="-128"/>
+              </a:rPr>
+              <a:t>vervolg</a:t>
+            </a:r>
+            <a:r>
+              <a:rPr lang="en-US" dirty="0">
+                <a:ea typeface="ＭＳ Ｐゴシック" pitchFamily="34" charset="-128"/>
+              </a:rPr>
+              <a:t>)</a:t>
             </a:r>
           </a:p>
         </p:txBody>
@@ -18132,17 +17065,10 @@
   <p:clrMapOvr>
     <a:masterClrMapping/>
   </p:clrMapOvr>
-  <p:timing>
-    <p:tnLst>
-      <p:par>
-        <p:cTn id="1" dur="indefinite" restart="never" nodeType="tmRoot"/>
-      </p:par>
-    </p:tnLst>
-  </p:timing>
 </p:sld>
 </file>
 
-<file path=ppt/slides/slide9.xml><?xml version="1.0" encoding="utf-8"?>
+<file path=ppt/slides/slide8.xml><?xml version="1.0" encoding="utf-8"?>
 <p:sld xmlns:a="http://schemas.openxmlformats.org/drawingml/2006/main" xmlns:r="http://schemas.openxmlformats.org/officeDocument/2006/relationships" xmlns:p="http://schemas.openxmlformats.org/presentationml/2006/main">
   <p:cSld>
     <p:spTree>
@@ -18240,18 +17166,18 @@
           <a:p>
             <a:pPr eaLnBrk="1" hangingPunct="1"/>
             <a:r>
-              <a:rPr lang="en-US" sz="1800" dirty="0" smtClean="0">
+              <a:rPr lang="en-US" sz="1800" dirty="0">
                 <a:ea typeface="ＭＳ Ｐゴシック" pitchFamily="34" charset="-128"/>
               </a:rPr>
               <a:t>NAT Characteristics</a:t>
             </a:r>
             <a:br>
-              <a:rPr lang="en-US" sz="1800" dirty="0" smtClean="0">
+              <a:rPr lang="en-US" sz="1800" dirty="0">
                 <a:ea typeface="ＭＳ Ｐゴシック" pitchFamily="34" charset="-128"/>
               </a:rPr>
             </a:br>
             <a:r>
-              <a:rPr lang="en-US" dirty="0" smtClean="0">
+              <a:rPr lang="en-US" dirty="0">
                 <a:ea typeface="ＭＳ Ｐゴシック" pitchFamily="34" charset="-128"/>
               </a:rPr>
               <a:t>NAT Terminology</a:t>
@@ -18280,21 +17206,22 @@
           <a:lstStyle/>
           <a:p>
             <a:r>
-              <a:rPr lang="en-US" sz="2000" dirty="0" smtClean="0"/>
-              <a:t>Inside network is the set of devices using private addresses</a:t>
-            </a:r>
-          </a:p>
-          <a:p>
-            <a:r>
-              <a:rPr lang="en-US" sz="2000" dirty="0" smtClean="0"/>
-              <a:t>Outside network refers to all other networks</a:t>
-            </a:r>
-          </a:p>
-          <a:p>
-            <a:r>
-              <a:rPr lang="en-US" sz="2000" dirty="0" smtClean="0"/>
-              <a:t>NAT includes four types of addresses:</a:t>
-            </a:r>
+              <a:rPr lang="nl-BE" sz="2000" dirty="0"/>
+              <a:t>Inside network: 1 of meerdere apparaten die privé adressen gebruiken</a:t>
+            </a:r>
+          </a:p>
+          <a:p>
+            <a:r>
+              <a:rPr lang="nl-BE" sz="2000" dirty="0"/>
+              <a:t>Outside network: Verwijst naar alle andere netwerken</a:t>
+            </a:r>
+          </a:p>
+          <a:p>
+            <a:r>
+              <a:rPr lang="nl-BE" sz="2000" dirty="0"/>
+              <a:t>NAT bevat vier soorten adressen:</a:t>
+            </a:r>
+            <a:endParaRPr lang="en-US" sz="2000" dirty="0"/>
           </a:p>
           <a:p>
             <a:pPr marL="682625" lvl="1" indent="-225425">
@@ -18351,13 +17278,148 @@
   <p:clrMapOvr>
     <a:masterClrMapping/>
   </p:clrMapOvr>
-  <p:timing>
-    <p:tnLst>
-      <p:par>
-        <p:cTn id="1" dur="indefinite" restart="never" nodeType="tmRoot"/>
-      </p:par>
-    </p:tnLst>
-  </p:timing>
+</p:sld>
+</file>
+
+<file path=ppt/slides/slide9.xml><?xml version="1.0" encoding="utf-8"?>
+<p:sld xmlns:a="http://schemas.openxmlformats.org/drawingml/2006/main" xmlns:r="http://schemas.openxmlformats.org/officeDocument/2006/relationships" xmlns:p="http://schemas.openxmlformats.org/presentationml/2006/main">
+  <p:cSld>
+    <p:spTree>
+      <p:nvGrpSpPr>
+        <p:cNvPr id="1" name=""/>
+        <p:cNvGrpSpPr/>
+        <p:nvPr/>
+      </p:nvGrpSpPr>
+      <p:grpSpPr>
+        <a:xfrm>
+          <a:off x="0" y="0"/>
+          <a:ext cx="0" cy="0"/>
+          <a:chOff x="0" y="0"/>
+          <a:chExt cx="0" cy="0"/>
+        </a:xfrm>
+      </p:grpSpPr>
+      <p:sp>
+        <p:nvSpPr>
+          <p:cNvPr id="7170" name="Rectangle 2"/>
+          <p:cNvSpPr>
+            <a:spLocks noGrp="1" noChangeArrowheads="1"/>
+          </p:cNvSpPr>
+          <p:nvPr>
+            <p:ph type="title"/>
+          </p:nvPr>
+        </p:nvSpPr>
+        <p:spPr>
+          <a:xfrm>
+            <a:off x="412183" y="427206"/>
+            <a:ext cx="8145462" cy="838200"/>
+          </a:xfrm>
+        </p:spPr>
+        <p:txBody>
+          <a:bodyPr/>
+          <a:lstStyle/>
+          <a:p>
+            <a:pPr eaLnBrk="1" hangingPunct="1"/>
+            <a:r>
+              <a:rPr lang="en-US" sz="1800" dirty="0">
+                <a:ea typeface="ＭＳ Ｐゴシック" pitchFamily="34" charset="-128"/>
+              </a:rPr>
+              <a:t>NAT Characteristics</a:t>
+            </a:r>
+            <a:br>
+              <a:rPr lang="en-US" sz="1800" dirty="0">
+                <a:ea typeface="ＭＳ Ｐゴシック" pitchFamily="34" charset="-128"/>
+              </a:rPr>
+            </a:br>
+            <a:r>
+              <a:rPr lang="en-US" dirty="0">
+                <a:ea typeface="ＭＳ Ｐゴシック" pitchFamily="34" charset="-128"/>
+              </a:rPr>
+              <a:t>NAT Terminology (</a:t>
+            </a:r>
+            <a:r>
+              <a:rPr lang="en-US" dirty="0" err="1">
+                <a:ea typeface="ＭＳ Ｐゴシック" pitchFamily="34" charset="-128"/>
+              </a:rPr>
+              <a:t>vervolg</a:t>
+            </a:r>
+            <a:r>
+              <a:rPr lang="en-US" dirty="0">
+                <a:ea typeface="ＭＳ Ｐゴシック" pitchFamily="34" charset="-128"/>
+              </a:rPr>
+              <a:t>)</a:t>
+            </a:r>
+          </a:p>
+        </p:txBody>
+      </p:sp>
+      <p:pic>
+        <p:nvPicPr>
+          <p:cNvPr id="5123" name="Picture 3"/>
+          <p:cNvPicPr>
+            <a:picLocks noChangeAspect="1" noChangeArrowheads="1"/>
+          </p:cNvPicPr>
+          <p:nvPr/>
+        </p:nvPicPr>
+        <p:blipFill>
+          <a:blip r:embed="rId3">
+            <a:extLst>
+              <a:ext uri="{28A0092B-C50C-407E-A947-70E740481C1C}">
+                <a14:useLocalDpi xmlns:a14="http://schemas.microsoft.com/office/drawing/2010/main" val="0"/>
+              </a:ext>
+            </a:extLst>
+          </a:blip>
+          <a:srcRect/>
+          <a:stretch>
+            <a:fillRect/>
+          </a:stretch>
+        </p:blipFill>
+        <p:spPr bwMode="auto">
+          <a:xfrm>
+            <a:off x="1060677" y="1479992"/>
+            <a:ext cx="6848475" cy="4819650"/>
+          </a:xfrm>
+          <a:prstGeom prst="rect">
+            <a:avLst/>
+          </a:prstGeom>
+          <a:noFill/>
+          <a:ln w="9525">
+            <a:solidFill>
+              <a:schemeClr val="tx1"/>
+            </a:solidFill>
+            <a:bevel/>
+            <a:headEnd/>
+            <a:tailEnd/>
+          </a:ln>
+          <a:effectLst/>
+          <a:extLst>
+            <a:ext uri="{909E8E84-426E-40DD-AFC4-6F175D3DCCD1}">
+              <a14:hiddenFill xmlns:a14="http://schemas.microsoft.com/office/drawing/2010/main">
+                <a:solidFill>
+                  <a:schemeClr val="accent1"/>
+                </a:solidFill>
+              </a14:hiddenFill>
+            </a:ext>
+            <a:ext uri="{AF507438-7753-43E0-B8FC-AC1667EBCBE1}">
+              <a14:hiddenEffects xmlns:a14="http://schemas.microsoft.com/office/drawing/2010/main">
+                <a:effectLst>
+                  <a:outerShdw dist="35921" dir="2700000" algn="ctr" rotWithShape="0">
+                    <a:schemeClr val="bg2"/>
+                  </a:outerShdw>
+                </a:effectLst>
+              </a14:hiddenEffects>
+            </a:ext>
+          </a:extLst>
+        </p:spPr>
+      </p:pic>
+    </p:spTree>
+    <p:extLst>
+      <p:ext uri="{BB962C8B-B14F-4D97-AF65-F5344CB8AC3E}">
+        <p14:creationId xmlns:p14="http://schemas.microsoft.com/office/powerpoint/2010/main" val="4047225431"/>
+      </p:ext>
+    </p:extLst>
+  </p:cSld>
+  <p:clrMapOvr>
+    <a:masterClrMapping/>
+  </p:clrMapOvr>
 </p:sld>
 </file>
 

--- a/Networking Advanced - Chapter5 - NAT.pptx
+++ b/Networking Advanced - Chapter5 - NAT.pptx
@@ -1164,7 +1164,40 @@
               <a:buFontTx/>
               <a:buNone/>
             </a:pPr>
-            <a:endParaRPr lang="en-US" b="1" dirty="0"/>
+            <a:r>
+              <a:rPr lang="en-US" b="1" dirty="0" err="1"/>
+              <a:t>Verschilende</a:t>
+            </a:r>
+            <a:r>
+              <a:rPr lang="en-US" b="1" dirty="0"/>
+              <a:t> types </a:t>
+            </a:r>
+            <a:r>
+              <a:rPr lang="en-US" b="1" dirty="0" err="1"/>
+              <a:t>nat</a:t>
+            </a:r>
+            <a:r>
+              <a:rPr lang="en-US" b="1" dirty="0"/>
+              <a:t>:</a:t>
+            </a:r>
+          </a:p>
+          <a:p>
+            <a:pPr>
+              <a:buFontTx/>
+              <a:buNone/>
+            </a:pPr>
+            <a:r>
+              <a:rPr lang="en-US" b="1" dirty="0"/>
+              <a:t>Static NAT, dynamic NAT </a:t>
+            </a:r>
+            <a:r>
+              <a:rPr lang="en-US" b="1" dirty="0" err="1"/>
+              <a:t>en</a:t>
+            </a:r>
+            <a:r>
+              <a:rPr lang="en-US" b="1" dirty="0"/>
+              <a:t> PAT = NAT overloading</a:t>
+            </a:r>
           </a:p>
         </p:txBody>
       </p:sp>
@@ -1272,7 +1305,416 @@
               <a:buFontTx/>
               <a:buNone/>
             </a:pPr>
-            <a:endParaRPr lang="en-US" b="1" dirty="0"/>
+            <a:r>
+              <a:rPr lang="en-US" b="1" dirty="0" err="1"/>
+              <a:t>Hier</a:t>
+            </a:r>
+            <a:r>
+              <a:rPr lang="en-US" b="1" dirty="0"/>
+              <a:t> is router R2 </a:t>
+            </a:r>
+            <a:r>
+              <a:rPr lang="en-US" b="1" dirty="0" err="1"/>
+              <a:t>geconfiguereerd</a:t>
+            </a:r>
+            <a:r>
+              <a:rPr lang="en-US" b="1" dirty="0"/>
+              <a:t> met static mappings </a:t>
+            </a:r>
+            <a:r>
+              <a:rPr lang="en-US" b="1" dirty="0" err="1"/>
+              <a:t>voor</a:t>
+            </a:r>
+            <a:r>
+              <a:rPr lang="en-US" b="1" dirty="0"/>
+              <a:t> de inside local addresses van server1, PC2 </a:t>
+            </a:r>
+            <a:r>
+              <a:rPr lang="en-US" b="1" dirty="0" err="1"/>
+              <a:t>en</a:t>
+            </a:r>
+            <a:r>
+              <a:rPr lang="en-US" b="1" dirty="0"/>
+              <a:t> PC3.</a:t>
+            </a:r>
+          </a:p>
+          <a:p>
+            <a:pPr>
+              <a:buFontTx/>
+              <a:buNone/>
+            </a:pPr>
+            <a:r>
+              <a:rPr lang="en-US" b="1" dirty="0" err="1"/>
+              <a:t>Wanneer</a:t>
+            </a:r>
+            <a:r>
+              <a:rPr lang="en-US" b="1" dirty="0"/>
+              <a:t> </a:t>
+            </a:r>
+            <a:r>
+              <a:rPr lang="en-US" b="1" dirty="0" err="1"/>
+              <a:t>deze</a:t>
+            </a:r>
+            <a:r>
+              <a:rPr lang="en-US" b="1" dirty="0"/>
+              <a:t> </a:t>
+            </a:r>
+            <a:r>
+              <a:rPr lang="en-US" b="1" dirty="0" err="1"/>
+              <a:t>apperaten</a:t>
+            </a:r>
+            <a:r>
+              <a:rPr lang="en-US" b="1" dirty="0"/>
+              <a:t> </a:t>
+            </a:r>
+            <a:r>
+              <a:rPr lang="en-US" b="1" dirty="0" err="1"/>
+              <a:t>toegang</a:t>
+            </a:r>
+            <a:r>
+              <a:rPr lang="en-US" b="1" dirty="0"/>
+              <a:t> </a:t>
+            </a:r>
+            <a:r>
+              <a:rPr lang="en-US" b="1" dirty="0" err="1"/>
+              <a:t>willen</a:t>
+            </a:r>
+            <a:r>
+              <a:rPr lang="en-US" b="1" dirty="0"/>
+              <a:t> tot het internet </a:t>
+            </a:r>
+            <a:r>
+              <a:rPr lang="en-US" b="1" dirty="0" err="1"/>
+              <a:t>wordt</a:t>
+            </a:r>
+            <a:r>
+              <a:rPr lang="en-US" b="1" dirty="0"/>
+              <a:t> </a:t>
+            </a:r>
+            <a:r>
+              <a:rPr lang="en-US" b="1" dirty="0" err="1"/>
+              <a:t>hun</a:t>
+            </a:r>
+            <a:r>
+              <a:rPr lang="en-US" b="1" dirty="0"/>
+              <a:t> inside local address </a:t>
+            </a:r>
+            <a:r>
+              <a:rPr lang="en-US" b="1" dirty="0" err="1"/>
+              <a:t>vertaald</a:t>
+            </a:r>
+            <a:r>
+              <a:rPr lang="en-US" b="1" dirty="0"/>
+              <a:t> </a:t>
+            </a:r>
+            <a:r>
+              <a:rPr lang="en-US" b="1" dirty="0" err="1"/>
+              <a:t>naar</a:t>
+            </a:r>
+            <a:r>
+              <a:rPr lang="en-US" b="1" dirty="0"/>
+              <a:t> het </a:t>
+            </a:r>
+            <a:r>
+              <a:rPr lang="en-US" b="1" dirty="0" err="1"/>
+              <a:t>geconfigureerde</a:t>
+            </a:r>
+            <a:r>
+              <a:rPr lang="en-US" b="1" dirty="0"/>
+              <a:t> inside global address.</a:t>
+            </a:r>
+          </a:p>
+          <a:p>
+            <a:pPr>
+              <a:buFontTx/>
+              <a:buNone/>
+            </a:pPr>
+            <a:r>
+              <a:rPr lang="en-US" b="1" dirty="0"/>
+              <a:t>De </a:t>
+            </a:r>
+            <a:r>
+              <a:rPr lang="en-US" b="1" dirty="0" err="1"/>
+              <a:t>apparaten</a:t>
+            </a:r>
+            <a:r>
+              <a:rPr lang="en-US" b="1" dirty="0"/>
+              <a:t> op het </a:t>
+            </a:r>
+            <a:r>
+              <a:rPr lang="en-US" b="1" dirty="0" err="1"/>
+              <a:t>externe</a:t>
+            </a:r>
+            <a:r>
+              <a:rPr lang="en-US" b="1" dirty="0"/>
+              <a:t> network </a:t>
+            </a:r>
+            <a:r>
+              <a:rPr lang="en-US" b="1" dirty="0" err="1"/>
+              <a:t>zien</a:t>
+            </a:r>
+            <a:r>
+              <a:rPr lang="en-US" b="1" dirty="0"/>
+              <a:t> </a:t>
+            </a:r>
+            <a:r>
+              <a:rPr lang="en-US" b="1" dirty="0" err="1"/>
+              <a:t>alleen</a:t>
+            </a:r>
+            <a:r>
+              <a:rPr lang="en-US" b="1" dirty="0"/>
+              <a:t> het public IPv4 address.</a:t>
+            </a:r>
+          </a:p>
+          <a:p>
+            <a:pPr>
+              <a:buFontTx/>
+              <a:buNone/>
+            </a:pPr>
+            <a:r>
+              <a:rPr lang="en-US" b="1" dirty="0" err="1"/>
+              <a:t>Handig</a:t>
+            </a:r>
+            <a:r>
+              <a:rPr lang="en-US" b="1" dirty="0"/>
+              <a:t> </a:t>
+            </a:r>
+            <a:r>
+              <a:rPr lang="en-US" b="1" dirty="0" err="1"/>
+              <a:t>voor</a:t>
+            </a:r>
+            <a:r>
+              <a:rPr lang="en-US" b="1" dirty="0"/>
+              <a:t> servers die 24/7 </a:t>
+            </a:r>
+            <a:r>
+              <a:rPr lang="en-US" b="1" dirty="0" err="1"/>
+              <a:t>beschikbaar</a:t>
+            </a:r>
+            <a:r>
+              <a:rPr lang="en-US" b="1" dirty="0"/>
+              <a:t> </a:t>
+            </a:r>
+            <a:r>
+              <a:rPr lang="en-US" b="1" dirty="0" err="1"/>
+              <a:t>moeten</a:t>
+            </a:r>
+            <a:r>
+              <a:rPr lang="en-US" b="1" dirty="0"/>
+              <a:t> </a:t>
+            </a:r>
+            <a:r>
+              <a:rPr lang="en-US" b="1" dirty="0" err="1"/>
+              <a:t>zijn</a:t>
+            </a:r>
+            <a:r>
+              <a:rPr lang="en-US" b="1" dirty="0"/>
+              <a:t> </a:t>
+            </a:r>
+            <a:r>
+              <a:rPr lang="en-US" b="1" dirty="0" err="1"/>
+              <a:t>vanaf</a:t>
+            </a:r>
+            <a:r>
+              <a:rPr lang="en-US" b="1" dirty="0"/>
+              <a:t> het internet. Vb. </a:t>
+            </a:r>
+            <a:r>
+              <a:rPr lang="en-US" b="1" dirty="0" err="1"/>
+              <a:t>Een</a:t>
+            </a:r>
+            <a:r>
+              <a:rPr lang="en-US" b="1" dirty="0"/>
+              <a:t> network administrator op PC4 </a:t>
+            </a:r>
+            <a:r>
+              <a:rPr lang="en-US" b="1" dirty="0" err="1"/>
+              <a:t>kan</a:t>
+            </a:r>
+            <a:r>
+              <a:rPr lang="en-US" b="1" dirty="0"/>
+              <a:t> </a:t>
+            </a:r>
+            <a:r>
+              <a:rPr lang="en-US" b="1" dirty="0" err="1"/>
+              <a:t>een</a:t>
+            </a:r>
+            <a:r>
+              <a:rPr lang="en-US" b="1" dirty="0"/>
+              <a:t> SSH request </a:t>
+            </a:r>
+            <a:r>
+              <a:rPr lang="en-US" b="1" dirty="0" err="1"/>
+              <a:t>naar</a:t>
+            </a:r>
+            <a:r>
+              <a:rPr lang="en-US" b="1" dirty="0"/>
+              <a:t> server1 </a:t>
+            </a:r>
+            <a:r>
+              <a:rPr lang="en-US" b="1" dirty="0" err="1"/>
+              <a:t>sturen</a:t>
+            </a:r>
+            <a:r>
+              <a:rPr lang="en-US" b="1" dirty="0"/>
+              <a:t> met </a:t>
+            </a:r>
+            <a:r>
+              <a:rPr lang="en-US" b="1" dirty="0" err="1"/>
+              <a:t>behulp</a:t>
+            </a:r>
+            <a:r>
+              <a:rPr lang="en-US" b="1" dirty="0"/>
+              <a:t> van het inside global address 209,165,200,226.</a:t>
+            </a:r>
+          </a:p>
+          <a:p>
+            <a:pPr>
+              <a:buFontTx/>
+              <a:buNone/>
+            </a:pPr>
+            <a:r>
+              <a:rPr lang="en-US" b="1" dirty="0"/>
+              <a:t>R2 </a:t>
+            </a:r>
+            <a:r>
+              <a:rPr lang="en-US" b="1" dirty="0" err="1"/>
+              <a:t>vertaald</a:t>
+            </a:r>
+            <a:r>
+              <a:rPr lang="en-US" b="1" dirty="0"/>
+              <a:t> </a:t>
+            </a:r>
+            <a:r>
+              <a:rPr lang="en-US" b="1" dirty="0" err="1"/>
+              <a:t>dit</a:t>
+            </a:r>
+            <a:r>
+              <a:rPr lang="en-US" b="1" dirty="0"/>
+              <a:t> inside global address </a:t>
+            </a:r>
+            <a:r>
+              <a:rPr lang="en-US" b="1" dirty="0" err="1"/>
+              <a:t>naar</a:t>
+            </a:r>
+            <a:r>
+              <a:rPr lang="en-US" b="1" dirty="0"/>
+              <a:t> het inside local address </a:t>
+            </a:r>
+            <a:r>
+              <a:rPr lang="en-US" b="1" dirty="0" err="1"/>
+              <a:t>en</a:t>
+            </a:r>
+            <a:r>
+              <a:rPr lang="en-US" b="1" dirty="0"/>
+              <a:t> </a:t>
+            </a:r>
+            <a:r>
+              <a:rPr lang="en-US" b="1" dirty="0" err="1"/>
+              <a:t>verbind</a:t>
+            </a:r>
+            <a:r>
+              <a:rPr lang="en-US" b="1" dirty="0"/>
+              <a:t> de network administrator met Svr1.</a:t>
+            </a:r>
+          </a:p>
+          <a:p>
+            <a:pPr>
+              <a:buFontTx/>
+              <a:buNone/>
+            </a:pPr>
+            <a:r>
+              <a:rPr lang="en-US" b="1" dirty="0"/>
+              <a:t>Static </a:t>
+            </a:r>
+            <a:r>
+              <a:rPr lang="en-US" b="1" dirty="0" err="1"/>
+              <a:t>nat</a:t>
+            </a:r>
+            <a:r>
+              <a:rPr lang="en-US" b="1" dirty="0"/>
+              <a:t> </a:t>
+            </a:r>
+            <a:r>
+              <a:rPr lang="en-US" b="1" dirty="0" err="1"/>
+              <a:t>heeft</a:t>
+            </a:r>
+            <a:r>
+              <a:rPr lang="en-US" b="1" dirty="0"/>
+              <a:t> </a:t>
+            </a:r>
+            <a:r>
+              <a:rPr lang="en-US" b="1" dirty="0" err="1"/>
+              <a:t>genoeg</a:t>
+            </a:r>
+            <a:r>
+              <a:rPr lang="en-US" b="1" dirty="0"/>
+              <a:t> public addresses </a:t>
+            </a:r>
+            <a:r>
+              <a:rPr lang="en-US" b="1" dirty="0" err="1"/>
+              <a:t>nodig</a:t>
+            </a:r>
+            <a:r>
+              <a:rPr lang="en-US" b="1" dirty="0"/>
+              <a:t> om het </a:t>
+            </a:r>
+            <a:r>
+              <a:rPr lang="en-US" b="1" dirty="0" err="1"/>
+              <a:t>aantal</a:t>
+            </a:r>
+            <a:r>
+              <a:rPr lang="en-US" b="1" dirty="0"/>
+              <a:t> </a:t>
+            </a:r>
+            <a:r>
+              <a:rPr lang="en-US" b="1" dirty="0" err="1"/>
+              <a:t>gelijktijdige</a:t>
+            </a:r>
+            <a:r>
+              <a:rPr lang="en-US" b="1" dirty="0"/>
+              <a:t> </a:t>
+            </a:r>
+            <a:r>
+              <a:rPr lang="en-US" b="1" dirty="0" err="1"/>
+              <a:t>sessies</a:t>
+            </a:r>
+            <a:r>
+              <a:rPr lang="en-US" b="1" dirty="0"/>
+              <a:t> </a:t>
+            </a:r>
+            <a:r>
+              <a:rPr lang="en-US" b="1" dirty="0" err="1"/>
+              <a:t>te</a:t>
+            </a:r>
+            <a:r>
+              <a:rPr lang="en-US" b="1" dirty="0"/>
+              <a:t> </a:t>
+            </a:r>
+            <a:r>
+              <a:rPr lang="en-US" b="1" dirty="0" err="1"/>
+              <a:t>kunnen</a:t>
+            </a:r>
+            <a:r>
+              <a:rPr lang="en-US" b="1" dirty="0"/>
+              <a:t> </a:t>
+            </a:r>
+            <a:r>
+              <a:rPr lang="en-US" b="1" dirty="0" err="1"/>
+              <a:t>laten</a:t>
+            </a:r>
+            <a:r>
+              <a:rPr lang="en-US" b="1" dirty="0"/>
+              <a:t> </a:t>
+            </a:r>
+            <a:r>
+              <a:rPr lang="en-US" b="1" dirty="0" err="1"/>
+              <a:t>verlopen</a:t>
+            </a:r>
+            <a:r>
+              <a:rPr lang="en-US" b="1" dirty="0"/>
+              <a:t>.</a:t>
+            </a:r>
           </a:p>
         </p:txBody>
       </p:sp>
@@ -1488,7 +1930,180 @@
               <a:buFontTx/>
               <a:buNone/>
             </a:pPr>
-            <a:endParaRPr lang="en-US" b="1" dirty="0"/>
+            <a:r>
+              <a:rPr lang="en-US" b="1" dirty="0"/>
+              <a:t>PC3 </a:t>
+            </a:r>
+            <a:r>
+              <a:rPr lang="en-US" b="1" dirty="0" err="1"/>
+              <a:t>heeft</a:t>
+            </a:r>
+            <a:r>
+              <a:rPr lang="en-US" b="1" dirty="0"/>
+              <a:t> </a:t>
+            </a:r>
+            <a:r>
+              <a:rPr lang="en-US" b="1" dirty="0" err="1"/>
+              <a:t>toegang</a:t>
+            </a:r>
+            <a:r>
+              <a:rPr lang="en-US" b="1" dirty="0"/>
+              <a:t> tot het internet met </a:t>
+            </a:r>
+            <a:r>
+              <a:rPr lang="en-US" b="1" dirty="0" err="1"/>
+              <a:t>behulp</a:t>
+            </a:r>
+            <a:r>
+              <a:rPr lang="en-US" b="1" dirty="0"/>
+              <a:t> van het </a:t>
+            </a:r>
+            <a:r>
+              <a:rPr lang="en-US" b="1" dirty="0" err="1"/>
+              <a:t>eerstvolgende</a:t>
+            </a:r>
+            <a:r>
+              <a:rPr lang="en-US" b="1" dirty="0"/>
+              <a:t> </a:t>
+            </a:r>
+            <a:r>
+              <a:rPr lang="en-US" b="1" dirty="0" err="1"/>
+              <a:t>vrije</a:t>
+            </a:r>
+            <a:r>
+              <a:rPr lang="en-US" b="1" dirty="0"/>
+              <a:t> address in de dynamic NAT pool.</a:t>
+            </a:r>
+          </a:p>
+          <a:p>
+            <a:pPr>
+              <a:buFontTx/>
+              <a:buNone/>
+            </a:pPr>
+            <a:r>
+              <a:rPr lang="en-US" b="1" dirty="0"/>
+              <a:t>De </a:t>
+            </a:r>
+            <a:r>
+              <a:rPr lang="en-US" b="1" dirty="0" err="1"/>
+              <a:t>andere</a:t>
+            </a:r>
+            <a:r>
+              <a:rPr lang="en-US" b="1" dirty="0"/>
+              <a:t> </a:t>
+            </a:r>
+            <a:r>
+              <a:rPr lang="en-US" b="1" dirty="0" err="1"/>
+              <a:t>addressen</a:t>
+            </a:r>
+            <a:r>
+              <a:rPr lang="en-US" b="1" dirty="0"/>
+              <a:t> in de pool </a:t>
+            </a:r>
+            <a:r>
+              <a:rPr lang="en-US" b="1" dirty="0" err="1"/>
+              <a:t>zijn</a:t>
+            </a:r>
+            <a:r>
+              <a:rPr lang="en-US" b="1" dirty="0"/>
+              <a:t> nog steeds </a:t>
+            </a:r>
+            <a:r>
+              <a:rPr lang="en-US" b="1" dirty="0" err="1"/>
+              <a:t>beschikaar</a:t>
+            </a:r>
+            <a:r>
+              <a:rPr lang="en-US" b="1" dirty="0"/>
+              <a:t>. Net </a:t>
+            </a:r>
+            <a:r>
+              <a:rPr lang="en-US" b="1" dirty="0" err="1"/>
+              <a:t>asl</a:t>
+            </a:r>
+            <a:r>
+              <a:rPr lang="en-US" b="1" dirty="0"/>
+              <a:t> </a:t>
+            </a:r>
+            <a:r>
+              <a:rPr lang="en-US" b="1" dirty="0" err="1"/>
+              <a:t>bij</a:t>
+            </a:r>
+            <a:r>
+              <a:rPr lang="en-US" b="1" dirty="0"/>
+              <a:t> static NAT </a:t>
+            </a:r>
+            <a:r>
+              <a:rPr lang="en-US" b="1" dirty="0" err="1"/>
+              <a:t>moeten</a:t>
+            </a:r>
+            <a:r>
+              <a:rPr lang="en-US" b="1" dirty="0"/>
+              <a:t> </a:t>
+            </a:r>
+            <a:r>
+              <a:rPr lang="en-US" b="1" dirty="0" err="1"/>
+              <a:t>er</a:t>
+            </a:r>
+            <a:r>
+              <a:rPr lang="en-US" b="1" dirty="0"/>
+              <a:t> </a:t>
+            </a:r>
+            <a:r>
+              <a:rPr lang="en-US" b="1" dirty="0" err="1"/>
+              <a:t>bij</a:t>
+            </a:r>
+            <a:r>
+              <a:rPr lang="en-US" b="1" dirty="0"/>
+              <a:t> dynamic NAT </a:t>
+            </a:r>
+            <a:r>
+              <a:rPr lang="en-US" b="1" dirty="0" err="1"/>
+              <a:t>voldoende</a:t>
+            </a:r>
+            <a:r>
+              <a:rPr lang="en-US" b="1" dirty="0"/>
+              <a:t> </a:t>
+            </a:r>
+            <a:r>
+              <a:rPr lang="en-US" b="1" dirty="0" err="1"/>
+              <a:t>addressen</a:t>
+            </a:r>
+            <a:r>
+              <a:rPr lang="en-US" b="1" dirty="0"/>
+              <a:t> </a:t>
+            </a:r>
+            <a:r>
+              <a:rPr lang="en-US" b="1" dirty="0" err="1"/>
+              <a:t>zijn</a:t>
+            </a:r>
+            <a:r>
+              <a:rPr lang="en-US" b="1" dirty="0"/>
+              <a:t> </a:t>
+            </a:r>
+            <a:r>
+              <a:rPr lang="en-US" b="1" dirty="0" err="1"/>
+              <a:t>voor</a:t>
+            </a:r>
+            <a:r>
+              <a:rPr lang="en-US" b="1" dirty="0"/>
+              <a:t> </a:t>
+            </a:r>
+            <a:r>
+              <a:rPr lang="en-US" b="1" dirty="0" err="1"/>
+              <a:t>gelijktijdige</a:t>
+            </a:r>
+            <a:r>
+              <a:rPr lang="en-US" b="1" dirty="0"/>
+              <a:t> </a:t>
+            </a:r>
+            <a:r>
+              <a:rPr lang="en-US" b="1" dirty="0" err="1"/>
+              <a:t>sessies</a:t>
+            </a:r>
+            <a:r>
+              <a:rPr lang="en-US" b="1" dirty="0"/>
+              <a:t>.</a:t>
+            </a:r>
           </a:p>
         </p:txBody>
       </p:sp>
@@ -1589,6 +2204,276 @@
               </a:rPr>
               <a:t>Port Address Translation NAT</a:t>
             </a:r>
+          </a:p>
+          <a:p>
+            <a:pPr>
+              <a:buFontTx/>
+              <a:buNone/>
+            </a:pPr>
+            <a:r>
+              <a:rPr lang="en-US" b="1" dirty="0" err="1">
+                <a:ea typeface="ＭＳ Ｐゴシック" pitchFamily="34" charset="-128"/>
+              </a:rPr>
+              <a:t>Dit</a:t>
+            </a:r>
+            <a:r>
+              <a:rPr lang="en-US" b="1" dirty="0">
+                <a:ea typeface="ＭＳ Ｐゴシック" pitchFamily="34" charset="-128"/>
+              </a:rPr>
+              <a:t> is </a:t>
+            </a:r>
+            <a:r>
+              <a:rPr lang="en-US" b="1" dirty="0" err="1">
+                <a:ea typeface="ＭＳ Ｐゴシック" pitchFamily="34" charset="-128"/>
+              </a:rPr>
+              <a:t>waarschijnlijk</a:t>
+            </a:r>
+            <a:r>
+              <a:rPr lang="en-US" b="1" dirty="0">
+                <a:ea typeface="ＭＳ Ｐゴシック" pitchFamily="34" charset="-128"/>
+              </a:rPr>
+              <a:t> </a:t>
+            </a:r>
+            <a:r>
+              <a:rPr lang="en-US" b="1" dirty="0" err="1">
+                <a:ea typeface="ＭＳ Ｐゴシック" pitchFamily="34" charset="-128"/>
+              </a:rPr>
+              <a:t>bij</a:t>
+            </a:r>
+            <a:r>
+              <a:rPr lang="en-US" b="1" dirty="0">
+                <a:ea typeface="ＭＳ Ｐゴシック" pitchFamily="34" charset="-128"/>
+              </a:rPr>
+              <a:t> </a:t>
+            </a:r>
+            <a:r>
+              <a:rPr lang="en-US" b="1" dirty="0" err="1">
+                <a:ea typeface="ＭＳ Ｐゴシック" pitchFamily="34" charset="-128"/>
+              </a:rPr>
+              <a:t>jullie</a:t>
+            </a:r>
+            <a:r>
+              <a:rPr lang="en-US" b="1" dirty="0">
+                <a:ea typeface="ＭＳ Ｐゴシック" pitchFamily="34" charset="-128"/>
+              </a:rPr>
+              <a:t> </a:t>
+            </a:r>
+            <a:r>
+              <a:rPr lang="en-US" b="1" dirty="0" err="1">
+                <a:ea typeface="ＭＳ Ｐゴシック" pitchFamily="34" charset="-128"/>
+              </a:rPr>
+              <a:t>thuis</a:t>
+            </a:r>
+            <a:r>
+              <a:rPr lang="en-US" b="1" dirty="0">
+                <a:ea typeface="ＭＳ Ｐゴシック" pitchFamily="34" charset="-128"/>
+              </a:rPr>
+              <a:t> </a:t>
+            </a:r>
+            <a:r>
+              <a:rPr lang="en-US" b="1" dirty="0" err="1">
+                <a:ea typeface="ＭＳ Ｐゴシック" pitchFamily="34" charset="-128"/>
+              </a:rPr>
+              <a:t>ook</a:t>
+            </a:r>
+            <a:r>
+              <a:rPr lang="en-US" b="1" dirty="0">
+                <a:ea typeface="ＭＳ Ｐゴシック" pitchFamily="34" charset="-128"/>
+              </a:rPr>
+              <a:t> zo.</a:t>
+            </a:r>
+          </a:p>
+          <a:p>
+            <a:pPr>
+              <a:buFontTx/>
+              <a:buNone/>
+            </a:pPr>
+            <a:r>
+              <a:rPr lang="en-US" b="1" dirty="0" err="1">
+                <a:ea typeface="ＭＳ Ｐゴシック" pitchFamily="34" charset="-128"/>
+              </a:rPr>
+              <a:t>Wanneer</a:t>
+            </a:r>
+            <a:r>
+              <a:rPr lang="en-US" b="1" dirty="0">
+                <a:ea typeface="ＭＳ Ｐゴシック" pitchFamily="34" charset="-128"/>
+              </a:rPr>
+              <a:t> 2 </a:t>
+            </a:r>
+            <a:r>
+              <a:rPr lang="en-US" b="1" dirty="0" err="1">
+                <a:ea typeface="ＭＳ Ｐゴシック" pitchFamily="34" charset="-128"/>
+              </a:rPr>
+              <a:t>verschillende</a:t>
+            </a:r>
+            <a:r>
+              <a:rPr lang="en-US" b="1" dirty="0">
+                <a:ea typeface="ＭＳ Ｐゴシック" pitchFamily="34" charset="-128"/>
+              </a:rPr>
+              <a:t> </a:t>
+            </a:r>
+            <a:r>
+              <a:rPr lang="en-US" b="1" dirty="0" err="1">
+                <a:ea typeface="ＭＳ Ｐゴシック" pitchFamily="34" charset="-128"/>
+              </a:rPr>
+              <a:t>apparaten</a:t>
+            </a:r>
+            <a:r>
+              <a:rPr lang="en-US" b="1" dirty="0">
+                <a:ea typeface="ＭＳ Ｐゴシック" pitchFamily="34" charset="-128"/>
+              </a:rPr>
+              <a:t> </a:t>
+            </a:r>
+            <a:r>
+              <a:rPr lang="en-US" b="1" dirty="0" err="1">
+                <a:ea typeface="ＭＳ Ｐゴシック" pitchFamily="34" charset="-128"/>
+              </a:rPr>
+              <a:t>zelfde</a:t>
+            </a:r>
+            <a:r>
+              <a:rPr lang="en-US" b="1" dirty="0">
+                <a:ea typeface="ＭＳ Ｐゴシック" pitchFamily="34" charset="-128"/>
+              </a:rPr>
+              <a:t> </a:t>
+            </a:r>
+            <a:r>
+              <a:rPr lang="en-US" b="1" dirty="0" err="1">
+                <a:ea typeface="ＭＳ Ｐゴシック" pitchFamily="34" charset="-128"/>
+              </a:rPr>
+              <a:t>poort</a:t>
+            </a:r>
+            <a:r>
+              <a:rPr lang="en-US" b="1" dirty="0">
+                <a:ea typeface="ＭＳ Ｐゴシック" pitchFamily="34" charset="-128"/>
+              </a:rPr>
+              <a:t> </a:t>
+            </a:r>
+            <a:r>
+              <a:rPr lang="en-US" b="1" dirty="0" err="1">
+                <a:ea typeface="ＭＳ Ｐゴシック" pitchFamily="34" charset="-128"/>
+              </a:rPr>
+              <a:t>willen</a:t>
+            </a:r>
+            <a:r>
+              <a:rPr lang="en-US" b="1" dirty="0">
+                <a:ea typeface="ＭＳ Ｐゴシック" pitchFamily="34" charset="-128"/>
+              </a:rPr>
+              <a:t> </a:t>
+            </a:r>
+            <a:r>
+              <a:rPr lang="en-US" b="1" dirty="0" err="1">
+                <a:ea typeface="ＭＳ Ｐゴシック" pitchFamily="34" charset="-128"/>
+              </a:rPr>
+              <a:t>bereiken</a:t>
+            </a:r>
+            <a:r>
+              <a:rPr lang="en-US" b="1" dirty="0">
+                <a:ea typeface="ＭＳ Ｐゴシック" pitchFamily="34" charset="-128"/>
+              </a:rPr>
+              <a:t> is </a:t>
+            </a:r>
+            <a:r>
+              <a:rPr lang="en-US" b="1" dirty="0" err="1">
+                <a:ea typeface="ＭＳ Ｐゴシック" pitchFamily="34" charset="-128"/>
+              </a:rPr>
+              <a:t>dit</a:t>
+            </a:r>
+            <a:r>
+              <a:rPr lang="en-US" b="1" dirty="0">
+                <a:ea typeface="ＭＳ Ｐゴシック" pitchFamily="34" charset="-128"/>
+              </a:rPr>
+              <a:t> </a:t>
+            </a:r>
+            <a:r>
+              <a:rPr lang="en-US" b="1" dirty="0" err="1">
+                <a:ea typeface="ＭＳ Ｐゴシック" pitchFamily="34" charset="-128"/>
+              </a:rPr>
+              <a:t>mogelijk</a:t>
+            </a:r>
+            <a:r>
+              <a:rPr lang="en-US" b="1" dirty="0">
+                <a:ea typeface="ＭＳ Ｐゴシック" pitchFamily="34" charset="-128"/>
+              </a:rPr>
+              <a:t> door </a:t>
+            </a:r>
+            <a:r>
+              <a:rPr lang="en-US" b="1" dirty="0" err="1">
+                <a:ea typeface="ＭＳ Ｐゴシック" pitchFamily="34" charset="-128"/>
+              </a:rPr>
+              <a:t>bij</a:t>
+            </a:r>
+            <a:r>
+              <a:rPr lang="en-US" b="1" dirty="0">
+                <a:ea typeface="ＭＳ Ｐゴシック" pitchFamily="34" charset="-128"/>
+              </a:rPr>
+              <a:t> apparat 2 de </a:t>
+            </a:r>
+            <a:r>
+              <a:rPr lang="en-US" b="1" dirty="0" err="1">
+                <a:ea typeface="ＭＳ Ｐゴシック" pitchFamily="34" charset="-128"/>
+              </a:rPr>
+              <a:t>volgende</a:t>
+            </a:r>
+            <a:r>
+              <a:rPr lang="en-US" b="1" dirty="0">
+                <a:ea typeface="ＭＳ Ｐゴシック" pitchFamily="34" charset="-128"/>
+              </a:rPr>
+              <a:t> </a:t>
+            </a:r>
+            <a:r>
+              <a:rPr lang="en-US" b="1" dirty="0" err="1">
+                <a:ea typeface="ＭＳ Ｐゴシック" pitchFamily="34" charset="-128"/>
+              </a:rPr>
+              <a:t>beschikbare</a:t>
+            </a:r>
+            <a:r>
+              <a:rPr lang="en-US" b="1" dirty="0">
+                <a:ea typeface="ＭＳ Ｐゴシック" pitchFamily="34" charset="-128"/>
+              </a:rPr>
+              <a:t> </a:t>
+            </a:r>
+            <a:r>
+              <a:rPr lang="en-US" b="1" dirty="0" err="1">
+                <a:ea typeface="ＭＳ Ｐゴシック" pitchFamily="34" charset="-128"/>
+              </a:rPr>
+              <a:t>poort</a:t>
+            </a:r>
+            <a:r>
+              <a:rPr lang="en-US" b="1" dirty="0">
+                <a:ea typeface="ＭＳ Ｐゴシック" pitchFamily="34" charset="-128"/>
+              </a:rPr>
+              <a:t> </a:t>
+            </a:r>
+            <a:r>
+              <a:rPr lang="en-US" b="1" dirty="0" err="1">
+                <a:ea typeface="ＭＳ Ｐゴシック" pitchFamily="34" charset="-128"/>
+              </a:rPr>
+              <a:t>te</a:t>
+            </a:r>
+            <a:r>
+              <a:rPr lang="en-US" b="1" dirty="0">
+                <a:ea typeface="ＭＳ Ｐゴシック" pitchFamily="34" charset="-128"/>
+              </a:rPr>
+              <a:t> </a:t>
+            </a:r>
+            <a:r>
+              <a:rPr lang="en-US" b="1" dirty="0" err="1">
+                <a:ea typeface="ＭＳ Ｐゴシック" pitchFamily="34" charset="-128"/>
+              </a:rPr>
+              <a:t>gebruiken</a:t>
+            </a:r>
+            <a:r>
+              <a:rPr lang="en-US" b="1" dirty="0">
+                <a:ea typeface="ＭＳ Ｐゴシック" pitchFamily="34" charset="-128"/>
+              </a:rPr>
+              <a:t>.</a:t>
+            </a:r>
+          </a:p>
+          <a:p>
+            <a:pPr>
+              <a:buFontTx/>
+              <a:buNone/>
+            </a:pPr>
             <a:endParaRPr lang="en-US" b="1" dirty="0"/>
           </a:p>
         </p:txBody>
@@ -1690,13 +2575,186 @@
               </a:rPr>
               <a:t>Comparing NAT and PAT</a:t>
             </a:r>
-            <a:endParaRPr lang="en-US" b="1" dirty="0"/>
           </a:p>
           <a:p>
             <a:pPr>
               <a:buFontTx/>
               <a:buNone/>
             </a:pPr>
+            <a:r>
+              <a:rPr lang="en-US" b="1" dirty="0" err="1">
+                <a:ea typeface="ＭＳ Ｐゴシック" pitchFamily="34" charset="-128"/>
+              </a:rPr>
+              <a:t>Bij</a:t>
+            </a:r>
+            <a:r>
+              <a:rPr lang="en-US" b="1" dirty="0">
+                <a:ea typeface="ＭＳ Ｐゴシック" pitchFamily="34" charset="-128"/>
+              </a:rPr>
+              <a:t> ICMP </a:t>
+            </a:r>
+            <a:r>
+              <a:rPr lang="en-US" b="1" dirty="0" err="1">
+                <a:ea typeface="ＭＳ Ｐゴシック" pitchFamily="34" charset="-128"/>
+              </a:rPr>
+              <a:t>krijgen</a:t>
+            </a:r>
+            <a:r>
+              <a:rPr lang="en-US" b="1" dirty="0">
+                <a:ea typeface="ＭＳ Ｐゴシック" pitchFamily="34" charset="-128"/>
+              </a:rPr>
+              <a:t> de query messages </a:t>
+            </a:r>
+            <a:r>
+              <a:rPr lang="en-US" b="1" dirty="0" err="1">
+                <a:ea typeface="ＭＳ Ｐゴシック" pitchFamily="34" charset="-128"/>
+              </a:rPr>
+              <a:t>een</a:t>
+            </a:r>
+            <a:r>
+              <a:rPr lang="en-US" b="1" dirty="0">
+                <a:ea typeface="ＭＳ Ｐゴシック" pitchFamily="34" charset="-128"/>
+              </a:rPr>
+              <a:t> </a:t>
+            </a:r>
+            <a:r>
+              <a:rPr lang="en-US" b="1" dirty="0" err="1">
+                <a:ea typeface="ＭＳ Ｐゴシック" pitchFamily="34" charset="-128"/>
+              </a:rPr>
+              <a:t>uniek</a:t>
+            </a:r>
+            <a:r>
+              <a:rPr lang="en-US" b="1" dirty="0">
+                <a:ea typeface="ＭＳ Ｐゴシック" pitchFamily="34" charset="-128"/>
+              </a:rPr>
+              <a:t> query id, ICMP </a:t>
+            </a:r>
+            <a:r>
+              <a:rPr lang="en-US" b="1" dirty="0" err="1">
+                <a:ea typeface="ＭＳ Ｐゴシック" pitchFamily="34" charset="-128"/>
+              </a:rPr>
+              <a:t>gebruikt</a:t>
+            </a:r>
+            <a:r>
+              <a:rPr lang="en-US" b="1" dirty="0">
+                <a:ea typeface="ＭＳ Ｐゴシック" pitchFamily="34" charset="-128"/>
+              </a:rPr>
+              <a:t> </a:t>
+            </a:r>
+            <a:r>
+              <a:rPr lang="en-US" b="1" dirty="0" err="1">
+                <a:ea typeface="ＭＳ Ｐゴシック" pitchFamily="34" charset="-128"/>
+              </a:rPr>
+              <a:t>dit</a:t>
+            </a:r>
+            <a:r>
+              <a:rPr lang="en-US" b="1" dirty="0">
+                <a:ea typeface="ＭＳ Ｐゴシック" pitchFamily="34" charset="-128"/>
+              </a:rPr>
+              <a:t> query id om echo request met </a:t>
+            </a:r>
+            <a:r>
+              <a:rPr lang="en-US" b="1" dirty="0" err="1">
+                <a:ea typeface="ＭＳ Ｐゴシック" pitchFamily="34" charset="-128"/>
+              </a:rPr>
+              <a:t>bijhoren,de</a:t>
+            </a:r>
+            <a:r>
+              <a:rPr lang="en-US" b="1" dirty="0">
+                <a:ea typeface="ＭＳ Ｐゴシック" pitchFamily="34" charset="-128"/>
+              </a:rPr>
+              <a:t> reply </a:t>
+            </a:r>
+            <a:r>
+              <a:rPr lang="en-US" b="1" dirty="0" err="1">
+                <a:ea typeface="ＭＳ Ｐゴシック" pitchFamily="34" charset="-128"/>
+              </a:rPr>
+              <a:t>te</a:t>
+            </a:r>
+            <a:r>
+              <a:rPr lang="en-US" b="1" dirty="0">
+                <a:ea typeface="ＭＳ Ｐゴシック" pitchFamily="34" charset="-128"/>
+              </a:rPr>
+              <a:t> </a:t>
+            </a:r>
+            <a:r>
+              <a:rPr lang="en-US" b="1" dirty="0" err="1">
+                <a:ea typeface="ＭＳ Ｐゴシック" pitchFamily="34" charset="-128"/>
+              </a:rPr>
+              <a:t>identificeren</a:t>
+            </a:r>
+            <a:r>
+              <a:rPr lang="en-US" b="1" dirty="0">
+                <a:ea typeface="ＭＳ Ｐゴシック" pitchFamily="34" charset="-128"/>
+              </a:rPr>
+              <a:t>.</a:t>
+            </a:r>
+          </a:p>
+          <a:p>
+            <a:pPr>
+              <a:buFontTx/>
+              <a:buNone/>
+            </a:pPr>
+            <a:r>
+              <a:rPr lang="en-US" b="1" dirty="0">
+                <a:ea typeface="ＭＳ Ｐゴシック" pitchFamily="34" charset="-128"/>
+              </a:rPr>
+              <a:t>PAT </a:t>
+            </a:r>
+            <a:r>
+              <a:rPr lang="en-US" b="1" dirty="0" err="1">
+                <a:ea typeface="ＭＳ Ｐゴシック" pitchFamily="34" charset="-128"/>
+              </a:rPr>
+              <a:t>gebruikt</a:t>
+            </a:r>
+            <a:r>
+              <a:rPr lang="en-US" b="1" dirty="0">
+                <a:ea typeface="ＭＳ Ｐゴシック" pitchFamily="34" charset="-128"/>
+              </a:rPr>
+              <a:t> </a:t>
+            </a:r>
+            <a:r>
+              <a:rPr lang="en-US" b="1" dirty="0" err="1">
+                <a:ea typeface="ＭＳ Ｐゴシック" pitchFamily="34" charset="-128"/>
+              </a:rPr>
+              <a:t>dit</a:t>
+            </a:r>
+            <a:r>
+              <a:rPr lang="en-US" b="1" dirty="0">
+                <a:ea typeface="ＭＳ Ｐゴシック" pitchFamily="34" charset="-128"/>
+              </a:rPr>
+              <a:t> </a:t>
+            </a:r>
+            <a:r>
+              <a:rPr lang="en-US" b="1" dirty="0" err="1">
+                <a:ea typeface="ＭＳ Ｐゴシック" pitchFamily="34" charset="-128"/>
+              </a:rPr>
+              <a:t>auery</a:t>
+            </a:r>
+            <a:r>
+              <a:rPr lang="en-US" b="1" dirty="0">
+                <a:ea typeface="ＭＳ Ｐゴシック" pitchFamily="34" charset="-128"/>
+              </a:rPr>
+              <a:t> ID in de </a:t>
+            </a:r>
+            <a:r>
+              <a:rPr lang="en-US" b="1" dirty="0" err="1">
+                <a:ea typeface="ＭＳ Ｐゴシック" pitchFamily="34" charset="-128"/>
+              </a:rPr>
+              <a:t>plaats</a:t>
+            </a:r>
+            <a:r>
+              <a:rPr lang="en-US" b="1" dirty="0">
+                <a:ea typeface="ＭＳ Ｐゴシック" pitchFamily="34" charset="-128"/>
+              </a:rPr>
+              <a:t> van het port </a:t>
+            </a:r>
+            <a:r>
+              <a:rPr lang="en-US" b="1" dirty="0" err="1">
+                <a:ea typeface="ＭＳ Ｐゴシック" pitchFamily="34" charset="-128"/>
+              </a:rPr>
+              <a:t>nummer</a:t>
+            </a:r>
             <a:endParaRPr lang="en-US" b="1" dirty="0"/>
           </a:p>
         </p:txBody>
@@ -1805,6 +2863,379 @@
               <a:buFontTx/>
               <a:buNone/>
             </a:pPr>
+            <a:r>
+              <a:rPr lang="en-US" b="1" dirty="0"/>
+              <a:t>1: </a:t>
+            </a:r>
+            <a:r>
+              <a:rPr lang="en-US" b="1" dirty="0" err="1"/>
+              <a:t>dit</a:t>
+            </a:r>
+            <a:r>
+              <a:rPr lang="en-US" b="1" dirty="0"/>
+              <a:t> </a:t>
+            </a:r>
+            <a:r>
+              <a:rPr lang="en-US" b="1" dirty="0" err="1"/>
+              <a:t>wil</a:t>
+            </a:r>
+            <a:r>
+              <a:rPr lang="en-US" b="1" dirty="0"/>
+              <a:t> </a:t>
+            </a:r>
+            <a:r>
+              <a:rPr lang="en-US" b="1" dirty="0" err="1"/>
+              <a:t>zeggen</a:t>
+            </a:r>
+            <a:r>
+              <a:rPr lang="en-US" b="1" dirty="0"/>
+              <a:t> </a:t>
+            </a:r>
+            <a:r>
+              <a:rPr lang="en-US" b="1" dirty="0" err="1"/>
+              <a:t>dat</a:t>
+            </a:r>
+            <a:r>
+              <a:rPr lang="en-US" b="1" dirty="0"/>
+              <a:t> interne </a:t>
+            </a:r>
+            <a:r>
+              <a:rPr lang="en-US" b="1" dirty="0" err="1"/>
+              <a:t>netwerken</a:t>
+            </a:r>
+            <a:r>
+              <a:rPr lang="en-US" b="1" dirty="0"/>
+              <a:t> </a:t>
+            </a:r>
+            <a:r>
+              <a:rPr lang="en-US" b="1" dirty="0" err="1"/>
+              <a:t>privé</a:t>
+            </a:r>
+            <a:r>
+              <a:rPr lang="en-US" b="1" dirty="0"/>
+              <a:t> </a:t>
+            </a:r>
+            <a:r>
+              <a:rPr lang="en-US" b="1" dirty="0" err="1"/>
+              <a:t>blijven</a:t>
+            </a:r>
+            <a:r>
+              <a:rPr lang="en-US" b="1" dirty="0"/>
+              <a:t> in </a:t>
+            </a:r>
+            <a:r>
+              <a:rPr lang="en-US" b="1" dirty="0" err="1"/>
+              <a:t>perspectief</a:t>
+            </a:r>
+            <a:r>
+              <a:rPr lang="en-US" b="1" dirty="0"/>
+              <a:t> van </a:t>
+            </a:r>
+            <a:r>
+              <a:rPr lang="en-US" b="1" dirty="0" err="1"/>
+              <a:t>een</a:t>
+            </a:r>
+            <a:r>
+              <a:rPr lang="en-US" b="1" dirty="0"/>
+              <a:t> extern network.</a:t>
+            </a:r>
+          </a:p>
+          <a:p>
+            <a:pPr>
+              <a:buFontTx/>
+              <a:buNone/>
+            </a:pPr>
+            <a:r>
+              <a:rPr lang="en-US" b="1" dirty="0"/>
+              <a:t>2: </a:t>
+            </a:r>
+            <a:r>
+              <a:rPr lang="en-US" b="1" dirty="0" err="1"/>
+              <a:t>meerdere</a:t>
+            </a:r>
+            <a:r>
+              <a:rPr lang="en-US" b="1" dirty="0"/>
+              <a:t> pools, backup pools </a:t>
+            </a:r>
+            <a:r>
+              <a:rPr lang="en-US" b="1" dirty="0" err="1"/>
+              <a:t>en</a:t>
+            </a:r>
+            <a:r>
+              <a:rPr lang="en-US" b="1" dirty="0"/>
+              <a:t> load-balancing pools </a:t>
+            </a:r>
+            <a:r>
+              <a:rPr lang="en-US" b="1" dirty="0" err="1"/>
+              <a:t>kunnen</a:t>
+            </a:r>
+            <a:r>
+              <a:rPr lang="en-US" b="1" dirty="0"/>
+              <a:t> </a:t>
+            </a:r>
+            <a:r>
+              <a:rPr lang="en-US" b="1" dirty="0" err="1"/>
+              <a:t>geimplementeerd</a:t>
+            </a:r>
+            <a:r>
+              <a:rPr lang="en-US" b="1" dirty="0"/>
+              <a:t> </a:t>
+            </a:r>
+            <a:r>
+              <a:rPr lang="en-US" b="1" dirty="0" err="1"/>
+              <a:t>worden</a:t>
+            </a:r>
+            <a:r>
+              <a:rPr lang="en-US" b="1" dirty="0"/>
+              <a:t> </a:t>
+            </a:r>
+            <a:r>
+              <a:rPr lang="en-US" b="1" dirty="0" err="1"/>
+              <a:t>voor</a:t>
+            </a:r>
+            <a:r>
+              <a:rPr lang="en-US" b="1" dirty="0"/>
+              <a:t> </a:t>
+            </a:r>
+            <a:r>
+              <a:rPr lang="en-US" b="1" dirty="0" err="1"/>
+              <a:t>een</a:t>
+            </a:r>
+            <a:r>
+              <a:rPr lang="en-US" b="1" dirty="0"/>
+              <a:t> </a:t>
+            </a:r>
+            <a:r>
+              <a:rPr lang="en-US" b="1" dirty="0" err="1"/>
+              <a:t>meer</a:t>
+            </a:r>
+            <a:r>
+              <a:rPr lang="en-US" b="1" dirty="0"/>
+              <a:t> </a:t>
+            </a:r>
+            <a:r>
+              <a:rPr lang="en-US" b="1" dirty="0" err="1"/>
+              <a:t>bedrijfzekere</a:t>
+            </a:r>
+            <a:r>
+              <a:rPr lang="en-US" b="1" dirty="0"/>
+              <a:t> </a:t>
+            </a:r>
+            <a:r>
+              <a:rPr lang="en-US" b="1" dirty="0" err="1"/>
+              <a:t>connectie</a:t>
+            </a:r>
+            <a:r>
+              <a:rPr lang="en-US" b="1" dirty="0"/>
+              <a:t>.</a:t>
+            </a:r>
+          </a:p>
+          <a:p>
+            <a:pPr>
+              <a:buFontTx/>
+              <a:buNone/>
+            </a:pPr>
+            <a:r>
+              <a:rPr lang="en-US" b="1" dirty="0"/>
+              <a:t>3: </a:t>
+            </a:r>
+            <a:r>
+              <a:rPr lang="en-US" b="1" dirty="0" err="1"/>
+              <a:t>wanneer</a:t>
+            </a:r>
+            <a:r>
+              <a:rPr lang="en-US" b="1" dirty="0"/>
+              <a:t> </a:t>
+            </a:r>
+            <a:r>
+              <a:rPr lang="en-US" b="1" dirty="0" err="1"/>
+              <a:t>een</a:t>
+            </a:r>
+            <a:r>
+              <a:rPr lang="en-US" b="1" dirty="0"/>
+              <a:t> network </a:t>
+            </a:r>
+            <a:r>
+              <a:rPr lang="en-US" b="1" dirty="0" err="1"/>
+              <a:t>geen</a:t>
+            </a:r>
+            <a:r>
+              <a:rPr lang="en-US" b="1" dirty="0"/>
+              <a:t> </a:t>
+            </a:r>
+            <a:r>
+              <a:rPr lang="en-US" b="1" dirty="0" err="1"/>
+              <a:t>gebruik</a:t>
+            </a:r>
+            <a:r>
+              <a:rPr lang="en-US" b="1" dirty="0"/>
+              <a:t> </a:t>
+            </a:r>
+            <a:r>
+              <a:rPr lang="en-US" b="1" dirty="0" err="1"/>
+              <a:t>maakt</a:t>
+            </a:r>
+            <a:r>
+              <a:rPr lang="en-US" b="1" dirty="0"/>
+              <a:t> van NAT is het </a:t>
+            </a:r>
+            <a:r>
+              <a:rPr lang="en-US" b="1" dirty="0" err="1"/>
+              <a:t>veranderen</a:t>
+            </a:r>
+            <a:r>
+              <a:rPr lang="en-US" b="1" dirty="0"/>
+              <a:t> van het public IPv4 address </a:t>
+            </a:r>
+            <a:r>
+              <a:rPr lang="en-US" b="1" dirty="0" err="1"/>
+              <a:t>een</a:t>
+            </a:r>
+            <a:r>
+              <a:rPr lang="en-US" b="1" dirty="0"/>
+              <a:t> </a:t>
+            </a:r>
+            <a:r>
+              <a:rPr lang="en-US" b="1" dirty="0" err="1"/>
+              <a:t>kostelijke</a:t>
+            </a:r>
+            <a:r>
+              <a:rPr lang="en-US" b="1" dirty="0"/>
+              <a:t> </a:t>
+            </a:r>
+            <a:r>
+              <a:rPr lang="en-US" b="1" dirty="0" err="1"/>
+              <a:t>bedoeling</a:t>
+            </a:r>
+            <a:r>
+              <a:rPr lang="en-US" b="1" dirty="0"/>
+              <a:t>. Want </a:t>
+            </a:r>
+            <a:r>
+              <a:rPr lang="en-US" b="1" dirty="0" err="1"/>
+              <a:t>dan</a:t>
+            </a:r>
+            <a:r>
+              <a:rPr lang="en-US" b="1" dirty="0"/>
+              <a:t> </a:t>
+            </a:r>
+            <a:r>
+              <a:rPr lang="en-US" b="1" dirty="0" err="1"/>
+              <a:t>moet</a:t>
+            </a:r>
+            <a:r>
+              <a:rPr lang="en-US" b="1" dirty="0"/>
+              <a:t> men </a:t>
+            </a:r>
+            <a:r>
+              <a:rPr lang="en-US" b="1" dirty="0" err="1"/>
+              <a:t>alle</a:t>
+            </a:r>
+            <a:r>
+              <a:rPr lang="en-US" b="1" dirty="0"/>
+              <a:t> interne </a:t>
+            </a:r>
+            <a:r>
+              <a:rPr lang="en-US" b="1" dirty="0" err="1"/>
+              <a:t>apparaten</a:t>
+            </a:r>
+            <a:r>
+              <a:rPr lang="en-US" b="1" dirty="0"/>
+              <a:t> </a:t>
+            </a:r>
+            <a:r>
+              <a:rPr lang="en-US" b="1" dirty="0" err="1"/>
+              <a:t>heradresseren</a:t>
+            </a:r>
+            <a:endParaRPr lang="en-US" b="1" dirty="0"/>
+          </a:p>
+          <a:p>
+            <a:pPr>
+              <a:buFontTx/>
+              <a:buNone/>
+            </a:pPr>
+            <a:r>
+              <a:rPr lang="en-US" b="1" dirty="0"/>
+              <a:t>4: </a:t>
+            </a:r>
+            <a:r>
+              <a:rPr lang="en-US" b="1" dirty="0" err="1"/>
+              <a:t>omdat</a:t>
+            </a:r>
+            <a:r>
+              <a:rPr lang="en-US" b="1" dirty="0"/>
+              <a:t> de interne </a:t>
+            </a:r>
+            <a:r>
+              <a:rPr lang="en-US" b="1" dirty="0" err="1"/>
+              <a:t>adressen</a:t>
+            </a:r>
+            <a:r>
+              <a:rPr lang="en-US" b="1" dirty="0"/>
+              <a:t> </a:t>
+            </a:r>
+            <a:r>
+              <a:rPr lang="en-US" b="1" dirty="0" err="1"/>
+              <a:t>en</a:t>
+            </a:r>
+            <a:r>
+              <a:rPr lang="en-US" b="1" dirty="0"/>
+              <a:t> </a:t>
+            </a:r>
+            <a:r>
+              <a:rPr lang="en-US" b="1" dirty="0" err="1"/>
+              <a:t>topologie</a:t>
+            </a:r>
+            <a:r>
+              <a:rPr lang="en-US" b="1" dirty="0"/>
+              <a:t>  </a:t>
+            </a:r>
+            <a:r>
+              <a:rPr lang="en-US" b="1" dirty="0" err="1"/>
+              <a:t>privé</a:t>
+            </a:r>
+            <a:r>
+              <a:rPr lang="en-US" b="1" dirty="0"/>
+              <a:t> </a:t>
+            </a:r>
+            <a:r>
+              <a:rPr lang="en-US" b="1" dirty="0" err="1"/>
+              <a:t>blijft</a:t>
+            </a:r>
+            <a:r>
+              <a:rPr lang="en-US" b="1" dirty="0"/>
+              <a:t>. Maar NAT </a:t>
+            </a:r>
+            <a:r>
+              <a:rPr lang="en-US" b="1" dirty="0" err="1"/>
+              <a:t>vervangt</a:t>
+            </a:r>
+            <a:r>
+              <a:rPr lang="en-US" b="1" dirty="0"/>
+              <a:t> </a:t>
+            </a:r>
+            <a:r>
+              <a:rPr lang="en-US" b="1" dirty="0" err="1"/>
+              <a:t>zeker</a:t>
+            </a:r>
+            <a:r>
+              <a:rPr lang="en-US" b="1" dirty="0"/>
+              <a:t> </a:t>
+            </a:r>
+            <a:r>
+              <a:rPr lang="en-US" b="1" dirty="0" err="1"/>
+              <a:t>geen</a:t>
+            </a:r>
+            <a:r>
+              <a:rPr lang="en-US" b="1" dirty="0"/>
+              <a:t> firewall.</a:t>
+            </a:r>
+          </a:p>
+          <a:p>
+            <a:pPr>
+              <a:buFontTx/>
+              <a:buNone/>
+            </a:pPr>
             <a:endParaRPr lang="en-US" b="1" dirty="0"/>
           </a:p>
         </p:txBody>
@@ -1913,7 +3344,697 @@
               <a:buFontTx/>
               <a:buNone/>
             </a:pPr>
+            <a:r>
+              <a:rPr lang="en-US" b="1" dirty="0"/>
+              <a:t>1: de router </a:t>
+            </a:r>
+            <a:r>
+              <a:rPr lang="en-US" b="1" dirty="0" err="1"/>
+              <a:t>moet</a:t>
+            </a:r>
+            <a:r>
+              <a:rPr lang="en-US" b="1" dirty="0"/>
+              <a:t> elk packet </a:t>
+            </a:r>
+            <a:r>
+              <a:rPr lang="en-US" b="1" dirty="0" err="1"/>
+              <a:t>controleren</a:t>
+            </a:r>
+            <a:r>
+              <a:rPr lang="en-US" b="1" dirty="0"/>
+              <a:t> of het </a:t>
+            </a:r>
+            <a:r>
+              <a:rPr lang="en-US" b="1" dirty="0" err="1"/>
+              <a:t>omgezet</a:t>
+            </a:r>
+            <a:r>
+              <a:rPr lang="en-US" b="1" dirty="0"/>
+              <a:t> </a:t>
+            </a:r>
+            <a:r>
+              <a:rPr lang="en-US" b="1" dirty="0" err="1"/>
+              <a:t>moet</a:t>
+            </a:r>
+            <a:r>
+              <a:rPr lang="en-US" b="1" dirty="0"/>
+              <a:t> </a:t>
+            </a:r>
+            <a:r>
+              <a:rPr lang="en-US" b="1" dirty="0" err="1"/>
+              <a:t>worden</a:t>
+            </a:r>
+            <a:r>
+              <a:rPr lang="en-US" b="1" dirty="0"/>
+              <a:t>, </a:t>
+            </a:r>
+            <a:r>
+              <a:rPr lang="en-US" b="1" dirty="0" err="1"/>
+              <a:t>wanneer</a:t>
+            </a:r>
+            <a:r>
+              <a:rPr lang="en-US" b="1" dirty="0"/>
+              <a:t> </a:t>
+            </a:r>
+            <a:r>
+              <a:rPr lang="en-US" b="1" dirty="0" err="1"/>
+              <a:t>dit</a:t>
+            </a:r>
+            <a:r>
+              <a:rPr lang="en-US" b="1" dirty="0"/>
+              <a:t> </a:t>
+            </a:r>
+            <a:r>
+              <a:rPr lang="en-US" b="1" dirty="0" err="1"/>
+              <a:t>omgezet</a:t>
+            </a:r>
+            <a:r>
+              <a:rPr lang="en-US" b="1" dirty="0"/>
+              <a:t> </a:t>
+            </a:r>
+            <a:r>
+              <a:rPr lang="en-US" b="1" dirty="0" err="1"/>
+              <a:t>moet</a:t>
+            </a:r>
+            <a:r>
+              <a:rPr lang="en-US" b="1" dirty="0"/>
+              <a:t> </a:t>
+            </a:r>
+            <a:r>
+              <a:rPr lang="en-US" b="1" dirty="0" err="1"/>
+              <a:t>worden</a:t>
+            </a:r>
+            <a:r>
+              <a:rPr lang="en-US" b="1" dirty="0"/>
+              <a:t> </a:t>
+            </a:r>
+            <a:r>
+              <a:rPr lang="en-US" b="1" dirty="0" err="1"/>
+              <a:t>neemt</a:t>
+            </a:r>
+            <a:r>
+              <a:rPr lang="en-US" b="1" dirty="0"/>
+              <a:t> </a:t>
+            </a:r>
+            <a:r>
+              <a:rPr lang="en-US" b="1" dirty="0" err="1"/>
+              <a:t>dit</a:t>
+            </a:r>
+            <a:r>
+              <a:rPr lang="en-US" b="1" dirty="0"/>
+              <a:t> </a:t>
+            </a:r>
+            <a:r>
+              <a:rPr lang="en-US" b="1" dirty="0" err="1"/>
+              <a:t>ook</a:t>
+            </a:r>
+            <a:r>
+              <a:rPr lang="en-US" b="1" dirty="0"/>
+              <a:t> </a:t>
+            </a:r>
+            <a:r>
+              <a:rPr lang="en-US" b="1" dirty="0" err="1"/>
+              <a:t>tijd</a:t>
+            </a:r>
+            <a:r>
+              <a:rPr lang="en-US" b="1" dirty="0"/>
+              <a:t> in </a:t>
+            </a:r>
+            <a:r>
+              <a:rPr lang="en-US" b="1" dirty="0" err="1"/>
+              <a:t>beslag</a:t>
+            </a:r>
+            <a:r>
+              <a:rPr lang="en-US" b="1" dirty="0"/>
+              <a:t> om </a:t>
+            </a:r>
+            <a:r>
+              <a:rPr lang="en-US" b="1" dirty="0" err="1"/>
+              <a:t>hiervan</a:t>
+            </a:r>
+            <a:r>
+              <a:rPr lang="en-US" b="1" dirty="0"/>
+              <a:t> </a:t>
+            </a:r>
+            <a:r>
+              <a:rPr lang="en-US" b="1" dirty="0" err="1"/>
+              <a:t>een</a:t>
+            </a:r>
+            <a:r>
+              <a:rPr lang="en-US" b="1" dirty="0"/>
+              <a:t> packet met header </a:t>
+            </a:r>
+            <a:r>
+              <a:rPr lang="en-US" b="1" dirty="0" err="1"/>
+              <a:t>en</a:t>
+            </a:r>
+            <a:r>
+              <a:rPr lang="en-US" b="1" dirty="0"/>
+              <a:t> </a:t>
+            </a:r>
+            <a:r>
+              <a:rPr lang="en-US" b="1" dirty="0" err="1"/>
+              <a:t>eventuele</a:t>
+            </a:r>
+            <a:r>
+              <a:rPr lang="en-US" b="1" dirty="0"/>
+              <a:t> checksum (</a:t>
+            </a:r>
+            <a:r>
+              <a:rPr lang="en-US" b="1" dirty="0" err="1"/>
+              <a:t>alleen</a:t>
+            </a:r>
+            <a:r>
+              <a:rPr lang="en-US" b="1" dirty="0"/>
+              <a:t> </a:t>
+            </a:r>
+            <a:r>
+              <a:rPr lang="en-US" b="1" dirty="0" err="1"/>
+              <a:t>bij</a:t>
+            </a:r>
+            <a:r>
+              <a:rPr lang="en-US" b="1" dirty="0"/>
+              <a:t> </a:t>
+            </a:r>
+            <a:r>
+              <a:rPr lang="en-US" b="1" dirty="0" err="1"/>
+              <a:t>tcp</a:t>
+            </a:r>
+            <a:r>
+              <a:rPr lang="en-US" b="1" dirty="0"/>
+              <a:t>, </a:t>
+            </a:r>
+            <a:r>
+              <a:rPr lang="en-US" b="1" dirty="0" err="1"/>
+              <a:t>niet</a:t>
+            </a:r>
+            <a:r>
+              <a:rPr lang="en-US" b="1" dirty="0"/>
+              <a:t> </a:t>
+            </a:r>
+            <a:r>
+              <a:rPr lang="en-US" b="1" dirty="0" err="1"/>
+              <a:t>bij</a:t>
+            </a:r>
+            <a:r>
+              <a:rPr lang="en-US" b="1" dirty="0"/>
+              <a:t> </a:t>
+            </a:r>
+            <a:r>
+              <a:rPr lang="en-US" b="1" dirty="0" err="1"/>
+              <a:t>udp</a:t>
+            </a:r>
+            <a:r>
+              <a:rPr lang="en-US" b="1" dirty="0"/>
+              <a:t>) </a:t>
+            </a:r>
+            <a:r>
+              <a:rPr lang="en-US" b="1" dirty="0" err="1"/>
+              <a:t>te</a:t>
+            </a:r>
+            <a:r>
+              <a:rPr lang="en-US" b="1" dirty="0"/>
+              <a:t> </a:t>
+            </a:r>
+            <a:r>
+              <a:rPr lang="en-US" b="1" dirty="0" err="1"/>
+              <a:t>maken</a:t>
+            </a:r>
             <a:endParaRPr lang="en-US" b="1" dirty="0"/>
+          </a:p>
+          <a:p>
+            <a:pPr>
+              <a:buFontTx/>
+              <a:buNone/>
+            </a:pPr>
+            <a:r>
+              <a:rPr lang="en-US" b="1" dirty="0"/>
+              <a:t>2: end-to-end </a:t>
+            </a:r>
+            <a:r>
+              <a:rPr lang="en-US" b="1" dirty="0" err="1"/>
+              <a:t>addressering</a:t>
+            </a:r>
+            <a:r>
+              <a:rPr lang="en-US" b="1" dirty="0"/>
+              <a:t> is </a:t>
+            </a:r>
+            <a:r>
+              <a:rPr lang="en-US" b="1" dirty="0" err="1"/>
+              <a:t>hier</a:t>
+            </a:r>
+            <a:r>
+              <a:rPr lang="en-US" b="1" dirty="0"/>
+              <a:t> </a:t>
+            </a:r>
+            <a:r>
+              <a:rPr lang="en-US" b="1" dirty="0" err="1"/>
+              <a:t>niet</a:t>
+            </a:r>
+            <a:r>
+              <a:rPr lang="en-US" b="1" dirty="0"/>
+              <a:t> van </a:t>
+            </a:r>
+            <a:r>
+              <a:rPr lang="en-US" b="1" dirty="0" err="1"/>
+              <a:t>toepassing</a:t>
+            </a:r>
+            <a:r>
+              <a:rPr lang="en-US" b="1" dirty="0"/>
+              <a:t>.  </a:t>
+            </a:r>
+            <a:r>
+              <a:rPr lang="en-US" b="1" dirty="0" err="1"/>
+              <a:t>Veel</a:t>
+            </a:r>
+            <a:r>
+              <a:rPr lang="en-US" b="1" dirty="0"/>
+              <a:t> internet </a:t>
+            </a:r>
+            <a:r>
+              <a:rPr lang="en-US" b="1" dirty="0" err="1"/>
+              <a:t>protocollen</a:t>
+            </a:r>
+            <a:r>
+              <a:rPr lang="en-US" b="1" dirty="0"/>
+              <a:t> </a:t>
+            </a:r>
+            <a:r>
+              <a:rPr lang="en-US" b="1" dirty="0" err="1"/>
+              <a:t>en</a:t>
+            </a:r>
+            <a:r>
+              <a:rPr lang="en-US" b="1" dirty="0"/>
+              <a:t> </a:t>
+            </a:r>
+            <a:r>
+              <a:rPr lang="en-US" b="1" dirty="0" err="1"/>
+              <a:t>applicaties</a:t>
+            </a:r>
+            <a:r>
+              <a:rPr lang="en-US" b="1" dirty="0"/>
+              <a:t> </a:t>
+            </a:r>
+            <a:r>
+              <a:rPr lang="en-US" b="1" dirty="0" err="1"/>
+              <a:t>maken</a:t>
+            </a:r>
+            <a:r>
+              <a:rPr lang="en-US" b="1" dirty="0"/>
+              <a:t> </a:t>
+            </a:r>
+            <a:r>
+              <a:rPr lang="en-US" b="1" dirty="0" err="1"/>
+              <a:t>namelijk</a:t>
+            </a:r>
+            <a:r>
+              <a:rPr lang="en-US" b="1" dirty="0"/>
+              <a:t> </a:t>
+            </a:r>
+            <a:r>
+              <a:rPr lang="en-US" b="1" dirty="0" err="1"/>
+              <a:t>gebruik</a:t>
+            </a:r>
+            <a:r>
+              <a:rPr lang="en-US" b="1" dirty="0"/>
+              <a:t> van end-to-end </a:t>
+            </a:r>
+            <a:r>
+              <a:rPr lang="en-US" b="1" dirty="0" err="1"/>
+              <a:t>addressering</a:t>
+            </a:r>
+            <a:r>
+              <a:rPr lang="en-US" b="1" dirty="0"/>
+              <a:t> van de </a:t>
+            </a:r>
+            <a:r>
+              <a:rPr lang="en-US" b="1" dirty="0" err="1"/>
+              <a:t>bron</a:t>
+            </a:r>
+            <a:r>
+              <a:rPr lang="en-US" b="1" dirty="0"/>
+              <a:t> tot </a:t>
+            </a:r>
+            <a:r>
+              <a:rPr lang="en-US" b="1" dirty="0" err="1"/>
+              <a:t>bestemming</a:t>
+            </a:r>
+            <a:r>
+              <a:rPr lang="en-US" b="1" dirty="0"/>
+              <a:t>. </a:t>
+            </a:r>
+            <a:r>
+              <a:rPr lang="en-US" b="1" dirty="0" err="1"/>
+              <a:t>Soms</a:t>
+            </a:r>
+            <a:r>
+              <a:rPr lang="en-US" b="1" dirty="0"/>
+              <a:t> </a:t>
+            </a:r>
+            <a:r>
+              <a:rPr lang="en-US" b="1" dirty="0" err="1"/>
+              <a:t>kan</a:t>
+            </a:r>
+            <a:r>
+              <a:rPr lang="en-US" b="1" dirty="0"/>
+              <a:t> </a:t>
+            </a:r>
+            <a:r>
+              <a:rPr lang="en-US" b="1" dirty="0" err="1"/>
+              <a:t>dit</a:t>
+            </a:r>
+            <a:r>
+              <a:rPr lang="en-US" b="1" dirty="0"/>
+              <a:t> </a:t>
+            </a:r>
+            <a:r>
+              <a:rPr lang="en-US" b="1" dirty="0" err="1"/>
+              <a:t>verholpen</a:t>
+            </a:r>
+            <a:r>
+              <a:rPr lang="en-US" b="1" dirty="0"/>
+              <a:t> </a:t>
+            </a:r>
+            <a:r>
+              <a:rPr lang="en-US" b="1" dirty="0" err="1"/>
+              <a:t>worden</a:t>
+            </a:r>
+            <a:r>
+              <a:rPr lang="en-US" b="1" dirty="0"/>
+              <a:t> door static NAT mappings </a:t>
+            </a:r>
+            <a:r>
+              <a:rPr lang="en-US" b="1" dirty="0" err="1"/>
+              <a:t>te</a:t>
+            </a:r>
+            <a:r>
+              <a:rPr lang="en-US" b="1" dirty="0"/>
+              <a:t> </a:t>
+            </a:r>
+            <a:r>
+              <a:rPr lang="en-US" b="1" dirty="0" err="1"/>
+              <a:t>implementeren</a:t>
+            </a:r>
+            <a:r>
+              <a:rPr lang="en-US" b="1" dirty="0"/>
+              <a:t>.</a:t>
+            </a:r>
+          </a:p>
+          <a:p>
+            <a:pPr>
+              <a:buFontTx/>
+              <a:buNone/>
+            </a:pPr>
+            <a:r>
+              <a:rPr lang="en-US" b="1" dirty="0"/>
+              <a:t>3: het </a:t>
+            </a:r>
+            <a:r>
+              <a:rPr lang="en-US" b="1" dirty="0" err="1"/>
+              <a:t>wordt</a:t>
+            </a:r>
+            <a:r>
+              <a:rPr lang="en-US" b="1" dirty="0"/>
+              <a:t> </a:t>
+            </a:r>
+            <a:r>
+              <a:rPr lang="en-US" b="1" dirty="0" err="1"/>
+              <a:t>veel</a:t>
+            </a:r>
+            <a:r>
+              <a:rPr lang="en-US" b="1" dirty="0"/>
+              <a:t> </a:t>
+            </a:r>
+            <a:r>
+              <a:rPr lang="en-US" b="1" dirty="0" err="1"/>
+              <a:t>moeilijker</a:t>
+            </a:r>
+            <a:r>
+              <a:rPr lang="en-US" b="1" dirty="0"/>
+              <a:t> om </a:t>
+            </a:r>
+            <a:r>
+              <a:rPr lang="en-US" b="1" dirty="0" err="1"/>
+              <a:t>packetten</a:t>
+            </a:r>
+            <a:r>
+              <a:rPr lang="en-US" b="1" dirty="0"/>
+              <a:t> </a:t>
+            </a:r>
+            <a:r>
+              <a:rPr lang="en-US" b="1" dirty="0" err="1"/>
+              <a:t>te</a:t>
+            </a:r>
+            <a:r>
+              <a:rPr lang="en-US" b="1" dirty="0"/>
+              <a:t> </a:t>
+            </a:r>
+            <a:r>
+              <a:rPr lang="en-US" b="1" dirty="0" err="1"/>
+              <a:t>traceren</a:t>
+            </a:r>
+            <a:r>
+              <a:rPr lang="en-US" b="1" dirty="0"/>
+              <a:t> </a:t>
+            </a:r>
+            <a:r>
+              <a:rPr lang="en-US" b="1" dirty="0" err="1"/>
+              <a:t>en</a:t>
+            </a:r>
+            <a:r>
+              <a:rPr lang="en-US" b="1" dirty="0"/>
+              <a:t> </a:t>
+            </a:r>
+            <a:r>
+              <a:rPr lang="en-US" b="1" dirty="0" err="1"/>
+              <a:t>dit</a:t>
+            </a:r>
+            <a:r>
+              <a:rPr lang="en-US" b="1" dirty="0"/>
+              <a:t> </a:t>
+            </a:r>
+            <a:r>
+              <a:rPr lang="en-US" b="1" dirty="0" err="1"/>
+              <a:t>maakt</a:t>
+            </a:r>
+            <a:r>
+              <a:rPr lang="en-US" b="1" dirty="0"/>
+              <a:t> troubleshooting </a:t>
+            </a:r>
+            <a:r>
+              <a:rPr lang="en-US" b="1" dirty="0" err="1"/>
+              <a:t>moeilijker</a:t>
+            </a:r>
+            <a:r>
+              <a:rPr lang="en-US" b="1" dirty="0"/>
+              <a:t>.</a:t>
+            </a:r>
+          </a:p>
+          <a:p>
+            <a:pPr>
+              <a:buFontTx/>
+              <a:buNone/>
+            </a:pPr>
+            <a:r>
+              <a:rPr lang="en-US" b="1" dirty="0"/>
+              <a:t>4: </a:t>
+            </a:r>
+            <a:r>
+              <a:rPr lang="en-US" b="1" dirty="0" err="1"/>
+              <a:t>omdat</a:t>
+            </a:r>
+            <a:r>
+              <a:rPr lang="en-US" b="1" dirty="0"/>
+              <a:t> NAT warden in de header van de </a:t>
+            </a:r>
+            <a:r>
+              <a:rPr lang="en-US" b="1" dirty="0" err="1"/>
+              <a:t>packetten</a:t>
+            </a:r>
+            <a:r>
+              <a:rPr lang="en-US" b="1" dirty="0"/>
+              <a:t> </a:t>
+            </a:r>
+            <a:r>
+              <a:rPr lang="en-US" b="1" dirty="0" err="1"/>
+              <a:t>verandert</a:t>
+            </a:r>
+            <a:r>
+              <a:rPr lang="en-US" b="1" dirty="0"/>
+              <a:t> die </a:t>
+            </a:r>
+            <a:r>
+              <a:rPr lang="en-US" b="1" dirty="0" err="1"/>
+              <a:t>botsen</a:t>
+            </a:r>
+            <a:r>
+              <a:rPr lang="en-US" b="1" dirty="0"/>
+              <a:t> met de integrity checks die </a:t>
+            </a:r>
+            <a:r>
+              <a:rPr lang="en-US" b="1" dirty="0" err="1"/>
+              <a:t>gedaan</a:t>
+            </a:r>
+            <a:r>
+              <a:rPr lang="en-US" b="1" dirty="0"/>
+              <a:t> </a:t>
+            </a:r>
+            <a:r>
+              <a:rPr lang="en-US" b="1" dirty="0" err="1"/>
+              <a:t>worden</a:t>
+            </a:r>
+            <a:r>
+              <a:rPr lang="en-US" b="1" dirty="0"/>
+              <a:t> door tunneling protocols </a:t>
+            </a:r>
+            <a:r>
+              <a:rPr lang="en-US" b="1" dirty="0" err="1"/>
+              <a:t>zoals</a:t>
+            </a:r>
+            <a:r>
+              <a:rPr lang="en-US" b="1" dirty="0"/>
+              <a:t> IPsec.</a:t>
+            </a:r>
+          </a:p>
+          <a:p>
+            <a:pPr>
+              <a:buFontTx/>
+              <a:buNone/>
+            </a:pPr>
+            <a:r>
+              <a:rPr lang="en-US" b="1" dirty="0"/>
+              <a:t>5: services die </a:t>
+            </a:r>
+            <a:r>
+              <a:rPr lang="en-US" b="1" dirty="0" err="1"/>
+              <a:t>initiatie</a:t>
+            </a:r>
+            <a:r>
+              <a:rPr lang="en-US" b="1" dirty="0"/>
+              <a:t> van de TCP </a:t>
+            </a:r>
+            <a:r>
+              <a:rPr lang="en-US" b="1" dirty="0" err="1"/>
+              <a:t>connectie</a:t>
+            </a:r>
+            <a:r>
+              <a:rPr lang="en-US" b="1" dirty="0"/>
+              <a:t> </a:t>
+            </a:r>
+            <a:r>
+              <a:rPr lang="en-US" b="1" dirty="0" err="1"/>
+              <a:t>nodig</a:t>
+            </a:r>
+            <a:r>
+              <a:rPr lang="en-US" b="1" dirty="0"/>
+              <a:t> </a:t>
+            </a:r>
+            <a:r>
+              <a:rPr lang="en-US" b="1" dirty="0" err="1"/>
+              <a:t>hebben</a:t>
+            </a:r>
+            <a:r>
+              <a:rPr lang="en-US" b="1" dirty="0"/>
+              <a:t> van het </a:t>
+            </a:r>
+            <a:r>
+              <a:rPr lang="en-US" b="1" dirty="0" err="1"/>
+              <a:t>externe</a:t>
+            </a:r>
+            <a:r>
+              <a:rPr lang="en-US" b="1" dirty="0"/>
+              <a:t> internet of stateless </a:t>
+            </a:r>
+            <a:r>
+              <a:rPr lang="en-US" b="1" dirty="0" err="1"/>
+              <a:t>protocals</a:t>
+            </a:r>
+            <a:r>
+              <a:rPr lang="en-US" b="1" dirty="0"/>
+              <a:t> </a:t>
+            </a:r>
+            <a:r>
+              <a:rPr lang="en-US" b="1" dirty="0" err="1"/>
+              <a:t>zoals</a:t>
+            </a:r>
+            <a:r>
+              <a:rPr lang="en-US" b="1" dirty="0"/>
+              <a:t> UDP </a:t>
+            </a:r>
+            <a:r>
+              <a:rPr lang="en-US" b="1" dirty="0" err="1"/>
+              <a:t>kunnen</a:t>
+            </a:r>
+            <a:r>
+              <a:rPr lang="en-US" b="1" dirty="0"/>
+              <a:t> </a:t>
+            </a:r>
+            <a:r>
+              <a:rPr lang="en-US" b="1" dirty="0" err="1"/>
+              <a:t>onderbroken</a:t>
+            </a:r>
+            <a:r>
+              <a:rPr lang="en-US" b="1" dirty="0"/>
+              <a:t> </a:t>
+            </a:r>
+            <a:r>
+              <a:rPr lang="en-US" b="1" dirty="0" err="1"/>
+              <a:t>worden</a:t>
+            </a:r>
+            <a:r>
+              <a:rPr lang="en-US" b="1" dirty="0"/>
+              <a:t>, </a:t>
+            </a:r>
+            <a:r>
+              <a:rPr lang="en-US" b="1" dirty="0" err="1"/>
+              <a:t>tenzei</a:t>
+            </a:r>
+            <a:r>
+              <a:rPr lang="en-US" b="1" dirty="0"/>
+              <a:t> de NAT router </a:t>
+            </a:r>
+            <a:r>
+              <a:rPr lang="en-US" b="1" dirty="0" err="1"/>
+              <a:t>geconfigureerd</a:t>
+            </a:r>
+            <a:r>
+              <a:rPr lang="en-US" b="1" dirty="0"/>
+              <a:t> is die </a:t>
+            </a:r>
+            <a:r>
+              <a:rPr lang="en-US" b="1" dirty="0" err="1"/>
+              <a:t>protocollen</a:t>
+            </a:r>
+            <a:r>
+              <a:rPr lang="en-US" b="1" dirty="0"/>
+              <a:t> </a:t>
+            </a:r>
+            <a:r>
+              <a:rPr lang="en-US" b="1" dirty="0" err="1"/>
+              <a:t>te</a:t>
+            </a:r>
+            <a:r>
+              <a:rPr lang="en-US" b="1" dirty="0"/>
+              <a:t> </a:t>
+            </a:r>
+            <a:r>
+              <a:rPr lang="en-US" b="1" dirty="0" err="1"/>
+              <a:t>ondersteunen</a:t>
+            </a:r>
+            <a:r>
+              <a:rPr lang="en-US" b="1" dirty="0"/>
+              <a:t>.</a:t>
+            </a:r>
+          </a:p>
+          <a:p>
+            <a:pPr>
+              <a:buFontTx/>
+              <a:buNone/>
+            </a:pPr>
+            <a:r>
+              <a:rPr lang="en-US" b="1" dirty="0"/>
+              <a:t>KENZO</a:t>
+            </a:r>
           </a:p>
         </p:txBody>
       </p:sp>
@@ -5279,12 +7400,171 @@
             </a:pPr>
             <a:r>
               <a:rPr lang="en-US" b="1" dirty="0"/>
-              <a:t>Prefix </a:t>
-            </a:r>
-            <a:r>
-              <a:rPr lang="en-US" b="1" dirty="0" err="1"/>
-              <a:t>opzoeken</a:t>
-            </a:r>
+              <a:t>Ranges private addresses </a:t>
+            </a:r>
+            <a:r>
+              <a:rPr lang="en-US" b="1" dirty="0" err="1"/>
+              <a:t>beschreven</a:t>
+            </a:r>
+            <a:r>
+              <a:rPr lang="en-US" b="1" dirty="0"/>
+              <a:t> in RFC1918, </a:t>
+            </a:r>
+            <a:r>
+              <a:rPr lang="en-US" b="1" dirty="0" err="1"/>
+              <a:t>mogen</a:t>
+            </a:r>
+            <a:r>
+              <a:rPr lang="en-US" b="1" dirty="0"/>
+              <a:t> </a:t>
+            </a:r>
+            <a:r>
+              <a:rPr lang="en-US" b="1" dirty="0" err="1"/>
+              <a:t>alleen</a:t>
+            </a:r>
+            <a:r>
+              <a:rPr lang="en-US" b="1" dirty="0"/>
+              <a:t> </a:t>
+            </a:r>
+            <a:r>
+              <a:rPr lang="en-US" b="1" dirty="0" err="1"/>
+              <a:t>als</a:t>
+            </a:r>
+            <a:r>
+              <a:rPr lang="en-US" b="1" dirty="0"/>
+              <a:t> private address </a:t>
+            </a:r>
+            <a:r>
+              <a:rPr lang="en-US" b="1" dirty="0" err="1"/>
+              <a:t>gebruikt</a:t>
+            </a:r>
+            <a:r>
+              <a:rPr lang="en-US" b="1" dirty="0"/>
+              <a:t> </a:t>
+            </a:r>
+            <a:r>
+              <a:rPr lang="en-US" b="1" dirty="0" err="1"/>
+              <a:t>worden</a:t>
+            </a:r>
+            <a:r>
+              <a:rPr lang="en-US" b="1" dirty="0"/>
+              <a:t>,</a:t>
+            </a:r>
+          </a:p>
+          <a:p>
+            <a:pPr>
+              <a:buFontTx/>
+              <a:buNone/>
+            </a:pPr>
+            <a:r>
+              <a:rPr lang="en-US" b="1" dirty="0"/>
+              <a:t>Private </a:t>
+            </a:r>
+            <a:r>
+              <a:rPr lang="en-US" b="1" dirty="0" err="1"/>
+              <a:t>ip</a:t>
+            </a:r>
+            <a:r>
+              <a:rPr lang="en-US" b="1" dirty="0"/>
+              <a:t> </a:t>
+            </a:r>
+            <a:r>
+              <a:rPr lang="en-US" b="1" dirty="0" err="1"/>
+              <a:t>wordt</a:t>
+            </a:r>
+            <a:r>
+              <a:rPr lang="en-US" b="1" dirty="0"/>
+              <a:t> </a:t>
+            </a:r>
+            <a:r>
+              <a:rPr lang="en-US" b="1" dirty="0" err="1"/>
+              <a:t>vertaald</a:t>
+            </a:r>
+            <a:r>
+              <a:rPr lang="en-US" b="1" dirty="0"/>
+              <a:t> door </a:t>
+            </a:r>
+            <a:r>
+              <a:rPr lang="en-US" b="1" dirty="0" err="1"/>
+              <a:t>nat</a:t>
+            </a:r>
+            <a:r>
+              <a:rPr lang="en-US" b="1" dirty="0"/>
+              <a:t> router </a:t>
+            </a:r>
+            <a:r>
+              <a:rPr lang="en-US" b="1" dirty="0" err="1"/>
+              <a:t>wanneer</a:t>
+            </a:r>
+            <a:r>
+              <a:rPr lang="en-US" b="1" dirty="0"/>
+              <a:t> men op het internet </a:t>
+            </a:r>
+            <a:r>
+              <a:rPr lang="en-US" b="1" dirty="0" err="1"/>
+              <a:t>gaat</a:t>
+            </a:r>
+            <a:endParaRPr lang="en-US" b="1" dirty="0"/>
+          </a:p>
+          <a:p>
+            <a:pPr>
+              <a:buFontTx/>
+              <a:buNone/>
+            </a:pPr>
+            <a:r>
+              <a:rPr lang="en-US" b="1" dirty="0" err="1"/>
+              <a:t>Zonder</a:t>
+            </a:r>
+            <a:r>
+              <a:rPr lang="en-US" b="1" dirty="0"/>
+              <a:t> </a:t>
+            </a:r>
+            <a:r>
+              <a:rPr lang="en-US" b="1" dirty="0" err="1"/>
+              <a:t>nat</a:t>
+            </a:r>
+            <a:r>
+              <a:rPr lang="en-US" b="1" dirty="0"/>
+              <a:t> </a:t>
+            </a:r>
+            <a:r>
+              <a:rPr lang="en-US" b="1" dirty="0" err="1"/>
+              <a:t>waren</a:t>
+            </a:r>
+            <a:r>
+              <a:rPr lang="en-US" b="1" dirty="0"/>
+              <a:t> de ipv4 </a:t>
+            </a:r>
+            <a:r>
+              <a:rPr lang="en-US" b="1" dirty="0" err="1"/>
+              <a:t>adressen</a:t>
+            </a:r>
+            <a:r>
+              <a:rPr lang="en-US" b="1" dirty="0"/>
+              <a:t> al </a:t>
+            </a:r>
+            <a:r>
+              <a:rPr lang="en-US" b="1" dirty="0" err="1"/>
+              <a:t>voor</a:t>
+            </a:r>
+            <a:r>
+              <a:rPr lang="en-US" b="1" dirty="0"/>
+              <a:t> het </a:t>
+            </a:r>
+            <a:r>
+              <a:rPr lang="en-US" b="1" dirty="0" err="1"/>
+              <a:t>jaar</a:t>
+            </a:r>
+            <a:r>
+              <a:rPr lang="en-US" b="1" dirty="0"/>
+              <a:t> 2000 op,</a:t>
+            </a:r>
+          </a:p>
+          <a:p>
+            <a:pPr>
+              <a:buFontTx/>
+              <a:buNone/>
+            </a:pPr>
             <a:endParaRPr lang="en-US" b="1" dirty="0"/>
           </a:p>
         </p:txBody>
@@ -5390,6 +7670,204 @@
               </a:rPr>
               <a:t>What is NAT?</a:t>
             </a:r>
+          </a:p>
+          <a:p>
+            <a:pPr>
+              <a:buFontTx/>
+              <a:buNone/>
+            </a:pPr>
+            <a:r>
+              <a:rPr lang="en-US" b="1" dirty="0" err="1">
+                <a:ea typeface="ＭＳ Ｐゴシック" pitchFamily="34" charset="-128"/>
+              </a:rPr>
+              <a:t>Er</a:t>
+            </a:r>
+            <a:r>
+              <a:rPr lang="en-US" b="1" dirty="0">
+                <a:ea typeface="ＭＳ Ｐゴシック" pitchFamily="34" charset="-128"/>
+              </a:rPr>
+              <a:t> </a:t>
+            </a:r>
+            <a:r>
+              <a:rPr lang="en-US" b="1" dirty="0" err="1">
+                <a:ea typeface="ＭＳ Ｐゴシック" pitchFamily="34" charset="-128"/>
+              </a:rPr>
+              <a:t>kunnen</a:t>
+            </a:r>
+            <a:r>
+              <a:rPr lang="en-US" b="1" dirty="0">
+                <a:ea typeface="ＭＳ Ｐゴシック" pitchFamily="34" charset="-128"/>
+              </a:rPr>
+              <a:t> </a:t>
+            </a:r>
+            <a:r>
+              <a:rPr lang="en-US" b="1" dirty="0" err="1">
+                <a:ea typeface="ＭＳ Ｐゴシック" pitchFamily="34" charset="-128"/>
+              </a:rPr>
+              <a:t>meerdere</a:t>
+            </a:r>
+            <a:r>
+              <a:rPr lang="en-US" b="1" dirty="0">
+                <a:ea typeface="ＭＳ Ｐゴシック" pitchFamily="34" charset="-128"/>
+              </a:rPr>
+              <a:t> public ipv4 </a:t>
+            </a:r>
+            <a:r>
+              <a:rPr lang="en-US" b="1" dirty="0" err="1">
+                <a:ea typeface="ＭＳ Ｐゴシック" pitchFamily="34" charset="-128"/>
+              </a:rPr>
+              <a:t>adressen</a:t>
+            </a:r>
+            <a:r>
+              <a:rPr lang="en-US" b="1" dirty="0">
+                <a:ea typeface="ＭＳ Ｐゴシック" pitchFamily="34" charset="-128"/>
+              </a:rPr>
+              <a:t> </a:t>
+            </a:r>
+            <a:r>
+              <a:rPr lang="en-US" b="1" dirty="0" err="1">
+                <a:ea typeface="ＭＳ Ｐゴシック" pitchFamily="34" charset="-128"/>
+              </a:rPr>
+              <a:t>aan</a:t>
+            </a:r>
+            <a:r>
+              <a:rPr lang="en-US" b="1" dirty="0">
+                <a:ea typeface="ＭＳ Ｐゴシック" pitchFamily="34" charset="-128"/>
+              </a:rPr>
+              <a:t> 1 router </a:t>
+            </a:r>
+            <a:r>
+              <a:rPr lang="en-US" b="1" dirty="0" err="1">
+                <a:ea typeface="ＭＳ Ｐゴシック" pitchFamily="34" charset="-128"/>
+              </a:rPr>
+              <a:t>worden</a:t>
+            </a:r>
+            <a:r>
+              <a:rPr lang="en-US" b="1" dirty="0">
+                <a:ea typeface="ＭＳ Ｐゴシック" pitchFamily="34" charset="-128"/>
+              </a:rPr>
+              <a:t> </a:t>
+            </a:r>
+            <a:r>
+              <a:rPr lang="en-US" b="1" dirty="0" err="1">
+                <a:ea typeface="ＭＳ Ｐゴシック" pitchFamily="34" charset="-128"/>
+              </a:rPr>
+              <a:t>toegekent</a:t>
+            </a:r>
+            <a:r>
+              <a:rPr lang="en-US" b="1" dirty="0">
+                <a:ea typeface="ＭＳ Ｐゴシック" pitchFamily="34" charset="-128"/>
+              </a:rPr>
+              <a:t>.</a:t>
+            </a:r>
+          </a:p>
+          <a:p>
+            <a:pPr>
+              <a:buFontTx/>
+              <a:buNone/>
+            </a:pPr>
+            <a:r>
+              <a:rPr lang="en-US" b="1" dirty="0" err="1">
+                <a:ea typeface="ＭＳ Ｐゴシック" pitchFamily="34" charset="-128"/>
+              </a:rPr>
+              <a:t>Wanneer</a:t>
+            </a:r>
+            <a:r>
+              <a:rPr lang="en-US" b="1" dirty="0">
+                <a:ea typeface="ＭＳ Ｐゴシック" pitchFamily="34" charset="-128"/>
+              </a:rPr>
+              <a:t> </a:t>
+            </a:r>
+            <a:r>
+              <a:rPr lang="en-US" b="1" dirty="0" err="1">
+                <a:ea typeface="ＭＳ Ｐゴシック" pitchFamily="34" charset="-128"/>
+              </a:rPr>
+              <a:t>dit</a:t>
+            </a:r>
+            <a:r>
+              <a:rPr lang="en-US" b="1" dirty="0">
+                <a:ea typeface="ＭＳ Ｐゴシック" pitchFamily="34" charset="-128"/>
+              </a:rPr>
+              <a:t> het </a:t>
+            </a:r>
+            <a:r>
+              <a:rPr lang="en-US" b="1" dirty="0" err="1">
+                <a:ea typeface="ＭＳ Ｐゴシック" pitchFamily="34" charset="-128"/>
+              </a:rPr>
+              <a:t>geval</a:t>
+            </a:r>
+            <a:r>
+              <a:rPr lang="en-US" b="1" dirty="0">
+                <a:ea typeface="ＭＳ Ｐゴシック" pitchFamily="34" charset="-128"/>
+              </a:rPr>
+              <a:t> is </a:t>
+            </a:r>
+            <a:r>
+              <a:rPr lang="en-US" b="1" dirty="0" err="1">
+                <a:ea typeface="ＭＳ Ｐゴシック" pitchFamily="34" charset="-128"/>
+              </a:rPr>
+              <a:t>worden</a:t>
+            </a:r>
+            <a:r>
+              <a:rPr lang="en-US" b="1" dirty="0">
+                <a:ea typeface="ＭＳ Ｐゴシック" pitchFamily="34" charset="-128"/>
+              </a:rPr>
+              <a:t> die </a:t>
+            </a:r>
+            <a:r>
+              <a:rPr lang="en-US" b="1" dirty="0" err="1">
+                <a:ea typeface="ＭＳ Ｐゴシック" pitchFamily="34" charset="-128"/>
+              </a:rPr>
+              <a:t>publix</a:t>
+            </a:r>
+            <a:r>
+              <a:rPr lang="en-US" b="1" dirty="0">
+                <a:ea typeface="ＭＳ Ｐゴシック" pitchFamily="34" charset="-128"/>
+              </a:rPr>
+              <a:t> ipv4 </a:t>
+            </a:r>
+            <a:r>
+              <a:rPr lang="en-US" b="1" dirty="0" err="1">
+                <a:ea typeface="ＭＳ Ｐゴシック" pitchFamily="34" charset="-128"/>
+              </a:rPr>
+              <a:t>adressen</a:t>
+            </a:r>
+            <a:r>
+              <a:rPr lang="en-US" b="1" dirty="0">
+                <a:ea typeface="ＭＳ Ｐゴシック" pitchFamily="34" charset="-128"/>
+              </a:rPr>
+              <a:t> de </a:t>
+            </a:r>
+            <a:r>
+              <a:rPr lang="en-US" b="1" dirty="0" err="1">
+                <a:ea typeface="ＭＳ Ｐゴシック" pitchFamily="34" charset="-128"/>
+              </a:rPr>
+              <a:t>nat</a:t>
+            </a:r>
+            <a:r>
+              <a:rPr lang="en-US" b="1" dirty="0">
+                <a:ea typeface="ＭＳ Ｐゴシック" pitchFamily="34" charset="-128"/>
+              </a:rPr>
+              <a:t> pool </a:t>
+            </a:r>
+            <a:r>
+              <a:rPr lang="en-US" b="1" dirty="0" err="1">
+                <a:ea typeface="ＭＳ Ｐゴシック" pitchFamily="34" charset="-128"/>
+              </a:rPr>
+              <a:t>genoemt</a:t>
+            </a:r>
+            <a:r>
+              <a:rPr lang="en-US" b="1" dirty="0">
+                <a:ea typeface="ＭＳ Ｐゴシック" pitchFamily="34" charset="-128"/>
+              </a:rPr>
+              <a:t>.</a:t>
+            </a:r>
+          </a:p>
+          <a:p>
+            <a:pPr>
+              <a:buFontTx/>
+              <a:buNone/>
+            </a:pPr>
             <a:endParaRPr lang="en-US" b="1" dirty="0"/>
           </a:p>
           <a:p>
@@ -5515,6 +7993,224 @@
               <a:buFontTx/>
               <a:buNone/>
             </a:pPr>
+            <a:r>
+              <a:rPr lang="en-US" b="1" dirty="0" err="1"/>
+              <a:t>Stuknetwerk</a:t>
+            </a:r>
+            <a:r>
+              <a:rPr lang="en-US" b="1" dirty="0"/>
+              <a:t> is </a:t>
+            </a:r>
+            <a:r>
+              <a:rPr lang="en-US" b="1" dirty="0" err="1"/>
+              <a:t>een</a:t>
+            </a:r>
+            <a:r>
+              <a:rPr lang="en-US" b="1" dirty="0"/>
+              <a:t> </a:t>
+            </a:r>
+            <a:r>
+              <a:rPr lang="en-US" b="1" dirty="0" err="1"/>
+              <a:t>netwerk</a:t>
+            </a:r>
+            <a:r>
+              <a:rPr lang="en-US" b="1" dirty="0"/>
+              <a:t> met maar 1 </a:t>
+            </a:r>
+            <a:r>
+              <a:rPr lang="en-US" b="1" dirty="0" err="1"/>
+              <a:t>enkele</a:t>
+            </a:r>
+            <a:r>
+              <a:rPr lang="en-US" b="1" dirty="0"/>
+              <a:t> </a:t>
+            </a:r>
+            <a:r>
+              <a:rPr lang="en-US" b="1" dirty="0" err="1"/>
+              <a:t>verbinden</a:t>
+            </a:r>
+            <a:r>
+              <a:rPr lang="en-US" b="1" dirty="0"/>
+              <a:t> </a:t>
+            </a:r>
+            <a:r>
+              <a:rPr lang="en-US" b="1" dirty="0" err="1"/>
+              <a:t>naar</a:t>
+            </a:r>
+            <a:r>
+              <a:rPr lang="en-US" b="1" dirty="0"/>
+              <a:t> het network </a:t>
+            </a:r>
+            <a:r>
+              <a:rPr lang="en-US" b="1" dirty="0" err="1"/>
+              <a:t>ernaast</a:t>
+            </a:r>
+            <a:r>
+              <a:rPr lang="en-US" b="1" dirty="0"/>
+              <a:t>, </a:t>
+            </a:r>
+            <a:r>
+              <a:rPr lang="en-US" b="1" dirty="0" err="1"/>
+              <a:t>dit</a:t>
+            </a:r>
+            <a:r>
+              <a:rPr lang="en-US" b="1" dirty="0"/>
+              <a:t> </a:t>
+            </a:r>
+            <a:r>
+              <a:rPr lang="en-US" b="1" dirty="0" err="1"/>
+              <a:t>wil</a:t>
+            </a:r>
+            <a:r>
+              <a:rPr lang="en-US" b="1" dirty="0"/>
+              <a:t> </a:t>
+            </a:r>
+            <a:r>
+              <a:rPr lang="en-US" b="1" dirty="0" err="1"/>
+              <a:t>zeggen</a:t>
+            </a:r>
+            <a:r>
+              <a:rPr lang="en-US" b="1" dirty="0"/>
+              <a:t>: 1 </a:t>
+            </a:r>
+            <a:r>
+              <a:rPr lang="en-US" b="1" dirty="0" err="1"/>
+              <a:t>weg</a:t>
+            </a:r>
+            <a:r>
+              <a:rPr lang="en-US" b="1" dirty="0"/>
+              <a:t> </a:t>
+            </a:r>
+            <a:r>
+              <a:rPr lang="en-US" b="1" dirty="0" err="1"/>
+              <a:t>naar</a:t>
+            </a:r>
+            <a:r>
+              <a:rPr lang="en-US" b="1" dirty="0"/>
+              <a:t> </a:t>
+            </a:r>
+            <a:r>
+              <a:rPr lang="en-US" b="1" dirty="0" err="1"/>
+              <a:t>binnen</a:t>
+            </a:r>
+            <a:r>
+              <a:rPr lang="en-US" b="1" dirty="0"/>
+              <a:t> </a:t>
+            </a:r>
+            <a:r>
+              <a:rPr lang="en-US" b="1" dirty="0" err="1"/>
+              <a:t>en</a:t>
+            </a:r>
+            <a:r>
+              <a:rPr lang="en-US" b="1" dirty="0"/>
+              <a:t> 1 </a:t>
+            </a:r>
+            <a:r>
+              <a:rPr lang="en-US" b="1" dirty="0" err="1"/>
+              <a:t>naar</a:t>
+            </a:r>
+            <a:r>
+              <a:rPr lang="en-US" b="1" dirty="0"/>
+              <a:t> </a:t>
+            </a:r>
+            <a:r>
+              <a:rPr lang="en-US" b="1" dirty="0" err="1"/>
+              <a:t>buiten</a:t>
+            </a:r>
+            <a:r>
+              <a:rPr lang="en-US" b="1" dirty="0"/>
+              <a:t>,</a:t>
+            </a:r>
+          </a:p>
+          <a:p>
+            <a:pPr>
+              <a:buFontTx/>
+              <a:buNone/>
+            </a:pPr>
+            <a:r>
+              <a:rPr lang="en-US" b="1" dirty="0" err="1"/>
+              <a:t>Pakket</a:t>
+            </a:r>
+            <a:r>
+              <a:rPr lang="en-US" b="1" dirty="0"/>
+              <a:t> </a:t>
+            </a:r>
+            <a:r>
+              <a:rPr lang="en-US" b="1" dirty="0" err="1"/>
+              <a:t>dat</a:t>
+            </a:r>
+            <a:r>
+              <a:rPr lang="en-US" b="1" dirty="0"/>
+              <a:t> </a:t>
+            </a:r>
+            <a:r>
+              <a:rPr lang="en-US" b="1" dirty="0" err="1"/>
+              <a:t>naar</a:t>
+            </a:r>
+            <a:r>
+              <a:rPr lang="en-US" b="1" dirty="0"/>
+              <a:t> extern </a:t>
+            </a:r>
+            <a:r>
+              <a:rPr lang="en-US" b="1" dirty="0" err="1"/>
+              <a:t>natwerk</a:t>
+            </a:r>
+            <a:r>
+              <a:rPr lang="en-US" b="1" dirty="0"/>
+              <a:t> </a:t>
+            </a:r>
+            <a:r>
+              <a:rPr lang="en-US" b="1" dirty="0" err="1"/>
+              <a:t>wordt</a:t>
+            </a:r>
+            <a:r>
+              <a:rPr lang="en-US" b="1" dirty="0"/>
+              <a:t> </a:t>
+            </a:r>
+            <a:r>
+              <a:rPr lang="en-US" b="1" dirty="0" err="1"/>
+              <a:t>verstuurd</a:t>
+            </a:r>
+            <a:r>
+              <a:rPr lang="en-US" b="1" dirty="0"/>
+              <a:t> </a:t>
+            </a:r>
+            <a:r>
+              <a:rPr lang="en-US" b="1" dirty="0" err="1"/>
+              <a:t>wordt</a:t>
+            </a:r>
+            <a:r>
+              <a:rPr lang="en-US" b="1" dirty="0"/>
+              <a:t> </a:t>
+            </a:r>
+            <a:r>
+              <a:rPr lang="en-US" b="1" dirty="0" err="1"/>
+              <a:t>geforward</a:t>
+            </a:r>
+            <a:r>
+              <a:rPr lang="en-US" b="1" dirty="0"/>
+              <a:t> </a:t>
+            </a:r>
+            <a:r>
+              <a:rPr lang="en-US" b="1" dirty="0" err="1"/>
+              <a:t>voor</a:t>
+            </a:r>
+            <a:r>
+              <a:rPr lang="en-US" b="1" dirty="0"/>
+              <a:t> de border router die het </a:t>
+            </a:r>
+            <a:r>
+              <a:rPr lang="en-US" b="1" dirty="0" err="1"/>
+              <a:t>nat</a:t>
+            </a:r>
+            <a:r>
+              <a:rPr lang="en-US" b="1" dirty="0"/>
+              <a:t> process </a:t>
+            </a:r>
+            <a:r>
+              <a:rPr lang="en-US" b="1" dirty="0" err="1"/>
+              <a:t>uitvoert</a:t>
+            </a:r>
             <a:endParaRPr lang="en-US" b="1" dirty="0"/>
           </a:p>
         </p:txBody>
@@ -5616,7 +8312,6 @@
               </a:rPr>
               <a:t>NAT Terminology</a:t>
             </a:r>
-            <a:endParaRPr lang="en-US" b="1" dirty="0"/>
           </a:p>
           <a:p>
             <a:pPr>
@@ -5625,13 +8320,87 @@
             </a:pPr>
             <a:r>
               <a:rPr lang="en-US" b="1" dirty="0"/>
-              <a:t>Sa da </a:t>
-            </a:r>
-            <a:r>
-              <a:rPr lang="en-US" b="1" dirty="0" err="1"/>
-              <a:t>opzoeken</a:t>
+              <a:t>Local address: local address is </a:t>
+            </a:r>
+            <a:r>
+              <a:rPr lang="en-US" b="1" dirty="0" err="1"/>
+              <a:t>een</a:t>
+            </a:r>
+            <a:r>
+              <a:rPr lang="en-US" b="1" dirty="0"/>
+              <a:t> address </a:t>
+            </a:r>
+            <a:r>
+              <a:rPr lang="en-US" b="1" dirty="0" err="1"/>
+              <a:t>bekeken</a:t>
+            </a:r>
+            <a:r>
+              <a:rPr lang="en-US" b="1" dirty="0"/>
+              <a:t> </a:t>
+            </a:r>
+            <a:r>
+              <a:rPr lang="en-US" b="1" dirty="0" err="1"/>
+              <a:t>vanuit</a:t>
+            </a:r>
+            <a:r>
+              <a:rPr lang="en-US" b="1" dirty="0"/>
+              <a:t> het interne </a:t>
+            </a:r>
+            <a:r>
+              <a:rPr lang="en-US" b="1" dirty="0" err="1"/>
+              <a:t>netwerk</a:t>
             </a:r>
             <a:endParaRPr lang="en-US" b="1" dirty="0"/>
+          </a:p>
+          <a:p>
+            <a:pPr>
+              <a:buFontTx/>
+              <a:buNone/>
+            </a:pPr>
+            <a:r>
+              <a:rPr lang="en-US" b="1" dirty="0"/>
+              <a:t>Global address: </a:t>
+            </a:r>
+            <a:r>
+              <a:rPr lang="en-US" b="1" dirty="0" err="1"/>
+              <a:t>een</a:t>
+            </a:r>
+            <a:r>
+              <a:rPr lang="en-US" b="1" dirty="0"/>
+              <a:t> global address is </a:t>
+            </a:r>
+            <a:r>
+              <a:rPr lang="en-US" b="1" dirty="0" err="1"/>
+              <a:t>een</a:t>
+            </a:r>
+            <a:r>
+              <a:rPr lang="en-US" b="1" dirty="0"/>
+              <a:t> address </a:t>
+            </a:r>
+            <a:r>
+              <a:rPr lang="en-US" b="1" dirty="0" err="1"/>
+              <a:t>bekenen</a:t>
+            </a:r>
+            <a:r>
+              <a:rPr lang="en-US" b="1" dirty="0"/>
+              <a:t> </a:t>
+            </a:r>
+            <a:r>
+              <a:rPr lang="en-US" b="1" dirty="0" err="1"/>
+              <a:t>vanuit</a:t>
+            </a:r>
+            <a:r>
+              <a:rPr lang="en-US" b="1" dirty="0"/>
+              <a:t> </a:t>
+            </a:r>
+            <a:r>
+              <a:rPr lang="en-US" b="1" dirty="0" err="1"/>
+              <a:t>een</a:t>
+            </a:r>
+            <a:r>
+              <a:rPr lang="en-US" b="1" dirty="0"/>
+              <a:t> extern network</a:t>
+            </a:r>
           </a:p>
         </p:txBody>
       </p:sp>
@@ -5739,6 +8508,470 @@
               <a:t> Terminology (cont.)</a:t>
             </a:r>
             <a:endParaRPr lang="en-US" b="1" dirty="0"/>
+          </a:p>
+          <a:p>
+            <a:pPr>
+              <a:buFontTx/>
+              <a:buNone/>
+            </a:pPr>
+            <a:r>
+              <a:rPr lang="en-US" b="1" dirty="0"/>
+              <a:t>Inside local address: 192,168,10,10 </a:t>
+            </a:r>
+            <a:r>
+              <a:rPr lang="en-US" b="1" dirty="0" err="1"/>
+              <a:t>vanuit</a:t>
+            </a:r>
+            <a:r>
+              <a:rPr lang="en-US" b="1" dirty="0"/>
+              <a:t> </a:t>
+            </a:r>
+            <a:r>
+              <a:rPr lang="en-US" b="1" dirty="0" err="1"/>
+              <a:t>perspectief</a:t>
+            </a:r>
+            <a:r>
+              <a:rPr lang="en-US" b="1" dirty="0"/>
+              <a:t> pc1</a:t>
+            </a:r>
+          </a:p>
+          <a:p>
+            <a:pPr>
+              <a:buFontTx/>
+              <a:buNone/>
+            </a:pPr>
+            <a:r>
+              <a:rPr lang="en-US" b="1" dirty="0" err="1"/>
+              <a:t>Websever</a:t>
+            </a:r>
+            <a:r>
+              <a:rPr lang="en-US" b="1" dirty="0"/>
+              <a:t> met outside address 209,165,201,1</a:t>
+            </a:r>
+          </a:p>
+          <a:p>
+            <a:pPr>
+              <a:buFontTx/>
+              <a:buNone/>
+            </a:pPr>
+            <a:r>
+              <a:rPr lang="en-US" b="1" dirty="0" err="1"/>
+              <a:t>Wanneer</a:t>
+            </a:r>
+            <a:r>
+              <a:rPr lang="en-US" b="1" dirty="0"/>
+              <a:t> </a:t>
+            </a:r>
+            <a:r>
+              <a:rPr lang="en-US" b="1" dirty="0" err="1"/>
+              <a:t>paketten</a:t>
+            </a:r>
+            <a:r>
+              <a:rPr lang="en-US" b="1" dirty="0"/>
+              <a:t> </a:t>
+            </a:r>
+            <a:r>
+              <a:rPr lang="en-US" b="1" dirty="0" err="1"/>
+              <a:t>verzonden</a:t>
+            </a:r>
+            <a:r>
+              <a:rPr lang="en-US" b="1" dirty="0"/>
+              <a:t> </a:t>
+            </a:r>
+            <a:r>
+              <a:rPr lang="en-US" b="1" dirty="0" err="1"/>
+              <a:t>worden</a:t>
+            </a:r>
+            <a:r>
+              <a:rPr lang="en-US" b="1" dirty="0"/>
+              <a:t> van PC1 </a:t>
+            </a:r>
+            <a:r>
+              <a:rPr lang="en-US" b="1" dirty="0" err="1"/>
+              <a:t>naar</a:t>
+            </a:r>
+            <a:r>
+              <a:rPr lang="en-US" b="1" dirty="0"/>
+              <a:t> de webserver, </a:t>
+            </a:r>
+            <a:r>
+              <a:rPr lang="en-US" b="1" dirty="0" err="1"/>
+              <a:t>wordt</a:t>
+            </a:r>
+            <a:r>
+              <a:rPr lang="en-US" b="1" dirty="0"/>
+              <a:t> het inside local address van¨PC1 </a:t>
+            </a:r>
+            <a:r>
+              <a:rPr lang="en-US" b="1" dirty="0" err="1"/>
+              <a:t>vertaald</a:t>
+            </a:r>
+            <a:r>
+              <a:rPr lang="en-US" b="1" dirty="0"/>
+              <a:t> </a:t>
+            </a:r>
+            <a:r>
+              <a:rPr lang="en-US" b="1" dirty="0" err="1"/>
+              <a:t>naar</a:t>
+            </a:r>
+            <a:r>
+              <a:rPr lang="en-US" b="1" dirty="0"/>
+              <a:t> 209,165,200,226 </a:t>
+            </a:r>
+            <a:r>
+              <a:rPr lang="en-US" b="1" dirty="0" err="1"/>
+              <a:t>en</a:t>
+            </a:r>
+            <a:r>
+              <a:rPr lang="en-US" b="1" dirty="0"/>
+              <a:t> </a:t>
+            </a:r>
+            <a:r>
+              <a:rPr lang="en-US" b="1" dirty="0" err="1"/>
+              <a:t>wordt</a:t>
+            </a:r>
+            <a:r>
+              <a:rPr lang="en-US" b="1" dirty="0"/>
+              <a:t> </a:t>
+            </a:r>
+            <a:r>
+              <a:rPr lang="en-US" b="1" dirty="0" err="1"/>
+              <a:t>dit</a:t>
+            </a:r>
+            <a:r>
+              <a:rPr lang="en-US" b="1" dirty="0"/>
+              <a:t> het inside global address,</a:t>
+            </a:r>
+          </a:p>
+          <a:p>
+            <a:pPr>
+              <a:buFontTx/>
+              <a:buNone/>
+            </a:pPr>
+            <a:r>
+              <a:rPr lang="en-US" b="1" dirty="0"/>
+              <a:t>Het address van </a:t>
+            </a:r>
+            <a:r>
+              <a:rPr lang="en-US" b="1" dirty="0" err="1"/>
+              <a:t>bv</a:t>
+            </a:r>
+            <a:r>
+              <a:rPr lang="en-US" b="1" dirty="0"/>
+              <a:t>. </a:t>
+            </a:r>
+            <a:r>
+              <a:rPr lang="en-US" b="1" dirty="0" err="1"/>
+              <a:t>een</a:t>
+            </a:r>
+            <a:r>
+              <a:rPr lang="en-US" b="1" dirty="0"/>
+              <a:t> webserver </a:t>
+            </a:r>
+            <a:r>
+              <a:rPr lang="en-US" b="1" dirty="0" err="1"/>
+              <a:t>wordt</a:t>
+            </a:r>
+            <a:r>
+              <a:rPr lang="en-US" b="1" dirty="0"/>
+              <a:t> in de </a:t>
+            </a:r>
+            <a:r>
+              <a:rPr lang="en-US" b="1" dirty="0" err="1"/>
+              <a:t>meeste</a:t>
+            </a:r>
+            <a:r>
+              <a:rPr lang="en-US" b="1" dirty="0"/>
+              <a:t> </a:t>
+            </a:r>
+            <a:r>
+              <a:rPr lang="en-US" b="1" dirty="0" err="1"/>
+              <a:t>gevallen</a:t>
+            </a:r>
+            <a:r>
+              <a:rPr lang="en-US" b="1" dirty="0"/>
+              <a:t> </a:t>
+            </a:r>
+            <a:r>
+              <a:rPr lang="en-US" b="1" dirty="0" err="1"/>
+              <a:t>niet</a:t>
+            </a:r>
+            <a:r>
+              <a:rPr lang="en-US" b="1" dirty="0"/>
+              <a:t> </a:t>
+            </a:r>
+            <a:r>
+              <a:rPr lang="en-US" b="1" dirty="0" err="1"/>
+              <a:t>vertaald</a:t>
+            </a:r>
+            <a:r>
+              <a:rPr lang="en-US" b="1" dirty="0"/>
+              <a:t>, want </a:t>
+            </a:r>
+            <a:r>
+              <a:rPr lang="en-US" b="1" dirty="0" err="1"/>
+              <a:t>dit</a:t>
+            </a:r>
+            <a:r>
+              <a:rPr lang="en-US" b="1" dirty="0"/>
+              <a:t> is </a:t>
+            </a:r>
+            <a:r>
+              <a:rPr lang="en-US" b="1" dirty="0" err="1"/>
+              <a:t>meestal</a:t>
+            </a:r>
+            <a:r>
+              <a:rPr lang="en-US" b="1" dirty="0"/>
+              <a:t> al </a:t>
+            </a:r>
+            <a:r>
+              <a:rPr lang="en-US" b="1" dirty="0" err="1"/>
+              <a:t>een</a:t>
+            </a:r>
+            <a:r>
+              <a:rPr lang="en-US" b="1" dirty="0"/>
+              <a:t> public IPv4 address,</a:t>
+            </a:r>
+          </a:p>
+          <a:p>
+            <a:pPr>
+              <a:buFontTx/>
+              <a:buNone/>
+            </a:pPr>
+            <a:r>
+              <a:rPr lang="en-US" b="1" dirty="0"/>
+              <a:t>In het </a:t>
+            </a:r>
+            <a:r>
+              <a:rPr lang="en-US" b="1" dirty="0" err="1"/>
+              <a:t>perspecief</a:t>
+            </a:r>
+            <a:r>
+              <a:rPr lang="en-US" b="1" dirty="0"/>
+              <a:t> van de webserver </a:t>
+            </a:r>
+            <a:r>
+              <a:rPr lang="en-US" b="1" dirty="0" err="1"/>
+              <a:t>lijken</a:t>
+            </a:r>
+            <a:r>
+              <a:rPr lang="en-US" b="1" dirty="0"/>
+              <a:t> de </a:t>
+            </a:r>
+            <a:r>
+              <a:rPr lang="en-US" b="1" dirty="0" err="1"/>
+              <a:t>paketten</a:t>
+            </a:r>
+            <a:r>
+              <a:rPr lang="en-US" b="1" dirty="0"/>
+              <a:t> van PC1 </a:t>
+            </a:r>
+            <a:r>
+              <a:rPr lang="en-US" b="1" dirty="0" err="1"/>
+              <a:t>te</a:t>
+            </a:r>
+            <a:r>
+              <a:rPr lang="en-US" b="1" dirty="0"/>
+              <a:t> </a:t>
+            </a:r>
+            <a:r>
+              <a:rPr lang="en-US" b="1" dirty="0" err="1"/>
+              <a:t>komen</a:t>
+            </a:r>
+            <a:r>
+              <a:rPr lang="en-US" b="1" dirty="0"/>
+              <a:t> van 209,165,200,226, het inside global address</a:t>
+            </a:r>
+          </a:p>
+          <a:p>
+            <a:pPr>
+              <a:buFontTx/>
+              <a:buNone/>
+            </a:pPr>
+            <a:r>
+              <a:rPr lang="en-US" b="1" dirty="0"/>
+              <a:t>De </a:t>
+            </a:r>
+            <a:r>
+              <a:rPr lang="en-US" b="1" dirty="0" err="1"/>
+              <a:t>nat</a:t>
+            </a:r>
+            <a:r>
+              <a:rPr lang="en-US" b="1" dirty="0"/>
+              <a:t> router R2 is punt </a:t>
+            </a:r>
+            <a:r>
+              <a:rPr lang="en-US" b="1" dirty="0" err="1"/>
+              <a:t>tussen</a:t>
+            </a:r>
+            <a:r>
+              <a:rPr lang="en-US" b="1" dirty="0"/>
+              <a:t> het inside </a:t>
+            </a:r>
+            <a:r>
+              <a:rPr lang="en-US" b="1" dirty="0" err="1"/>
+              <a:t>en</a:t>
+            </a:r>
+            <a:r>
+              <a:rPr lang="en-US" b="1" dirty="0"/>
+              <a:t> outside network </a:t>
+            </a:r>
+            <a:r>
+              <a:rPr lang="en-US" b="1" dirty="0" err="1"/>
+              <a:t>en</a:t>
+            </a:r>
+            <a:r>
+              <a:rPr lang="en-US" b="1" dirty="0"/>
+              <a:t> </a:t>
+            </a:r>
+            <a:r>
+              <a:rPr lang="en-US" b="1" dirty="0" err="1"/>
+              <a:t>dus</a:t>
+            </a:r>
+            <a:r>
+              <a:rPr lang="en-US" b="1" dirty="0"/>
+              <a:t> </a:t>
+            </a:r>
+            <a:r>
+              <a:rPr lang="en-US" b="1" dirty="0" err="1"/>
+              <a:t>tussen</a:t>
+            </a:r>
+            <a:r>
+              <a:rPr lang="en-US" b="1" dirty="0"/>
+              <a:t> local </a:t>
+            </a:r>
+            <a:r>
+              <a:rPr lang="en-US" b="1" dirty="0" err="1"/>
+              <a:t>en</a:t>
+            </a:r>
+            <a:r>
+              <a:rPr lang="en-US" b="1" dirty="0"/>
+              <a:t> global addresses</a:t>
+            </a:r>
+          </a:p>
+          <a:p>
+            <a:pPr>
+              <a:buFontTx/>
+              <a:buNone/>
+            </a:pPr>
+            <a:r>
+              <a:rPr lang="en-US" b="1" dirty="0"/>
+              <a:t>In </a:t>
+            </a:r>
+            <a:r>
+              <a:rPr lang="en-US" b="1" dirty="0" err="1"/>
+              <a:t>dit</a:t>
+            </a:r>
+            <a:r>
+              <a:rPr lang="en-US" b="1" dirty="0"/>
+              <a:t> </a:t>
+            </a:r>
+            <a:r>
+              <a:rPr lang="en-US" b="1" dirty="0" err="1"/>
+              <a:t>voorbeeld</a:t>
+            </a:r>
+            <a:r>
+              <a:rPr lang="en-US" b="1" dirty="0"/>
+              <a:t> is R2 </a:t>
+            </a:r>
+            <a:r>
+              <a:rPr lang="en-US" b="1" dirty="0" err="1"/>
+              <a:t>geconfigureerd</a:t>
+            </a:r>
+            <a:r>
+              <a:rPr lang="en-US" b="1" dirty="0"/>
+              <a:t> </a:t>
+            </a:r>
+            <a:r>
+              <a:rPr lang="en-US" b="1" dirty="0" err="1"/>
+              <a:t>als</a:t>
+            </a:r>
+            <a:r>
+              <a:rPr lang="en-US" b="1" dirty="0"/>
+              <a:t> NAT router, met </a:t>
+            </a:r>
+            <a:r>
+              <a:rPr lang="en-US" b="1" dirty="0" err="1"/>
+              <a:t>een</a:t>
+            </a:r>
+            <a:r>
+              <a:rPr lang="en-US" b="1" dirty="0"/>
+              <a:t> pool van public addresses die het </a:t>
+            </a:r>
+            <a:r>
+              <a:rPr lang="en-US" b="1" dirty="0" err="1"/>
+              <a:t>toedient</a:t>
+            </a:r>
+            <a:r>
+              <a:rPr lang="en-US" b="1" dirty="0"/>
+              <a:t> </a:t>
+            </a:r>
+            <a:r>
+              <a:rPr lang="en-US" b="1" dirty="0" err="1"/>
+              <a:t>aan</a:t>
+            </a:r>
+            <a:r>
+              <a:rPr lang="en-US" b="1" dirty="0"/>
+              <a:t> de inside </a:t>
+            </a:r>
+            <a:r>
+              <a:rPr lang="en-US" b="1" dirty="0" err="1"/>
+              <a:t>apparaten</a:t>
+            </a:r>
+            <a:r>
+              <a:rPr lang="en-US" b="1" dirty="0"/>
+              <a:t>,</a:t>
+            </a:r>
+          </a:p>
+          <a:p>
+            <a:pPr>
+              <a:buFontTx/>
+              <a:buNone/>
+            </a:pPr>
+            <a:r>
+              <a:rPr lang="en-US" b="1" dirty="0"/>
+              <a:t>In </a:t>
+            </a:r>
+            <a:r>
+              <a:rPr lang="en-US" b="1" dirty="0" err="1"/>
+              <a:t>dit</a:t>
+            </a:r>
+            <a:r>
+              <a:rPr lang="en-US" b="1" dirty="0"/>
+              <a:t> </a:t>
+            </a:r>
+            <a:r>
+              <a:rPr lang="en-US" b="1" dirty="0" err="1"/>
+              <a:t>voorbeeld</a:t>
+            </a:r>
+            <a:r>
+              <a:rPr lang="en-US" b="1" dirty="0"/>
+              <a:t> </a:t>
+            </a:r>
+            <a:r>
+              <a:rPr lang="en-US" b="1" dirty="0" err="1"/>
+              <a:t>wordt</a:t>
+            </a:r>
+            <a:r>
+              <a:rPr lang="en-US" b="1" dirty="0"/>
+              <a:t> </a:t>
+            </a:r>
+            <a:r>
+              <a:rPr lang="en-US" b="1" dirty="0" err="1"/>
+              <a:t>geen</a:t>
+            </a:r>
+            <a:r>
+              <a:rPr lang="en-US" b="1" dirty="0"/>
+              <a:t> outside local address </a:t>
+            </a:r>
+            <a:r>
+              <a:rPr lang="en-US" b="1" dirty="0" err="1"/>
+              <a:t>gebruikt</a:t>
+            </a:r>
+            <a:r>
+              <a:rPr lang="en-US" b="1" dirty="0"/>
+              <a:t>.</a:t>
+            </a:r>
           </a:p>
           <a:p>
             <a:pPr>
@@ -11408,7 +14641,7 @@
           <a:p>
             <a:r>
               <a:rPr lang="nl-BE" sz="2000" dirty="0"/>
-              <a:t>Static NAT maakt gebruik van een één-op-één mapping van lokale en globale adressen.</a:t>
+              <a:t>Static NAT maakt gebruik van een één-op-één mapping van local en global addresses.</a:t>
             </a:r>
           </a:p>
           <a:p>
@@ -11426,7 +14659,7 @@
           <a:p>
             <a:r>
               <a:rPr lang="nl-BE" sz="2000" dirty="0"/>
-              <a:t>Een netwerkbeheerder kan SSH’en naar een server in het lokale netwerkt door de SSH-client naar het juiste inside global address te verwijzen.</a:t>
+              <a:t>Een netwerkbeheerder kan SSH’en naar een server in het local network door de SSH-client naar het juiste inside global address te verwijzen.</a:t>
             </a:r>
             <a:endParaRPr lang="en-US" sz="2000" dirty="0"/>
           </a:p>
@@ -11930,6 +15163,27 @@
             </a:r>
           </a:p>
           <a:p>
+            <a:pPr marL="0" indent="0">
+              <a:buNone/>
+            </a:pPr>
+            <a:r>
+              <a:rPr lang="nl-BE" sz="2000" dirty="0"/>
+              <a:t>	vb.</a:t>
+            </a:r>
+          </a:p>
+          <a:p>
+            <a:pPr marL="0" indent="0">
+              <a:buNone/>
+            </a:pPr>
+            <a:r>
+              <a:rPr lang="nl-BE" sz="2000" dirty="0"/>
+              <a:t> </a:t>
+            </a:r>
+          </a:p>
+          <a:p>
+            <a:endParaRPr lang="nl-BE" sz="2000" dirty="0"/>
+          </a:p>
+          <a:p>
             <a:r>
               <a:rPr lang="nl-BE" sz="2000" dirty="0"/>
               <a:t>PAT staat ook bekend als NAT overload.</a:t>
@@ -11950,6 +15204,166 @@
           </a:p>
         </p:txBody>
       </p:sp>
+      <p:graphicFrame>
+        <p:nvGraphicFramePr>
+          <p:cNvPr id="5" name="Table 4"/>
+          <p:cNvGraphicFramePr>
+            <a:graphicFrameLocks noGrp="1"/>
+          </p:cNvGraphicFramePr>
+          <p:nvPr>
+            <p:extLst>
+              <p:ext uri="{D42A27DB-BD31-4B8C-83A1-F6EECF244321}">
+                <p14:modId xmlns:p14="http://schemas.microsoft.com/office/powerpoint/2010/main" val="2676359467"/>
+              </p:ext>
+            </p:extLst>
+          </p:nvPr>
+        </p:nvGraphicFramePr>
+        <p:xfrm>
+          <a:off x="1868245" y="2903070"/>
+          <a:ext cx="6096000" cy="1112520"/>
+        </p:xfrm>
+        <a:graphic>
+          <a:graphicData uri="http://schemas.openxmlformats.org/drawingml/2006/table">
+            <a:tbl>
+              <a:tblPr firstRow="1" bandRow="1">
+                <a:tableStyleId>{5C22544A-7EE6-4342-B048-85BDC9FD1C3A}</a:tableStyleId>
+              </a:tblPr>
+              <a:tblGrid>
+                <a:gridCol w="3048000">
+                  <a:extLst>
+                    <a:ext uri="{9D8B030D-6E8A-4147-A177-3AD203B41FA5}">
+                      <a16:colId xmlns:a16="http://schemas.microsoft.com/office/drawing/2014/main" val="963693253"/>
+                    </a:ext>
+                  </a:extLst>
+                </a:gridCol>
+                <a:gridCol w="3048000">
+                  <a:extLst>
+                    <a:ext uri="{9D8B030D-6E8A-4147-A177-3AD203B41FA5}">
+                      <a16:colId xmlns:a16="http://schemas.microsoft.com/office/drawing/2014/main" val="2002915215"/>
+                    </a:ext>
+                  </a:extLst>
+                </a:gridCol>
+              </a:tblGrid>
+              <a:tr h="370840">
+                <a:tc>
+                  <a:txBody>
+                    <a:bodyPr/>
+                    <a:lstStyle/>
+                    <a:p>
+                      <a:r>
+                        <a:rPr lang="nl-BE" dirty="0"/>
+                        <a:t>Inside local address</a:t>
+                      </a:r>
+                    </a:p>
+                  </a:txBody>
+                  <a:tcPr/>
+                </a:tc>
+                <a:tc>
+                  <a:txBody>
+                    <a:bodyPr/>
+                    <a:lstStyle/>
+                    <a:p>
+                      <a:r>
+                        <a:rPr lang="nl-BE" dirty="0"/>
+                        <a:t>Inside global address</a:t>
+                      </a:r>
+                    </a:p>
+                  </a:txBody>
+                  <a:tcPr/>
+                </a:tc>
+                <a:extLst>
+                  <a:ext uri="{0D108BD9-81ED-4DB2-BD59-A6C34878D82A}">
+                    <a16:rowId xmlns:a16="http://schemas.microsoft.com/office/drawing/2014/main" val="4130694349"/>
+                  </a:ext>
+                </a:extLst>
+              </a:tr>
+              <a:tr h="370840">
+                <a:tc>
+                  <a:txBody>
+                    <a:bodyPr/>
+                    <a:lstStyle/>
+                    <a:p>
+                      <a:r>
+                        <a:rPr lang="nl-BE" dirty="0"/>
+                        <a:t>192.168.10.11:8080</a:t>
+                      </a:r>
+                    </a:p>
+                  </a:txBody>
+                  <a:tcPr/>
+                </a:tc>
+                <a:tc>
+                  <a:txBody>
+                    <a:bodyPr/>
+                    <a:lstStyle/>
+                    <a:p>
+                      <a:r>
+                        <a:rPr lang="nl-BE" dirty="0"/>
+                        <a:t>209.165.200.226:8080</a:t>
+                      </a:r>
+                    </a:p>
+                  </a:txBody>
+                  <a:tcPr/>
+                </a:tc>
+                <a:extLst>
+                  <a:ext uri="{0D108BD9-81ED-4DB2-BD59-A6C34878D82A}">
+                    <a16:rowId xmlns:a16="http://schemas.microsoft.com/office/drawing/2014/main" val="147963183"/>
+                  </a:ext>
+                </a:extLst>
+              </a:tr>
+              <a:tr h="370840">
+                <a:tc>
+                  <a:txBody>
+                    <a:bodyPr/>
+                    <a:lstStyle/>
+                    <a:p>
+                      <a:r>
+                        <a:rPr lang="nl-BE" dirty="0"/>
+                        <a:t>192.168.10.12:8080</a:t>
+                      </a:r>
+                    </a:p>
+                  </a:txBody>
+                  <a:tcPr/>
+                </a:tc>
+                <a:tc>
+                  <a:txBody>
+                    <a:bodyPr/>
+                    <a:lstStyle/>
+                    <a:p>
+                      <a:pPr marL="0" marR="0" lvl="0" indent="0" algn="l" defTabSz="914400" rtl="0" eaLnBrk="1" fontAlgn="auto" latinLnBrk="0" hangingPunct="1">
+                        <a:lnSpc>
+                          <a:spcPct val="100000"/>
+                        </a:lnSpc>
+                        <a:spcBef>
+                          <a:spcPts val="0"/>
+                        </a:spcBef>
+                        <a:spcAft>
+                          <a:spcPts val="0"/>
+                        </a:spcAft>
+                        <a:buClrTx/>
+                        <a:buSzTx/>
+                        <a:buFontTx/>
+                        <a:buNone/>
+                        <a:tabLst/>
+                        <a:defRPr/>
+                      </a:pPr>
+                      <a:r>
+                        <a:rPr lang="nl-BE" dirty="0"/>
+                        <a:t>209.165.200.226:8081</a:t>
+                      </a:r>
+                    </a:p>
+                  </a:txBody>
+                  <a:tcPr/>
+                </a:tc>
+                <a:extLst>
+                  <a:ext uri="{0D108BD9-81ED-4DB2-BD59-A6C34878D82A}">
+                    <a16:rowId xmlns:a16="http://schemas.microsoft.com/office/drawing/2014/main" val="727457975"/>
+                  </a:ext>
+                </a:extLst>
+              </a:tr>
+            </a:tbl>
+          </a:graphicData>
+        </a:graphic>
+      </p:graphicFrame>
     </p:spTree>
     <p:extLst>
       <p:ext uri="{BB962C8B-B14F-4D97-AF65-F5344CB8AC3E}">
@@ -12073,19 +15487,19 @@
           <a:p>
             <a:r>
               <a:rPr lang="nl-BE" sz="2000" dirty="0"/>
-              <a:t>NAT forwards binnenkomende pakketten naar hun inside destination door te verwijzen naar het incoming source IPv4 address dat door de host op het public network gegeven wordt.</a:t>
+              <a:t>NAT forward binnenkomende pakketten naar hun inside destination door te verwijzen naar het incoming source IPv4 address dat door de host op het public network gegeven wordt.</a:t>
             </a:r>
           </a:p>
           <a:p>
             <a:r>
               <a:rPr lang="nl-BE" sz="2000" dirty="0"/>
-              <a:t>Bij PAT is er over het algemeen slechts één of een zeer weinig publiek blootgestelde IPv4-adressen.</a:t>
+              <a:t>Bij PAT is er over het algemeen slechts één of een zeer weinig public IP addresses.</a:t>
             </a:r>
           </a:p>
           <a:p>
             <a:r>
               <a:rPr lang="nl-BE" sz="2000" dirty="0"/>
-              <a:t>PAT kan protocollen vertalen die geen poortnummers gebruiken, zoals ICMP; Elk van deze protocollen wordt anders door PAT ondersteund.</a:t>
+              <a:t>PAT kan protocollen vertalen die geen Layer 4 portnummer gebruiken, zoals ICMP; Elk van deze protocollen wordt anders door PAT ondersteund.</a:t>
             </a:r>
             <a:endParaRPr lang="en-US" sz="2000" dirty="0"/>
           </a:p>
@@ -12325,31 +15739,31 @@
           <a:p>
             <a:r>
               <a:rPr lang="en-US" sz="2000" dirty="0"/>
-              <a:t>Performance is degraded</a:t>
+              <a:t>Minder performance</a:t>
             </a:r>
           </a:p>
           <a:p>
             <a:r>
               <a:rPr lang="pt-BR" sz="2000" dirty="0"/>
-              <a:t>End-to-end functionality is degraded</a:t>
+              <a:t>Minder end-to-end functionaliteit</a:t>
             </a:r>
           </a:p>
           <a:p>
             <a:r>
               <a:rPr lang="pt-BR" sz="2000" dirty="0"/>
-              <a:t>End-to-end IP traceability is lost</a:t>
+              <a:t>Geen End-to-end IP traceability meer</a:t>
             </a:r>
           </a:p>
           <a:p>
             <a:r>
               <a:rPr lang="pt-BR" sz="2000" dirty="0"/>
-              <a:t>Tunneling is more complicated</a:t>
+              <a:t>Tunneling is ingewikkelder</a:t>
             </a:r>
           </a:p>
           <a:p>
             <a:r>
               <a:rPr lang="pt-BR" sz="2000" dirty="0"/>
-              <a:t>Initiating TCP connections can be disrupted</a:t>
+              <a:t>Het initieren van TCP connections kan onderbroken worden</a:t>
             </a:r>
           </a:p>
         </p:txBody>
@@ -15559,13 +18973,13 @@
           <a:p>
             <a:r>
               <a:rPr lang="nl-BE" sz="2000" dirty="0"/>
-              <a:t>Private adressen worden niet geroute door internet routers terwijl openbare adressen dit wel worden,</a:t>
+              <a:t>Private adressen worden niet geroute door internet routers terwijl openbare adressen dit wel worden.</a:t>
             </a:r>
           </a:p>
           <a:p>
             <a:r>
               <a:rPr lang="nl-BE" sz="2000" dirty="0"/>
-              <a:t>Private addresses kunnen de tekortkoming aan IPv4-adresruimte verminderen, maar omdat ze niet door internetapparaten worden gerouteerd, moeten ze eerst vertaald worden.</a:t>
+              <a:t>Private addresses kunnen het probleem van de tekortkoming aan IPv4-adresruimte tijdelijk verhelpen, maar omdat ze niet door internetapparaten worden gerouteerd, moeten ze eerst vertaald worden.</a:t>
             </a:r>
           </a:p>
           <a:p>
@@ -16283,7 +19697,7 @@
           <a:p>
             <a:r>
               <a:rPr lang="nl-BE" sz="2000" dirty="0"/>
-              <a:t>NAT behoudt de public address space en bespaart aanzienlijke administratieve kosten in het beheren van adds, moves en changes</a:t>
+              <a:t>NAT behoudt de public address space en bespaart aanzienlijke administratieve kosten in het toevoegen, verplaatsen en wijzigen van devices in het netwerk</a:t>
             </a:r>
             <a:r>
               <a:rPr lang="en-US" sz="2000" dirty="0"/>
@@ -16319,7 +19733,7 @@
             </a:r>
             <a:r>
               <a:rPr lang="en-US" dirty="0"/>
-              <a:t>overloading</a:t>
+              <a:t>overloading (PAT)</a:t>
             </a:r>
           </a:p>
           <a:p>

--- a/Networking Advanced - Chapter5 - NAT.pptx
+++ b/Networking Advanced - Chapter5 - NAT.pptx
@@ -1565,7 +1565,7 @@
             </a:r>
             <a:r>
               <a:rPr lang="en-US" b="1" dirty="0"/>
-              <a:t> van het inside global address 209,165,200,226.</a:t>
+              <a:t> van het inside global address 209.165.200.226.</a:t>
             </a:r>
           </a:p>
           <a:p>
@@ -2018,7 +2018,7 @@
             </a:r>
             <a:r>
               <a:rPr lang="en-US" b="1" dirty="0" err="1"/>
-              <a:t>asl</a:t>
+              <a:t>als</a:t>
             </a:r>
             <a:r>
               <a:rPr lang="en-US" b="1" dirty="0"/>
@@ -2657,7 +2657,7 @@
               <a:rPr lang="en-US" b="1" dirty="0" err="1">
                 <a:ea typeface="ＭＳ Ｐゴシック" pitchFamily="34" charset="-128"/>
               </a:rPr>
-              <a:t>bijhoren,de</a:t>
+              <a:t>bijhorende</a:t>
             </a:r>
             <a:r>
               <a:rPr lang="en-US" b="1" dirty="0">
@@ -2723,19 +2723,7 @@
               <a:rPr lang="en-US" b="1" dirty="0">
                 <a:ea typeface="ＭＳ Ｐゴシック" pitchFamily="34" charset="-128"/>
               </a:rPr>
-              <a:t> </a:t>
-            </a:r>
-            <a:r>
-              <a:rPr lang="en-US" b="1" dirty="0" err="1">
-                <a:ea typeface="ＭＳ Ｐゴシック" pitchFamily="34" charset="-128"/>
-              </a:rPr>
-              <a:t>auery</a:t>
-            </a:r>
-            <a:r>
-              <a:rPr lang="en-US" b="1" dirty="0">
-                <a:ea typeface="ＭＳ Ｐゴシック" pitchFamily="34" charset="-128"/>
-              </a:rPr>
-              <a:t> ID in de </a:t>
+              <a:t> query ID in de </a:t>
             </a:r>
             <a:r>
               <a:rPr lang="en-US" b="1" dirty="0" err="1">
@@ -3845,7 +3833,15 @@
             </a:r>
             <a:r>
               <a:rPr lang="en-US" b="1" dirty="0"/>
-              <a:t> NAT warden in de header van de </a:t>
+              <a:t> NAT </a:t>
+            </a:r>
+            <a:r>
+              <a:rPr lang="en-US" b="1" dirty="0" err="1"/>
+              <a:t>waarden</a:t>
+            </a:r>
+            <a:r>
+              <a:rPr lang="en-US" b="1" dirty="0"/>
+              <a:t> in de header van de </a:t>
             </a:r>
             <a:r>
               <a:rPr lang="en-US" b="1" dirty="0" err="1"/>
@@ -7812,19 +7808,7 @@
               <a:rPr lang="en-US" b="1" dirty="0">
                 <a:ea typeface="ＭＳ Ｐゴシック" pitchFamily="34" charset="-128"/>
               </a:rPr>
-              <a:t> die </a:t>
-            </a:r>
-            <a:r>
-              <a:rPr lang="en-US" b="1" dirty="0" err="1">
-                <a:ea typeface="ＭＳ Ｐゴシック" pitchFamily="34" charset="-128"/>
-              </a:rPr>
-              <a:t>publix</a:t>
-            </a:r>
-            <a:r>
-              <a:rPr lang="en-US" b="1" dirty="0">
-                <a:ea typeface="ＭＳ Ｐゴシック" pitchFamily="34" charset="-128"/>
-              </a:rPr>
-              <a:t> ipv4 </a:t>
+              <a:t> die public ipv4 </a:t>
             </a:r>
             <a:r>
               <a:rPr lang="en-US" b="1" dirty="0" err="1">
@@ -8153,7 +8137,7 @@
             </a:r>
             <a:r>
               <a:rPr lang="en-US" b="1" dirty="0" err="1"/>
-              <a:t>natwerk</a:t>
+              <a:t>netwerk</a:t>
             </a:r>
             <a:r>
               <a:rPr lang="en-US" b="1" dirty="0"/>
@@ -8516,7 +8500,7 @@
             </a:pPr>
             <a:r>
               <a:rPr lang="en-US" b="1" dirty="0"/>
-              <a:t>Inside local address: 192,168,10,10 </a:t>
+              <a:t>Inside local address: 192.168.10.10 </a:t>
             </a:r>
             <a:r>
               <a:rPr lang="en-US" b="1" dirty="0" err="1"/>
@@ -8546,7 +8530,7 @@
             </a:r>
             <a:r>
               <a:rPr lang="en-US" b="1" dirty="0"/>
-              <a:t> met outside address 209,165,201,1</a:t>
+              <a:t> met outside address 209.165.201.1</a:t>
             </a:r>
           </a:p>
           <a:p>
@@ -8616,7 +8600,7 @@
             </a:r>
             <a:r>
               <a:rPr lang="en-US" b="1" dirty="0"/>
-              <a:t> 209,165,200,226 </a:t>
+              <a:t> 209.165.200.226 </a:t>
             </a:r>
             <a:r>
               <a:rPr lang="en-US" b="1" dirty="0" err="1"/>
@@ -8780,7 +8764,7 @@
             </a:r>
             <a:r>
               <a:rPr lang="en-US" b="1" dirty="0"/>
-              <a:t> van 209,165,200,226, het inside global address</a:t>
+              <a:t> van 209.165.200.226, het inside global address</a:t>
             </a:r>
           </a:p>
           <a:p>
@@ -8798,7 +8782,7 @@
             </a:r>
             <a:r>
               <a:rPr lang="en-US" b="1" dirty="0"/>
-              <a:t> router R2 is punt </a:t>
+              <a:t> router R2 is het punt </a:t>
             </a:r>
             <a:r>
               <a:rPr lang="en-US" b="1" dirty="0" err="1"/>
@@ -15610,7 +15594,7 @@
           <a:p>
             <a:r>
               <a:rPr lang="nl-BE" sz="2000" dirty="0"/>
-              <a:t>Behoudt de legally registered addressing scheme</a:t>
+              <a:t>Behoudt het legally registered addressing scheme</a:t>
             </a:r>
           </a:p>
           <a:p>
